--- a/Presentation/Amieroh_P_new.pptx
+++ b/Presentation/Amieroh_P_new.pptx
@@ -80,19 +80,14 @@
             <a:noAutofit/>
           </a:bodyPr>
           <a:p>
-            <a:r>
-              <a:rPr b="0" lang="en-US" sz="1800" spc="-1" strike="noStrike">
-                <a:solidFill>
-                  <a:srgbClr val="000000"/>
-                </a:solidFill>
+            <a:pPr algn="ctr"/>
+            <a:r>
+              <a:rPr b="0" lang="en-ZA" sz="4400" spc="-1" strike="noStrike">
                 <a:latin typeface="Arial"/>
               </a:rPr>
               <a:t>Click to move the slide</a:t>
             </a:r>
-            <a:endParaRPr b="0" lang="en-US" sz="1800" spc="-1" strike="noStrike">
-              <a:solidFill>
-                <a:srgbClr val="000000"/>
-              </a:solidFill>
+            <a:endParaRPr b="0" lang="en-ZA" sz="4400" spc="-1" strike="noStrike">
               <a:latin typeface="Arial"/>
             </a:endParaRPr>
           </a:p>
@@ -268,7 +263,7 @@
           </a:bodyPr>
           <a:p>
             <a:pPr algn="r"/>
-            <a:fld id="{37562BCD-B247-4337-B7A3-7F911671175B}" type="slidenum">
+            <a:fld id="{A974D3E0-AABC-4CD0-970B-C9182DF38C92}" type="slidenum">
               <a:rPr b="0" lang="en-ZA" sz="1400" spc="-1" strike="noStrike">
                 <a:latin typeface="Times New Roman"/>
               </a:rPr>
@@ -316,7 +311,7 @@
         <p:spPr>
           <a:xfrm>
             <a:off x="685800" y="1143000"/>
-            <a:ext cx="5484600" cy="3084120"/>
+            <a:ext cx="5484240" cy="3083760"/>
           </a:xfrm>
           <a:prstGeom prst="rect">
             <a:avLst/>
@@ -336,7 +331,7 @@
         <p:spPr>
           <a:xfrm>
             <a:off x="685800" y="4400640"/>
-            <a:ext cx="5483880" cy="3597840"/>
+            <a:ext cx="5483520" cy="3597480"/>
           </a:xfrm>
           <a:prstGeom prst="rect">
             <a:avLst/>
@@ -362,7 +357,7 @@
         <p:spPr>
           <a:xfrm>
             <a:off x="3884760" y="8685360"/>
-            <a:ext cx="2969280" cy="456120"/>
+            <a:ext cx="2968920" cy="455760"/>
           </a:xfrm>
           <a:prstGeom prst="rect">
             <a:avLst/>
@@ -388,7 +383,7 @@
                 <a:spcPct val="100000"/>
               </a:lnSpc>
             </a:pPr>
-            <a:fld id="{4FD11AD6-81A1-4FB3-8F07-CF853BDD4C99}" type="slidenum">
+            <a:fld id="{990BAD49-ADB8-4F36-80E6-3E6568EC0C5C}" type="slidenum">
               <a:rPr b="0" lang="en-ZA" sz="1200" spc="-1" strike="noStrike">
                 <a:solidFill>
                   <a:srgbClr val="000000"/>
@@ -439,7 +434,7 @@
         <p:spPr>
           <a:xfrm>
             <a:off x="687240" y="1143000"/>
-            <a:ext cx="5479560" cy="3082680"/>
+            <a:ext cx="5479200" cy="3082320"/>
           </a:xfrm>
           <a:prstGeom prst="rect">
             <a:avLst/>
@@ -459,7 +454,7 @@
         <p:spPr>
           <a:xfrm>
             <a:off x="685800" y="4400640"/>
-            <a:ext cx="5482080" cy="3596040"/>
+            <a:ext cx="5481720" cy="3595680"/>
           </a:xfrm>
           <a:prstGeom prst="rect">
             <a:avLst/>
@@ -470,7 +465,7 @@
             <a:noAutofit/>
           </a:bodyPr>
           <a:p>
-            <a:pPr marL="216000" indent="-212040">
+            <a:pPr marL="216000" indent="-211680">
               <a:lnSpc>
                 <a:spcPct val="100000"/>
               </a:lnSpc>
@@ -500,7 +495,7 @@
         <p:spPr>
           <a:xfrm>
             <a:off x="3884760" y="8685360"/>
-            <a:ext cx="2967480" cy="454320"/>
+            <a:ext cx="2967120" cy="453960"/>
           </a:xfrm>
           <a:prstGeom prst="rect">
             <a:avLst/>
@@ -526,7 +521,7 @@
                 <a:spcPct val="100000"/>
               </a:lnSpc>
             </a:pPr>
-            <a:fld id="{A4928A59-9B88-4A39-B4A7-A5670D42C520}" type="slidenum">
+            <a:fld id="{B412FE26-3D28-4E93-8B6A-4F7BCE47E109}" type="slidenum">
               <a:rPr b="0" lang="en-ZA" sz="1200" spc="-1" strike="noStrike">
                 <a:solidFill>
                   <a:srgbClr val="000000"/>
@@ -577,7 +572,7 @@
         <p:spPr>
           <a:xfrm>
             <a:off x="685800" y="1143000"/>
-            <a:ext cx="5484600" cy="3084120"/>
+            <a:ext cx="5484240" cy="3083760"/>
           </a:xfrm>
           <a:prstGeom prst="rect">
             <a:avLst/>
@@ -597,7 +592,7 @@
         <p:spPr>
           <a:xfrm>
             <a:off x="685800" y="4400640"/>
-            <a:ext cx="5483880" cy="3597840"/>
+            <a:ext cx="5483520" cy="3597480"/>
           </a:xfrm>
           <a:prstGeom prst="rect">
             <a:avLst/>
@@ -623,7 +618,7 @@
         <p:spPr>
           <a:xfrm>
             <a:off x="3884760" y="8685360"/>
-            <a:ext cx="2969280" cy="456120"/>
+            <a:ext cx="2968920" cy="455760"/>
           </a:xfrm>
           <a:prstGeom prst="rect">
             <a:avLst/>
@@ -649,7 +644,7 @@
                 <a:spcPct val="100000"/>
               </a:lnSpc>
             </a:pPr>
-            <a:fld id="{C1B90B42-A7AD-4864-8C10-006A2766F22F}" type="slidenum">
+            <a:fld id="{94994D29-7B6C-4B70-8AE3-8E53CDE1AC68}" type="slidenum">
               <a:rPr b="0" lang="en-ZA" sz="1200" spc="-1" strike="noStrike">
                 <a:solidFill>
                   <a:srgbClr val="000000"/>
@@ -700,7 +695,7 @@
         <p:spPr>
           <a:xfrm>
             <a:off x="685800" y="1143000"/>
-            <a:ext cx="5484600" cy="3084120"/>
+            <a:ext cx="5484240" cy="3083760"/>
           </a:xfrm>
           <a:prstGeom prst="rect">
             <a:avLst/>
@@ -720,7 +715,7 @@
         <p:spPr>
           <a:xfrm>
             <a:off x="685800" y="4400640"/>
-            <a:ext cx="5483880" cy="3597840"/>
+            <a:ext cx="5483520" cy="3597480"/>
           </a:xfrm>
           <a:prstGeom prst="rect">
             <a:avLst/>
@@ -731,7 +726,7 @@
             <a:noAutofit/>
           </a:bodyPr>
           <a:p>
-            <a:pPr marL="216000" indent="-213840">
+            <a:pPr marL="216000" indent="-213480">
               <a:lnSpc>
                 <a:spcPct val="100000"/>
               </a:lnSpc>
@@ -761,7 +756,7 @@
         <p:spPr>
           <a:xfrm>
             <a:off x="3884760" y="8685360"/>
-            <a:ext cx="2969280" cy="456120"/>
+            <a:ext cx="2968920" cy="455760"/>
           </a:xfrm>
           <a:prstGeom prst="rect">
             <a:avLst/>
@@ -787,7 +782,7 @@
                 <a:spcPct val="100000"/>
               </a:lnSpc>
             </a:pPr>
-            <a:fld id="{9CA213C7-0F97-4102-9685-DF3C8BE22123}" type="slidenum">
+            <a:fld id="{029126B8-704D-4979-8435-0397234BA238}" type="slidenum">
               <a:rPr b="0" lang="en-ZA" sz="1200" spc="-1" strike="noStrike">
                 <a:solidFill>
                   <a:srgbClr val="000000"/>
@@ -838,7 +833,7 @@
         <p:spPr>
           <a:xfrm>
             <a:off x="685800" y="1143000"/>
-            <a:ext cx="5484600" cy="3084120"/>
+            <a:ext cx="5484240" cy="3083760"/>
           </a:xfrm>
           <a:prstGeom prst="rect">
             <a:avLst/>
@@ -858,7 +853,7 @@
         <p:spPr>
           <a:xfrm>
             <a:off x="685800" y="4400640"/>
-            <a:ext cx="5483880" cy="3597840"/>
+            <a:ext cx="5483520" cy="3597480"/>
           </a:xfrm>
           <a:prstGeom prst="rect">
             <a:avLst/>
@@ -869,7 +864,7 @@
             <a:noAutofit/>
           </a:bodyPr>
           <a:p>
-            <a:pPr marL="216000" indent="-213840">
+            <a:pPr marL="216000" indent="-213480">
               <a:lnSpc>
                 <a:spcPct val="100000"/>
               </a:lnSpc>
@@ -885,7 +880,7 @@
             </a:endParaRPr>
           </a:p>
           <a:p>
-            <a:pPr marL="216000" indent="-213840">
+            <a:pPr marL="216000" indent="-213480">
               <a:lnSpc>
                 <a:spcPct val="100000"/>
               </a:lnSpc>
@@ -901,7 +896,7 @@
             </a:endParaRPr>
           </a:p>
           <a:p>
-            <a:pPr marL="216000" indent="-213840">
+            <a:pPr marL="216000" indent="-213480">
               <a:lnSpc>
                 <a:spcPct val="100000"/>
               </a:lnSpc>
@@ -917,7 +912,7 @@
             </a:endParaRPr>
           </a:p>
           <a:p>
-            <a:pPr marL="216000" indent="-213840">
+            <a:pPr marL="216000" indent="-213480">
               <a:lnSpc>
                 <a:spcPct val="100000"/>
               </a:lnSpc>
@@ -927,7 +922,7 @@
             </a:endParaRPr>
           </a:p>
           <a:p>
-            <a:pPr marL="216000" indent="-213840">
+            <a:pPr marL="216000" indent="-213480">
               <a:lnSpc>
                 <a:spcPct val="100000"/>
               </a:lnSpc>
@@ -947,7 +942,7 @@
         <p:spPr>
           <a:xfrm>
             <a:off x="3884760" y="8685360"/>
-            <a:ext cx="2969280" cy="456120"/>
+            <a:ext cx="2968920" cy="455760"/>
           </a:xfrm>
           <a:prstGeom prst="rect">
             <a:avLst/>
@@ -973,7 +968,7 @@
                 <a:spcPct val="100000"/>
               </a:lnSpc>
             </a:pPr>
-            <a:fld id="{2F68D3F0-6369-4142-B44A-DF8824F19795}" type="slidenum">
+            <a:fld id="{2F597B3A-5CC5-4906-A054-DE8DE3892C27}" type="slidenum">
               <a:rPr b="0" lang="en-ZA" sz="1200" spc="-1" strike="noStrike">
                 <a:solidFill>
                   <a:srgbClr val="000000"/>
@@ -1024,7 +1019,7 @@
         <p:spPr>
           <a:xfrm>
             <a:off x="685800" y="1143000"/>
-            <a:ext cx="5484600" cy="3084120"/>
+            <a:ext cx="5484240" cy="3083760"/>
           </a:xfrm>
           <a:prstGeom prst="rect">
             <a:avLst/>
@@ -1044,7 +1039,7 @@
         <p:spPr>
           <a:xfrm>
             <a:off x="685800" y="4400640"/>
-            <a:ext cx="5483880" cy="3597840"/>
+            <a:ext cx="5483520" cy="3597480"/>
           </a:xfrm>
           <a:prstGeom prst="rect">
             <a:avLst/>
@@ -1055,7 +1050,7 @@
             <a:noAutofit/>
           </a:bodyPr>
           <a:p>
-            <a:pPr marL="216000" indent="-213840">
+            <a:pPr marL="216000" indent="-213480">
               <a:lnSpc>
                 <a:spcPct val="100000"/>
               </a:lnSpc>
@@ -1071,7 +1066,7 @@
             </a:endParaRPr>
           </a:p>
           <a:p>
-            <a:pPr marL="216000" indent="-213840">
+            <a:pPr marL="216000" indent="-213480">
               <a:lnSpc>
                 <a:spcPct val="100000"/>
               </a:lnSpc>
@@ -1087,7 +1082,7 @@
             </a:endParaRPr>
           </a:p>
           <a:p>
-            <a:pPr marL="216000" indent="-213840">
+            <a:pPr marL="216000" indent="-213480">
               <a:lnSpc>
                 <a:spcPct val="100000"/>
               </a:lnSpc>
@@ -1103,7 +1098,7 @@
             </a:endParaRPr>
           </a:p>
           <a:p>
-            <a:pPr marL="216000" indent="-213840">
+            <a:pPr marL="216000" indent="-213480">
               <a:lnSpc>
                 <a:spcPct val="100000"/>
               </a:lnSpc>
@@ -1113,7 +1108,7 @@
             </a:endParaRPr>
           </a:p>
           <a:p>
-            <a:pPr marL="216000" indent="-213840">
+            <a:pPr marL="216000" indent="-213480">
               <a:lnSpc>
                 <a:spcPct val="100000"/>
               </a:lnSpc>
@@ -1133,7 +1128,7 @@
         <p:spPr>
           <a:xfrm>
             <a:off x="3884760" y="8685360"/>
-            <a:ext cx="2969280" cy="456120"/>
+            <a:ext cx="2968920" cy="455760"/>
           </a:xfrm>
           <a:prstGeom prst="rect">
             <a:avLst/>
@@ -1159,7 +1154,7 @@
                 <a:spcPct val="100000"/>
               </a:lnSpc>
             </a:pPr>
-            <a:fld id="{F3B112D1-F16F-49FC-83BA-927D4B783B4A}" type="slidenum">
+            <a:fld id="{34060367-7E1C-48F5-9CCF-502889F14B52}" type="slidenum">
               <a:rPr b="0" lang="en-ZA" sz="1200" spc="-1" strike="noStrike">
                 <a:solidFill>
                   <a:srgbClr val="000000"/>
@@ -1210,7 +1205,7 @@
         <p:spPr>
           <a:xfrm>
             <a:off x="685800" y="1143000"/>
-            <a:ext cx="5484600" cy="3084120"/>
+            <a:ext cx="5484240" cy="3083760"/>
           </a:xfrm>
           <a:prstGeom prst="rect">
             <a:avLst/>
@@ -1230,7 +1225,7 @@
         <p:spPr>
           <a:xfrm>
             <a:off x="685800" y="4400640"/>
-            <a:ext cx="5483880" cy="3597840"/>
+            <a:ext cx="5483520" cy="3597480"/>
           </a:xfrm>
           <a:prstGeom prst="rect">
             <a:avLst/>
@@ -1241,7 +1236,7 @@
             <a:noAutofit/>
           </a:bodyPr>
           <a:p>
-            <a:pPr marL="216000" indent="-213840">
+            <a:pPr marL="216000" indent="-213480">
               <a:lnSpc>
                 <a:spcPct val="100000"/>
               </a:lnSpc>
@@ -1257,7 +1252,7 @@
             </a:endParaRPr>
           </a:p>
           <a:p>
-            <a:pPr marL="216000" indent="-213840">
+            <a:pPr marL="216000" indent="-213480">
               <a:lnSpc>
                 <a:spcPct val="100000"/>
               </a:lnSpc>
@@ -1273,7 +1268,7 @@
             </a:endParaRPr>
           </a:p>
           <a:p>
-            <a:pPr marL="216000" indent="-213840">
+            <a:pPr marL="216000" indent="-213480">
               <a:lnSpc>
                 <a:spcPct val="100000"/>
               </a:lnSpc>
@@ -1289,7 +1284,7 @@
             </a:endParaRPr>
           </a:p>
           <a:p>
-            <a:pPr marL="216000" indent="-213840">
+            <a:pPr marL="216000" indent="-213480">
               <a:lnSpc>
                 <a:spcPct val="100000"/>
               </a:lnSpc>
@@ -1299,7 +1294,7 @@
             </a:endParaRPr>
           </a:p>
           <a:p>
-            <a:pPr marL="216000" indent="-213840">
+            <a:pPr marL="216000" indent="-213480">
               <a:lnSpc>
                 <a:spcPct val="100000"/>
               </a:lnSpc>
@@ -1319,7 +1314,7 @@
         <p:spPr>
           <a:xfrm>
             <a:off x="3884760" y="8685360"/>
-            <a:ext cx="2969280" cy="456120"/>
+            <a:ext cx="2968920" cy="455760"/>
           </a:xfrm>
           <a:prstGeom prst="rect">
             <a:avLst/>
@@ -1345,7 +1340,7 @@
                 <a:spcPct val="100000"/>
               </a:lnSpc>
             </a:pPr>
-            <a:fld id="{C8CE3FEA-BED2-4C30-9123-EA02A569B0C5}" type="slidenum">
+            <a:fld id="{109DC8D1-D5F8-4D4F-BEFD-0043139BADE2}" type="slidenum">
               <a:rPr b="0" lang="en-ZA" sz="1200" spc="-1" strike="noStrike">
                 <a:solidFill>
                   <a:srgbClr val="000000"/>
@@ -1396,7 +1391,7 @@
         <p:spPr>
           <a:xfrm>
             <a:off x="685800" y="1143000"/>
-            <a:ext cx="5484600" cy="3084120"/>
+            <a:ext cx="5484240" cy="3083760"/>
           </a:xfrm>
           <a:prstGeom prst="rect">
             <a:avLst/>
@@ -1416,7 +1411,7 @@
         <p:spPr>
           <a:xfrm>
             <a:off x="685800" y="4400640"/>
-            <a:ext cx="5483880" cy="3597840"/>
+            <a:ext cx="5483520" cy="3597480"/>
           </a:xfrm>
           <a:prstGeom prst="rect">
             <a:avLst/>
@@ -1427,7 +1422,7 @@
             <a:noAutofit/>
           </a:bodyPr>
           <a:p>
-            <a:pPr marL="216000" indent="-213840">
+            <a:pPr marL="216000" indent="-213480">
               <a:lnSpc>
                 <a:spcPct val="100000"/>
               </a:lnSpc>
@@ -1443,7 +1438,7 @@
             </a:endParaRPr>
           </a:p>
           <a:p>
-            <a:pPr marL="216000" indent="-213840">
+            <a:pPr marL="216000" indent="-213480">
               <a:lnSpc>
                 <a:spcPct val="100000"/>
               </a:lnSpc>
@@ -1459,7 +1454,7 @@
             </a:endParaRPr>
           </a:p>
           <a:p>
-            <a:pPr marL="216000" indent="-213840">
+            <a:pPr marL="216000" indent="-213480">
               <a:lnSpc>
                 <a:spcPct val="100000"/>
               </a:lnSpc>
@@ -1475,7 +1470,7 @@
             </a:endParaRPr>
           </a:p>
           <a:p>
-            <a:pPr marL="216000" indent="-213840">
+            <a:pPr marL="216000" indent="-213480">
               <a:lnSpc>
                 <a:spcPct val="100000"/>
               </a:lnSpc>
@@ -1485,7 +1480,7 @@
             </a:endParaRPr>
           </a:p>
           <a:p>
-            <a:pPr marL="216000" indent="-213840">
+            <a:pPr marL="216000" indent="-213480">
               <a:lnSpc>
                 <a:spcPct val="100000"/>
               </a:lnSpc>
@@ -1505,7 +1500,7 @@
         <p:spPr>
           <a:xfrm>
             <a:off x="3884760" y="8685360"/>
-            <a:ext cx="2969280" cy="456120"/>
+            <a:ext cx="2968920" cy="455760"/>
           </a:xfrm>
           <a:prstGeom prst="rect">
             <a:avLst/>
@@ -1531,7 +1526,7 @@
                 <a:spcPct val="100000"/>
               </a:lnSpc>
             </a:pPr>
-            <a:fld id="{D5538A43-B34A-4754-A169-61DD90EAA6A1}" type="slidenum">
+            <a:fld id="{AD868103-6D90-48DF-BFB6-7B311977F399}" type="slidenum">
               <a:rPr b="0" lang="en-ZA" sz="1200" spc="-1" strike="noStrike">
                 <a:solidFill>
                   <a:srgbClr val="000000"/>
@@ -1582,7 +1577,7 @@
         <p:spPr>
           <a:xfrm>
             <a:off x="685800" y="1143000"/>
-            <a:ext cx="5484600" cy="3084120"/>
+            <a:ext cx="5484240" cy="3083760"/>
           </a:xfrm>
           <a:prstGeom prst="rect">
             <a:avLst/>
@@ -1602,7 +1597,7 @@
         <p:spPr>
           <a:xfrm>
             <a:off x="685800" y="4400640"/>
-            <a:ext cx="5483880" cy="3597840"/>
+            <a:ext cx="5483520" cy="3597480"/>
           </a:xfrm>
           <a:prstGeom prst="rect">
             <a:avLst/>
@@ -1613,7 +1608,7 @@
             <a:noAutofit/>
           </a:bodyPr>
           <a:p>
-            <a:pPr marL="216000" indent="-213840">
+            <a:pPr marL="216000" indent="-213480">
               <a:lnSpc>
                 <a:spcPct val="100000"/>
               </a:lnSpc>
@@ -1629,7 +1624,7 @@
             </a:endParaRPr>
           </a:p>
           <a:p>
-            <a:pPr marL="216000" indent="-213840">
+            <a:pPr marL="216000" indent="-213480">
               <a:lnSpc>
                 <a:spcPct val="100000"/>
               </a:lnSpc>
@@ -1645,7 +1640,7 @@
             </a:endParaRPr>
           </a:p>
           <a:p>
-            <a:pPr marL="216000" indent="-213840">
+            <a:pPr marL="216000" indent="-213480">
               <a:lnSpc>
                 <a:spcPct val="100000"/>
               </a:lnSpc>
@@ -1661,7 +1656,7 @@
             </a:endParaRPr>
           </a:p>
           <a:p>
-            <a:pPr marL="216000" indent="-213840">
+            <a:pPr marL="216000" indent="-213480">
               <a:lnSpc>
                 <a:spcPct val="100000"/>
               </a:lnSpc>
@@ -1671,7 +1666,7 @@
             </a:endParaRPr>
           </a:p>
           <a:p>
-            <a:pPr marL="216000" indent="-213840">
+            <a:pPr marL="216000" indent="-213480">
               <a:lnSpc>
                 <a:spcPct val="100000"/>
               </a:lnSpc>
@@ -1691,7 +1686,7 @@
         <p:spPr>
           <a:xfrm>
             <a:off x="3884760" y="8685360"/>
-            <a:ext cx="2969280" cy="456120"/>
+            <a:ext cx="2968920" cy="455760"/>
           </a:xfrm>
           <a:prstGeom prst="rect">
             <a:avLst/>
@@ -1717,7 +1712,7 @@
                 <a:spcPct val="100000"/>
               </a:lnSpc>
             </a:pPr>
-            <a:fld id="{D2741DB7-DCB8-4A6F-BAA1-611EF83FDD89}" type="slidenum">
+            <a:fld id="{092671F8-B245-4B07-8C18-CCA2132AFCF1}" type="slidenum">
               <a:rPr b="0" lang="en-ZA" sz="1200" spc="-1" strike="noStrike">
                 <a:solidFill>
                   <a:srgbClr val="000000"/>
@@ -1768,7 +1763,7 @@
         <p:spPr>
           <a:xfrm>
             <a:off x="685800" y="1143000"/>
-            <a:ext cx="5484600" cy="3084120"/>
+            <a:ext cx="5484240" cy="3083760"/>
           </a:xfrm>
           <a:prstGeom prst="rect">
             <a:avLst/>
@@ -1788,7 +1783,7 @@
         <p:spPr>
           <a:xfrm>
             <a:off x="685800" y="4400640"/>
-            <a:ext cx="5483880" cy="3597840"/>
+            <a:ext cx="5483520" cy="3597480"/>
           </a:xfrm>
           <a:prstGeom prst="rect">
             <a:avLst/>
@@ -1799,7 +1794,7 @@
             <a:noAutofit/>
           </a:bodyPr>
           <a:p>
-            <a:pPr marL="216000" indent="-213840">
+            <a:pPr marL="216000" indent="-213480">
               <a:lnSpc>
                 <a:spcPct val="100000"/>
               </a:lnSpc>
@@ -1815,7 +1810,7 @@
             </a:endParaRPr>
           </a:p>
           <a:p>
-            <a:pPr marL="216000" indent="-213840">
+            <a:pPr marL="216000" indent="-213480">
               <a:lnSpc>
                 <a:spcPct val="100000"/>
               </a:lnSpc>
@@ -1831,7 +1826,7 @@
             </a:endParaRPr>
           </a:p>
           <a:p>
-            <a:pPr marL="216000" indent="-213840">
+            <a:pPr marL="216000" indent="-213480">
               <a:lnSpc>
                 <a:spcPct val="100000"/>
               </a:lnSpc>
@@ -1847,7 +1842,7 @@
             </a:endParaRPr>
           </a:p>
           <a:p>
-            <a:pPr marL="216000" indent="-213840">
+            <a:pPr marL="216000" indent="-213480">
               <a:lnSpc>
                 <a:spcPct val="100000"/>
               </a:lnSpc>
@@ -1857,7 +1852,7 @@
             </a:endParaRPr>
           </a:p>
           <a:p>
-            <a:pPr marL="216000" indent="-213840">
+            <a:pPr marL="216000" indent="-213480">
               <a:lnSpc>
                 <a:spcPct val="100000"/>
               </a:lnSpc>
@@ -1877,7 +1872,7 @@
         <p:spPr>
           <a:xfrm>
             <a:off x="3884760" y="8685360"/>
-            <a:ext cx="2969280" cy="456120"/>
+            <a:ext cx="2968920" cy="455760"/>
           </a:xfrm>
           <a:prstGeom prst="rect">
             <a:avLst/>
@@ -1903,7 +1898,7 @@
                 <a:spcPct val="100000"/>
               </a:lnSpc>
             </a:pPr>
-            <a:fld id="{A5A98B98-0F75-4066-9ECC-6E23552235F5}" type="slidenum">
+            <a:fld id="{41650CA7-F9AD-4D42-BFFA-F1753991CF95}" type="slidenum">
               <a:rPr b="0" lang="en-ZA" sz="1200" spc="-1" strike="noStrike">
                 <a:solidFill>
                   <a:srgbClr val="000000"/>
@@ -1954,7 +1949,7 @@
         <p:spPr>
           <a:xfrm>
             <a:off x="685800" y="1143000"/>
-            <a:ext cx="5484600" cy="3084120"/>
+            <a:ext cx="5484240" cy="3083760"/>
           </a:xfrm>
           <a:prstGeom prst="rect">
             <a:avLst/>
@@ -1974,7 +1969,7 @@
         <p:spPr>
           <a:xfrm>
             <a:off x="685800" y="4400640"/>
-            <a:ext cx="5483880" cy="3597840"/>
+            <a:ext cx="5483520" cy="3597480"/>
           </a:xfrm>
           <a:prstGeom prst="rect">
             <a:avLst/>
@@ -1985,7 +1980,7 @@
             <a:noAutofit/>
           </a:bodyPr>
           <a:p>
-            <a:pPr marL="216000" indent="-213840">
+            <a:pPr marL="216000" indent="-213480">
               <a:lnSpc>
                 <a:spcPct val="100000"/>
               </a:lnSpc>
@@ -2001,7 +1996,7 @@
             </a:endParaRPr>
           </a:p>
           <a:p>
-            <a:pPr marL="216000" indent="-213840">
+            <a:pPr marL="216000" indent="-213480">
               <a:lnSpc>
                 <a:spcPct val="100000"/>
               </a:lnSpc>
@@ -2017,7 +2012,7 @@
             </a:endParaRPr>
           </a:p>
           <a:p>
-            <a:pPr marL="216000" indent="-213840">
+            <a:pPr marL="216000" indent="-213480">
               <a:lnSpc>
                 <a:spcPct val="100000"/>
               </a:lnSpc>
@@ -2033,7 +2028,7 @@
             </a:endParaRPr>
           </a:p>
           <a:p>
-            <a:pPr marL="216000" indent="-213840">
+            <a:pPr marL="216000" indent="-213480">
               <a:lnSpc>
                 <a:spcPct val="100000"/>
               </a:lnSpc>
@@ -2043,7 +2038,7 @@
             </a:endParaRPr>
           </a:p>
           <a:p>
-            <a:pPr marL="216000" indent="-213840">
+            <a:pPr marL="216000" indent="-213480">
               <a:lnSpc>
                 <a:spcPct val="100000"/>
               </a:lnSpc>
@@ -2063,7 +2058,7 @@
         <p:spPr>
           <a:xfrm>
             <a:off x="3884760" y="8685360"/>
-            <a:ext cx="2969280" cy="456120"/>
+            <a:ext cx="2968920" cy="455760"/>
           </a:xfrm>
           <a:prstGeom prst="rect">
             <a:avLst/>
@@ -2089,7 +2084,7 @@
                 <a:spcPct val="100000"/>
               </a:lnSpc>
             </a:pPr>
-            <a:fld id="{CC68E1B5-651A-4DA3-AF5B-694283994BA9}" type="slidenum">
+            <a:fld id="{8401A377-6895-42E9-9F34-0129F7452CA2}" type="slidenum">
               <a:rPr b="0" lang="en-ZA" sz="1200" spc="-1" strike="noStrike">
                 <a:solidFill>
                   <a:srgbClr val="000000"/>
@@ -2140,7 +2135,7 @@
         <p:spPr>
           <a:xfrm>
             <a:off x="685800" y="1143000"/>
-            <a:ext cx="5484600" cy="3084120"/>
+            <a:ext cx="5484240" cy="3083760"/>
           </a:xfrm>
           <a:prstGeom prst="rect">
             <a:avLst/>
@@ -2160,7 +2155,7 @@
         <p:spPr>
           <a:xfrm>
             <a:off x="685800" y="4400640"/>
-            <a:ext cx="5483880" cy="3597840"/>
+            <a:ext cx="5483520" cy="3597480"/>
           </a:xfrm>
           <a:prstGeom prst="rect">
             <a:avLst/>
@@ -2186,7 +2181,7 @@
         <p:spPr>
           <a:xfrm>
             <a:off x="3884760" y="8685360"/>
-            <a:ext cx="2969280" cy="456120"/>
+            <a:ext cx="2968920" cy="455760"/>
           </a:xfrm>
           <a:prstGeom prst="rect">
             <a:avLst/>
@@ -2212,7 +2207,7 @@
                 <a:spcPct val="100000"/>
               </a:lnSpc>
             </a:pPr>
-            <a:fld id="{0B555C65-C86A-4058-8D6F-D346EE393757}" type="slidenum">
+            <a:fld id="{09D69EAB-C0E1-44DF-9361-C9647E534510}" type="slidenum">
               <a:rPr b="0" lang="en-ZA" sz="1200" spc="-1" strike="noStrike">
                 <a:solidFill>
                   <a:srgbClr val="000000"/>
@@ -2263,7 +2258,7 @@
         <p:spPr>
           <a:xfrm>
             <a:off x="685800" y="1143000"/>
-            <a:ext cx="5484600" cy="3084120"/>
+            <a:ext cx="5484240" cy="3083760"/>
           </a:xfrm>
           <a:prstGeom prst="rect">
             <a:avLst/>
@@ -2283,7 +2278,7 @@
         <p:spPr>
           <a:xfrm>
             <a:off x="685800" y="4400640"/>
-            <a:ext cx="5483880" cy="3597840"/>
+            <a:ext cx="5483520" cy="3597480"/>
           </a:xfrm>
           <a:prstGeom prst="rect">
             <a:avLst/>
@@ -2294,7 +2289,7 @@
             <a:noAutofit/>
           </a:bodyPr>
           <a:p>
-            <a:pPr marL="216000" indent="-213840">
+            <a:pPr marL="216000" indent="-213480">
               <a:lnSpc>
                 <a:spcPct val="100000"/>
               </a:lnSpc>
@@ -2310,7 +2305,7 @@
             </a:endParaRPr>
           </a:p>
           <a:p>
-            <a:pPr marL="216000" indent="-213840">
+            <a:pPr marL="216000" indent="-213480">
               <a:lnSpc>
                 <a:spcPct val="100000"/>
               </a:lnSpc>
@@ -2326,7 +2321,7 @@
             </a:endParaRPr>
           </a:p>
           <a:p>
-            <a:pPr marL="216000" indent="-213840">
+            <a:pPr marL="216000" indent="-213480">
               <a:lnSpc>
                 <a:spcPct val="100000"/>
               </a:lnSpc>
@@ -2342,7 +2337,7 @@
             </a:endParaRPr>
           </a:p>
           <a:p>
-            <a:pPr marL="216000" indent="-213840">
+            <a:pPr marL="216000" indent="-213480">
               <a:lnSpc>
                 <a:spcPct val="100000"/>
               </a:lnSpc>
@@ -2358,7 +2353,7 @@
             </a:endParaRPr>
           </a:p>
           <a:p>
-            <a:pPr marL="216000" indent="-213840">
+            <a:pPr marL="216000" indent="-213480">
               <a:lnSpc>
                 <a:spcPct val="100000"/>
               </a:lnSpc>
@@ -2368,7 +2363,7 @@
             </a:endParaRPr>
           </a:p>
           <a:p>
-            <a:pPr marL="216000" indent="-213840">
+            <a:pPr marL="216000" indent="-213480">
               <a:lnSpc>
                 <a:spcPct val="100000"/>
               </a:lnSpc>
@@ -2378,7 +2373,7 @@
             </a:endParaRPr>
           </a:p>
           <a:p>
-            <a:pPr marL="216000" indent="-213840">
+            <a:pPr marL="216000" indent="-213480">
               <a:lnSpc>
                 <a:spcPct val="100000"/>
               </a:lnSpc>
@@ -2394,7 +2389,7 @@
             </a:endParaRPr>
           </a:p>
           <a:p>
-            <a:pPr marL="216000" indent="-213840">
+            <a:pPr marL="216000" indent="-213480">
               <a:lnSpc>
                 <a:spcPct val="100000"/>
               </a:lnSpc>
@@ -2404,7 +2399,7 @@
             </a:endParaRPr>
           </a:p>
           <a:p>
-            <a:pPr marL="216000" indent="-213840">
+            <a:pPr marL="216000" indent="-213480">
               <a:lnSpc>
                 <a:spcPct val="100000"/>
               </a:lnSpc>
@@ -2424,7 +2419,7 @@
         <p:spPr>
           <a:xfrm>
             <a:off x="3884760" y="8685360"/>
-            <a:ext cx="2969280" cy="456120"/>
+            <a:ext cx="2968920" cy="455760"/>
           </a:xfrm>
           <a:prstGeom prst="rect">
             <a:avLst/>
@@ -2450,7 +2445,7 @@
                 <a:spcPct val="100000"/>
               </a:lnSpc>
             </a:pPr>
-            <a:fld id="{944CF2CB-7A08-4FE8-8090-55129AEB1AEF}" type="slidenum">
+            <a:fld id="{969746E3-D16A-4598-8D4D-0397DF9ABD9C}" type="slidenum">
               <a:rPr b="0" lang="en-ZA" sz="1200" spc="-1" strike="noStrike">
                 <a:solidFill>
                   <a:srgbClr val="000000"/>
@@ -2501,7 +2496,7 @@
         <p:spPr>
           <a:xfrm>
             <a:off x="685800" y="1143000"/>
-            <a:ext cx="5484600" cy="3084120"/>
+            <a:ext cx="5484240" cy="3083760"/>
           </a:xfrm>
           <a:prstGeom prst="rect">
             <a:avLst/>
@@ -2521,7 +2516,7 @@
         <p:spPr>
           <a:xfrm>
             <a:off x="685800" y="4400640"/>
-            <a:ext cx="5483880" cy="3597840"/>
+            <a:ext cx="5483520" cy="3597480"/>
           </a:xfrm>
           <a:prstGeom prst="rect">
             <a:avLst/>
@@ -2532,7 +2527,7 @@
             <a:noAutofit/>
           </a:bodyPr>
           <a:p>
-            <a:pPr marL="216000" indent="-213840">
+            <a:pPr marL="216000" indent="-213480">
               <a:lnSpc>
                 <a:spcPct val="100000"/>
               </a:lnSpc>
@@ -2548,7 +2543,7 @@
             </a:endParaRPr>
           </a:p>
           <a:p>
-            <a:pPr marL="216000" indent="-213840">
+            <a:pPr marL="216000" indent="-213480">
               <a:lnSpc>
                 <a:spcPct val="100000"/>
               </a:lnSpc>
@@ -2564,7 +2559,7 @@
             </a:endParaRPr>
           </a:p>
           <a:p>
-            <a:pPr marL="216000" indent="-213840">
+            <a:pPr marL="216000" indent="-213480">
               <a:lnSpc>
                 <a:spcPct val="100000"/>
               </a:lnSpc>
@@ -2580,7 +2575,7 @@
             </a:endParaRPr>
           </a:p>
           <a:p>
-            <a:pPr marL="216000" indent="-213840">
+            <a:pPr marL="216000" indent="-213480">
               <a:lnSpc>
                 <a:spcPct val="100000"/>
               </a:lnSpc>
@@ -2596,7 +2591,7 @@
             </a:endParaRPr>
           </a:p>
           <a:p>
-            <a:pPr marL="216000" indent="-213840">
+            <a:pPr marL="216000" indent="-213480">
               <a:lnSpc>
                 <a:spcPct val="100000"/>
               </a:lnSpc>
@@ -2606,7 +2601,7 @@
             </a:endParaRPr>
           </a:p>
           <a:p>
-            <a:pPr marL="216000" indent="-213840">
+            <a:pPr marL="216000" indent="-213480">
               <a:lnSpc>
                 <a:spcPct val="100000"/>
               </a:lnSpc>
@@ -2616,7 +2611,7 @@
             </a:endParaRPr>
           </a:p>
           <a:p>
-            <a:pPr marL="216000" indent="-213840">
+            <a:pPr marL="216000" indent="-213480">
               <a:lnSpc>
                 <a:spcPct val="100000"/>
               </a:lnSpc>
@@ -2632,7 +2627,7 @@
             </a:endParaRPr>
           </a:p>
           <a:p>
-            <a:pPr marL="216000" indent="-213840">
+            <a:pPr marL="216000" indent="-213480">
               <a:lnSpc>
                 <a:spcPct val="100000"/>
               </a:lnSpc>
@@ -2642,7 +2637,7 @@
             </a:endParaRPr>
           </a:p>
           <a:p>
-            <a:pPr marL="216000" indent="-213840">
+            <a:pPr marL="216000" indent="-213480">
               <a:lnSpc>
                 <a:spcPct val="100000"/>
               </a:lnSpc>
@@ -2662,7 +2657,7 @@
         <p:spPr>
           <a:xfrm>
             <a:off x="3884760" y="8685360"/>
-            <a:ext cx="2969280" cy="456120"/>
+            <a:ext cx="2968920" cy="455760"/>
           </a:xfrm>
           <a:prstGeom prst="rect">
             <a:avLst/>
@@ -2688,7 +2683,7 @@
                 <a:spcPct val="100000"/>
               </a:lnSpc>
             </a:pPr>
-            <a:fld id="{B3D2854B-593B-417F-8125-D4C1FA64CF3F}" type="slidenum">
+            <a:fld id="{02FF03F4-D179-4020-AB56-29063CCAE37A}" type="slidenum">
               <a:rPr b="0" lang="en-ZA" sz="1200" spc="-1" strike="noStrike">
                 <a:solidFill>
                   <a:srgbClr val="000000"/>
@@ -2696,7 +2691,7 @@
                 <a:latin typeface="+mn-lt"/>
                 <a:ea typeface="+mn-ea"/>
               </a:rPr>
-              <a:t>1</a:t>
+              <a:t>&lt;number&gt;</a:t>
             </a:fld>
             <a:endParaRPr b="0" lang="en-ZA" sz="1200" spc="-1" strike="noStrike">
               <a:latin typeface="Arial"/>
@@ -2739,7 +2734,7 @@
         <p:spPr>
           <a:xfrm>
             <a:off x="685800" y="1143000"/>
-            <a:ext cx="5484600" cy="3084120"/>
+            <a:ext cx="5484240" cy="3083760"/>
           </a:xfrm>
           <a:prstGeom prst="rect">
             <a:avLst/>
@@ -2759,7 +2754,7 @@
         <p:spPr>
           <a:xfrm>
             <a:off x="685800" y="4400640"/>
-            <a:ext cx="5483880" cy="3597840"/>
+            <a:ext cx="5483520" cy="3597480"/>
           </a:xfrm>
           <a:prstGeom prst="rect">
             <a:avLst/>
@@ -2770,7 +2765,7 @@
             <a:noAutofit/>
           </a:bodyPr>
           <a:p>
-            <a:pPr marL="216000" indent="-213840">
+            <a:pPr marL="216000" indent="-213480">
               <a:lnSpc>
                 <a:spcPct val="100000"/>
               </a:lnSpc>
@@ -2786,7 +2781,7 @@
             </a:endParaRPr>
           </a:p>
           <a:p>
-            <a:pPr marL="216000" indent="-213840">
+            <a:pPr marL="216000" indent="-213480">
               <a:lnSpc>
                 <a:spcPct val="100000"/>
               </a:lnSpc>
@@ -2802,7 +2797,7 @@
             </a:endParaRPr>
           </a:p>
           <a:p>
-            <a:pPr marL="216000" indent="-213840">
+            <a:pPr marL="216000" indent="-213480">
               <a:lnSpc>
                 <a:spcPct val="100000"/>
               </a:lnSpc>
@@ -2818,7 +2813,7 @@
             </a:endParaRPr>
           </a:p>
           <a:p>
-            <a:pPr marL="216000" indent="-213840">
+            <a:pPr marL="216000" indent="-213480">
               <a:lnSpc>
                 <a:spcPct val="100000"/>
               </a:lnSpc>
@@ -2834,7 +2829,7 @@
             </a:endParaRPr>
           </a:p>
           <a:p>
-            <a:pPr marL="216000" indent="-213840">
+            <a:pPr marL="216000" indent="-213480">
               <a:lnSpc>
                 <a:spcPct val="100000"/>
               </a:lnSpc>
@@ -2844,7 +2839,7 @@
             </a:endParaRPr>
           </a:p>
           <a:p>
-            <a:pPr marL="216000" indent="-213840">
+            <a:pPr marL="216000" indent="-213480">
               <a:lnSpc>
                 <a:spcPct val="100000"/>
               </a:lnSpc>
@@ -2854,7 +2849,7 @@
             </a:endParaRPr>
           </a:p>
           <a:p>
-            <a:pPr marL="216000" indent="-213840">
+            <a:pPr marL="216000" indent="-213480">
               <a:lnSpc>
                 <a:spcPct val="100000"/>
               </a:lnSpc>
@@ -2870,7 +2865,7 @@
             </a:endParaRPr>
           </a:p>
           <a:p>
-            <a:pPr marL="216000" indent="-213840">
+            <a:pPr marL="216000" indent="-213480">
               <a:lnSpc>
                 <a:spcPct val="100000"/>
               </a:lnSpc>
@@ -2880,7 +2875,7 @@
             </a:endParaRPr>
           </a:p>
           <a:p>
-            <a:pPr marL="216000" indent="-213840">
+            <a:pPr marL="216000" indent="-213480">
               <a:lnSpc>
                 <a:spcPct val="100000"/>
               </a:lnSpc>
@@ -2900,7 +2895,7 @@
         <p:spPr>
           <a:xfrm>
             <a:off x="3884760" y="8685360"/>
-            <a:ext cx="2969280" cy="456120"/>
+            <a:ext cx="2968920" cy="455760"/>
           </a:xfrm>
           <a:prstGeom prst="rect">
             <a:avLst/>
@@ -2926,7 +2921,7 @@
                 <a:spcPct val="100000"/>
               </a:lnSpc>
             </a:pPr>
-            <a:fld id="{843E50EF-E939-44F5-AA63-0B4A812C3683}" type="slidenum">
+            <a:fld id="{658078E4-E349-4E86-AA11-0BC217434F4A}" type="slidenum">
               <a:rPr b="0" lang="en-ZA" sz="1200" spc="-1" strike="noStrike">
                 <a:solidFill>
                   <a:srgbClr val="000000"/>
@@ -2977,7 +2972,7 @@
         <p:spPr>
           <a:xfrm>
             <a:off x="685800" y="1143000"/>
-            <a:ext cx="5484600" cy="3084120"/>
+            <a:ext cx="5484240" cy="3083760"/>
           </a:xfrm>
           <a:prstGeom prst="rect">
             <a:avLst/>
@@ -2997,7 +2992,7 @@
         <p:spPr>
           <a:xfrm>
             <a:off x="685800" y="4400640"/>
-            <a:ext cx="5483880" cy="3597840"/>
+            <a:ext cx="5483520" cy="3597480"/>
           </a:xfrm>
           <a:prstGeom prst="rect">
             <a:avLst/>
@@ -3008,7 +3003,7 @@
             <a:noAutofit/>
           </a:bodyPr>
           <a:p>
-            <a:pPr marL="216000" indent="-213840">
+            <a:pPr marL="216000" indent="-213480">
               <a:lnSpc>
                 <a:spcPct val="100000"/>
               </a:lnSpc>
@@ -3024,7 +3019,7 @@
             </a:endParaRPr>
           </a:p>
           <a:p>
-            <a:pPr marL="216000" indent="-213840">
+            <a:pPr marL="216000" indent="-213480">
               <a:lnSpc>
                 <a:spcPct val="100000"/>
               </a:lnSpc>
@@ -3040,7 +3035,7 @@
             </a:endParaRPr>
           </a:p>
           <a:p>
-            <a:pPr marL="216000" indent="-213840">
+            <a:pPr marL="216000" indent="-213480">
               <a:lnSpc>
                 <a:spcPct val="100000"/>
               </a:lnSpc>
@@ -3056,7 +3051,7 @@
             </a:endParaRPr>
           </a:p>
           <a:p>
-            <a:pPr marL="216000" indent="-213840">
+            <a:pPr marL="216000" indent="-213480">
               <a:lnSpc>
                 <a:spcPct val="100000"/>
               </a:lnSpc>
@@ -3072,7 +3067,7 @@
             </a:endParaRPr>
           </a:p>
           <a:p>
-            <a:pPr marL="216000" indent="-213840">
+            <a:pPr marL="216000" indent="-213480">
               <a:lnSpc>
                 <a:spcPct val="100000"/>
               </a:lnSpc>
@@ -3082,7 +3077,7 @@
             </a:endParaRPr>
           </a:p>
           <a:p>
-            <a:pPr marL="216000" indent="-213840">
+            <a:pPr marL="216000" indent="-213480">
               <a:lnSpc>
                 <a:spcPct val="100000"/>
               </a:lnSpc>
@@ -3092,7 +3087,7 @@
             </a:endParaRPr>
           </a:p>
           <a:p>
-            <a:pPr marL="216000" indent="-213840">
+            <a:pPr marL="216000" indent="-213480">
               <a:lnSpc>
                 <a:spcPct val="100000"/>
               </a:lnSpc>
@@ -3108,7 +3103,7 @@
             </a:endParaRPr>
           </a:p>
           <a:p>
-            <a:pPr marL="216000" indent="-213840">
+            <a:pPr marL="216000" indent="-213480">
               <a:lnSpc>
                 <a:spcPct val="100000"/>
               </a:lnSpc>
@@ -3118,7 +3113,7 @@
             </a:endParaRPr>
           </a:p>
           <a:p>
-            <a:pPr marL="216000" indent="-213840">
+            <a:pPr marL="216000" indent="-213480">
               <a:lnSpc>
                 <a:spcPct val="100000"/>
               </a:lnSpc>
@@ -3138,7 +3133,7 @@
         <p:spPr>
           <a:xfrm>
             <a:off x="3884760" y="8685360"/>
-            <a:ext cx="2969280" cy="456120"/>
+            <a:ext cx="2968920" cy="455760"/>
           </a:xfrm>
           <a:prstGeom prst="rect">
             <a:avLst/>
@@ -3164,7 +3159,7 @@
                 <a:spcPct val="100000"/>
               </a:lnSpc>
             </a:pPr>
-            <a:fld id="{B563741F-5899-4B27-80BA-07E77B100D5F}" type="slidenum">
+            <a:fld id="{F3744B70-79B8-4F08-BB76-C73047693A61}" type="slidenum">
               <a:rPr b="0" lang="en-ZA" sz="1200" spc="-1" strike="noStrike">
                 <a:solidFill>
                   <a:srgbClr val="000000"/>
@@ -3215,7 +3210,7 @@
         <p:spPr>
           <a:xfrm>
             <a:off x="685800" y="1143000"/>
-            <a:ext cx="5484600" cy="3084120"/>
+            <a:ext cx="5484240" cy="3083760"/>
           </a:xfrm>
           <a:prstGeom prst="rect">
             <a:avLst/>
@@ -3235,7 +3230,7 @@
         <p:spPr>
           <a:xfrm>
             <a:off x="685800" y="4400640"/>
-            <a:ext cx="5483880" cy="3597840"/>
+            <a:ext cx="5483520" cy="3597480"/>
           </a:xfrm>
           <a:prstGeom prst="rect">
             <a:avLst/>
@@ -3246,7 +3241,7 @@
             <a:noAutofit/>
           </a:bodyPr>
           <a:p>
-            <a:pPr marL="216000" indent="-213840">
+            <a:pPr marL="216000" indent="-213480">
               <a:lnSpc>
                 <a:spcPct val="100000"/>
               </a:lnSpc>
@@ -3262,7 +3257,7 @@
             </a:endParaRPr>
           </a:p>
           <a:p>
-            <a:pPr marL="216000" indent="-213840">
+            <a:pPr marL="216000" indent="-213480">
               <a:lnSpc>
                 <a:spcPct val="100000"/>
               </a:lnSpc>
@@ -3278,7 +3273,7 @@
             </a:endParaRPr>
           </a:p>
           <a:p>
-            <a:pPr marL="216000" indent="-213840">
+            <a:pPr marL="216000" indent="-213480">
               <a:lnSpc>
                 <a:spcPct val="100000"/>
               </a:lnSpc>
@@ -3294,7 +3289,7 @@
             </a:endParaRPr>
           </a:p>
           <a:p>
-            <a:pPr marL="216000" indent="-213840">
+            <a:pPr marL="216000" indent="-213480">
               <a:lnSpc>
                 <a:spcPct val="100000"/>
               </a:lnSpc>
@@ -3310,7 +3305,7 @@
             </a:endParaRPr>
           </a:p>
           <a:p>
-            <a:pPr marL="216000" indent="-213840">
+            <a:pPr marL="216000" indent="-213480">
               <a:lnSpc>
                 <a:spcPct val="100000"/>
               </a:lnSpc>
@@ -3320,7 +3315,7 @@
             </a:endParaRPr>
           </a:p>
           <a:p>
-            <a:pPr marL="216000" indent="-213840">
+            <a:pPr marL="216000" indent="-213480">
               <a:lnSpc>
                 <a:spcPct val="100000"/>
               </a:lnSpc>
@@ -3330,7 +3325,7 @@
             </a:endParaRPr>
           </a:p>
           <a:p>
-            <a:pPr marL="216000" indent="-213840">
+            <a:pPr marL="216000" indent="-213480">
               <a:lnSpc>
                 <a:spcPct val="100000"/>
               </a:lnSpc>
@@ -3346,7 +3341,7 @@
             </a:endParaRPr>
           </a:p>
           <a:p>
-            <a:pPr marL="216000" indent="-213840">
+            <a:pPr marL="216000" indent="-213480">
               <a:lnSpc>
                 <a:spcPct val="100000"/>
               </a:lnSpc>
@@ -3356,7 +3351,7 @@
             </a:endParaRPr>
           </a:p>
           <a:p>
-            <a:pPr marL="216000" indent="-213840">
+            <a:pPr marL="216000" indent="-213480">
               <a:lnSpc>
                 <a:spcPct val="100000"/>
               </a:lnSpc>
@@ -3376,7 +3371,7 @@
         <p:spPr>
           <a:xfrm>
             <a:off x="3884760" y="8685360"/>
-            <a:ext cx="2969280" cy="456120"/>
+            <a:ext cx="2968920" cy="455760"/>
           </a:xfrm>
           <a:prstGeom prst="rect">
             <a:avLst/>
@@ -3402,7 +3397,7 @@
                 <a:spcPct val="100000"/>
               </a:lnSpc>
             </a:pPr>
-            <a:fld id="{16A0B2B3-0A0E-4022-8804-3267EACE0CA9}" type="slidenum">
+            <a:fld id="{AF41E368-CEE1-412C-839E-FD2704F2AADD}" type="slidenum">
               <a:rPr b="0" lang="en-ZA" sz="1200" spc="-1" strike="noStrike">
                 <a:solidFill>
                   <a:srgbClr val="000000"/>
@@ -3453,7 +3448,7 @@
         <p:spPr>
           <a:xfrm>
             <a:off x="685800" y="1143000"/>
-            <a:ext cx="5484600" cy="3084120"/>
+            <a:ext cx="5484240" cy="3083760"/>
           </a:xfrm>
           <a:prstGeom prst="rect">
             <a:avLst/>
@@ -3473,7 +3468,7 @@
         <p:spPr>
           <a:xfrm>
             <a:off x="685800" y="4400640"/>
-            <a:ext cx="5483880" cy="3597840"/>
+            <a:ext cx="5483520" cy="3597480"/>
           </a:xfrm>
           <a:prstGeom prst="rect">
             <a:avLst/>
@@ -3484,7 +3479,7 @@
             <a:noAutofit/>
           </a:bodyPr>
           <a:p>
-            <a:pPr marL="216000" indent="-214200">
+            <a:pPr marL="216000" indent="-213840">
               <a:lnSpc>
                 <a:spcPct val="100000"/>
               </a:lnSpc>
@@ -3510,7 +3505,7 @@
         <p:spPr>
           <a:xfrm>
             <a:off x="3884760" y="8685360"/>
-            <a:ext cx="2969280" cy="456120"/>
+            <a:ext cx="2968920" cy="455760"/>
           </a:xfrm>
           <a:prstGeom prst="rect">
             <a:avLst/>
@@ -3536,7 +3531,7 @@
                 <a:spcPct val="100000"/>
               </a:lnSpc>
             </a:pPr>
-            <a:fld id="{EC177696-DE76-4D17-956E-930926346B63}" type="slidenum">
+            <a:fld id="{1B6B0F39-7F94-4E2F-8DE0-4A5E04E94A72}" type="slidenum">
               <a:rPr b="0" lang="en-ZA" sz="1200" spc="-1" strike="noStrike">
                 <a:solidFill>
                   <a:srgbClr val="000000"/>
@@ -3587,7 +3582,7 @@
         <p:spPr>
           <a:xfrm>
             <a:off x="685800" y="1143000"/>
-            <a:ext cx="5484600" cy="3084120"/>
+            <a:ext cx="5484240" cy="3083760"/>
           </a:xfrm>
           <a:prstGeom prst="rect">
             <a:avLst/>
@@ -3607,7 +3602,7 @@
         <p:spPr>
           <a:xfrm>
             <a:off x="685800" y="4400640"/>
-            <a:ext cx="5483880" cy="3597840"/>
+            <a:ext cx="5483520" cy="3597480"/>
           </a:xfrm>
           <a:prstGeom prst="rect">
             <a:avLst/>
@@ -3633,7 +3628,7 @@
         <p:spPr>
           <a:xfrm>
             <a:off x="3884760" y="8685360"/>
-            <a:ext cx="2969280" cy="456120"/>
+            <a:ext cx="2968920" cy="455760"/>
           </a:xfrm>
           <a:prstGeom prst="rect">
             <a:avLst/>
@@ -3659,7 +3654,7 @@
                 <a:spcPct val="100000"/>
               </a:lnSpc>
             </a:pPr>
-            <a:fld id="{476BF82A-E2ED-484D-A127-0A245DC559B7}" type="slidenum">
+            <a:fld id="{5F5EF351-99FE-400C-B7D3-8D5DB3ABFA51}" type="slidenum">
               <a:rPr b="0" lang="en-ZA" sz="1200" spc="-1" strike="noStrike">
                 <a:solidFill>
                   <a:srgbClr val="000000"/>
@@ -3710,7 +3705,7 @@
         <p:spPr>
           <a:xfrm>
             <a:off x="685800" y="1143000"/>
-            <a:ext cx="5484600" cy="3084120"/>
+            <a:ext cx="5484240" cy="3083760"/>
           </a:xfrm>
           <a:prstGeom prst="rect">
             <a:avLst/>
@@ -3730,7 +3725,7 @@
         <p:spPr>
           <a:xfrm>
             <a:off x="685800" y="4400640"/>
-            <a:ext cx="5483880" cy="3597840"/>
+            <a:ext cx="5483520" cy="3597480"/>
           </a:xfrm>
           <a:prstGeom prst="rect">
             <a:avLst/>
@@ -3741,7 +3736,7 @@
             <a:noAutofit/>
           </a:bodyPr>
           <a:p>
-            <a:pPr marL="216000" indent="-214200">
+            <a:pPr marL="216000" indent="-213840">
               <a:lnSpc>
                 <a:spcPct val="100000"/>
               </a:lnSpc>
@@ -3767,7 +3762,7 @@
         <p:spPr>
           <a:xfrm>
             <a:off x="3884760" y="8685360"/>
-            <a:ext cx="2969280" cy="456120"/>
+            <a:ext cx="2968920" cy="455760"/>
           </a:xfrm>
           <a:prstGeom prst="rect">
             <a:avLst/>
@@ -3793,7 +3788,7 @@
                 <a:spcPct val="100000"/>
               </a:lnSpc>
             </a:pPr>
-            <a:fld id="{ACCDC656-BC4F-4CB6-BCBD-41EF527055B0}" type="slidenum">
+            <a:fld id="{EEA1B03A-8998-4619-83BB-EC869BEA181F}" type="slidenum">
               <a:rPr b="0" lang="en-ZA" sz="1200" spc="-1" strike="noStrike">
                 <a:solidFill>
                   <a:srgbClr val="000000"/>
@@ -3844,7 +3839,7 @@
         <p:spPr>
           <a:xfrm>
             <a:off x="685800" y="1143000"/>
-            <a:ext cx="5484600" cy="3084120"/>
+            <a:ext cx="5484240" cy="3083760"/>
           </a:xfrm>
           <a:prstGeom prst="rect">
             <a:avLst/>
@@ -3864,7 +3859,7 @@
         <p:spPr>
           <a:xfrm>
             <a:off x="685800" y="4400640"/>
-            <a:ext cx="5483880" cy="3597840"/>
+            <a:ext cx="5483520" cy="3597480"/>
           </a:xfrm>
           <a:prstGeom prst="rect">
             <a:avLst/>
@@ -3875,7 +3870,7 @@
             <a:noAutofit/>
           </a:bodyPr>
           <a:p>
-            <a:pPr marL="216000" indent="-214200">
+            <a:pPr marL="216000" indent="-213840">
               <a:lnSpc>
                 <a:spcPct val="100000"/>
               </a:lnSpc>
@@ -3901,7 +3896,7 @@
         <p:spPr>
           <a:xfrm>
             <a:off x="3884760" y="8685360"/>
-            <a:ext cx="2969280" cy="456120"/>
+            <a:ext cx="2968920" cy="455760"/>
           </a:xfrm>
           <a:prstGeom prst="rect">
             <a:avLst/>
@@ -3927,7 +3922,7 @@
                 <a:spcPct val="100000"/>
               </a:lnSpc>
             </a:pPr>
-            <a:fld id="{6A2C2F40-B1DE-4C5F-BA41-14F8FAEC40CA}" type="slidenum">
+            <a:fld id="{EFBF05A4-36F1-48B8-B468-2A88B7F9C66F}" type="slidenum">
               <a:rPr b="0" lang="en-ZA" sz="1200" spc="-1" strike="noStrike">
                 <a:solidFill>
                   <a:srgbClr val="000000"/>
@@ -3978,7 +3973,7 @@
         <p:spPr>
           <a:xfrm>
             <a:off x="685800" y="1143000"/>
-            <a:ext cx="5484600" cy="3084120"/>
+            <a:ext cx="5484240" cy="3083760"/>
           </a:xfrm>
           <a:prstGeom prst="rect">
             <a:avLst/>
@@ -3998,7 +3993,7 @@
         <p:spPr>
           <a:xfrm>
             <a:off x="685800" y="4400640"/>
-            <a:ext cx="5483880" cy="3597840"/>
+            <a:ext cx="5483520" cy="3597480"/>
           </a:xfrm>
           <a:prstGeom prst="rect">
             <a:avLst/>
@@ -4009,7 +4004,7 @@
             <a:noAutofit/>
           </a:bodyPr>
           <a:p>
-            <a:pPr marL="216000" indent="-214200">
+            <a:pPr marL="216000" indent="-213840">
               <a:lnSpc>
                 <a:spcPct val="100000"/>
               </a:lnSpc>
@@ -4035,7 +4030,7 @@
         <p:spPr>
           <a:xfrm>
             <a:off x="3884760" y="8685360"/>
-            <a:ext cx="2969280" cy="456120"/>
+            <a:ext cx="2968920" cy="455760"/>
           </a:xfrm>
           <a:prstGeom prst="rect">
             <a:avLst/>
@@ -4061,7 +4056,7 @@
                 <a:spcPct val="100000"/>
               </a:lnSpc>
             </a:pPr>
-            <a:fld id="{1A594E88-02D4-4E55-9488-34FC5A6F1EC6}" type="slidenum">
+            <a:fld id="{EBE4CBBF-3321-423E-9D45-3DCB4FDF57A8}" type="slidenum">
               <a:rPr b="0" lang="en-ZA" sz="1200" spc="-1" strike="noStrike">
                 <a:solidFill>
                   <a:srgbClr val="000000"/>
@@ -4112,7 +4107,7 @@
         <p:spPr>
           <a:xfrm>
             <a:off x="687240" y="1143000"/>
-            <a:ext cx="5478120" cy="3082680"/>
+            <a:ext cx="5477760" cy="3082320"/>
           </a:xfrm>
           <a:prstGeom prst="rect">
             <a:avLst/>
@@ -4132,7 +4127,7 @@
         <p:spPr>
           <a:xfrm>
             <a:off x="685800" y="4400640"/>
-            <a:ext cx="5481720" cy="3595680"/>
+            <a:ext cx="5481360" cy="3595320"/>
           </a:xfrm>
           <a:prstGeom prst="rect">
             <a:avLst/>
@@ -4143,7 +4138,7 @@
             <a:noAutofit/>
           </a:bodyPr>
           <a:p>
-            <a:pPr marL="216000" indent="-211680">
+            <a:pPr marL="216000" indent="-211320">
               <a:lnSpc>
                 <a:spcPct val="100000"/>
               </a:lnSpc>
@@ -4173,7 +4168,7 @@
         <p:spPr>
           <a:xfrm>
             <a:off x="3884760" y="8685360"/>
-            <a:ext cx="2967120" cy="453960"/>
+            <a:ext cx="2966760" cy="453600"/>
           </a:xfrm>
           <a:prstGeom prst="rect">
             <a:avLst/>
@@ -4199,7 +4194,7 @@
                 <a:spcPct val="100000"/>
               </a:lnSpc>
             </a:pPr>
-            <a:fld id="{746FCF75-FBB1-4AF9-B6A2-2CE83C88CA1C}" type="slidenum">
+            <a:fld id="{8AAF5C78-53F5-4949-91BA-45748FA3ABDF}" type="slidenum">
               <a:rPr b="0" lang="en-ZA" sz="1200" spc="-1" strike="noStrike">
                 <a:solidFill>
                   <a:srgbClr val="000000"/>
@@ -4250,7 +4245,7 @@
         <p:spPr>
           <a:xfrm>
             <a:off x="687240" y="1143000"/>
-            <a:ext cx="5478120" cy="3082680"/>
+            <a:ext cx="5477760" cy="3082320"/>
           </a:xfrm>
           <a:prstGeom prst="rect">
             <a:avLst/>
@@ -4270,7 +4265,7 @@
         <p:spPr>
           <a:xfrm>
             <a:off x="685800" y="4400640"/>
-            <a:ext cx="5481720" cy="3595680"/>
+            <a:ext cx="5481360" cy="3595320"/>
           </a:xfrm>
           <a:prstGeom prst="rect">
             <a:avLst/>
@@ -4281,7 +4276,7 @@
             <a:noAutofit/>
           </a:bodyPr>
           <a:p>
-            <a:pPr marL="216000" indent="-211680">
+            <a:pPr marL="216000" indent="-211320">
               <a:lnSpc>
                 <a:spcPct val="100000"/>
               </a:lnSpc>
@@ -4311,7 +4306,7 @@
         <p:spPr>
           <a:xfrm>
             <a:off x="3884760" y="8685360"/>
-            <a:ext cx="2967120" cy="453960"/>
+            <a:ext cx="2966760" cy="453600"/>
           </a:xfrm>
           <a:prstGeom prst="rect">
             <a:avLst/>
@@ -4337,7 +4332,7 @@
                 <a:spcPct val="100000"/>
               </a:lnSpc>
             </a:pPr>
-            <a:fld id="{EC7D026E-91A1-4F57-94F1-1C1BD5ADCE6A}" type="slidenum">
+            <a:fld id="{CF7C41E5-8FD9-43FB-B289-327FCF55FCC0}" type="slidenum">
               <a:rPr b="0" lang="en-ZA" sz="1200" spc="-1" strike="noStrike">
                 <a:solidFill>
                   <a:srgbClr val="000000"/>
@@ -4421,10 +4416,8 @@
             <a:noAutofit/>
           </a:bodyPr>
           <a:p>
-            <a:endParaRPr b="0" lang="en-US" sz="1800" spc="-1" strike="noStrike">
-              <a:solidFill>
-                <a:srgbClr val="000000"/>
-              </a:solidFill>
+            <a:pPr algn="ctr"/>
+            <a:endParaRPr b="0" lang="en-ZA" sz="4400" spc="-1" strike="noStrike">
               <a:latin typeface="Arial"/>
             </a:endParaRPr>
           </a:p>
@@ -4454,10 +4447,7 @@
             <a:normAutofit/>
           </a:bodyPr>
           <a:p>
-            <a:endParaRPr b="0" lang="en-US" sz="2800" spc="-1" strike="noStrike">
-              <a:solidFill>
-                <a:srgbClr val="000000"/>
-              </a:solidFill>
+            <a:endParaRPr b="0" lang="en-ZA" sz="3200" spc="-1" strike="noStrike">
               <a:latin typeface="Arial"/>
             </a:endParaRPr>
           </a:p>
@@ -4487,10 +4477,7 @@
             <a:normAutofit/>
           </a:bodyPr>
           <a:p>
-            <a:endParaRPr b="0" lang="en-US" sz="2800" spc="-1" strike="noStrike">
-              <a:solidFill>
-                <a:srgbClr val="000000"/>
-              </a:solidFill>
+            <a:endParaRPr b="0" lang="en-ZA" sz="3200" spc="-1" strike="noStrike">
               <a:latin typeface="Arial"/>
             </a:endParaRPr>
           </a:p>
@@ -4542,10 +4529,8 @@
             <a:noAutofit/>
           </a:bodyPr>
           <a:p>
-            <a:endParaRPr b="0" lang="en-US" sz="1800" spc="-1" strike="noStrike">
-              <a:solidFill>
-                <a:srgbClr val="000000"/>
-              </a:solidFill>
+            <a:pPr algn="ctr"/>
+            <a:endParaRPr b="0" lang="en-ZA" sz="4400" spc="-1" strike="noStrike">
               <a:latin typeface="Arial"/>
             </a:endParaRPr>
           </a:p>
@@ -4575,10 +4560,7 @@
             <a:normAutofit/>
           </a:bodyPr>
           <a:p>
-            <a:endParaRPr b="0" lang="en-US" sz="2800" spc="-1" strike="noStrike">
-              <a:solidFill>
-                <a:srgbClr val="000000"/>
-              </a:solidFill>
+            <a:endParaRPr b="0" lang="en-ZA" sz="3200" spc="-1" strike="noStrike">
               <a:latin typeface="Arial"/>
             </a:endParaRPr>
           </a:p>
@@ -4608,10 +4590,7 @@
             <a:normAutofit/>
           </a:bodyPr>
           <a:p>
-            <a:endParaRPr b="0" lang="en-US" sz="2800" spc="-1" strike="noStrike">
-              <a:solidFill>
-                <a:srgbClr val="000000"/>
-              </a:solidFill>
+            <a:endParaRPr b="0" lang="en-ZA" sz="3200" spc="-1" strike="noStrike">
               <a:latin typeface="Arial"/>
             </a:endParaRPr>
           </a:p>
@@ -4641,10 +4620,7 @@
             <a:normAutofit/>
           </a:bodyPr>
           <a:p>
-            <a:endParaRPr b="0" lang="en-US" sz="2800" spc="-1" strike="noStrike">
-              <a:solidFill>
-                <a:srgbClr val="000000"/>
-              </a:solidFill>
+            <a:endParaRPr b="0" lang="en-ZA" sz="3200" spc="-1" strike="noStrike">
               <a:latin typeface="Arial"/>
             </a:endParaRPr>
           </a:p>
@@ -4674,10 +4650,7 @@
             <a:normAutofit/>
           </a:bodyPr>
           <a:p>
-            <a:endParaRPr b="0" lang="en-US" sz="2800" spc="-1" strike="noStrike">
-              <a:solidFill>
-                <a:srgbClr val="000000"/>
-              </a:solidFill>
+            <a:endParaRPr b="0" lang="en-ZA" sz="3200" spc="-1" strike="noStrike">
               <a:latin typeface="Arial"/>
             </a:endParaRPr>
           </a:p>
@@ -4729,10 +4702,8 @@
             <a:noAutofit/>
           </a:bodyPr>
           <a:p>
-            <a:endParaRPr b="0" lang="en-US" sz="1800" spc="-1" strike="noStrike">
-              <a:solidFill>
-                <a:srgbClr val="000000"/>
-              </a:solidFill>
+            <a:pPr algn="ctr"/>
+            <a:endParaRPr b="0" lang="en-ZA" sz="4400" spc="-1" strike="noStrike">
               <a:latin typeface="Arial"/>
             </a:endParaRPr>
           </a:p>
@@ -4762,10 +4733,7 @@
             <a:normAutofit/>
           </a:bodyPr>
           <a:p>
-            <a:endParaRPr b="0" lang="en-US" sz="2800" spc="-1" strike="noStrike">
-              <a:solidFill>
-                <a:srgbClr val="000000"/>
-              </a:solidFill>
+            <a:endParaRPr b="0" lang="en-ZA" sz="3200" spc="-1" strike="noStrike">
               <a:latin typeface="Arial"/>
             </a:endParaRPr>
           </a:p>
@@ -4795,10 +4763,7 @@
             <a:normAutofit/>
           </a:bodyPr>
           <a:p>
-            <a:endParaRPr b="0" lang="en-US" sz="2800" spc="-1" strike="noStrike">
-              <a:solidFill>
-                <a:srgbClr val="000000"/>
-              </a:solidFill>
+            <a:endParaRPr b="0" lang="en-ZA" sz="3200" spc="-1" strike="noStrike">
               <a:latin typeface="Arial"/>
             </a:endParaRPr>
           </a:p>
@@ -4828,10 +4793,7 @@
             <a:normAutofit/>
           </a:bodyPr>
           <a:p>
-            <a:endParaRPr b="0" lang="en-US" sz="2800" spc="-1" strike="noStrike">
-              <a:solidFill>
-                <a:srgbClr val="000000"/>
-              </a:solidFill>
+            <a:endParaRPr b="0" lang="en-ZA" sz="3200" spc="-1" strike="noStrike">
               <a:latin typeface="Arial"/>
             </a:endParaRPr>
           </a:p>
@@ -4861,10 +4823,7 @@
             <a:normAutofit/>
           </a:bodyPr>
           <a:p>
-            <a:endParaRPr b="0" lang="en-US" sz="2800" spc="-1" strike="noStrike">
-              <a:solidFill>
-                <a:srgbClr val="000000"/>
-              </a:solidFill>
+            <a:endParaRPr b="0" lang="en-ZA" sz="3200" spc="-1" strike="noStrike">
               <a:latin typeface="Arial"/>
             </a:endParaRPr>
           </a:p>
@@ -4894,10 +4853,7 @@
             <a:normAutofit/>
           </a:bodyPr>
           <a:p>
-            <a:endParaRPr b="0" lang="en-US" sz="2800" spc="-1" strike="noStrike">
-              <a:solidFill>
-                <a:srgbClr val="000000"/>
-              </a:solidFill>
+            <a:endParaRPr b="0" lang="en-ZA" sz="3200" spc="-1" strike="noStrike">
               <a:latin typeface="Arial"/>
             </a:endParaRPr>
           </a:p>
@@ -4927,10 +4883,7 @@
             <a:normAutofit/>
           </a:bodyPr>
           <a:p>
-            <a:endParaRPr b="0" lang="en-US" sz="2800" spc="-1" strike="noStrike">
-              <a:solidFill>
-                <a:srgbClr val="000000"/>
-              </a:solidFill>
+            <a:endParaRPr b="0" lang="en-ZA" sz="3200" spc="-1" strike="noStrike">
               <a:latin typeface="Arial"/>
             </a:endParaRPr>
           </a:p>
@@ -5004,10 +4957,8 @@
             <a:noAutofit/>
           </a:bodyPr>
           <a:p>
-            <a:endParaRPr b="0" lang="en-US" sz="1800" spc="-1" strike="noStrike">
-              <a:solidFill>
-                <a:srgbClr val="000000"/>
-              </a:solidFill>
+            <a:pPr algn="ctr"/>
+            <a:endParaRPr b="0" lang="en-ZA" sz="4400" spc="-1" strike="noStrike">
               <a:latin typeface="Arial"/>
             </a:endParaRPr>
           </a:p>
@@ -5090,10 +5041,8 @@
             <a:noAutofit/>
           </a:bodyPr>
           <a:p>
-            <a:endParaRPr b="0" lang="en-US" sz="1800" spc="-1" strike="noStrike">
-              <a:solidFill>
-                <a:srgbClr val="000000"/>
-              </a:solidFill>
+            <a:pPr algn="ctr"/>
+            <a:endParaRPr b="0" lang="en-ZA" sz="4400" spc="-1" strike="noStrike">
               <a:latin typeface="Arial"/>
             </a:endParaRPr>
           </a:p>
@@ -5123,10 +5072,7 @@
             <a:normAutofit/>
           </a:bodyPr>
           <a:p>
-            <a:endParaRPr b="0" lang="en-US" sz="2800" spc="-1" strike="noStrike">
-              <a:solidFill>
-                <a:srgbClr val="000000"/>
-              </a:solidFill>
+            <a:endParaRPr b="0" lang="en-ZA" sz="3200" spc="-1" strike="noStrike">
               <a:latin typeface="Arial"/>
             </a:endParaRPr>
           </a:p>
@@ -5178,10 +5124,8 @@
             <a:noAutofit/>
           </a:bodyPr>
           <a:p>
-            <a:endParaRPr b="0" lang="en-US" sz="1800" spc="-1" strike="noStrike">
-              <a:solidFill>
-                <a:srgbClr val="000000"/>
-              </a:solidFill>
+            <a:pPr algn="ctr"/>
+            <a:endParaRPr b="0" lang="en-ZA" sz="4400" spc="-1" strike="noStrike">
               <a:latin typeface="Arial"/>
             </a:endParaRPr>
           </a:p>
@@ -5211,10 +5155,7 @@
             <a:normAutofit/>
           </a:bodyPr>
           <a:p>
-            <a:endParaRPr b="0" lang="en-US" sz="2800" spc="-1" strike="noStrike">
-              <a:solidFill>
-                <a:srgbClr val="000000"/>
-              </a:solidFill>
+            <a:endParaRPr b="0" lang="en-ZA" sz="3200" spc="-1" strike="noStrike">
               <a:latin typeface="Arial"/>
             </a:endParaRPr>
           </a:p>
@@ -5244,10 +5185,7 @@
             <a:normAutofit/>
           </a:bodyPr>
           <a:p>
-            <a:endParaRPr b="0" lang="en-US" sz="2800" spc="-1" strike="noStrike">
-              <a:solidFill>
-                <a:srgbClr val="000000"/>
-              </a:solidFill>
+            <a:endParaRPr b="0" lang="en-ZA" sz="3200" spc="-1" strike="noStrike">
               <a:latin typeface="Arial"/>
             </a:endParaRPr>
           </a:p>
@@ -5299,10 +5237,8 @@
             <a:noAutofit/>
           </a:bodyPr>
           <a:p>
-            <a:endParaRPr b="0" lang="en-US" sz="1800" spc="-1" strike="noStrike">
-              <a:solidFill>
-                <a:srgbClr val="000000"/>
-              </a:solidFill>
+            <a:pPr algn="ctr"/>
+            <a:endParaRPr b="0" lang="en-ZA" sz="4400" spc="-1" strike="noStrike">
               <a:latin typeface="Arial"/>
             </a:endParaRPr>
           </a:p>
@@ -5407,10 +5343,8 @@
             <a:noAutofit/>
           </a:bodyPr>
           <a:p>
-            <a:endParaRPr b="0" lang="en-US" sz="1800" spc="-1" strike="noStrike">
-              <a:solidFill>
-                <a:srgbClr val="000000"/>
-              </a:solidFill>
+            <a:pPr algn="ctr"/>
+            <a:endParaRPr b="0" lang="en-ZA" sz="4400" spc="-1" strike="noStrike">
               <a:latin typeface="Arial"/>
             </a:endParaRPr>
           </a:p>
@@ -5440,10 +5374,7 @@
             <a:normAutofit/>
           </a:bodyPr>
           <a:p>
-            <a:endParaRPr b="0" lang="en-US" sz="2800" spc="-1" strike="noStrike">
-              <a:solidFill>
-                <a:srgbClr val="000000"/>
-              </a:solidFill>
+            <a:endParaRPr b="0" lang="en-ZA" sz="3200" spc="-1" strike="noStrike">
               <a:latin typeface="Arial"/>
             </a:endParaRPr>
           </a:p>
@@ -5473,10 +5404,7 @@
             <a:normAutofit/>
           </a:bodyPr>
           <a:p>
-            <a:endParaRPr b="0" lang="en-US" sz="2800" spc="-1" strike="noStrike">
-              <a:solidFill>
-                <a:srgbClr val="000000"/>
-              </a:solidFill>
+            <a:endParaRPr b="0" lang="en-ZA" sz="3200" spc="-1" strike="noStrike">
               <a:latin typeface="Arial"/>
             </a:endParaRPr>
           </a:p>
@@ -5506,10 +5434,7 @@
             <a:normAutofit/>
           </a:bodyPr>
           <a:p>
-            <a:endParaRPr b="0" lang="en-US" sz="2800" spc="-1" strike="noStrike">
-              <a:solidFill>
-                <a:srgbClr val="000000"/>
-              </a:solidFill>
+            <a:endParaRPr b="0" lang="en-ZA" sz="3200" spc="-1" strike="noStrike">
               <a:latin typeface="Arial"/>
             </a:endParaRPr>
           </a:p>
@@ -5561,10 +5486,8 @@
             <a:noAutofit/>
           </a:bodyPr>
           <a:p>
-            <a:endParaRPr b="0" lang="en-US" sz="1800" spc="-1" strike="noStrike">
-              <a:solidFill>
-                <a:srgbClr val="000000"/>
-              </a:solidFill>
+            <a:pPr algn="ctr"/>
+            <a:endParaRPr b="0" lang="en-ZA" sz="4400" spc="-1" strike="noStrike">
               <a:latin typeface="Arial"/>
             </a:endParaRPr>
           </a:p>
@@ -5647,10 +5570,8 @@
             <a:noAutofit/>
           </a:bodyPr>
           <a:p>
-            <a:endParaRPr b="0" lang="en-US" sz="1800" spc="-1" strike="noStrike">
-              <a:solidFill>
-                <a:srgbClr val="000000"/>
-              </a:solidFill>
+            <a:pPr algn="ctr"/>
+            <a:endParaRPr b="0" lang="en-ZA" sz="4400" spc="-1" strike="noStrike">
               <a:latin typeface="Arial"/>
             </a:endParaRPr>
           </a:p>
@@ -5680,10 +5601,7 @@
             <a:normAutofit/>
           </a:bodyPr>
           <a:p>
-            <a:endParaRPr b="0" lang="en-US" sz="2800" spc="-1" strike="noStrike">
-              <a:solidFill>
-                <a:srgbClr val="000000"/>
-              </a:solidFill>
+            <a:endParaRPr b="0" lang="en-ZA" sz="3200" spc="-1" strike="noStrike">
               <a:latin typeface="Arial"/>
             </a:endParaRPr>
           </a:p>
@@ -5713,10 +5631,7 @@
             <a:normAutofit/>
           </a:bodyPr>
           <a:p>
-            <a:endParaRPr b="0" lang="en-US" sz="2800" spc="-1" strike="noStrike">
-              <a:solidFill>
-                <a:srgbClr val="000000"/>
-              </a:solidFill>
+            <a:endParaRPr b="0" lang="en-ZA" sz="3200" spc="-1" strike="noStrike">
               <a:latin typeface="Arial"/>
             </a:endParaRPr>
           </a:p>
@@ -5746,10 +5661,7 @@
             <a:normAutofit/>
           </a:bodyPr>
           <a:p>
-            <a:endParaRPr b="0" lang="en-US" sz="2800" spc="-1" strike="noStrike">
-              <a:solidFill>
-                <a:srgbClr val="000000"/>
-              </a:solidFill>
+            <a:endParaRPr b="0" lang="en-ZA" sz="3200" spc="-1" strike="noStrike">
               <a:latin typeface="Arial"/>
             </a:endParaRPr>
           </a:p>
@@ -5801,10 +5713,8 @@
             <a:noAutofit/>
           </a:bodyPr>
           <a:p>
-            <a:endParaRPr b="0" lang="en-US" sz="1800" spc="-1" strike="noStrike">
-              <a:solidFill>
-                <a:srgbClr val="000000"/>
-              </a:solidFill>
+            <a:pPr algn="ctr"/>
+            <a:endParaRPr b="0" lang="en-ZA" sz="4400" spc="-1" strike="noStrike">
               <a:latin typeface="Arial"/>
             </a:endParaRPr>
           </a:p>
@@ -5834,10 +5744,7 @@
             <a:normAutofit/>
           </a:bodyPr>
           <a:p>
-            <a:endParaRPr b="0" lang="en-US" sz="2800" spc="-1" strike="noStrike">
-              <a:solidFill>
-                <a:srgbClr val="000000"/>
-              </a:solidFill>
+            <a:endParaRPr b="0" lang="en-ZA" sz="3200" spc="-1" strike="noStrike">
               <a:latin typeface="Arial"/>
             </a:endParaRPr>
           </a:p>
@@ -5867,10 +5774,7 @@
             <a:normAutofit/>
           </a:bodyPr>
           <a:p>
-            <a:endParaRPr b="0" lang="en-US" sz="2800" spc="-1" strike="noStrike">
-              <a:solidFill>
-                <a:srgbClr val="000000"/>
-              </a:solidFill>
+            <a:endParaRPr b="0" lang="en-ZA" sz="3200" spc="-1" strike="noStrike">
               <a:latin typeface="Arial"/>
             </a:endParaRPr>
           </a:p>
@@ -5900,10 +5804,7 @@
             <a:normAutofit/>
           </a:bodyPr>
           <a:p>
-            <a:endParaRPr b="0" lang="en-US" sz="2800" spc="-1" strike="noStrike">
-              <a:solidFill>
-                <a:srgbClr val="000000"/>
-              </a:solidFill>
+            <a:endParaRPr b="0" lang="en-ZA" sz="3200" spc="-1" strike="noStrike">
               <a:latin typeface="Arial"/>
             </a:endParaRPr>
           </a:p>
@@ -5955,10 +5856,8 @@
             <a:noAutofit/>
           </a:bodyPr>
           <a:p>
-            <a:endParaRPr b="0" lang="en-US" sz="1800" spc="-1" strike="noStrike">
-              <a:solidFill>
-                <a:srgbClr val="000000"/>
-              </a:solidFill>
+            <a:pPr algn="ctr"/>
+            <a:endParaRPr b="0" lang="en-ZA" sz="4400" spc="-1" strike="noStrike">
               <a:latin typeface="Arial"/>
             </a:endParaRPr>
           </a:p>
@@ -5988,10 +5887,7 @@
             <a:normAutofit/>
           </a:bodyPr>
           <a:p>
-            <a:endParaRPr b="0" lang="en-US" sz="2800" spc="-1" strike="noStrike">
-              <a:solidFill>
-                <a:srgbClr val="000000"/>
-              </a:solidFill>
+            <a:endParaRPr b="0" lang="en-ZA" sz="3200" spc="-1" strike="noStrike">
               <a:latin typeface="Arial"/>
             </a:endParaRPr>
           </a:p>
@@ -6021,10 +5917,7 @@
             <a:normAutofit/>
           </a:bodyPr>
           <a:p>
-            <a:endParaRPr b="0" lang="en-US" sz="2800" spc="-1" strike="noStrike">
-              <a:solidFill>
-                <a:srgbClr val="000000"/>
-              </a:solidFill>
+            <a:endParaRPr b="0" lang="en-ZA" sz="3200" spc="-1" strike="noStrike">
               <a:latin typeface="Arial"/>
             </a:endParaRPr>
           </a:p>
@@ -6076,10 +5969,8 @@
             <a:noAutofit/>
           </a:bodyPr>
           <a:p>
-            <a:endParaRPr b="0" lang="en-US" sz="1800" spc="-1" strike="noStrike">
-              <a:solidFill>
-                <a:srgbClr val="000000"/>
-              </a:solidFill>
+            <a:pPr algn="ctr"/>
+            <a:endParaRPr b="0" lang="en-ZA" sz="4400" spc="-1" strike="noStrike">
               <a:latin typeface="Arial"/>
             </a:endParaRPr>
           </a:p>
@@ -6109,10 +6000,7 @@
             <a:normAutofit/>
           </a:bodyPr>
           <a:p>
-            <a:endParaRPr b="0" lang="en-US" sz="2800" spc="-1" strike="noStrike">
-              <a:solidFill>
-                <a:srgbClr val="000000"/>
-              </a:solidFill>
+            <a:endParaRPr b="0" lang="en-ZA" sz="3200" spc="-1" strike="noStrike">
               <a:latin typeface="Arial"/>
             </a:endParaRPr>
           </a:p>
@@ -6142,10 +6030,7 @@
             <a:normAutofit/>
           </a:bodyPr>
           <a:p>
-            <a:endParaRPr b="0" lang="en-US" sz="2800" spc="-1" strike="noStrike">
-              <a:solidFill>
-                <a:srgbClr val="000000"/>
-              </a:solidFill>
+            <a:endParaRPr b="0" lang="en-ZA" sz="3200" spc="-1" strike="noStrike">
               <a:latin typeface="Arial"/>
             </a:endParaRPr>
           </a:p>
@@ -6175,10 +6060,7 @@
             <a:normAutofit/>
           </a:bodyPr>
           <a:p>
-            <a:endParaRPr b="0" lang="en-US" sz="2800" spc="-1" strike="noStrike">
-              <a:solidFill>
-                <a:srgbClr val="000000"/>
-              </a:solidFill>
+            <a:endParaRPr b="0" lang="en-ZA" sz="3200" spc="-1" strike="noStrike">
               <a:latin typeface="Arial"/>
             </a:endParaRPr>
           </a:p>
@@ -6208,10 +6090,7 @@
             <a:normAutofit/>
           </a:bodyPr>
           <a:p>
-            <a:endParaRPr b="0" lang="en-US" sz="2800" spc="-1" strike="noStrike">
-              <a:solidFill>
-                <a:srgbClr val="000000"/>
-              </a:solidFill>
+            <a:endParaRPr b="0" lang="en-ZA" sz="3200" spc="-1" strike="noStrike">
               <a:latin typeface="Arial"/>
             </a:endParaRPr>
           </a:p>
@@ -6263,10 +6142,8 @@
             <a:noAutofit/>
           </a:bodyPr>
           <a:p>
-            <a:endParaRPr b="0" lang="en-US" sz="1800" spc="-1" strike="noStrike">
-              <a:solidFill>
-                <a:srgbClr val="000000"/>
-              </a:solidFill>
+            <a:pPr algn="ctr"/>
+            <a:endParaRPr b="0" lang="en-ZA" sz="4400" spc="-1" strike="noStrike">
               <a:latin typeface="Arial"/>
             </a:endParaRPr>
           </a:p>
@@ -6296,10 +6173,7 @@
             <a:normAutofit/>
           </a:bodyPr>
           <a:p>
-            <a:endParaRPr b="0" lang="en-US" sz="2800" spc="-1" strike="noStrike">
-              <a:solidFill>
-                <a:srgbClr val="000000"/>
-              </a:solidFill>
+            <a:endParaRPr b="0" lang="en-ZA" sz="3200" spc="-1" strike="noStrike">
               <a:latin typeface="Arial"/>
             </a:endParaRPr>
           </a:p>
@@ -6329,10 +6203,7 @@
             <a:normAutofit/>
           </a:bodyPr>
           <a:p>
-            <a:endParaRPr b="0" lang="en-US" sz="2800" spc="-1" strike="noStrike">
-              <a:solidFill>
-                <a:srgbClr val="000000"/>
-              </a:solidFill>
+            <a:endParaRPr b="0" lang="en-ZA" sz="3200" spc="-1" strike="noStrike">
               <a:latin typeface="Arial"/>
             </a:endParaRPr>
           </a:p>
@@ -6362,10 +6233,7 @@
             <a:normAutofit/>
           </a:bodyPr>
           <a:p>
-            <a:endParaRPr b="0" lang="en-US" sz="2800" spc="-1" strike="noStrike">
-              <a:solidFill>
-                <a:srgbClr val="000000"/>
-              </a:solidFill>
+            <a:endParaRPr b="0" lang="en-ZA" sz="3200" spc="-1" strike="noStrike">
               <a:latin typeface="Arial"/>
             </a:endParaRPr>
           </a:p>
@@ -6395,10 +6263,7 @@
             <a:normAutofit/>
           </a:bodyPr>
           <a:p>
-            <a:endParaRPr b="0" lang="en-US" sz="2800" spc="-1" strike="noStrike">
-              <a:solidFill>
-                <a:srgbClr val="000000"/>
-              </a:solidFill>
+            <a:endParaRPr b="0" lang="en-ZA" sz="3200" spc="-1" strike="noStrike">
               <a:latin typeface="Arial"/>
             </a:endParaRPr>
           </a:p>
@@ -6428,10 +6293,7 @@
             <a:normAutofit/>
           </a:bodyPr>
           <a:p>
-            <a:endParaRPr b="0" lang="en-US" sz="2800" spc="-1" strike="noStrike">
-              <a:solidFill>
-                <a:srgbClr val="000000"/>
-              </a:solidFill>
+            <a:endParaRPr b="0" lang="en-ZA" sz="3200" spc="-1" strike="noStrike">
               <a:latin typeface="Arial"/>
             </a:endParaRPr>
           </a:p>
@@ -6461,10 +6323,7 @@
             <a:normAutofit/>
           </a:bodyPr>
           <a:p>
-            <a:endParaRPr b="0" lang="en-US" sz="2800" spc="-1" strike="noStrike">
-              <a:solidFill>
-                <a:srgbClr val="000000"/>
-              </a:solidFill>
+            <a:endParaRPr b="0" lang="en-ZA" sz="3200" spc="-1" strike="noStrike">
               <a:latin typeface="Arial"/>
             </a:endParaRPr>
           </a:p>
@@ -6516,10 +6375,8 @@
             <a:noAutofit/>
           </a:bodyPr>
           <a:p>
-            <a:endParaRPr b="0" lang="en-US" sz="1800" spc="-1" strike="noStrike">
-              <a:solidFill>
-                <a:srgbClr val="000000"/>
-              </a:solidFill>
+            <a:pPr algn="ctr"/>
+            <a:endParaRPr b="0" lang="en-ZA" sz="4400" spc="-1" strike="noStrike">
               <a:latin typeface="Arial"/>
             </a:endParaRPr>
           </a:p>
@@ -6549,10 +6406,7 @@
             <a:normAutofit/>
           </a:bodyPr>
           <a:p>
-            <a:endParaRPr b="0" lang="en-US" sz="2800" spc="-1" strike="noStrike">
-              <a:solidFill>
-                <a:srgbClr val="000000"/>
-              </a:solidFill>
+            <a:endParaRPr b="0" lang="en-ZA" sz="3200" spc="-1" strike="noStrike">
               <a:latin typeface="Arial"/>
             </a:endParaRPr>
           </a:p>
@@ -6604,10 +6458,8 @@
             <a:noAutofit/>
           </a:bodyPr>
           <a:p>
-            <a:endParaRPr b="0" lang="en-US" sz="1800" spc="-1" strike="noStrike">
-              <a:solidFill>
-                <a:srgbClr val="000000"/>
-              </a:solidFill>
+            <a:pPr algn="ctr"/>
+            <a:endParaRPr b="0" lang="en-ZA" sz="4400" spc="-1" strike="noStrike">
               <a:latin typeface="Arial"/>
             </a:endParaRPr>
           </a:p>
@@ -6637,10 +6489,7 @@
             <a:normAutofit/>
           </a:bodyPr>
           <a:p>
-            <a:endParaRPr b="0" lang="en-US" sz="2800" spc="-1" strike="noStrike">
-              <a:solidFill>
-                <a:srgbClr val="000000"/>
-              </a:solidFill>
+            <a:endParaRPr b="0" lang="en-ZA" sz="3200" spc="-1" strike="noStrike">
               <a:latin typeface="Arial"/>
             </a:endParaRPr>
           </a:p>
@@ -6670,10 +6519,7 @@
             <a:normAutofit/>
           </a:bodyPr>
           <a:p>
-            <a:endParaRPr b="0" lang="en-US" sz="2800" spc="-1" strike="noStrike">
-              <a:solidFill>
-                <a:srgbClr val="000000"/>
-              </a:solidFill>
+            <a:endParaRPr b="0" lang="en-ZA" sz="3200" spc="-1" strike="noStrike">
               <a:latin typeface="Arial"/>
             </a:endParaRPr>
           </a:p>
@@ -6725,10 +6571,8 @@
             <a:noAutofit/>
           </a:bodyPr>
           <a:p>
-            <a:endParaRPr b="0" lang="en-US" sz="1800" spc="-1" strike="noStrike">
-              <a:solidFill>
-                <a:srgbClr val="000000"/>
-              </a:solidFill>
+            <a:pPr algn="ctr"/>
+            <a:endParaRPr b="0" lang="en-ZA" sz="4400" spc="-1" strike="noStrike">
               <a:latin typeface="Arial"/>
             </a:endParaRPr>
           </a:p>
@@ -6833,10 +6677,8 @@
             <a:noAutofit/>
           </a:bodyPr>
           <a:p>
-            <a:endParaRPr b="0" lang="en-US" sz="1800" spc="-1" strike="noStrike">
-              <a:solidFill>
-                <a:srgbClr val="000000"/>
-              </a:solidFill>
+            <a:pPr algn="ctr"/>
+            <a:endParaRPr b="0" lang="en-ZA" sz="4400" spc="-1" strike="noStrike">
               <a:latin typeface="Arial"/>
             </a:endParaRPr>
           </a:p>
@@ -6866,10 +6708,7 @@
             <a:normAutofit/>
           </a:bodyPr>
           <a:p>
-            <a:endParaRPr b="0" lang="en-US" sz="2800" spc="-1" strike="noStrike">
-              <a:solidFill>
-                <a:srgbClr val="000000"/>
-              </a:solidFill>
+            <a:endParaRPr b="0" lang="en-ZA" sz="3200" spc="-1" strike="noStrike">
               <a:latin typeface="Arial"/>
             </a:endParaRPr>
           </a:p>
@@ -6899,10 +6738,7 @@
             <a:normAutofit/>
           </a:bodyPr>
           <a:p>
-            <a:endParaRPr b="0" lang="en-US" sz="2800" spc="-1" strike="noStrike">
-              <a:solidFill>
-                <a:srgbClr val="000000"/>
-              </a:solidFill>
+            <a:endParaRPr b="0" lang="en-ZA" sz="3200" spc="-1" strike="noStrike">
               <a:latin typeface="Arial"/>
             </a:endParaRPr>
           </a:p>
@@ -6932,10 +6768,7 @@
             <a:normAutofit/>
           </a:bodyPr>
           <a:p>
-            <a:endParaRPr b="0" lang="en-US" sz="2800" spc="-1" strike="noStrike">
-              <a:solidFill>
-                <a:srgbClr val="000000"/>
-              </a:solidFill>
+            <a:endParaRPr b="0" lang="en-ZA" sz="3200" spc="-1" strike="noStrike">
               <a:latin typeface="Arial"/>
             </a:endParaRPr>
           </a:p>
@@ -6987,10 +6820,8 @@
             <a:noAutofit/>
           </a:bodyPr>
           <a:p>
-            <a:endParaRPr b="0" lang="en-US" sz="1800" spc="-1" strike="noStrike">
-              <a:solidFill>
-                <a:srgbClr val="000000"/>
-              </a:solidFill>
+            <a:pPr algn="ctr"/>
+            <a:endParaRPr b="0" lang="en-ZA" sz="4400" spc="-1" strike="noStrike">
               <a:latin typeface="Arial"/>
             </a:endParaRPr>
           </a:p>
@@ -7020,10 +6851,7 @@
             <a:normAutofit/>
           </a:bodyPr>
           <a:p>
-            <a:endParaRPr b="0" lang="en-US" sz="2800" spc="-1" strike="noStrike">
-              <a:solidFill>
-                <a:srgbClr val="000000"/>
-              </a:solidFill>
+            <a:endParaRPr b="0" lang="en-ZA" sz="3200" spc="-1" strike="noStrike">
               <a:latin typeface="Arial"/>
             </a:endParaRPr>
           </a:p>
@@ -7053,10 +6881,7 @@
             <a:normAutofit/>
           </a:bodyPr>
           <a:p>
-            <a:endParaRPr b="0" lang="en-US" sz="2800" spc="-1" strike="noStrike">
-              <a:solidFill>
-                <a:srgbClr val="000000"/>
-              </a:solidFill>
+            <a:endParaRPr b="0" lang="en-ZA" sz="3200" spc="-1" strike="noStrike">
               <a:latin typeface="Arial"/>
             </a:endParaRPr>
           </a:p>
@@ -7086,10 +6911,7 @@
             <a:normAutofit/>
           </a:bodyPr>
           <a:p>
-            <a:endParaRPr b="0" lang="en-US" sz="2800" spc="-1" strike="noStrike">
-              <a:solidFill>
-                <a:srgbClr val="000000"/>
-              </a:solidFill>
+            <a:endParaRPr b="0" lang="en-ZA" sz="3200" spc="-1" strike="noStrike">
               <a:latin typeface="Arial"/>
             </a:endParaRPr>
           </a:p>
@@ -7141,10 +6963,8 @@
             <a:noAutofit/>
           </a:bodyPr>
           <a:p>
-            <a:endParaRPr b="0" lang="en-US" sz="1800" spc="-1" strike="noStrike">
-              <a:solidFill>
-                <a:srgbClr val="000000"/>
-              </a:solidFill>
+            <a:pPr algn="ctr"/>
+            <a:endParaRPr b="0" lang="en-ZA" sz="4400" spc="-1" strike="noStrike">
               <a:latin typeface="Arial"/>
             </a:endParaRPr>
           </a:p>
@@ -7174,10 +6994,7 @@
             <a:normAutofit/>
           </a:bodyPr>
           <a:p>
-            <a:endParaRPr b="0" lang="en-US" sz="2800" spc="-1" strike="noStrike">
-              <a:solidFill>
-                <a:srgbClr val="000000"/>
-              </a:solidFill>
+            <a:endParaRPr b="0" lang="en-ZA" sz="3200" spc="-1" strike="noStrike">
               <a:latin typeface="Arial"/>
             </a:endParaRPr>
           </a:p>
@@ -7207,10 +7024,7 @@
             <a:normAutofit/>
           </a:bodyPr>
           <a:p>
-            <a:endParaRPr b="0" lang="en-US" sz="2800" spc="-1" strike="noStrike">
-              <a:solidFill>
-                <a:srgbClr val="000000"/>
-              </a:solidFill>
+            <a:endParaRPr b="0" lang="en-ZA" sz="3200" spc="-1" strike="noStrike">
               <a:latin typeface="Arial"/>
             </a:endParaRPr>
           </a:p>
@@ -7240,10 +7054,7 @@
             <a:normAutofit/>
           </a:bodyPr>
           <a:p>
-            <a:endParaRPr b="0" lang="en-US" sz="2800" spc="-1" strike="noStrike">
-              <a:solidFill>
-                <a:srgbClr val="000000"/>
-              </a:solidFill>
+            <a:endParaRPr b="0" lang="en-ZA" sz="3200" spc="-1" strike="noStrike">
               <a:latin typeface="Arial"/>
             </a:endParaRPr>
           </a:p>
@@ -7302,19 +7113,14 @@
             <a:noAutofit/>
           </a:bodyPr>
           <a:p>
-            <a:r>
-              <a:rPr b="0" lang="en-US" sz="1800" spc="-1" strike="noStrike">
-                <a:solidFill>
-                  <a:srgbClr val="000000"/>
-                </a:solidFill>
+            <a:pPr algn="ctr"/>
+            <a:r>
+              <a:rPr b="0" lang="en-ZA" sz="4400" spc="-1" strike="noStrike">
                 <a:latin typeface="Arial"/>
               </a:rPr>
               <a:t>Click to edit the title text format</a:t>
             </a:r>
-            <a:endParaRPr b="0" lang="en-US" sz="1800" spc="-1" strike="noStrike">
-              <a:solidFill>
-                <a:srgbClr val="000000"/>
-              </a:solidFill>
+            <a:endParaRPr b="0" lang="en-ZA" sz="4400" spc="-1" strike="noStrike">
               <a:latin typeface="Arial"/>
             </a:endParaRPr>
           </a:p>
@@ -7356,18 +7162,12 @@
               <a:buChar char=""/>
             </a:pPr>
             <a:r>
-              <a:rPr b="0" lang="en-US" sz="2800" spc="-1" strike="noStrike">
-                <a:solidFill>
-                  <a:srgbClr val="000000"/>
-                </a:solidFill>
+              <a:rPr b="0" lang="en-ZA" sz="3200" spc="-1" strike="noStrike">
                 <a:latin typeface="Arial"/>
               </a:rPr>
               <a:t>Click to edit the outline text format</a:t>
             </a:r>
-            <a:endParaRPr b="0" lang="en-US" sz="2800" spc="-1" strike="noStrike">
-              <a:solidFill>
-                <a:srgbClr val="000000"/>
-              </a:solidFill>
+            <a:endParaRPr b="0" lang="en-ZA" sz="3200" spc="-1" strike="noStrike">
               <a:latin typeface="Arial"/>
             </a:endParaRPr>
           </a:p>
@@ -7384,18 +7184,12 @@
               <a:buChar char=""/>
             </a:pPr>
             <a:r>
-              <a:rPr b="0" lang="en-US" sz="2000" spc="-1" strike="noStrike">
-                <a:solidFill>
-                  <a:srgbClr val="000000"/>
-                </a:solidFill>
+              <a:rPr b="0" lang="en-ZA" sz="2800" spc="-1" strike="noStrike">
                 <a:latin typeface="Arial"/>
               </a:rPr>
               <a:t>Second Outline Level</a:t>
             </a:r>
-            <a:endParaRPr b="0" lang="en-US" sz="2000" spc="-1" strike="noStrike">
-              <a:solidFill>
-                <a:srgbClr val="000000"/>
-              </a:solidFill>
+            <a:endParaRPr b="0" lang="en-ZA" sz="2800" spc="-1" strike="noStrike">
               <a:latin typeface="Arial"/>
             </a:endParaRPr>
           </a:p>
@@ -7412,18 +7206,12 @@
               <a:buChar char=""/>
             </a:pPr>
             <a:r>
-              <a:rPr b="0" lang="en-US" sz="1800" spc="-1" strike="noStrike">
-                <a:solidFill>
-                  <a:srgbClr val="000000"/>
-                </a:solidFill>
+              <a:rPr b="0" lang="en-ZA" sz="2400" spc="-1" strike="noStrike">
                 <a:latin typeface="Arial"/>
               </a:rPr>
               <a:t>Third Outline Level</a:t>
             </a:r>
-            <a:endParaRPr b="0" lang="en-US" sz="1800" spc="-1" strike="noStrike">
-              <a:solidFill>
-                <a:srgbClr val="000000"/>
-              </a:solidFill>
+            <a:endParaRPr b="0" lang="en-ZA" sz="2400" spc="-1" strike="noStrike">
               <a:latin typeface="Arial"/>
             </a:endParaRPr>
           </a:p>
@@ -7440,18 +7228,12 @@
               <a:buChar char=""/>
             </a:pPr>
             <a:r>
-              <a:rPr b="0" lang="en-US" sz="1800" spc="-1" strike="noStrike">
-                <a:solidFill>
-                  <a:srgbClr val="000000"/>
-                </a:solidFill>
+              <a:rPr b="0" lang="en-ZA" sz="2000" spc="-1" strike="noStrike">
                 <a:latin typeface="Arial"/>
               </a:rPr>
               <a:t>Fourth Outline Level</a:t>
             </a:r>
-            <a:endParaRPr b="0" lang="en-US" sz="1800" spc="-1" strike="noStrike">
-              <a:solidFill>
-                <a:srgbClr val="000000"/>
-              </a:solidFill>
+            <a:endParaRPr b="0" lang="en-ZA" sz="2000" spc="-1" strike="noStrike">
               <a:latin typeface="Arial"/>
             </a:endParaRPr>
           </a:p>
@@ -7468,18 +7250,12 @@
               <a:buChar char=""/>
             </a:pPr>
             <a:r>
-              <a:rPr b="0" lang="en-US" sz="2000" spc="-1" strike="noStrike">
-                <a:solidFill>
-                  <a:srgbClr val="000000"/>
-                </a:solidFill>
+              <a:rPr b="0" lang="en-ZA" sz="2000" spc="-1" strike="noStrike">
                 <a:latin typeface="Arial"/>
               </a:rPr>
               <a:t>Fifth Outline Level</a:t>
             </a:r>
-            <a:endParaRPr b="0" lang="en-US" sz="2000" spc="-1" strike="noStrike">
-              <a:solidFill>
-                <a:srgbClr val="000000"/>
-              </a:solidFill>
+            <a:endParaRPr b="0" lang="en-ZA" sz="2000" spc="-1" strike="noStrike">
               <a:latin typeface="Arial"/>
             </a:endParaRPr>
           </a:p>
@@ -7496,18 +7272,12 @@
               <a:buChar char=""/>
             </a:pPr>
             <a:r>
-              <a:rPr b="0" lang="en-US" sz="2000" spc="-1" strike="noStrike">
-                <a:solidFill>
-                  <a:srgbClr val="000000"/>
-                </a:solidFill>
+              <a:rPr b="0" lang="en-ZA" sz="2000" spc="-1" strike="noStrike">
                 <a:latin typeface="Arial"/>
               </a:rPr>
               <a:t>Sixth Outline Level</a:t>
             </a:r>
-            <a:endParaRPr b="0" lang="en-US" sz="2000" spc="-1" strike="noStrike">
-              <a:solidFill>
-                <a:srgbClr val="000000"/>
-              </a:solidFill>
+            <a:endParaRPr b="0" lang="en-ZA" sz="2000" spc="-1" strike="noStrike">
               <a:latin typeface="Arial"/>
             </a:endParaRPr>
           </a:p>
@@ -7524,18 +7294,12 @@
               <a:buChar char=""/>
             </a:pPr>
             <a:r>
-              <a:rPr b="0" lang="en-US" sz="2000" spc="-1" strike="noStrike">
-                <a:solidFill>
-                  <a:srgbClr val="000000"/>
-                </a:solidFill>
+              <a:rPr b="0" lang="en-ZA" sz="2000" spc="-1" strike="noStrike">
                 <a:latin typeface="Arial"/>
               </a:rPr>
               <a:t>Seventh Outline Level</a:t>
             </a:r>
-            <a:endParaRPr b="0" lang="en-US" sz="2000" spc="-1" strike="noStrike">
-              <a:solidFill>
-                <a:srgbClr val="000000"/>
-              </a:solidFill>
+            <a:endParaRPr b="0" lang="en-ZA" sz="2000" spc="-1" strike="noStrike">
               <a:latin typeface="Arial"/>
             </a:endParaRPr>
           </a:p>
@@ -7609,19 +7373,14 @@
             <a:noAutofit/>
           </a:bodyPr>
           <a:p>
-            <a:r>
-              <a:rPr b="0" lang="en-US" sz="1800" spc="-1" strike="noStrike">
-                <a:solidFill>
-                  <a:srgbClr val="000000"/>
-                </a:solidFill>
+            <a:pPr algn="ctr"/>
+            <a:r>
+              <a:rPr b="0" lang="en-ZA" sz="4400" spc="-1" strike="noStrike">
                 <a:latin typeface="Arial"/>
               </a:rPr>
               <a:t>Click to edit the title text format</a:t>
             </a:r>
-            <a:endParaRPr b="0" lang="en-US" sz="1800" spc="-1" strike="noStrike">
-              <a:solidFill>
-                <a:srgbClr val="000000"/>
-              </a:solidFill>
+            <a:endParaRPr b="0" lang="en-ZA" sz="4400" spc="-1" strike="noStrike">
               <a:latin typeface="Arial"/>
             </a:endParaRPr>
           </a:p>
@@ -7663,18 +7422,12 @@
               <a:buChar char=""/>
             </a:pPr>
             <a:r>
-              <a:rPr b="0" lang="en-US" sz="2800" spc="-1" strike="noStrike">
-                <a:solidFill>
-                  <a:srgbClr val="000000"/>
-                </a:solidFill>
+              <a:rPr b="0" lang="en-ZA" sz="3200" spc="-1" strike="noStrike">
                 <a:latin typeface="Arial"/>
               </a:rPr>
               <a:t>Click to edit the outline text format</a:t>
             </a:r>
-            <a:endParaRPr b="0" lang="en-US" sz="2800" spc="-1" strike="noStrike">
-              <a:solidFill>
-                <a:srgbClr val="000000"/>
-              </a:solidFill>
+            <a:endParaRPr b="0" lang="en-ZA" sz="3200" spc="-1" strike="noStrike">
               <a:latin typeface="Arial"/>
             </a:endParaRPr>
           </a:p>
@@ -7691,18 +7444,12 @@
               <a:buChar char=""/>
             </a:pPr>
             <a:r>
-              <a:rPr b="0" lang="en-US" sz="2000" spc="-1" strike="noStrike">
-                <a:solidFill>
-                  <a:srgbClr val="000000"/>
-                </a:solidFill>
+              <a:rPr b="0" lang="en-ZA" sz="2800" spc="-1" strike="noStrike">
                 <a:latin typeface="Arial"/>
               </a:rPr>
               <a:t>Second Outline Level</a:t>
             </a:r>
-            <a:endParaRPr b="0" lang="en-US" sz="2000" spc="-1" strike="noStrike">
-              <a:solidFill>
-                <a:srgbClr val="000000"/>
-              </a:solidFill>
+            <a:endParaRPr b="0" lang="en-ZA" sz="2800" spc="-1" strike="noStrike">
               <a:latin typeface="Arial"/>
             </a:endParaRPr>
           </a:p>
@@ -7719,18 +7466,12 @@
               <a:buChar char=""/>
             </a:pPr>
             <a:r>
-              <a:rPr b="0" lang="en-US" sz="1800" spc="-1" strike="noStrike">
-                <a:solidFill>
-                  <a:srgbClr val="000000"/>
-                </a:solidFill>
+              <a:rPr b="0" lang="en-ZA" sz="2400" spc="-1" strike="noStrike">
                 <a:latin typeface="Arial"/>
               </a:rPr>
               <a:t>Third Outline Level</a:t>
             </a:r>
-            <a:endParaRPr b="0" lang="en-US" sz="1800" spc="-1" strike="noStrike">
-              <a:solidFill>
-                <a:srgbClr val="000000"/>
-              </a:solidFill>
+            <a:endParaRPr b="0" lang="en-ZA" sz="2400" spc="-1" strike="noStrike">
               <a:latin typeface="Arial"/>
             </a:endParaRPr>
           </a:p>
@@ -7747,18 +7488,12 @@
               <a:buChar char=""/>
             </a:pPr>
             <a:r>
-              <a:rPr b="0" lang="en-US" sz="1800" spc="-1" strike="noStrike">
-                <a:solidFill>
-                  <a:srgbClr val="000000"/>
-                </a:solidFill>
+              <a:rPr b="0" lang="en-ZA" sz="2000" spc="-1" strike="noStrike">
                 <a:latin typeface="Arial"/>
               </a:rPr>
               <a:t>Fourth Outline Level</a:t>
             </a:r>
-            <a:endParaRPr b="0" lang="en-US" sz="1800" spc="-1" strike="noStrike">
-              <a:solidFill>
-                <a:srgbClr val="000000"/>
-              </a:solidFill>
+            <a:endParaRPr b="0" lang="en-ZA" sz="2000" spc="-1" strike="noStrike">
               <a:latin typeface="Arial"/>
             </a:endParaRPr>
           </a:p>
@@ -7775,18 +7510,12 @@
               <a:buChar char=""/>
             </a:pPr>
             <a:r>
-              <a:rPr b="0" lang="en-US" sz="2000" spc="-1" strike="noStrike">
-                <a:solidFill>
-                  <a:srgbClr val="000000"/>
-                </a:solidFill>
+              <a:rPr b="0" lang="en-ZA" sz="2000" spc="-1" strike="noStrike">
                 <a:latin typeface="Arial"/>
               </a:rPr>
               <a:t>Fifth Outline Level</a:t>
             </a:r>
-            <a:endParaRPr b="0" lang="en-US" sz="2000" spc="-1" strike="noStrike">
-              <a:solidFill>
-                <a:srgbClr val="000000"/>
-              </a:solidFill>
+            <a:endParaRPr b="0" lang="en-ZA" sz="2000" spc="-1" strike="noStrike">
               <a:latin typeface="Arial"/>
             </a:endParaRPr>
           </a:p>
@@ -7803,18 +7532,12 @@
               <a:buChar char=""/>
             </a:pPr>
             <a:r>
-              <a:rPr b="0" lang="en-US" sz="2000" spc="-1" strike="noStrike">
-                <a:solidFill>
-                  <a:srgbClr val="000000"/>
-                </a:solidFill>
+              <a:rPr b="0" lang="en-ZA" sz="2000" spc="-1" strike="noStrike">
                 <a:latin typeface="Arial"/>
               </a:rPr>
               <a:t>Sixth Outline Level</a:t>
             </a:r>
-            <a:endParaRPr b="0" lang="en-US" sz="2000" spc="-1" strike="noStrike">
-              <a:solidFill>
-                <a:srgbClr val="000000"/>
-              </a:solidFill>
+            <a:endParaRPr b="0" lang="en-ZA" sz="2000" spc="-1" strike="noStrike">
               <a:latin typeface="Arial"/>
             </a:endParaRPr>
           </a:p>
@@ -7831,18 +7554,12 @@
               <a:buChar char=""/>
             </a:pPr>
             <a:r>
-              <a:rPr b="0" lang="en-US" sz="2000" spc="-1" strike="noStrike">
-                <a:solidFill>
-                  <a:srgbClr val="000000"/>
-                </a:solidFill>
+              <a:rPr b="0" lang="en-ZA" sz="2000" spc="-1" strike="noStrike">
                 <a:latin typeface="Arial"/>
               </a:rPr>
               <a:t>Seventh Outline Level</a:t>
             </a:r>
-            <a:endParaRPr b="0" lang="en-US" sz="2000" spc="-1" strike="noStrike">
-              <a:solidFill>
-                <a:srgbClr val="000000"/>
-              </a:solidFill>
+            <a:endParaRPr b="0" lang="en-ZA" sz="2000" spc="-1" strike="noStrike">
               <a:latin typeface="Arial"/>
             </a:endParaRPr>
           </a:p>
@@ -7901,7 +7618,7 @@
         <p:spPr>
           <a:xfrm>
             <a:off x="322920" y="4875480"/>
-            <a:ext cx="11545560" cy="1759680"/>
+            <a:ext cx="11545200" cy="1759320"/>
           </a:xfrm>
           <a:prstGeom prst="rect">
             <a:avLst/>
@@ -7932,7 +7649,7 @@
         <p:spPr>
           <a:xfrm>
             <a:off x="322920" y="222480"/>
-            <a:ext cx="11545560" cy="1915920"/>
+            <a:ext cx="11545200" cy="1915560"/>
           </a:xfrm>
           <a:prstGeom prst="rect">
             <a:avLst/>
@@ -7983,7 +7700,7 @@
         <p:spPr>
           <a:xfrm>
             <a:off x="2544120" y="4979520"/>
-            <a:ext cx="7103160" cy="1551240"/>
+            <a:ext cx="7102800" cy="1550880"/>
           </a:xfrm>
           <a:prstGeom prst="rect">
             <a:avLst/>
@@ -8118,7 +7835,7 @@
         <p:spPr>
           <a:xfrm>
             <a:off x="3934080" y="1728000"/>
-            <a:ext cx="4345200" cy="2807280"/>
+            <a:ext cx="4344840" cy="2806920"/>
           </a:xfrm>
           <a:prstGeom prst="rect">
             <a:avLst/>
@@ -8127,7 +7844,7 @@
             <a:noFill/>
           </a:ln>
           <a:effectLst>
-            <a:outerShdw algn="tl" blurRad="292100" dir="2700000" dist="139498" rotWithShape="0">
+            <a:outerShdw algn="tl" blurRad="292100" dir="2700000" dist="138988" rotWithShape="0">
               <a:srgbClr val="333333">
                 <a:alpha val="65000"/>
               </a:srgbClr>
@@ -8181,7 +7898,7 @@
         <p:spPr>
           <a:xfrm>
             <a:off x="986400" y="1830600"/>
-            <a:ext cx="3895560" cy="3886920"/>
+            <a:ext cx="3895200" cy="3886560"/>
           </a:xfrm>
           <a:prstGeom prst="rect">
             <a:avLst/>
@@ -8242,7 +7959,7 @@
             </a:endParaRPr>
           </a:p>
           <a:p>
-            <a:pPr>
+            <a:pPr marL="2880">
               <a:lnSpc>
                 <a:spcPct val="100000"/>
               </a:lnSpc>
@@ -8252,7 +7969,7 @@
             </a:endParaRPr>
           </a:p>
           <a:p>
-            <a:pPr>
+            <a:pPr marL="2880">
               <a:lnSpc>
                 <a:spcPct val="100000"/>
               </a:lnSpc>
@@ -8262,7 +7979,7 @@
             </a:endParaRPr>
           </a:p>
           <a:p>
-            <a:pPr>
+            <a:pPr marL="2880">
               <a:lnSpc>
                 <a:spcPct val="100000"/>
               </a:lnSpc>
@@ -8272,7 +7989,7 @@
             </a:endParaRPr>
           </a:p>
           <a:p>
-            <a:pPr>
+            <a:pPr marL="2880">
               <a:lnSpc>
                 <a:spcPct val="100000"/>
               </a:lnSpc>
@@ -8292,7 +8009,7 @@
         <p:spPr>
           <a:xfrm>
             <a:off x="4260600" y="312120"/>
-            <a:ext cx="3670200" cy="697680"/>
+            <a:ext cx="3669840" cy="697320"/>
           </a:xfrm>
           <a:prstGeom prst="rect">
             <a:avLst/>
@@ -8348,7 +8065,7 @@
         <p:spPr>
           <a:xfrm>
             <a:off x="5637240" y="975600"/>
-            <a:ext cx="6242760" cy="5792400"/>
+            <a:ext cx="6242400" cy="5792040"/>
           </a:xfrm>
           <a:prstGeom prst="rect">
             <a:avLst/>
@@ -8404,7 +8121,7 @@
         <p:spPr>
           <a:xfrm>
             <a:off x="237240" y="5001840"/>
-            <a:ext cx="5633280" cy="941400"/>
+            <a:ext cx="5632920" cy="941040"/>
           </a:xfrm>
           <a:prstGeom prst="rect">
             <a:avLst/>
@@ -8430,7 +8147,7 @@
         <p:spPr>
           <a:xfrm>
             <a:off x="601560" y="1879560"/>
-            <a:ext cx="10988640" cy="3927600"/>
+            <a:ext cx="10988280" cy="3927240"/>
           </a:xfrm>
           <a:prstGeom prst="rect">
             <a:avLst/>
@@ -8451,7 +8168,7 @@
             <a:noAutofit/>
           </a:bodyPr>
           <a:p>
-            <a:pPr marL="285840" indent="-283320">
+            <a:pPr marL="285840" indent="-282960">
               <a:lnSpc>
                 <a:spcPct val="100000"/>
               </a:lnSpc>
@@ -8486,7 +8203,7 @@
             </a:endParaRPr>
           </a:p>
           <a:p>
-            <a:pPr marL="285840" indent="-283320">
+            <a:pPr marL="285840" indent="-282960">
               <a:lnSpc>
                 <a:spcPct val="100000"/>
               </a:lnSpc>
@@ -8521,7 +8238,7 @@
             </a:endParaRPr>
           </a:p>
           <a:p>
-            <a:pPr marL="285840" indent="-283320">
+            <a:pPr marL="285840" indent="-282960">
               <a:lnSpc>
                 <a:spcPct val="100000"/>
               </a:lnSpc>
@@ -8616,7 +8333,7 @@
         <p:spPr>
           <a:xfrm>
             <a:off x="5326200" y="4178880"/>
-            <a:ext cx="9779400" cy="3927600"/>
+            <a:ext cx="9779040" cy="3927240"/>
           </a:xfrm>
           <a:prstGeom prst="rect">
             <a:avLst/>
@@ -8677,7 +8394,7 @@
         <p:spPr>
           <a:xfrm>
             <a:off x="4260600" y="312120"/>
-            <a:ext cx="3670200" cy="697680"/>
+            <a:ext cx="3669840" cy="697320"/>
           </a:xfrm>
           <a:prstGeom prst="rect">
             <a:avLst/>
@@ -8765,7 +8482,7 @@
         <p:spPr>
           <a:xfrm>
             <a:off x="506880" y="3669480"/>
-            <a:ext cx="9055800" cy="1941120"/>
+            <a:ext cx="9055440" cy="1940760"/>
           </a:xfrm>
           <a:prstGeom prst="rect">
             <a:avLst/>
@@ -8916,7 +8633,7 @@
         <p:spPr>
           <a:xfrm>
             <a:off x="506880" y="1379880"/>
-            <a:ext cx="11178000" cy="3032640"/>
+            <a:ext cx="11177640" cy="3032280"/>
           </a:xfrm>
           <a:prstGeom prst="rect">
             <a:avLst/>
@@ -9007,7 +8724,7 @@
         <p:spPr>
           <a:xfrm>
             <a:off x="2076480" y="4168440"/>
-            <a:ext cx="8578800" cy="942840"/>
+            <a:ext cx="8578440" cy="942480"/>
           </a:xfrm>
           <a:prstGeom prst="rect">
             <a:avLst/>
@@ -9078,7 +8795,7 @@
         <p:spPr>
           <a:xfrm>
             <a:off x="3048120" y="295920"/>
-            <a:ext cx="6095520" cy="697680"/>
+            <a:ext cx="6095160" cy="697320"/>
           </a:xfrm>
           <a:prstGeom prst="rect">
             <a:avLst/>
@@ -9166,7 +8883,7 @@
         <p:spPr>
           <a:xfrm>
             <a:off x="5368320" y="-1155240"/>
-            <a:ext cx="5686560" cy="5764320"/>
+            <a:ext cx="5686200" cy="5763960"/>
           </a:xfrm>
           <a:prstGeom prst="rect">
             <a:avLst/>
@@ -9227,7 +8944,7 @@
         <p:spPr>
           <a:xfrm>
             <a:off x="3048120" y="295920"/>
-            <a:ext cx="6095520" cy="697680"/>
+            <a:ext cx="6095160" cy="697320"/>
           </a:xfrm>
           <a:prstGeom prst="rect">
             <a:avLst/>
@@ -9283,7 +9000,7 @@
         <p:spPr>
           <a:xfrm>
             <a:off x="1385280" y="1296360"/>
-            <a:ext cx="9702720" cy="5399640"/>
+            <a:ext cx="9702360" cy="5399280"/>
           </a:xfrm>
           <a:prstGeom prst="rect">
             <a:avLst/>
@@ -9339,7 +9056,7 @@
         <p:spPr>
           <a:xfrm>
             <a:off x="360000" y="930240"/>
-            <a:ext cx="5686560" cy="5764320"/>
+            <a:ext cx="5686200" cy="5763960"/>
           </a:xfrm>
           <a:prstGeom prst="rect">
             <a:avLst/>
@@ -9400,7 +9117,7 @@
         <p:spPr>
           <a:xfrm>
             <a:off x="3048120" y="295920"/>
-            <a:ext cx="6095520" cy="697680"/>
+            <a:ext cx="6095160" cy="697320"/>
           </a:xfrm>
           <a:prstGeom prst="rect">
             <a:avLst/>
@@ -9456,7 +9173,7 @@
         <p:spPr>
           <a:xfrm>
             <a:off x="1385280" y="1296720"/>
-            <a:ext cx="9702720" cy="5399640"/>
+            <a:ext cx="9702360" cy="5399280"/>
           </a:xfrm>
           <a:prstGeom prst="rect">
             <a:avLst/>
@@ -9512,7 +9229,7 @@
         <p:spPr>
           <a:xfrm>
             <a:off x="360000" y="930240"/>
-            <a:ext cx="5686560" cy="5764320"/>
+            <a:ext cx="5686200" cy="5763960"/>
           </a:xfrm>
           <a:prstGeom prst="rect">
             <a:avLst/>
@@ -9573,7 +9290,7 @@
         <p:spPr>
           <a:xfrm>
             <a:off x="3048120" y="295920"/>
-            <a:ext cx="6095520" cy="697680"/>
+            <a:ext cx="6095160" cy="697320"/>
           </a:xfrm>
           <a:prstGeom prst="rect">
             <a:avLst/>
@@ -9628,7 +9345,7 @@
         <p:spPr>
           <a:xfrm>
             <a:off x="1385280" y="1296720"/>
-            <a:ext cx="9634320" cy="5327280"/>
+            <a:ext cx="9633960" cy="5326920"/>
           </a:xfrm>
           <a:prstGeom prst="rect">
             <a:avLst/>
@@ -9684,7 +9401,7 @@
         <p:spPr>
           <a:xfrm>
             <a:off x="360000" y="930240"/>
-            <a:ext cx="5686560" cy="5764320"/>
+            <a:ext cx="5686200" cy="5763960"/>
           </a:xfrm>
           <a:prstGeom prst="rect">
             <a:avLst/>
@@ -9745,7 +9462,7 @@
         <p:spPr>
           <a:xfrm>
             <a:off x="3048120" y="295920"/>
-            <a:ext cx="6095520" cy="697680"/>
+            <a:ext cx="6095160" cy="697320"/>
           </a:xfrm>
           <a:prstGeom prst="rect">
             <a:avLst/>
@@ -9800,7 +9517,7 @@
         <p:spPr>
           <a:xfrm>
             <a:off x="1385280" y="1325520"/>
-            <a:ext cx="9634320" cy="5298840"/>
+            <a:ext cx="9633960" cy="5298480"/>
           </a:xfrm>
           <a:prstGeom prst="rect">
             <a:avLst/>
@@ -9856,7 +9573,7 @@
         <p:spPr>
           <a:xfrm>
             <a:off x="360000" y="930240"/>
-            <a:ext cx="5686560" cy="5764320"/>
+            <a:ext cx="5686200" cy="5763960"/>
           </a:xfrm>
           <a:prstGeom prst="rect">
             <a:avLst/>
@@ -9917,7 +9634,7 @@
         <p:spPr>
           <a:xfrm>
             <a:off x="3048120" y="295920"/>
-            <a:ext cx="6095520" cy="697680"/>
+            <a:ext cx="6095160" cy="697320"/>
           </a:xfrm>
           <a:prstGeom prst="rect">
             <a:avLst/>
@@ -9973,7 +9690,7 @@
         <p:spPr>
           <a:xfrm>
             <a:off x="1450440" y="1354320"/>
-            <a:ext cx="9864000" cy="5375160"/>
+            <a:ext cx="9863640" cy="5374800"/>
           </a:xfrm>
           <a:prstGeom prst="rect">
             <a:avLst/>
@@ -10029,7 +9746,7 @@
         <p:spPr>
           <a:xfrm>
             <a:off x="360000" y="930240"/>
-            <a:ext cx="5686560" cy="5764320"/>
+            <a:ext cx="5686200" cy="5763960"/>
           </a:xfrm>
           <a:prstGeom prst="rect">
             <a:avLst/>
@@ -10090,7 +9807,7 @@
         <p:spPr>
           <a:xfrm>
             <a:off x="1169280" y="2693160"/>
-            <a:ext cx="4653720" cy="2238120"/>
+            <a:ext cx="4653360" cy="2237760"/>
           </a:xfrm>
           <a:prstGeom prst="rect">
             <a:avLst/>
@@ -10151,7 +9868,7 @@
         <p:spPr>
           <a:xfrm>
             <a:off x="3048120" y="295920"/>
-            <a:ext cx="6095520" cy="697680"/>
+            <a:ext cx="6095160" cy="697320"/>
           </a:xfrm>
           <a:prstGeom prst="rect">
             <a:avLst/>
@@ -10201,13 +9918,13 @@
         </p:nvPicPr>
         <p:blipFill>
           <a:blip r:embed="rId1"/>
-          <a:srcRect l="32669" t="32070" r="53756" b="19640"/>
+          <a:srcRect l="32665" t="32066" r="53750" b="19636"/>
           <a:stretch/>
         </p:blipFill>
         <p:spPr>
           <a:xfrm>
             <a:off x="7560000" y="864360"/>
-            <a:ext cx="2879280" cy="5759640"/>
+            <a:ext cx="2878920" cy="5759280"/>
           </a:xfrm>
           <a:prstGeom prst="rect">
             <a:avLst/>
@@ -10263,7 +9980,7 @@
         <p:spPr>
           <a:xfrm>
             <a:off x="3115800" y="336960"/>
-            <a:ext cx="5991840" cy="697680"/>
+            <a:ext cx="5991480" cy="697320"/>
           </a:xfrm>
           <a:prstGeom prst="rect">
             <a:avLst/>
@@ -10324,7 +10041,7 @@
         <p:spPr>
           <a:xfrm>
             <a:off x="360000" y="930240"/>
-            <a:ext cx="5686560" cy="5764320"/>
+            <a:ext cx="5686200" cy="5763960"/>
           </a:xfrm>
           <a:prstGeom prst="rect">
             <a:avLst/>
@@ -10385,7 +10102,7 @@
         <p:spPr>
           <a:xfrm>
             <a:off x="1157040" y="1848600"/>
-            <a:ext cx="9779400" cy="3927600"/>
+            <a:ext cx="9779040" cy="3927240"/>
           </a:xfrm>
           <a:prstGeom prst="rect">
             <a:avLst/>
@@ -10406,7 +10123,7 @@
             <a:noAutofit/>
           </a:bodyPr>
           <a:p>
-            <a:pPr marL="285840" indent="-283320">
+            <a:pPr marL="285840" indent="-282960">
               <a:lnSpc>
                 <a:spcPct val="100000"/>
               </a:lnSpc>
@@ -10441,7 +10158,7 @@
             </a:endParaRPr>
           </a:p>
           <a:p>
-            <a:pPr marL="285840" indent="-283320">
+            <a:pPr marL="285840" indent="-282960">
               <a:lnSpc>
                 <a:spcPct val="100000"/>
               </a:lnSpc>
@@ -10476,7 +10193,7 @@
             </a:endParaRPr>
           </a:p>
           <a:p>
-            <a:pPr marL="285840" indent="-283320">
+            <a:pPr marL="285840" indent="-282960">
               <a:lnSpc>
                 <a:spcPct val="100000"/>
               </a:lnSpc>
@@ -10608,7 +10325,7 @@
         <p:spPr>
           <a:xfrm>
             <a:off x="4260600" y="312120"/>
-            <a:ext cx="3670200" cy="697680"/>
+            <a:ext cx="3669840" cy="697320"/>
           </a:xfrm>
           <a:prstGeom prst="rect">
             <a:avLst/>
@@ -10659,7 +10376,7 @@
         <p:spPr>
           <a:xfrm>
             <a:off x="1170360" y="1760400"/>
-            <a:ext cx="4782600" cy="3927600"/>
+            <a:ext cx="4782240" cy="3927240"/>
           </a:xfrm>
           <a:prstGeom prst="rect">
             <a:avLst/>
@@ -10690,7 +10407,7 @@
             </a:endParaRPr>
           </a:p>
           <a:p>
-            <a:pPr marL="285840" indent="-283320">
+            <a:pPr marL="285840" indent="-282960">
               <a:lnSpc>
                 <a:spcPct val="100000"/>
               </a:lnSpc>
@@ -10725,7 +10442,7 @@
             </a:endParaRPr>
           </a:p>
           <a:p>
-            <a:pPr>
+            <a:pPr marL="2160">
               <a:lnSpc>
                 <a:spcPct val="100000"/>
               </a:lnSpc>
@@ -10735,7 +10452,7 @@
             </a:endParaRPr>
           </a:p>
           <a:p>
-            <a:pPr marL="285840" indent="-283320">
+            <a:pPr marL="285840" indent="-282960">
               <a:lnSpc>
                 <a:spcPct val="100000"/>
               </a:lnSpc>
@@ -10770,7 +10487,7 @@
             </a:endParaRPr>
           </a:p>
           <a:p>
-            <a:pPr>
+            <a:pPr marL="2160">
               <a:lnSpc>
                 <a:spcPct val="100000"/>
               </a:lnSpc>
@@ -10780,7 +10497,7 @@
             </a:endParaRPr>
           </a:p>
           <a:p>
-            <a:pPr marL="285840" indent="-283320">
+            <a:pPr marL="285840" indent="-282960">
               <a:lnSpc>
                 <a:spcPct val="100000"/>
               </a:lnSpc>
@@ -10839,7 +10556,7 @@
         <p:spPr>
           <a:xfrm>
             <a:off x="7232760" y="1406880"/>
-            <a:ext cx="3301920" cy="2091600"/>
+            <a:ext cx="3301560" cy="2091240"/>
           </a:xfrm>
           <a:prstGeom prst="rect">
             <a:avLst/>
@@ -10848,7 +10565,7 @@
             <a:noFill/>
           </a:ln>
           <a:effectLst>
-            <a:outerShdw algn="tl" blurRad="292100" dir="2700000" dist="139498" rotWithShape="0">
+            <a:outerShdw algn="tl" blurRad="292100" dir="2700000" dist="138988" rotWithShape="0">
               <a:srgbClr val="333333">
                 <a:alpha val="65000"/>
               </a:srgbClr>
@@ -10864,13 +10581,13 @@
         </p:nvPicPr>
         <p:blipFill>
           <a:blip r:embed="rId2"/>
-          <a:srcRect l="42114" t="39412" r="18907" b="18586"/>
+          <a:srcRect l="42108" t="39405" r="18906" b="18583"/>
           <a:stretch/>
         </p:blipFill>
         <p:spPr>
           <a:xfrm>
             <a:off x="7232760" y="3895560"/>
-            <a:ext cx="3301920" cy="2091600"/>
+            <a:ext cx="3301560" cy="2091240"/>
           </a:xfrm>
           <a:prstGeom prst="rect">
             <a:avLst/>
@@ -10879,7 +10596,7 @@
             <a:noFill/>
           </a:ln>
           <a:effectLst>
-            <a:outerShdw algn="tl" blurRad="292100" dir="2700000" dist="139498" rotWithShape="0">
+            <a:outerShdw algn="tl" blurRad="292100" dir="2700000" dist="138988" rotWithShape="0">
               <a:srgbClr val="333333">
                 <a:alpha val="65000"/>
               </a:srgbClr>
@@ -10933,7 +10650,7 @@
         <p:spPr>
           <a:xfrm>
             <a:off x="529920" y="1788480"/>
-            <a:ext cx="7587000" cy="2831040"/>
+            <a:ext cx="7586640" cy="2830680"/>
           </a:xfrm>
           <a:prstGeom prst="rect">
             <a:avLst/>
@@ -10984,7 +10701,7 @@
         <p:spPr>
           <a:xfrm>
             <a:off x="3115800" y="336960"/>
-            <a:ext cx="5991840" cy="697680"/>
+            <a:ext cx="5991480" cy="697320"/>
           </a:xfrm>
           <a:prstGeom prst="rect">
             <a:avLst/>
@@ -11010,7 +10727,7 @@
         <p:spPr>
           <a:xfrm>
             <a:off x="3115800" y="336960"/>
-            <a:ext cx="5991840" cy="697680"/>
+            <a:ext cx="5991480" cy="697320"/>
           </a:xfrm>
           <a:prstGeom prst="rect">
             <a:avLst/>
@@ -11071,7 +10788,7 @@
         <p:spPr>
           <a:xfrm>
             <a:off x="1206000" y="1788480"/>
-            <a:ext cx="9779400" cy="3927600"/>
+            <a:ext cx="9779040" cy="3927240"/>
           </a:xfrm>
           <a:prstGeom prst="rect">
             <a:avLst/>
@@ -11092,7 +10809,7 @@
             <a:noAutofit/>
           </a:bodyPr>
           <a:p>
-            <a:pPr marL="285840" indent="-283320">
+            <a:pPr marL="285840" indent="-282960">
               <a:lnSpc>
                 <a:spcPct val="100000"/>
               </a:lnSpc>
@@ -11127,7 +10844,7 @@
             </a:endParaRPr>
           </a:p>
           <a:p>
-            <a:pPr marL="285840" indent="-283320">
+            <a:pPr marL="285840" indent="-282960">
               <a:lnSpc>
                 <a:spcPct val="100000"/>
               </a:lnSpc>
@@ -11145,7 +10862,7 @@
                 <a:latin typeface="Arial"/>
                 <a:ea typeface="DejaVu Sans"/>
               </a:rPr>
-              <a:t>The OISST data represented a frequent detection of signals lasting for a much longer duration</a:t>
+              <a:t>The MUR and G1SST represented a frequent detection of signals lasting for a much longer duration</a:t>
             </a:r>
             <a:endParaRPr b="0" lang="en-ZA" sz="2800" spc="-1" strike="noStrike">
               <a:latin typeface="Arial"/>
@@ -11162,7 +10879,7 @@
             </a:endParaRPr>
           </a:p>
           <a:p>
-            <a:pPr marL="285840" indent="-283320">
+            <a:pPr marL="285840" indent="-282960">
               <a:lnSpc>
                 <a:spcPct val="100000"/>
               </a:lnSpc>
@@ -11294,7 +11011,7 @@
         <p:spPr>
           <a:xfrm>
             <a:off x="529920" y="1788480"/>
-            <a:ext cx="7587000" cy="2831040"/>
+            <a:ext cx="7586640" cy="2830680"/>
           </a:xfrm>
           <a:prstGeom prst="rect">
             <a:avLst/>
@@ -11345,7 +11062,7 @@
         <p:spPr>
           <a:xfrm>
             <a:off x="3115800" y="336960"/>
-            <a:ext cx="5991840" cy="697680"/>
+            <a:ext cx="5991480" cy="697320"/>
           </a:xfrm>
           <a:prstGeom prst="rect">
             <a:avLst/>
@@ -11371,7 +11088,7 @@
         <p:spPr>
           <a:xfrm>
             <a:off x="3115800" y="336960"/>
-            <a:ext cx="5991840" cy="697680"/>
+            <a:ext cx="5991480" cy="697320"/>
           </a:xfrm>
           <a:prstGeom prst="rect">
             <a:avLst/>
@@ -11432,7 +11149,7 @@
         <p:spPr>
           <a:xfrm>
             <a:off x="1004040" y="1788480"/>
-            <a:ext cx="10183320" cy="3927600"/>
+            <a:ext cx="10182960" cy="3927240"/>
           </a:xfrm>
           <a:prstGeom prst="rect">
             <a:avLst/>
@@ -11453,7 +11170,7 @@
             <a:noAutofit/>
           </a:bodyPr>
           <a:p>
-            <a:pPr marL="285840" indent="-283320">
+            <a:pPr marL="285840" indent="-282960">
               <a:lnSpc>
                 <a:spcPct val="100000"/>
               </a:lnSpc>
@@ -11488,7 +11205,7 @@
             </a:endParaRPr>
           </a:p>
           <a:p>
-            <a:pPr marL="285840" indent="-283320">
+            <a:pPr marL="285840" indent="-282960">
               <a:lnSpc>
                 <a:spcPct val="100000"/>
               </a:lnSpc>
@@ -11523,7 +11240,7 @@
             </a:endParaRPr>
           </a:p>
           <a:p>
-            <a:pPr marL="285840" indent="-283320">
+            <a:pPr marL="285840" indent="-282960">
               <a:lnSpc>
                 <a:spcPct val="100000"/>
               </a:lnSpc>
@@ -11655,7 +11372,7 @@
         <p:spPr>
           <a:xfrm>
             <a:off x="529920" y="1788480"/>
-            <a:ext cx="7587000" cy="2831040"/>
+            <a:ext cx="7586640" cy="2830680"/>
           </a:xfrm>
           <a:prstGeom prst="rect">
             <a:avLst/>
@@ -11706,7 +11423,7 @@
         <p:spPr>
           <a:xfrm>
             <a:off x="3115800" y="336960"/>
-            <a:ext cx="5991840" cy="697680"/>
+            <a:ext cx="5991480" cy="697320"/>
           </a:xfrm>
           <a:prstGeom prst="rect">
             <a:avLst/>
@@ -11732,7 +11449,7 @@
         <p:spPr>
           <a:xfrm>
             <a:off x="1206000" y="2072160"/>
-            <a:ext cx="9779400" cy="3300840"/>
+            <a:ext cx="9779040" cy="3300480"/>
           </a:xfrm>
           <a:prstGeom prst="rect">
             <a:avLst/>
@@ -11753,7 +11470,7 @@
             <a:noAutofit/>
           </a:bodyPr>
           <a:p>
-            <a:pPr marL="285840" indent="-283320">
+            <a:pPr marL="285840" indent="-282960">
               <a:lnSpc>
                 <a:spcPct val="100000"/>
               </a:lnSpc>
@@ -11788,7 +11505,7 @@
             </a:endParaRPr>
           </a:p>
           <a:p>
-            <a:pPr marL="285840" indent="-283320">
+            <a:pPr marL="285840" indent="-282960">
               <a:lnSpc>
                 <a:spcPct val="100000"/>
               </a:lnSpc>
@@ -11823,7 +11540,7 @@
             </a:endParaRPr>
           </a:p>
           <a:p>
-            <a:pPr marL="285840" indent="-283320">
+            <a:pPr marL="285840" indent="-282960">
               <a:lnSpc>
                 <a:spcPct val="100000"/>
               </a:lnSpc>
@@ -11918,7 +11635,7 @@
         <p:spPr>
           <a:xfrm>
             <a:off x="3115800" y="336960"/>
-            <a:ext cx="5991840" cy="697680"/>
+            <a:ext cx="5991480" cy="697320"/>
           </a:xfrm>
           <a:prstGeom prst="rect">
             <a:avLst/>
@@ -12016,7 +11733,7 @@
         <p:spPr>
           <a:xfrm>
             <a:off x="529920" y="1788480"/>
-            <a:ext cx="7587000" cy="2831040"/>
+            <a:ext cx="7586640" cy="2830680"/>
           </a:xfrm>
           <a:prstGeom prst="rect">
             <a:avLst/>
@@ -12067,7 +11784,7 @@
         <p:spPr>
           <a:xfrm>
             <a:off x="3115800" y="336960"/>
-            <a:ext cx="5991840" cy="697680"/>
+            <a:ext cx="5991480" cy="697320"/>
           </a:xfrm>
           <a:prstGeom prst="rect">
             <a:avLst/>
@@ -12093,7 +11810,7 @@
         <p:spPr>
           <a:xfrm>
             <a:off x="529560" y="1788480"/>
-            <a:ext cx="11132280" cy="3898440"/>
+            <a:ext cx="11131920" cy="3898080"/>
           </a:xfrm>
           <a:prstGeom prst="rect">
             <a:avLst/>
@@ -12114,7 +11831,7 @@
             <a:noAutofit/>
           </a:bodyPr>
           <a:p>
-            <a:pPr marL="285840" indent="-283320">
+            <a:pPr marL="285840" indent="-282960">
               <a:lnSpc>
                 <a:spcPct val="100000"/>
               </a:lnSpc>
@@ -12149,7 +11866,7 @@
             </a:endParaRPr>
           </a:p>
           <a:p>
-            <a:pPr marL="285840" indent="-283320">
+            <a:pPr marL="285840" indent="-282960">
               <a:lnSpc>
                 <a:spcPct val="100000"/>
               </a:lnSpc>
@@ -12184,7 +11901,7 @@
             </a:endParaRPr>
           </a:p>
           <a:p>
-            <a:pPr marL="285840" indent="-283320">
+            <a:pPr marL="285840" indent="-282960">
               <a:lnSpc>
                 <a:spcPct val="100000"/>
               </a:lnSpc>
@@ -12279,7 +11996,7 @@
         <p:spPr>
           <a:xfrm>
             <a:off x="3115800" y="336960"/>
-            <a:ext cx="5991840" cy="697680"/>
+            <a:ext cx="5991480" cy="697320"/>
           </a:xfrm>
           <a:prstGeom prst="rect">
             <a:avLst/>
@@ -12377,7 +12094,7 @@
         <p:spPr>
           <a:xfrm>
             <a:off x="529920" y="1788480"/>
-            <a:ext cx="7587000" cy="2831040"/>
+            <a:ext cx="7586640" cy="2830680"/>
           </a:xfrm>
           <a:prstGeom prst="rect">
             <a:avLst/>
@@ -12428,7 +12145,7 @@
         <p:spPr>
           <a:xfrm>
             <a:off x="3115800" y="336960"/>
-            <a:ext cx="5991840" cy="697680"/>
+            <a:ext cx="5991480" cy="697320"/>
           </a:xfrm>
           <a:prstGeom prst="rect">
             <a:avLst/>
@@ -12454,7 +12171,7 @@
         <p:spPr>
           <a:xfrm>
             <a:off x="659880" y="1944000"/>
-            <a:ext cx="9779400" cy="3927600"/>
+            <a:ext cx="9779040" cy="3927240"/>
           </a:xfrm>
           <a:prstGeom prst="rect">
             <a:avLst/>
@@ -12545,7 +12262,7 @@
         <p:spPr>
           <a:xfrm>
             <a:off x="3115800" y="336960"/>
-            <a:ext cx="5991840" cy="697680"/>
+            <a:ext cx="5991480" cy="697320"/>
           </a:xfrm>
           <a:prstGeom prst="rect">
             <a:avLst/>
@@ -12596,7 +12313,7 @@
         <p:spPr>
           <a:xfrm>
             <a:off x="1887120" y="478080"/>
-            <a:ext cx="8417520" cy="926640"/>
+            <a:ext cx="8417160" cy="926280"/>
           </a:xfrm>
           <a:prstGeom prst="rect">
             <a:avLst/>
@@ -12691,7 +12408,7 @@
         <p:spPr>
           <a:xfrm>
             <a:off x="3848040" y="2832480"/>
-            <a:ext cx="4495320" cy="3371400"/>
+            <a:ext cx="4494960" cy="3371040"/>
           </a:xfrm>
           <a:prstGeom prst="rect">
             <a:avLst/>
@@ -12747,7 +12464,7 @@
         <p:spPr>
           <a:xfrm>
             <a:off x="831240" y="4354560"/>
-            <a:ext cx="10528920" cy="1812600"/>
+            <a:ext cx="10528560" cy="1812240"/>
           </a:xfrm>
           <a:prstGeom prst="roundRect">
             <a:avLst>
@@ -12783,7 +12500,7 @@
         <p:spPr>
           <a:xfrm>
             <a:off x="831240" y="1394640"/>
-            <a:ext cx="10528920" cy="1295280"/>
+            <a:ext cx="10528560" cy="1294920"/>
           </a:xfrm>
           <a:prstGeom prst="roundRect">
             <a:avLst>
@@ -12816,7 +12533,7 @@
         <p:spPr>
           <a:xfrm>
             <a:off x="1316880" y="1607400"/>
-            <a:ext cx="9558000" cy="1144800"/>
+            <a:ext cx="9557640" cy="1144440"/>
           </a:xfrm>
           <a:prstGeom prst="rect">
             <a:avLst/>
@@ -12897,7 +12614,7 @@
         <p:spPr>
           <a:xfrm>
             <a:off x="831240" y="3309480"/>
-            <a:ext cx="10528920" cy="792360"/>
+            <a:ext cx="10528560" cy="792000"/>
           </a:xfrm>
           <a:prstGeom prst="rect">
             <a:avLst/>
@@ -12968,7 +12685,7 @@
         <p:spPr>
           <a:xfrm>
             <a:off x="1103760" y="4659120"/>
-            <a:ext cx="11170800" cy="469080"/>
+            <a:ext cx="11170440" cy="468720"/>
           </a:xfrm>
           <a:prstGeom prst="rect">
             <a:avLst/>
@@ -12989,7 +12706,7 @@
             <a:noAutofit/>
           </a:bodyPr>
           <a:p>
-            <a:pPr marL="514440" indent="-514080">
+            <a:pPr marL="514440" indent="-513720">
               <a:lnSpc>
                 <a:spcPct val="100000"/>
               </a:lnSpc>
@@ -13084,7 +12801,7 @@
         <p:spPr>
           <a:xfrm>
             <a:off x="4260600" y="312120"/>
-            <a:ext cx="3670200" cy="697680"/>
+            <a:ext cx="3669840" cy="697320"/>
           </a:xfrm>
           <a:prstGeom prst="rect">
             <a:avLst/>
@@ -13172,7 +12889,7 @@
         <p:spPr>
           <a:xfrm>
             <a:off x="-10440" y="3287160"/>
-            <a:ext cx="12310920" cy="1270440"/>
+            <a:ext cx="12310560" cy="1270080"/>
           </a:xfrm>
           <a:prstGeom prst="rect">
             <a:avLst/>
@@ -13223,7 +12940,7 @@
         <p:spPr>
           <a:xfrm>
             <a:off x="1704240" y="2130480"/>
-            <a:ext cx="8015760" cy="2693520"/>
+            <a:ext cx="8015400" cy="2693160"/>
           </a:xfrm>
           <a:prstGeom prst="roundRect">
             <a:avLst>
@@ -13259,7 +12976,7 @@
         <p:spPr>
           <a:xfrm>
             <a:off x="2316240" y="2625480"/>
-            <a:ext cx="7043760" cy="1406520"/>
+            <a:ext cx="7043400" cy="1406160"/>
           </a:xfrm>
           <a:prstGeom prst="rect">
             <a:avLst/>
@@ -13330,7 +13047,7 @@
         <p:spPr>
           <a:xfrm>
             <a:off x="792000" y="1800000"/>
-            <a:ext cx="11170800" cy="1230840"/>
+            <a:ext cx="11170440" cy="1230480"/>
           </a:xfrm>
           <a:prstGeom prst="rect">
             <a:avLst/>
@@ -13401,7 +13118,7 @@
         <p:spPr>
           <a:xfrm>
             <a:off x="792000" y="1800000"/>
-            <a:ext cx="11170800" cy="1230840"/>
+            <a:ext cx="11170440" cy="1230480"/>
           </a:xfrm>
           <a:prstGeom prst="rect">
             <a:avLst/>
@@ -13472,7 +13189,7 @@
         <p:spPr>
           <a:xfrm>
             <a:off x="4260600" y="312120"/>
-            <a:ext cx="3670200" cy="697680"/>
+            <a:ext cx="3669840" cy="697320"/>
           </a:xfrm>
           <a:prstGeom prst="rect">
             <a:avLst/>
@@ -13560,7 +13277,7 @@
         <p:spPr>
           <a:xfrm>
             <a:off x="720000" y="1449360"/>
-            <a:ext cx="11470680" cy="3013200"/>
+            <a:ext cx="11470320" cy="3012840"/>
           </a:xfrm>
           <a:prstGeom prst="rect">
             <a:avLst/>
@@ -13621,9 +13338,9 @@
         <p:grpSpPr>
           <a:xfrm>
             <a:off x="2736000" y="1449360"/>
-            <a:ext cx="7276320" cy="4641480"/>
+            <a:ext cx="7275960" cy="4641120"/>
             <a:chOff x="2736000" y="1449360"/>
-            <a:chExt cx="7276320" cy="4641480"/>
+            <a:chExt cx="7275960" cy="4641120"/>
           </a:xfrm>
         </p:grpSpPr>
         <p:sp>
@@ -13635,7 +13352,7 @@
           <p:spPr>
             <a:xfrm>
               <a:off x="2736000" y="1449360"/>
-              <a:ext cx="6326280" cy="4641480"/>
+              <a:ext cx="6325920" cy="4641120"/>
             </a:xfrm>
             <a:prstGeom prst="triangle">
               <a:avLst>
@@ -13678,7 +13395,7 @@
           <p:spPr>
             <a:xfrm>
               <a:off x="5901120" y="1916280"/>
-              <a:ext cx="4111200" cy="1097280"/>
+              <a:ext cx="4110840" cy="1096920"/>
             </a:xfrm>
             <a:prstGeom prst="roundRect">
               <a:avLst>
@@ -13770,7 +13487,7 @@
           <p:spPr>
             <a:xfrm>
               <a:off x="5901120" y="3152880"/>
-              <a:ext cx="4111200" cy="1097280"/>
+              <a:ext cx="4110840" cy="1096920"/>
             </a:xfrm>
             <a:prstGeom prst="roundRect">
               <a:avLst>
@@ -13842,7 +13559,7 @@
           <p:spPr>
             <a:xfrm>
               <a:off x="5901120" y="4389840"/>
-              <a:ext cx="4111200" cy="1097280"/>
+              <a:ext cx="4110840" cy="1096920"/>
             </a:xfrm>
             <a:prstGeom prst="roundRect">
               <a:avLst>
@@ -13915,7 +13632,7 @@
         <p:spPr>
           <a:xfrm>
             <a:off x="4260600" y="312120"/>
-            <a:ext cx="3670200" cy="697680"/>
+            <a:ext cx="3669840" cy="697320"/>
           </a:xfrm>
           <a:prstGeom prst="rect">
             <a:avLst/>
@@ -14008,7 +13725,7 @@
         <p:spPr>
           <a:xfrm>
             <a:off x="552960" y="1923120"/>
-            <a:ext cx="3429000" cy="2355840"/>
+            <a:ext cx="3428640" cy="2355480"/>
           </a:xfrm>
           <a:prstGeom prst="rect">
             <a:avLst/>
@@ -14017,7 +13734,7 @@
             <a:noFill/>
           </a:ln>
           <a:effectLst>
-            <a:outerShdw algn="tl" blurRad="292100" dir="2700000" dist="139498" rotWithShape="0">
+            <a:outerShdw algn="tl" blurRad="292100" dir="2700000" dist="138988" rotWithShape="0">
               <a:srgbClr val="333333">
                 <a:alpha val="65000"/>
               </a:srgbClr>
@@ -14034,7 +13751,7 @@
         <p:spPr>
           <a:xfrm>
             <a:off x="4171320" y="1078920"/>
-            <a:ext cx="4326840" cy="697680"/>
+            <a:ext cx="4326480" cy="697320"/>
           </a:xfrm>
           <a:prstGeom prst="rect">
             <a:avLst/>
@@ -14089,7 +13806,7 @@
         <p:spPr>
           <a:xfrm>
             <a:off x="4367160" y="1933920"/>
-            <a:ext cx="3429000" cy="2355840"/>
+            <a:ext cx="3428640" cy="2355480"/>
           </a:xfrm>
           <a:prstGeom prst="rect">
             <a:avLst/>
@@ -14098,7 +13815,7 @@
             <a:noFill/>
           </a:ln>
           <a:effectLst>
-            <a:outerShdw algn="tl" blurRad="292100" dir="2700000" dist="139498" rotWithShape="0">
+            <a:outerShdw algn="tl" blurRad="292100" dir="2700000" dist="138988" rotWithShape="0">
               <a:srgbClr val="333333">
                 <a:alpha val="65000"/>
               </a:srgbClr>
@@ -14119,7 +13836,7 @@
         <p:spPr>
           <a:xfrm>
             <a:off x="8209800" y="1923120"/>
-            <a:ext cx="3429000" cy="2345400"/>
+            <a:ext cx="3428640" cy="2345040"/>
           </a:xfrm>
           <a:prstGeom prst="rect">
             <a:avLst/>
@@ -14128,7 +13845,7 @@
             <a:noFill/>
           </a:ln>
           <a:effectLst>
-            <a:outerShdw algn="tl" blurRad="292100" dir="2700000" dist="139498" rotWithShape="0">
+            <a:outerShdw algn="tl" blurRad="292100" dir="2700000" dist="138988" rotWithShape="0">
               <a:srgbClr val="333333">
                 <a:alpha val="65000"/>
               </a:srgbClr>
@@ -14145,7 +13862,7 @@
         <p:spPr>
           <a:xfrm>
             <a:off x="4260600" y="312120"/>
-            <a:ext cx="3670200" cy="697680"/>
+            <a:ext cx="3669840" cy="697320"/>
           </a:xfrm>
           <a:prstGeom prst="rect">
             <a:avLst/>
@@ -14196,7 +13913,7 @@
         <p:spPr>
           <a:xfrm>
             <a:off x="3982320" y="4536720"/>
-            <a:ext cx="6651720" cy="1576080"/>
+            <a:ext cx="6651360" cy="1575720"/>
           </a:xfrm>
           <a:prstGeom prst="rect">
             <a:avLst/>
@@ -14227,7 +13944,7 @@
             </a:endParaRPr>
           </a:p>
           <a:p>
-            <a:pPr marL="285840" indent="-283320">
+            <a:pPr marL="285840" indent="-282960">
               <a:lnSpc>
                 <a:spcPct val="100000"/>
               </a:lnSpc>
@@ -14262,7 +13979,7 @@
             </a:endParaRPr>
           </a:p>
           <a:p>
-            <a:pPr marL="216000" indent="-214560">
+            <a:pPr marL="216000" indent="-214200">
               <a:lnSpc>
                 <a:spcPct val="100000"/>
               </a:lnSpc>
@@ -14298,7 +14015,7 @@
             </a:endParaRPr>
           </a:p>
           <a:p>
-            <a:pPr marL="216000" indent="-214560">
+            <a:pPr marL="216000" indent="-214200">
               <a:lnSpc>
                 <a:spcPct val="100000"/>
               </a:lnSpc>
@@ -14371,7 +14088,7 @@
         <p:spPr>
           <a:xfrm>
             <a:off x="837360" y="1392840"/>
-            <a:ext cx="5991840" cy="4946040"/>
+            <a:ext cx="5991480" cy="4945680"/>
           </a:xfrm>
           <a:prstGeom prst="rect">
             <a:avLst/>
@@ -14422,7 +14139,7 @@
             </a:endParaRPr>
           </a:p>
           <a:p>
-            <a:pPr marL="285840" indent="-283320">
+            <a:pPr marL="285840" indent="-282960">
               <a:lnSpc>
                 <a:spcPct val="100000"/>
               </a:lnSpc>
@@ -14457,7 +14174,7 @@
             </a:endParaRPr>
           </a:p>
           <a:p>
-            <a:pPr marL="285840" indent="-283320">
+            <a:pPr marL="285840" indent="-282960">
               <a:lnSpc>
                 <a:spcPct val="100000"/>
               </a:lnSpc>
@@ -14492,7 +14209,7 @@
             </a:endParaRPr>
           </a:p>
           <a:p>
-            <a:pPr marL="285840" indent="-283320">
+            <a:pPr marL="285840" indent="-282960">
               <a:lnSpc>
                 <a:spcPct val="100000"/>
               </a:lnSpc>
@@ -14510,7 +14227,7 @@
                 <a:latin typeface="Arial"/>
                 <a:ea typeface="DejaVu Sans"/>
               </a:rPr>
-              <a:t>Wind speed and direction affect upwelling</a:t>
+              <a:t>Wind direction is important for upwelling</a:t>
             </a:r>
             <a:endParaRPr b="0" lang="en-ZA" sz="2800" spc="-1" strike="noStrike">
               <a:latin typeface="Arial"/>
@@ -14536,13 +14253,13 @@
         </p:nvPicPr>
         <p:blipFill>
           <a:blip r:embed="rId1"/>
-          <a:srcRect l="6161" t="14464" r="67240" b="64511"/>
+          <a:srcRect l="6159" t="14464" r="67232" b="64500"/>
           <a:stretch/>
         </p:blipFill>
         <p:spPr>
           <a:xfrm>
             <a:off x="7035480" y="3917520"/>
-            <a:ext cx="4318560" cy="2322720"/>
+            <a:ext cx="4318200" cy="2322360"/>
           </a:xfrm>
           <a:prstGeom prst="rect">
             <a:avLst/>
@@ -14560,13 +14277,13 @@
         </p:nvPicPr>
         <p:blipFill>
           <a:blip r:embed="rId2"/>
-          <a:srcRect l="6760" t="13414" r="69012" b="62415"/>
+          <a:srcRect l="6760" t="13414" r="69004" b="62408"/>
           <a:stretch/>
         </p:blipFill>
         <p:spPr>
           <a:xfrm>
             <a:off x="7035840" y="1401480"/>
-            <a:ext cx="4318200" cy="2322720"/>
+            <a:ext cx="4317840" cy="2322360"/>
           </a:xfrm>
           <a:prstGeom prst="rect">
             <a:avLst/>
@@ -14585,7 +14302,7 @@
         <p:spPr>
           <a:xfrm>
             <a:off x="4260600" y="312120"/>
-            <a:ext cx="3670200" cy="697680"/>
+            <a:ext cx="3669840" cy="697320"/>
           </a:xfrm>
           <a:prstGeom prst="rect">
             <a:avLst/>
@@ -14673,7 +14390,7 @@
         <p:spPr>
           <a:xfrm>
             <a:off x="1275840" y="2053440"/>
-            <a:ext cx="9638640" cy="4572000"/>
+            <a:ext cx="9638280" cy="4571640"/>
           </a:xfrm>
           <a:prstGeom prst="rect">
             <a:avLst/>
@@ -14694,7 +14411,7 @@
             <a:noAutofit/>
           </a:bodyPr>
           <a:p>
-            <a:pPr marL="457200" indent="-453960">
+            <a:pPr marL="457200" indent="-453600">
               <a:lnSpc>
                 <a:spcPct val="100000"/>
               </a:lnSpc>
@@ -14729,7 +14446,7 @@
             </a:endParaRPr>
           </a:p>
           <a:p>
-            <a:pPr marL="457200" indent="-453960">
+            <a:pPr marL="457200" indent="-453600">
               <a:lnSpc>
                 <a:spcPct val="100000"/>
               </a:lnSpc>
@@ -14764,7 +14481,7 @@
             </a:endParaRPr>
           </a:p>
           <a:p>
-            <a:pPr marL="457200" indent="-453960">
+            <a:pPr marL="457200" indent="-453600">
               <a:lnSpc>
                 <a:spcPct val="100000"/>
               </a:lnSpc>
@@ -14799,7 +14516,7 @@
             </a:endParaRPr>
           </a:p>
           <a:p>
-            <a:pPr marL="457200" indent="-453960">
+            <a:pPr marL="457200" indent="-453600">
               <a:lnSpc>
                 <a:spcPct val="100000"/>
               </a:lnSpc>
@@ -14894,7 +14611,7 @@
         <p:spPr>
           <a:xfrm>
             <a:off x="3724920" y="1154520"/>
-            <a:ext cx="4740120" cy="754200"/>
+            <a:ext cx="4739760" cy="753840"/>
           </a:xfrm>
           <a:prstGeom prst="rect">
             <a:avLst/>
@@ -14956,7 +14673,7 @@
         <p:spPr>
           <a:xfrm>
             <a:off x="4260600" y="312120"/>
-            <a:ext cx="3670200" cy="697680"/>
+            <a:ext cx="3669840" cy="697320"/>
           </a:xfrm>
           <a:prstGeom prst="rect">
             <a:avLst/>
@@ -15044,7 +14761,7 @@
         <p:spPr>
           <a:xfrm>
             <a:off x="964800" y="1240560"/>
-            <a:ext cx="10396440" cy="2554920"/>
+            <a:ext cx="10396080" cy="2554560"/>
           </a:xfrm>
           <a:prstGeom prst="roundRect">
             <a:avLst>
@@ -15088,7 +14805,7 @@
         <p:spPr>
           <a:xfrm>
             <a:off x="1370880" y="1282320"/>
-            <a:ext cx="9450000" cy="2210760"/>
+            <a:ext cx="9449640" cy="2210400"/>
           </a:xfrm>
           <a:prstGeom prst="rect">
             <a:avLst/>
@@ -15274,7 +14991,7 @@
         <p:spPr>
           <a:xfrm>
             <a:off x="7873200" y="4145400"/>
-            <a:ext cx="2818800" cy="2129760"/>
+            <a:ext cx="2818440" cy="2129400"/>
           </a:xfrm>
           <a:prstGeom prst="rect">
             <a:avLst/>
@@ -15298,7 +15015,7 @@
         <p:spPr>
           <a:xfrm>
             <a:off x="1499760" y="3923280"/>
-            <a:ext cx="2818800" cy="2414520"/>
+            <a:ext cx="2818440" cy="2414160"/>
           </a:xfrm>
           <a:prstGeom prst="rect">
             <a:avLst/>
@@ -15317,7 +15034,7 @@
         <p:spPr>
           <a:xfrm>
             <a:off x="4260600" y="312120"/>
-            <a:ext cx="3670200" cy="697680"/>
+            <a:ext cx="3669840" cy="697320"/>
           </a:xfrm>
           <a:prstGeom prst="rect">
             <a:avLst/>

--- a/Presentation/Amieroh_P_new.pptx
+++ b/Presentation/Amieroh_P_new.pptx
@@ -263,7 +263,7 @@
           </a:bodyPr>
           <a:p>
             <a:pPr algn="r"/>
-            <a:fld id="{A974D3E0-AABC-4CD0-970B-C9182DF38C92}" type="slidenum">
+            <a:fld id="{268CD39D-F0C9-406A-8AA4-A121CE5E64DC}" type="slidenum">
               <a:rPr b="0" lang="en-ZA" sz="1400" spc="-1" strike="noStrike">
                 <a:latin typeface="Times New Roman"/>
               </a:rPr>
@@ -311,7 +311,7 @@
         <p:spPr>
           <a:xfrm>
             <a:off x="685800" y="1143000"/>
-            <a:ext cx="5484240" cy="3083760"/>
+            <a:ext cx="5483880" cy="3083400"/>
           </a:xfrm>
           <a:prstGeom prst="rect">
             <a:avLst/>
@@ -331,7 +331,7 @@
         <p:spPr>
           <a:xfrm>
             <a:off x="685800" y="4400640"/>
-            <a:ext cx="5483520" cy="3597480"/>
+            <a:ext cx="5483160" cy="3597120"/>
           </a:xfrm>
           <a:prstGeom prst="rect">
             <a:avLst/>
@@ -357,7 +357,7 @@
         <p:spPr>
           <a:xfrm>
             <a:off x="3884760" y="8685360"/>
-            <a:ext cx="2968920" cy="455760"/>
+            <a:ext cx="2968560" cy="455400"/>
           </a:xfrm>
           <a:prstGeom prst="rect">
             <a:avLst/>
@@ -383,7 +383,7 @@
                 <a:spcPct val="100000"/>
               </a:lnSpc>
             </a:pPr>
-            <a:fld id="{990BAD49-ADB8-4F36-80E6-3E6568EC0C5C}" type="slidenum">
+            <a:fld id="{378CB8CD-D3DB-48F1-9BFB-7E401B4FF9E0}" type="slidenum">
               <a:rPr b="0" lang="en-ZA" sz="1200" spc="-1" strike="noStrike">
                 <a:solidFill>
                   <a:srgbClr val="000000"/>
@@ -434,7 +434,7 @@
         <p:spPr>
           <a:xfrm>
             <a:off x="687240" y="1143000"/>
-            <a:ext cx="5479200" cy="3082320"/>
+            <a:ext cx="5478840" cy="3081960"/>
           </a:xfrm>
           <a:prstGeom prst="rect">
             <a:avLst/>
@@ -454,7 +454,7 @@
         <p:spPr>
           <a:xfrm>
             <a:off x="685800" y="4400640"/>
-            <a:ext cx="5481720" cy="3595680"/>
+            <a:ext cx="5481360" cy="3595320"/>
           </a:xfrm>
           <a:prstGeom prst="rect">
             <a:avLst/>
@@ -465,7 +465,7 @@
             <a:noAutofit/>
           </a:bodyPr>
           <a:p>
-            <a:pPr marL="216000" indent="-211680">
+            <a:pPr marL="216000" indent="-211320">
               <a:lnSpc>
                 <a:spcPct val="100000"/>
               </a:lnSpc>
@@ -495,7 +495,7 @@
         <p:spPr>
           <a:xfrm>
             <a:off x="3884760" y="8685360"/>
-            <a:ext cx="2967120" cy="453960"/>
+            <a:ext cx="2966760" cy="453600"/>
           </a:xfrm>
           <a:prstGeom prst="rect">
             <a:avLst/>
@@ -521,7 +521,7 @@
                 <a:spcPct val="100000"/>
               </a:lnSpc>
             </a:pPr>
-            <a:fld id="{B412FE26-3D28-4E93-8B6A-4F7BCE47E109}" type="slidenum">
+            <a:fld id="{A7194B84-4846-431A-BB42-090C41A9B27B}" type="slidenum">
               <a:rPr b="0" lang="en-ZA" sz="1200" spc="-1" strike="noStrike">
                 <a:solidFill>
                   <a:srgbClr val="000000"/>
@@ -572,7 +572,7 @@
         <p:spPr>
           <a:xfrm>
             <a:off x="685800" y="1143000"/>
-            <a:ext cx="5484240" cy="3083760"/>
+            <a:ext cx="5483880" cy="3083400"/>
           </a:xfrm>
           <a:prstGeom prst="rect">
             <a:avLst/>
@@ -592,7 +592,7 @@
         <p:spPr>
           <a:xfrm>
             <a:off x="685800" y="4400640"/>
-            <a:ext cx="5483520" cy="3597480"/>
+            <a:ext cx="5483160" cy="3597120"/>
           </a:xfrm>
           <a:prstGeom prst="rect">
             <a:avLst/>
@@ -618,7 +618,7 @@
         <p:spPr>
           <a:xfrm>
             <a:off x="3884760" y="8685360"/>
-            <a:ext cx="2968920" cy="455760"/>
+            <a:ext cx="2968560" cy="455400"/>
           </a:xfrm>
           <a:prstGeom prst="rect">
             <a:avLst/>
@@ -644,7 +644,7 @@
                 <a:spcPct val="100000"/>
               </a:lnSpc>
             </a:pPr>
-            <a:fld id="{94994D29-7B6C-4B70-8AE3-8E53CDE1AC68}" type="slidenum">
+            <a:fld id="{2C948CEF-D7F7-4234-A346-4C759987A6C0}" type="slidenum">
               <a:rPr b="0" lang="en-ZA" sz="1200" spc="-1" strike="noStrike">
                 <a:solidFill>
                   <a:srgbClr val="000000"/>
@@ -695,7 +695,7 @@
         <p:spPr>
           <a:xfrm>
             <a:off x="685800" y="1143000"/>
-            <a:ext cx="5484240" cy="3083760"/>
+            <a:ext cx="5483880" cy="3083400"/>
           </a:xfrm>
           <a:prstGeom prst="rect">
             <a:avLst/>
@@ -715,7 +715,7 @@
         <p:spPr>
           <a:xfrm>
             <a:off x="685800" y="4400640"/>
-            <a:ext cx="5483520" cy="3597480"/>
+            <a:ext cx="5483160" cy="3597120"/>
           </a:xfrm>
           <a:prstGeom prst="rect">
             <a:avLst/>
@@ -726,7 +726,7 @@
             <a:noAutofit/>
           </a:bodyPr>
           <a:p>
-            <a:pPr marL="216000" indent="-213480">
+            <a:pPr marL="216000" indent="-213120">
               <a:lnSpc>
                 <a:spcPct val="100000"/>
               </a:lnSpc>
@@ -756,7 +756,7 @@
         <p:spPr>
           <a:xfrm>
             <a:off x="3884760" y="8685360"/>
-            <a:ext cx="2968920" cy="455760"/>
+            <a:ext cx="2968560" cy="455400"/>
           </a:xfrm>
           <a:prstGeom prst="rect">
             <a:avLst/>
@@ -782,7 +782,7 @@
                 <a:spcPct val="100000"/>
               </a:lnSpc>
             </a:pPr>
-            <a:fld id="{029126B8-704D-4979-8435-0397234BA238}" type="slidenum">
+            <a:fld id="{38320F6E-28B8-458F-9FB9-74F546D39313}" type="slidenum">
               <a:rPr b="0" lang="en-ZA" sz="1200" spc="-1" strike="noStrike">
                 <a:solidFill>
                   <a:srgbClr val="000000"/>
@@ -833,7 +833,7 @@
         <p:spPr>
           <a:xfrm>
             <a:off x="685800" y="1143000"/>
-            <a:ext cx="5484240" cy="3083760"/>
+            <a:ext cx="5483880" cy="3083400"/>
           </a:xfrm>
           <a:prstGeom prst="rect">
             <a:avLst/>
@@ -853,7 +853,7 @@
         <p:spPr>
           <a:xfrm>
             <a:off x="685800" y="4400640"/>
-            <a:ext cx="5483520" cy="3597480"/>
+            <a:ext cx="5483160" cy="3597120"/>
           </a:xfrm>
           <a:prstGeom prst="rect">
             <a:avLst/>
@@ -864,7 +864,7 @@
             <a:noAutofit/>
           </a:bodyPr>
           <a:p>
-            <a:pPr marL="216000" indent="-213480">
+            <a:pPr marL="216000" indent="-213120">
               <a:lnSpc>
                 <a:spcPct val="100000"/>
               </a:lnSpc>
@@ -880,7 +880,7 @@
             </a:endParaRPr>
           </a:p>
           <a:p>
-            <a:pPr marL="216000" indent="-213480">
+            <a:pPr marL="216000" indent="-213120">
               <a:lnSpc>
                 <a:spcPct val="100000"/>
               </a:lnSpc>
@@ -896,7 +896,7 @@
             </a:endParaRPr>
           </a:p>
           <a:p>
-            <a:pPr marL="216000" indent="-213480">
+            <a:pPr marL="216000" indent="-213120">
               <a:lnSpc>
                 <a:spcPct val="100000"/>
               </a:lnSpc>
@@ -912,7 +912,7 @@
             </a:endParaRPr>
           </a:p>
           <a:p>
-            <a:pPr marL="216000" indent="-213480">
+            <a:pPr marL="216000" indent="-213120">
               <a:lnSpc>
                 <a:spcPct val="100000"/>
               </a:lnSpc>
@@ -922,7 +922,7 @@
             </a:endParaRPr>
           </a:p>
           <a:p>
-            <a:pPr marL="216000" indent="-213480">
+            <a:pPr marL="216000" indent="-213120">
               <a:lnSpc>
                 <a:spcPct val="100000"/>
               </a:lnSpc>
@@ -942,7 +942,7 @@
         <p:spPr>
           <a:xfrm>
             <a:off x="3884760" y="8685360"/>
-            <a:ext cx="2968920" cy="455760"/>
+            <a:ext cx="2968560" cy="455400"/>
           </a:xfrm>
           <a:prstGeom prst="rect">
             <a:avLst/>
@@ -968,7 +968,7 @@
                 <a:spcPct val="100000"/>
               </a:lnSpc>
             </a:pPr>
-            <a:fld id="{2F597B3A-5CC5-4906-A054-DE8DE3892C27}" type="slidenum">
+            <a:fld id="{3D154605-FDC1-431D-908D-EAE0C2A48E90}" type="slidenum">
               <a:rPr b="0" lang="en-ZA" sz="1200" spc="-1" strike="noStrike">
                 <a:solidFill>
                   <a:srgbClr val="000000"/>
@@ -1019,7 +1019,7 @@
         <p:spPr>
           <a:xfrm>
             <a:off x="685800" y="1143000"/>
-            <a:ext cx="5484240" cy="3083760"/>
+            <a:ext cx="5483880" cy="3083400"/>
           </a:xfrm>
           <a:prstGeom prst="rect">
             <a:avLst/>
@@ -1039,7 +1039,7 @@
         <p:spPr>
           <a:xfrm>
             <a:off x="685800" y="4400640"/>
-            <a:ext cx="5483520" cy="3597480"/>
+            <a:ext cx="5483160" cy="3597120"/>
           </a:xfrm>
           <a:prstGeom prst="rect">
             <a:avLst/>
@@ -1050,7 +1050,7 @@
             <a:noAutofit/>
           </a:bodyPr>
           <a:p>
-            <a:pPr marL="216000" indent="-213480">
+            <a:pPr marL="216000" indent="-213120">
               <a:lnSpc>
                 <a:spcPct val="100000"/>
               </a:lnSpc>
@@ -1066,7 +1066,7 @@
             </a:endParaRPr>
           </a:p>
           <a:p>
-            <a:pPr marL="216000" indent="-213480">
+            <a:pPr marL="216000" indent="-213120">
               <a:lnSpc>
                 <a:spcPct val="100000"/>
               </a:lnSpc>
@@ -1082,7 +1082,7 @@
             </a:endParaRPr>
           </a:p>
           <a:p>
-            <a:pPr marL="216000" indent="-213480">
+            <a:pPr marL="216000" indent="-213120">
               <a:lnSpc>
                 <a:spcPct val="100000"/>
               </a:lnSpc>
@@ -1098,7 +1098,7 @@
             </a:endParaRPr>
           </a:p>
           <a:p>
-            <a:pPr marL="216000" indent="-213480">
+            <a:pPr marL="216000" indent="-213120">
               <a:lnSpc>
                 <a:spcPct val="100000"/>
               </a:lnSpc>
@@ -1108,7 +1108,7 @@
             </a:endParaRPr>
           </a:p>
           <a:p>
-            <a:pPr marL="216000" indent="-213480">
+            <a:pPr marL="216000" indent="-213120">
               <a:lnSpc>
                 <a:spcPct val="100000"/>
               </a:lnSpc>
@@ -1128,7 +1128,7 @@
         <p:spPr>
           <a:xfrm>
             <a:off x="3884760" y="8685360"/>
-            <a:ext cx="2968920" cy="455760"/>
+            <a:ext cx="2968560" cy="455400"/>
           </a:xfrm>
           <a:prstGeom prst="rect">
             <a:avLst/>
@@ -1154,7 +1154,7 @@
                 <a:spcPct val="100000"/>
               </a:lnSpc>
             </a:pPr>
-            <a:fld id="{34060367-7E1C-48F5-9CCF-502889F14B52}" type="slidenum">
+            <a:fld id="{BD2C3774-A788-43E0-90E7-4DAC1DBD9F87}" type="slidenum">
               <a:rPr b="0" lang="en-ZA" sz="1200" spc="-1" strike="noStrike">
                 <a:solidFill>
                   <a:srgbClr val="000000"/>
@@ -1205,7 +1205,7 @@
         <p:spPr>
           <a:xfrm>
             <a:off x="685800" y="1143000"/>
-            <a:ext cx="5484240" cy="3083760"/>
+            <a:ext cx="5483880" cy="3083400"/>
           </a:xfrm>
           <a:prstGeom prst="rect">
             <a:avLst/>
@@ -1225,7 +1225,7 @@
         <p:spPr>
           <a:xfrm>
             <a:off x="685800" y="4400640"/>
-            <a:ext cx="5483520" cy="3597480"/>
+            <a:ext cx="5483160" cy="3597120"/>
           </a:xfrm>
           <a:prstGeom prst="rect">
             <a:avLst/>
@@ -1236,7 +1236,7 @@
             <a:noAutofit/>
           </a:bodyPr>
           <a:p>
-            <a:pPr marL="216000" indent="-213480">
+            <a:pPr marL="216000" indent="-213120">
               <a:lnSpc>
                 <a:spcPct val="100000"/>
               </a:lnSpc>
@@ -1252,7 +1252,7 @@
             </a:endParaRPr>
           </a:p>
           <a:p>
-            <a:pPr marL="216000" indent="-213480">
+            <a:pPr marL="216000" indent="-213120">
               <a:lnSpc>
                 <a:spcPct val="100000"/>
               </a:lnSpc>
@@ -1268,7 +1268,7 @@
             </a:endParaRPr>
           </a:p>
           <a:p>
-            <a:pPr marL="216000" indent="-213480">
+            <a:pPr marL="216000" indent="-213120">
               <a:lnSpc>
                 <a:spcPct val="100000"/>
               </a:lnSpc>
@@ -1284,7 +1284,7 @@
             </a:endParaRPr>
           </a:p>
           <a:p>
-            <a:pPr marL="216000" indent="-213480">
+            <a:pPr marL="216000" indent="-213120">
               <a:lnSpc>
                 <a:spcPct val="100000"/>
               </a:lnSpc>
@@ -1294,7 +1294,7 @@
             </a:endParaRPr>
           </a:p>
           <a:p>
-            <a:pPr marL="216000" indent="-213480">
+            <a:pPr marL="216000" indent="-213120">
               <a:lnSpc>
                 <a:spcPct val="100000"/>
               </a:lnSpc>
@@ -1314,7 +1314,7 @@
         <p:spPr>
           <a:xfrm>
             <a:off x="3884760" y="8685360"/>
-            <a:ext cx="2968920" cy="455760"/>
+            <a:ext cx="2968560" cy="455400"/>
           </a:xfrm>
           <a:prstGeom prst="rect">
             <a:avLst/>
@@ -1340,7 +1340,7 @@
                 <a:spcPct val="100000"/>
               </a:lnSpc>
             </a:pPr>
-            <a:fld id="{109DC8D1-D5F8-4D4F-BEFD-0043139BADE2}" type="slidenum">
+            <a:fld id="{D6246D24-2AC0-4F30-8F07-76D9FB156093}" type="slidenum">
               <a:rPr b="0" lang="en-ZA" sz="1200" spc="-1" strike="noStrike">
                 <a:solidFill>
                   <a:srgbClr val="000000"/>
@@ -1391,7 +1391,7 @@
         <p:spPr>
           <a:xfrm>
             <a:off x="685800" y="1143000"/>
-            <a:ext cx="5484240" cy="3083760"/>
+            <a:ext cx="5483880" cy="3083400"/>
           </a:xfrm>
           <a:prstGeom prst="rect">
             <a:avLst/>
@@ -1411,7 +1411,7 @@
         <p:spPr>
           <a:xfrm>
             <a:off x="685800" y="4400640"/>
-            <a:ext cx="5483520" cy="3597480"/>
+            <a:ext cx="5483160" cy="3597120"/>
           </a:xfrm>
           <a:prstGeom prst="rect">
             <a:avLst/>
@@ -1422,7 +1422,7 @@
             <a:noAutofit/>
           </a:bodyPr>
           <a:p>
-            <a:pPr marL="216000" indent="-213480">
+            <a:pPr marL="216000" indent="-213120">
               <a:lnSpc>
                 <a:spcPct val="100000"/>
               </a:lnSpc>
@@ -1438,7 +1438,7 @@
             </a:endParaRPr>
           </a:p>
           <a:p>
-            <a:pPr marL="216000" indent="-213480">
+            <a:pPr marL="216000" indent="-213120">
               <a:lnSpc>
                 <a:spcPct val="100000"/>
               </a:lnSpc>
@@ -1454,7 +1454,7 @@
             </a:endParaRPr>
           </a:p>
           <a:p>
-            <a:pPr marL="216000" indent="-213480">
+            <a:pPr marL="216000" indent="-213120">
               <a:lnSpc>
                 <a:spcPct val="100000"/>
               </a:lnSpc>
@@ -1470,7 +1470,7 @@
             </a:endParaRPr>
           </a:p>
           <a:p>
-            <a:pPr marL="216000" indent="-213480">
+            <a:pPr marL="216000" indent="-213120">
               <a:lnSpc>
                 <a:spcPct val="100000"/>
               </a:lnSpc>
@@ -1480,7 +1480,7 @@
             </a:endParaRPr>
           </a:p>
           <a:p>
-            <a:pPr marL="216000" indent="-213480">
+            <a:pPr marL="216000" indent="-213120">
               <a:lnSpc>
                 <a:spcPct val="100000"/>
               </a:lnSpc>
@@ -1500,7 +1500,7 @@
         <p:spPr>
           <a:xfrm>
             <a:off x="3884760" y="8685360"/>
-            <a:ext cx="2968920" cy="455760"/>
+            <a:ext cx="2968560" cy="455400"/>
           </a:xfrm>
           <a:prstGeom prst="rect">
             <a:avLst/>
@@ -1526,7 +1526,7 @@
                 <a:spcPct val="100000"/>
               </a:lnSpc>
             </a:pPr>
-            <a:fld id="{AD868103-6D90-48DF-BFB6-7B311977F399}" type="slidenum">
+            <a:fld id="{2A915948-8D5F-4405-BE05-AA487ED38F23}" type="slidenum">
               <a:rPr b="0" lang="en-ZA" sz="1200" spc="-1" strike="noStrike">
                 <a:solidFill>
                   <a:srgbClr val="000000"/>
@@ -1577,7 +1577,7 @@
         <p:spPr>
           <a:xfrm>
             <a:off x="685800" y="1143000"/>
-            <a:ext cx="5484240" cy="3083760"/>
+            <a:ext cx="5483880" cy="3083400"/>
           </a:xfrm>
           <a:prstGeom prst="rect">
             <a:avLst/>
@@ -1597,7 +1597,7 @@
         <p:spPr>
           <a:xfrm>
             <a:off x="685800" y="4400640"/>
-            <a:ext cx="5483520" cy="3597480"/>
+            <a:ext cx="5483160" cy="3597120"/>
           </a:xfrm>
           <a:prstGeom prst="rect">
             <a:avLst/>
@@ -1608,7 +1608,7 @@
             <a:noAutofit/>
           </a:bodyPr>
           <a:p>
-            <a:pPr marL="216000" indent="-213480">
+            <a:pPr marL="216000" indent="-213120">
               <a:lnSpc>
                 <a:spcPct val="100000"/>
               </a:lnSpc>
@@ -1624,7 +1624,7 @@
             </a:endParaRPr>
           </a:p>
           <a:p>
-            <a:pPr marL="216000" indent="-213480">
+            <a:pPr marL="216000" indent="-213120">
               <a:lnSpc>
                 <a:spcPct val="100000"/>
               </a:lnSpc>
@@ -1640,7 +1640,7 @@
             </a:endParaRPr>
           </a:p>
           <a:p>
-            <a:pPr marL="216000" indent="-213480">
+            <a:pPr marL="216000" indent="-213120">
               <a:lnSpc>
                 <a:spcPct val="100000"/>
               </a:lnSpc>
@@ -1656,7 +1656,7 @@
             </a:endParaRPr>
           </a:p>
           <a:p>
-            <a:pPr marL="216000" indent="-213480">
+            <a:pPr marL="216000" indent="-213120">
               <a:lnSpc>
                 <a:spcPct val="100000"/>
               </a:lnSpc>
@@ -1666,7 +1666,7 @@
             </a:endParaRPr>
           </a:p>
           <a:p>
-            <a:pPr marL="216000" indent="-213480">
+            <a:pPr marL="216000" indent="-213120">
               <a:lnSpc>
                 <a:spcPct val="100000"/>
               </a:lnSpc>
@@ -1686,7 +1686,7 @@
         <p:spPr>
           <a:xfrm>
             <a:off x="3884760" y="8685360"/>
-            <a:ext cx="2968920" cy="455760"/>
+            <a:ext cx="2968560" cy="455400"/>
           </a:xfrm>
           <a:prstGeom prst="rect">
             <a:avLst/>
@@ -1712,7 +1712,7 @@
                 <a:spcPct val="100000"/>
               </a:lnSpc>
             </a:pPr>
-            <a:fld id="{092671F8-B245-4B07-8C18-CCA2132AFCF1}" type="slidenum">
+            <a:fld id="{66F30646-C429-44C9-96FD-D91384017E7D}" type="slidenum">
               <a:rPr b="0" lang="en-ZA" sz="1200" spc="-1" strike="noStrike">
                 <a:solidFill>
                   <a:srgbClr val="000000"/>
@@ -1763,7 +1763,7 @@
         <p:spPr>
           <a:xfrm>
             <a:off x="685800" y="1143000"/>
-            <a:ext cx="5484240" cy="3083760"/>
+            <a:ext cx="5483880" cy="3083400"/>
           </a:xfrm>
           <a:prstGeom prst="rect">
             <a:avLst/>
@@ -1783,7 +1783,7 @@
         <p:spPr>
           <a:xfrm>
             <a:off x="685800" y="4400640"/>
-            <a:ext cx="5483520" cy="3597480"/>
+            <a:ext cx="5483160" cy="3597120"/>
           </a:xfrm>
           <a:prstGeom prst="rect">
             <a:avLst/>
@@ -1794,7 +1794,7 @@
             <a:noAutofit/>
           </a:bodyPr>
           <a:p>
-            <a:pPr marL="216000" indent="-213480">
+            <a:pPr marL="216000" indent="-213120">
               <a:lnSpc>
                 <a:spcPct val="100000"/>
               </a:lnSpc>
@@ -1810,7 +1810,7 @@
             </a:endParaRPr>
           </a:p>
           <a:p>
-            <a:pPr marL="216000" indent="-213480">
+            <a:pPr marL="216000" indent="-213120">
               <a:lnSpc>
                 <a:spcPct val="100000"/>
               </a:lnSpc>
@@ -1826,7 +1826,7 @@
             </a:endParaRPr>
           </a:p>
           <a:p>
-            <a:pPr marL="216000" indent="-213480">
+            <a:pPr marL="216000" indent="-213120">
               <a:lnSpc>
                 <a:spcPct val="100000"/>
               </a:lnSpc>
@@ -1842,7 +1842,7 @@
             </a:endParaRPr>
           </a:p>
           <a:p>
-            <a:pPr marL="216000" indent="-213480">
+            <a:pPr marL="216000" indent="-213120">
               <a:lnSpc>
                 <a:spcPct val="100000"/>
               </a:lnSpc>
@@ -1852,7 +1852,7 @@
             </a:endParaRPr>
           </a:p>
           <a:p>
-            <a:pPr marL="216000" indent="-213480">
+            <a:pPr marL="216000" indent="-213120">
               <a:lnSpc>
                 <a:spcPct val="100000"/>
               </a:lnSpc>
@@ -1872,7 +1872,7 @@
         <p:spPr>
           <a:xfrm>
             <a:off x="3884760" y="8685360"/>
-            <a:ext cx="2968920" cy="455760"/>
+            <a:ext cx="2968560" cy="455400"/>
           </a:xfrm>
           <a:prstGeom prst="rect">
             <a:avLst/>
@@ -1898,7 +1898,7 @@
                 <a:spcPct val="100000"/>
               </a:lnSpc>
             </a:pPr>
-            <a:fld id="{41650CA7-F9AD-4D42-BFFA-F1753991CF95}" type="slidenum">
+            <a:fld id="{69E6F930-D787-4807-8BA9-89AC71887DA9}" type="slidenum">
               <a:rPr b="0" lang="en-ZA" sz="1200" spc="-1" strike="noStrike">
                 <a:solidFill>
                   <a:srgbClr val="000000"/>
@@ -1949,7 +1949,7 @@
         <p:spPr>
           <a:xfrm>
             <a:off x="685800" y="1143000"/>
-            <a:ext cx="5484240" cy="3083760"/>
+            <a:ext cx="5483880" cy="3083400"/>
           </a:xfrm>
           <a:prstGeom prst="rect">
             <a:avLst/>
@@ -1969,7 +1969,7 @@
         <p:spPr>
           <a:xfrm>
             <a:off x="685800" y="4400640"/>
-            <a:ext cx="5483520" cy="3597480"/>
+            <a:ext cx="5483160" cy="3597120"/>
           </a:xfrm>
           <a:prstGeom prst="rect">
             <a:avLst/>
@@ -1980,7 +1980,7 @@
             <a:noAutofit/>
           </a:bodyPr>
           <a:p>
-            <a:pPr marL="216000" indent="-213480">
+            <a:pPr marL="216000" indent="-213120">
               <a:lnSpc>
                 <a:spcPct val="100000"/>
               </a:lnSpc>
@@ -1996,7 +1996,7 @@
             </a:endParaRPr>
           </a:p>
           <a:p>
-            <a:pPr marL="216000" indent="-213480">
+            <a:pPr marL="216000" indent="-213120">
               <a:lnSpc>
                 <a:spcPct val="100000"/>
               </a:lnSpc>
@@ -2012,7 +2012,7 @@
             </a:endParaRPr>
           </a:p>
           <a:p>
-            <a:pPr marL="216000" indent="-213480">
+            <a:pPr marL="216000" indent="-213120">
               <a:lnSpc>
                 <a:spcPct val="100000"/>
               </a:lnSpc>
@@ -2028,7 +2028,7 @@
             </a:endParaRPr>
           </a:p>
           <a:p>
-            <a:pPr marL="216000" indent="-213480">
+            <a:pPr marL="216000" indent="-213120">
               <a:lnSpc>
                 <a:spcPct val="100000"/>
               </a:lnSpc>
@@ -2038,7 +2038,7 @@
             </a:endParaRPr>
           </a:p>
           <a:p>
-            <a:pPr marL="216000" indent="-213480">
+            <a:pPr marL="216000" indent="-213120">
               <a:lnSpc>
                 <a:spcPct val="100000"/>
               </a:lnSpc>
@@ -2058,7 +2058,7 @@
         <p:spPr>
           <a:xfrm>
             <a:off x="3884760" y="8685360"/>
-            <a:ext cx="2968920" cy="455760"/>
+            <a:ext cx="2968560" cy="455400"/>
           </a:xfrm>
           <a:prstGeom prst="rect">
             <a:avLst/>
@@ -2084,7 +2084,7 @@
                 <a:spcPct val="100000"/>
               </a:lnSpc>
             </a:pPr>
-            <a:fld id="{8401A377-6895-42E9-9F34-0129F7452CA2}" type="slidenum">
+            <a:fld id="{8DF062BA-FDCB-4C9E-94B6-EFC5C8B222AD}" type="slidenum">
               <a:rPr b="0" lang="en-ZA" sz="1200" spc="-1" strike="noStrike">
                 <a:solidFill>
                   <a:srgbClr val="000000"/>
@@ -2135,7 +2135,7 @@
         <p:spPr>
           <a:xfrm>
             <a:off x="685800" y="1143000"/>
-            <a:ext cx="5484240" cy="3083760"/>
+            <a:ext cx="5483880" cy="3083400"/>
           </a:xfrm>
           <a:prstGeom prst="rect">
             <a:avLst/>
@@ -2155,7 +2155,7 @@
         <p:spPr>
           <a:xfrm>
             <a:off x="685800" y="4400640"/>
-            <a:ext cx="5483520" cy="3597480"/>
+            <a:ext cx="5483160" cy="3597120"/>
           </a:xfrm>
           <a:prstGeom prst="rect">
             <a:avLst/>
@@ -2181,7 +2181,7 @@
         <p:spPr>
           <a:xfrm>
             <a:off x="3884760" y="8685360"/>
-            <a:ext cx="2968920" cy="455760"/>
+            <a:ext cx="2968560" cy="455400"/>
           </a:xfrm>
           <a:prstGeom prst="rect">
             <a:avLst/>
@@ -2207,7 +2207,7 @@
                 <a:spcPct val="100000"/>
               </a:lnSpc>
             </a:pPr>
-            <a:fld id="{09D69EAB-C0E1-44DF-9361-C9647E534510}" type="slidenum">
+            <a:fld id="{FF2AA451-2C8B-4F39-A92C-18CC41EB6850}" type="slidenum">
               <a:rPr b="0" lang="en-ZA" sz="1200" spc="-1" strike="noStrike">
                 <a:solidFill>
                   <a:srgbClr val="000000"/>
@@ -2258,7 +2258,7 @@
         <p:spPr>
           <a:xfrm>
             <a:off x="685800" y="1143000"/>
-            <a:ext cx="5484240" cy="3083760"/>
+            <a:ext cx="5483880" cy="3083400"/>
           </a:xfrm>
           <a:prstGeom prst="rect">
             <a:avLst/>
@@ -2278,7 +2278,7 @@
         <p:spPr>
           <a:xfrm>
             <a:off x="685800" y="4400640"/>
-            <a:ext cx="5483520" cy="3597480"/>
+            <a:ext cx="5483160" cy="3597120"/>
           </a:xfrm>
           <a:prstGeom prst="rect">
             <a:avLst/>
@@ -2289,7 +2289,7 @@
             <a:noAutofit/>
           </a:bodyPr>
           <a:p>
-            <a:pPr marL="216000" indent="-213480">
+            <a:pPr marL="216000" indent="-213120">
               <a:lnSpc>
                 <a:spcPct val="100000"/>
               </a:lnSpc>
@@ -2305,7 +2305,7 @@
             </a:endParaRPr>
           </a:p>
           <a:p>
-            <a:pPr marL="216000" indent="-213480">
+            <a:pPr marL="216000" indent="-213120">
               <a:lnSpc>
                 <a:spcPct val="100000"/>
               </a:lnSpc>
@@ -2321,7 +2321,7 @@
             </a:endParaRPr>
           </a:p>
           <a:p>
-            <a:pPr marL="216000" indent="-213480">
+            <a:pPr marL="216000" indent="-213120">
               <a:lnSpc>
                 <a:spcPct val="100000"/>
               </a:lnSpc>
@@ -2337,7 +2337,7 @@
             </a:endParaRPr>
           </a:p>
           <a:p>
-            <a:pPr marL="216000" indent="-213480">
+            <a:pPr marL="216000" indent="-213120">
               <a:lnSpc>
                 <a:spcPct val="100000"/>
               </a:lnSpc>
@@ -2353,7 +2353,7 @@
             </a:endParaRPr>
           </a:p>
           <a:p>
-            <a:pPr marL="216000" indent="-213480">
+            <a:pPr marL="216000" indent="-213120">
               <a:lnSpc>
                 <a:spcPct val="100000"/>
               </a:lnSpc>
@@ -2363,7 +2363,7 @@
             </a:endParaRPr>
           </a:p>
           <a:p>
-            <a:pPr marL="216000" indent="-213480">
+            <a:pPr marL="216000" indent="-213120">
               <a:lnSpc>
                 <a:spcPct val="100000"/>
               </a:lnSpc>
@@ -2373,7 +2373,7 @@
             </a:endParaRPr>
           </a:p>
           <a:p>
-            <a:pPr marL="216000" indent="-213480">
+            <a:pPr marL="216000" indent="-213120">
               <a:lnSpc>
                 <a:spcPct val="100000"/>
               </a:lnSpc>
@@ -2389,7 +2389,7 @@
             </a:endParaRPr>
           </a:p>
           <a:p>
-            <a:pPr marL="216000" indent="-213480">
+            <a:pPr marL="216000" indent="-213120">
               <a:lnSpc>
                 <a:spcPct val="100000"/>
               </a:lnSpc>
@@ -2399,7 +2399,7 @@
             </a:endParaRPr>
           </a:p>
           <a:p>
-            <a:pPr marL="216000" indent="-213480">
+            <a:pPr marL="216000" indent="-213120">
               <a:lnSpc>
                 <a:spcPct val="100000"/>
               </a:lnSpc>
@@ -2419,7 +2419,7 @@
         <p:spPr>
           <a:xfrm>
             <a:off x="3884760" y="8685360"/>
-            <a:ext cx="2968920" cy="455760"/>
+            <a:ext cx="2968560" cy="455400"/>
           </a:xfrm>
           <a:prstGeom prst="rect">
             <a:avLst/>
@@ -2445,7 +2445,7 @@
                 <a:spcPct val="100000"/>
               </a:lnSpc>
             </a:pPr>
-            <a:fld id="{969746E3-D16A-4598-8D4D-0397DF9ABD9C}" type="slidenum">
+            <a:fld id="{B2FA45DE-29BC-4E4E-8196-C3EA410F7CF7}" type="slidenum">
               <a:rPr b="0" lang="en-ZA" sz="1200" spc="-1" strike="noStrike">
                 <a:solidFill>
                   <a:srgbClr val="000000"/>
@@ -2496,7 +2496,7 @@
         <p:spPr>
           <a:xfrm>
             <a:off x="685800" y="1143000"/>
-            <a:ext cx="5484240" cy="3083760"/>
+            <a:ext cx="5483880" cy="3083400"/>
           </a:xfrm>
           <a:prstGeom prst="rect">
             <a:avLst/>
@@ -2516,7 +2516,7 @@
         <p:spPr>
           <a:xfrm>
             <a:off x="685800" y="4400640"/>
-            <a:ext cx="5483520" cy="3597480"/>
+            <a:ext cx="5483160" cy="3597120"/>
           </a:xfrm>
           <a:prstGeom prst="rect">
             <a:avLst/>
@@ -2527,7 +2527,7 @@
             <a:noAutofit/>
           </a:bodyPr>
           <a:p>
-            <a:pPr marL="216000" indent="-213480">
+            <a:pPr marL="216000" indent="-213120">
               <a:lnSpc>
                 <a:spcPct val="100000"/>
               </a:lnSpc>
@@ -2543,7 +2543,7 @@
             </a:endParaRPr>
           </a:p>
           <a:p>
-            <a:pPr marL="216000" indent="-213480">
+            <a:pPr marL="216000" indent="-213120">
               <a:lnSpc>
                 <a:spcPct val="100000"/>
               </a:lnSpc>
@@ -2559,7 +2559,7 @@
             </a:endParaRPr>
           </a:p>
           <a:p>
-            <a:pPr marL="216000" indent="-213480">
+            <a:pPr marL="216000" indent="-213120">
               <a:lnSpc>
                 <a:spcPct val="100000"/>
               </a:lnSpc>
@@ -2575,7 +2575,7 @@
             </a:endParaRPr>
           </a:p>
           <a:p>
-            <a:pPr marL="216000" indent="-213480">
+            <a:pPr marL="216000" indent="-213120">
               <a:lnSpc>
                 <a:spcPct val="100000"/>
               </a:lnSpc>
@@ -2591,7 +2591,7 @@
             </a:endParaRPr>
           </a:p>
           <a:p>
-            <a:pPr marL="216000" indent="-213480">
+            <a:pPr marL="216000" indent="-213120">
               <a:lnSpc>
                 <a:spcPct val="100000"/>
               </a:lnSpc>
@@ -2601,7 +2601,7 @@
             </a:endParaRPr>
           </a:p>
           <a:p>
-            <a:pPr marL="216000" indent="-213480">
+            <a:pPr marL="216000" indent="-213120">
               <a:lnSpc>
                 <a:spcPct val="100000"/>
               </a:lnSpc>
@@ -2611,7 +2611,7 @@
             </a:endParaRPr>
           </a:p>
           <a:p>
-            <a:pPr marL="216000" indent="-213480">
+            <a:pPr marL="216000" indent="-213120">
               <a:lnSpc>
                 <a:spcPct val="100000"/>
               </a:lnSpc>
@@ -2627,7 +2627,7 @@
             </a:endParaRPr>
           </a:p>
           <a:p>
-            <a:pPr marL="216000" indent="-213480">
+            <a:pPr marL="216000" indent="-213120">
               <a:lnSpc>
                 <a:spcPct val="100000"/>
               </a:lnSpc>
@@ -2637,7 +2637,7 @@
             </a:endParaRPr>
           </a:p>
           <a:p>
-            <a:pPr marL="216000" indent="-213480">
+            <a:pPr marL="216000" indent="-213120">
               <a:lnSpc>
                 <a:spcPct val="100000"/>
               </a:lnSpc>
@@ -2657,7 +2657,7 @@
         <p:spPr>
           <a:xfrm>
             <a:off x="3884760" y="8685360"/>
-            <a:ext cx="2968920" cy="455760"/>
+            <a:ext cx="2968560" cy="455400"/>
           </a:xfrm>
           <a:prstGeom prst="rect">
             <a:avLst/>
@@ -2683,7 +2683,7 @@
                 <a:spcPct val="100000"/>
               </a:lnSpc>
             </a:pPr>
-            <a:fld id="{02FF03F4-D179-4020-AB56-29063CCAE37A}" type="slidenum">
+            <a:fld id="{115E764C-A820-4DDD-AB68-76CA4A204CA0}" type="slidenum">
               <a:rPr b="0" lang="en-ZA" sz="1200" spc="-1" strike="noStrike">
                 <a:solidFill>
                   <a:srgbClr val="000000"/>
@@ -2691,7 +2691,7 @@
                 <a:latin typeface="+mn-lt"/>
                 <a:ea typeface="+mn-ea"/>
               </a:rPr>
-              <a:t>&lt;number&gt;</a:t>
+              <a:t>1</a:t>
             </a:fld>
             <a:endParaRPr b="0" lang="en-ZA" sz="1200" spc="-1" strike="noStrike">
               <a:latin typeface="Arial"/>
@@ -2734,7 +2734,7 @@
         <p:spPr>
           <a:xfrm>
             <a:off x="685800" y="1143000"/>
-            <a:ext cx="5484240" cy="3083760"/>
+            <a:ext cx="5483880" cy="3083400"/>
           </a:xfrm>
           <a:prstGeom prst="rect">
             <a:avLst/>
@@ -2754,7 +2754,7 @@
         <p:spPr>
           <a:xfrm>
             <a:off x="685800" y="4400640"/>
-            <a:ext cx="5483520" cy="3597480"/>
+            <a:ext cx="5483160" cy="3597120"/>
           </a:xfrm>
           <a:prstGeom prst="rect">
             <a:avLst/>
@@ -2765,7 +2765,7 @@
             <a:noAutofit/>
           </a:bodyPr>
           <a:p>
-            <a:pPr marL="216000" indent="-213480">
+            <a:pPr marL="216000" indent="-213120">
               <a:lnSpc>
                 <a:spcPct val="100000"/>
               </a:lnSpc>
@@ -2781,7 +2781,7 @@
             </a:endParaRPr>
           </a:p>
           <a:p>
-            <a:pPr marL="216000" indent="-213480">
+            <a:pPr marL="216000" indent="-213120">
               <a:lnSpc>
                 <a:spcPct val="100000"/>
               </a:lnSpc>
@@ -2797,7 +2797,7 @@
             </a:endParaRPr>
           </a:p>
           <a:p>
-            <a:pPr marL="216000" indent="-213480">
+            <a:pPr marL="216000" indent="-213120">
               <a:lnSpc>
                 <a:spcPct val="100000"/>
               </a:lnSpc>
@@ -2813,7 +2813,7 @@
             </a:endParaRPr>
           </a:p>
           <a:p>
-            <a:pPr marL="216000" indent="-213480">
+            <a:pPr marL="216000" indent="-213120">
               <a:lnSpc>
                 <a:spcPct val="100000"/>
               </a:lnSpc>
@@ -2829,7 +2829,7 @@
             </a:endParaRPr>
           </a:p>
           <a:p>
-            <a:pPr marL="216000" indent="-213480">
+            <a:pPr marL="216000" indent="-213120">
               <a:lnSpc>
                 <a:spcPct val="100000"/>
               </a:lnSpc>
@@ -2839,7 +2839,7 @@
             </a:endParaRPr>
           </a:p>
           <a:p>
-            <a:pPr marL="216000" indent="-213480">
+            <a:pPr marL="216000" indent="-213120">
               <a:lnSpc>
                 <a:spcPct val="100000"/>
               </a:lnSpc>
@@ -2849,7 +2849,7 @@
             </a:endParaRPr>
           </a:p>
           <a:p>
-            <a:pPr marL="216000" indent="-213480">
+            <a:pPr marL="216000" indent="-213120">
               <a:lnSpc>
                 <a:spcPct val="100000"/>
               </a:lnSpc>
@@ -2865,7 +2865,7 @@
             </a:endParaRPr>
           </a:p>
           <a:p>
-            <a:pPr marL="216000" indent="-213480">
+            <a:pPr marL="216000" indent="-213120">
               <a:lnSpc>
                 <a:spcPct val="100000"/>
               </a:lnSpc>
@@ -2875,7 +2875,7 @@
             </a:endParaRPr>
           </a:p>
           <a:p>
-            <a:pPr marL="216000" indent="-213480">
+            <a:pPr marL="216000" indent="-213120">
               <a:lnSpc>
                 <a:spcPct val="100000"/>
               </a:lnSpc>
@@ -2895,7 +2895,7 @@
         <p:spPr>
           <a:xfrm>
             <a:off x="3884760" y="8685360"/>
-            <a:ext cx="2968920" cy="455760"/>
+            <a:ext cx="2968560" cy="455400"/>
           </a:xfrm>
           <a:prstGeom prst="rect">
             <a:avLst/>
@@ -2921,7 +2921,7 @@
                 <a:spcPct val="100000"/>
               </a:lnSpc>
             </a:pPr>
-            <a:fld id="{658078E4-E349-4E86-AA11-0BC217434F4A}" type="slidenum">
+            <a:fld id="{683138AF-02DE-498F-9018-55688A8CEA39}" type="slidenum">
               <a:rPr b="0" lang="en-ZA" sz="1200" spc="-1" strike="noStrike">
                 <a:solidFill>
                   <a:srgbClr val="000000"/>
@@ -2929,7 +2929,7 @@
                 <a:latin typeface="+mn-lt"/>
                 <a:ea typeface="+mn-ea"/>
               </a:rPr>
-              <a:t>&lt;number&gt;</a:t>
+              <a:t>1</a:t>
             </a:fld>
             <a:endParaRPr b="0" lang="en-ZA" sz="1200" spc="-1" strike="noStrike">
               <a:latin typeface="Arial"/>
@@ -2972,7 +2972,7 @@
         <p:spPr>
           <a:xfrm>
             <a:off x="685800" y="1143000"/>
-            <a:ext cx="5484240" cy="3083760"/>
+            <a:ext cx="5483880" cy="3083400"/>
           </a:xfrm>
           <a:prstGeom prst="rect">
             <a:avLst/>
@@ -2992,7 +2992,7 @@
         <p:spPr>
           <a:xfrm>
             <a:off x="685800" y="4400640"/>
-            <a:ext cx="5483520" cy="3597480"/>
+            <a:ext cx="5483160" cy="3597120"/>
           </a:xfrm>
           <a:prstGeom prst="rect">
             <a:avLst/>
@@ -3003,7 +3003,7 @@
             <a:noAutofit/>
           </a:bodyPr>
           <a:p>
-            <a:pPr marL="216000" indent="-213480">
+            <a:pPr marL="216000" indent="-213120">
               <a:lnSpc>
                 <a:spcPct val="100000"/>
               </a:lnSpc>
@@ -3019,7 +3019,7 @@
             </a:endParaRPr>
           </a:p>
           <a:p>
-            <a:pPr marL="216000" indent="-213480">
+            <a:pPr marL="216000" indent="-213120">
               <a:lnSpc>
                 <a:spcPct val="100000"/>
               </a:lnSpc>
@@ -3035,7 +3035,7 @@
             </a:endParaRPr>
           </a:p>
           <a:p>
-            <a:pPr marL="216000" indent="-213480">
+            <a:pPr marL="216000" indent="-213120">
               <a:lnSpc>
                 <a:spcPct val="100000"/>
               </a:lnSpc>
@@ -3051,7 +3051,7 @@
             </a:endParaRPr>
           </a:p>
           <a:p>
-            <a:pPr marL="216000" indent="-213480">
+            <a:pPr marL="216000" indent="-213120">
               <a:lnSpc>
                 <a:spcPct val="100000"/>
               </a:lnSpc>
@@ -3067,7 +3067,7 @@
             </a:endParaRPr>
           </a:p>
           <a:p>
-            <a:pPr marL="216000" indent="-213480">
+            <a:pPr marL="216000" indent="-213120">
               <a:lnSpc>
                 <a:spcPct val="100000"/>
               </a:lnSpc>
@@ -3077,7 +3077,7 @@
             </a:endParaRPr>
           </a:p>
           <a:p>
-            <a:pPr marL="216000" indent="-213480">
+            <a:pPr marL="216000" indent="-213120">
               <a:lnSpc>
                 <a:spcPct val="100000"/>
               </a:lnSpc>
@@ -3087,7 +3087,7 @@
             </a:endParaRPr>
           </a:p>
           <a:p>
-            <a:pPr marL="216000" indent="-213480">
+            <a:pPr marL="216000" indent="-213120">
               <a:lnSpc>
                 <a:spcPct val="100000"/>
               </a:lnSpc>
@@ -3103,7 +3103,7 @@
             </a:endParaRPr>
           </a:p>
           <a:p>
-            <a:pPr marL="216000" indent="-213480">
+            <a:pPr marL="216000" indent="-213120">
               <a:lnSpc>
                 <a:spcPct val="100000"/>
               </a:lnSpc>
@@ -3113,7 +3113,7 @@
             </a:endParaRPr>
           </a:p>
           <a:p>
-            <a:pPr marL="216000" indent="-213480">
+            <a:pPr marL="216000" indent="-213120">
               <a:lnSpc>
                 <a:spcPct val="100000"/>
               </a:lnSpc>
@@ -3133,7 +3133,7 @@
         <p:spPr>
           <a:xfrm>
             <a:off x="3884760" y="8685360"/>
-            <a:ext cx="2968920" cy="455760"/>
+            <a:ext cx="2968560" cy="455400"/>
           </a:xfrm>
           <a:prstGeom prst="rect">
             <a:avLst/>
@@ -3159,7 +3159,7 @@
                 <a:spcPct val="100000"/>
               </a:lnSpc>
             </a:pPr>
-            <a:fld id="{F3744B70-79B8-4F08-BB76-C73047693A61}" type="slidenum">
+            <a:fld id="{E7C3E609-2065-483E-97AF-08111DCBC008}" type="slidenum">
               <a:rPr b="0" lang="en-ZA" sz="1200" spc="-1" strike="noStrike">
                 <a:solidFill>
                   <a:srgbClr val="000000"/>
@@ -3167,7 +3167,7 @@
                 <a:latin typeface="+mn-lt"/>
                 <a:ea typeface="+mn-ea"/>
               </a:rPr>
-              <a:t>&lt;number&gt;</a:t>
+              <a:t>1</a:t>
             </a:fld>
             <a:endParaRPr b="0" lang="en-ZA" sz="1200" spc="-1" strike="noStrike">
               <a:latin typeface="Arial"/>
@@ -3210,7 +3210,7 @@
         <p:spPr>
           <a:xfrm>
             <a:off x="685800" y="1143000"/>
-            <a:ext cx="5484240" cy="3083760"/>
+            <a:ext cx="5483880" cy="3083400"/>
           </a:xfrm>
           <a:prstGeom prst="rect">
             <a:avLst/>
@@ -3230,7 +3230,7 @@
         <p:spPr>
           <a:xfrm>
             <a:off x="685800" y="4400640"/>
-            <a:ext cx="5483520" cy="3597480"/>
+            <a:ext cx="5483160" cy="3597120"/>
           </a:xfrm>
           <a:prstGeom prst="rect">
             <a:avLst/>
@@ -3241,7 +3241,7 @@
             <a:noAutofit/>
           </a:bodyPr>
           <a:p>
-            <a:pPr marL="216000" indent="-213480">
+            <a:pPr marL="216000" indent="-213120">
               <a:lnSpc>
                 <a:spcPct val="100000"/>
               </a:lnSpc>
@@ -3257,7 +3257,7 @@
             </a:endParaRPr>
           </a:p>
           <a:p>
-            <a:pPr marL="216000" indent="-213480">
+            <a:pPr marL="216000" indent="-213120">
               <a:lnSpc>
                 <a:spcPct val="100000"/>
               </a:lnSpc>
@@ -3273,7 +3273,7 @@
             </a:endParaRPr>
           </a:p>
           <a:p>
-            <a:pPr marL="216000" indent="-213480">
+            <a:pPr marL="216000" indent="-213120">
               <a:lnSpc>
                 <a:spcPct val="100000"/>
               </a:lnSpc>
@@ -3289,7 +3289,7 @@
             </a:endParaRPr>
           </a:p>
           <a:p>
-            <a:pPr marL="216000" indent="-213480">
+            <a:pPr marL="216000" indent="-213120">
               <a:lnSpc>
                 <a:spcPct val="100000"/>
               </a:lnSpc>
@@ -3305,7 +3305,7 @@
             </a:endParaRPr>
           </a:p>
           <a:p>
-            <a:pPr marL="216000" indent="-213480">
+            <a:pPr marL="216000" indent="-213120">
               <a:lnSpc>
                 <a:spcPct val="100000"/>
               </a:lnSpc>
@@ -3315,7 +3315,7 @@
             </a:endParaRPr>
           </a:p>
           <a:p>
-            <a:pPr marL="216000" indent="-213480">
+            <a:pPr marL="216000" indent="-213120">
               <a:lnSpc>
                 <a:spcPct val="100000"/>
               </a:lnSpc>
@@ -3325,7 +3325,7 @@
             </a:endParaRPr>
           </a:p>
           <a:p>
-            <a:pPr marL="216000" indent="-213480">
+            <a:pPr marL="216000" indent="-213120">
               <a:lnSpc>
                 <a:spcPct val="100000"/>
               </a:lnSpc>
@@ -3341,7 +3341,7 @@
             </a:endParaRPr>
           </a:p>
           <a:p>
-            <a:pPr marL="216000" indent="-213480">
+            <a:pPr marL="216000" indent="-213120">
               <a:lnSpc>
                 <a:spcPct val="100000"/>
               </a:lnSpc>
@@ -3351,7 +3351,7 @@
             </a:endParaRPr>
           </a:p>
           <a:p>
-            <a:pPr marL="216000" indent="-213480">
+            <a:pPr marL="216000" indent="-213120">
               <a:lnSpc>
                 <a:spcPct val="100000"/>
               </a:lnSpc>
@@ -3371,7 +3371,7 @@
         <p:spPr>
           <a:xfrm>
             <a:off x="3884760" y="8685360"/>
-            <a:ext cx="2968920" cy="455760"/>
+            <a:ext cx="2968560" cy="455400"/>
           </a:xfrm>
           <a:prstGeom prst="rect">
             <a:avLst/>
@@ -3397,7 +3397,7 @@
                 <a:spcPct val="100000"/>
               </a:lnSpc>
             </a:pPr>
-            <a:fld id="{AF41E368-CEE1-412C-839E-FD2704F2AADD}" type="slidenum">
+            <a:fld id="{A9C325B5-C60F-4DD9-8217-866C84BA530A}" type="slidenum">
               <a:rPr b="0" lang="en-ZA" sz="1200" spc="-1" strike="noStrike">
                 <a:solidFill>
                   <a:srgbClr val="000000"/>
@@ -3448,7 +3448,7 @@
         <p:spPr>
           <a:xfrm>
             <a:off x="685800" y="1143000"/>
-            <a:ext cx="5484240" cy="3083760"/>
+            <a:ext cx="5483880" cy="3083400"/>
           </a:xfrm>
           <a:prstGeom prst="rect">
             <a:avLst/>
@@ -3468,7 +3468,7 @@
         <p:spPr>
           <a:xfrm>
             <a:off x="685800" y="4400640"/>
-            <a:ext cx="5483520" cy="3597480"/>
+            <a:ext cx="5483160" cy="3597120"/>
           </a:xfrm>
           <a:prstGeom prst="rect">
             <a:avLst/>
@@ -3479,7 +3479,7 @@
             <a:noAutofit/>
           </a:bodyPr>
           <a:p>
-            <a:pPr marL="216000" indent="-213840">
+            <a:pPr marL="216000" indent="-213480">
               <a:lnSpc>
                 <a:spcPct val="100000"/>
               </a:lnSpc>
@@ -3505,7 +3505,7 @@
         <p:spPr>
           <a:xfrm>
             <a:off x="3884760" y="8685360"/>
-            <a:ext cx="2968920" cy="455760"/>
+            <a:ext cx="2968560" cy="455400"/>
           </a:xfrm>
           <a:prstGeom prst="rect">
             <a:avLst/>
@@ -3531,7 +3531,7 @@
                 <a:spcPct val="100000"/>
               </a:lnSpc>
             </a:pPr>
-            <a:fld id="{1B6B0F39-7F94-4E2F-8DE0-4A5E04E94A72}" type="slidenum">
+            <a:fld id="{3BC16485-62DD-47D3-9FA5-CED93B69F3C2}" type="slidenum">
               <a:rPr b="0" lang="en-ZA" sz="1200" spc="-1" strike="noStrike">
                 <a:solidFill>
                   <a:srgbClr val="000000"/>
@@ -3582,7 +3582,7 @@
         <p:spPr>
           <a:xfrm>
             <a:off x="685800" y="1143000"/>
-            <a:ext cx="5484240" cy="3083760"/>
+            <a:ext cx="5483880" cy="3083400"/>
           </a:xfrm>
           <a:prstGeom prst="rect">
             <a:avLst/>
@@ -3602,7 +3602,7 @@
         <p:spPr>
           <a:xfrm>
             <a:off x="685800" y="4400640"/>
-            <a:ext cx="5483520" cy="3597480"/>
+            <a:ext cx="5483160" cy="3597120"/>
           </a:xfrm>
           <a:prstGeom prst="rect">
             <a:avLst/>
@@ -3628,7 +3628,7 @@
         <p:spPr>
           <a:xfrm>
             <a:off x="3884760" y="8685360"/>
-            <a:ext cx="2968920" cy="455760"/>
+            <a:ext cx="2968560" cy="455400"/>
           </a:xfrm>
           <a:prstGeom prst="rect">
             <a:avLst/>
@@ -3654,7 +3654,7 @@
                 <a:spcPct val="100000"/>
               </a:lnSpc>
             </a:pPr>
-            <a:fld id="{5F5EF351-99FE-400C-B7D3-8D5DB3ABFA51}" type="slidenum">
+            <a:fld id="{45357F03-E85F-46C3-A0D8-7909BF6E88B9}" type="slidenum">
               <a:rPr b="0" lang="en-ZA" sz="1200" spc="-1" strike="noStrike">
                 <a:solidFill>
                   <a:srgbClr val="000000"/>
@@ -3705,7 +3705,7 @@
         <p:spPr>
           <a:xfrm>
             <a:off x="685800" y="1143000"/>
-            <a:ext cx="5484240" cy="3083760"/>
+            <a:ext cx="5483880" cy="3083400"/>
           </a:xfrm>
           <a:prstGeom prst="rect">
             <a:avLst/>
@@ -3725,7 +3725,7 @@
         <p:spPr>
           <a:xfrm>
             <a:off x="685800" y="4400640"/>
-            <a:ext cx="5483520" cy="3597480"/>
+            <a:ext cx="5483160" cy="3597120"/>
           </a:xfrm>
           <a:prstGeom prst="rect">
             <a:avLst/>
@@ -3736,7 +3736,7 @@
             <a:noAutofit/>
           </a:bodyPr>
           <a:p>
-            <a:pPr marL="216000" indent="-213840">
+            <a:pPr marL="216000" indent="-213480">
               <a:lnSpc>
                 <a:spcPct val="100000"/>
               </a:lnSpc>
@@ -3762,7 +3762,7 @@
         <p:spPr>
           <a:xfrm>
             <a:off x="3884760" y="8685360"/>
-            <a:ext cx="2968920" cy="455760"/>
+            <a:ext cx="2968560" cy="455400"/>
           </a:xfrm>
           <a:prstGeom prst="rect">
             <a:avLst/>
@@ -3788,7 +3788,7 @@
                 <a:spcPct val="100000"/>
               </a:lnSpc>
             </a:pPr>
-            <a:fld id="{EEA1B03A-8998-4619-83BB-EC869BEA181F}" type="slidenum">
+            <a:fld id="{D5C92638-978A-4A5D-AFBB-606314225C84}" type="slidenum">
               <a:rPr b="0" lang="en-ZA" sz="1200" spc="-1" strike="noStrike">
                 <a:solidFill>
                   <a:srgbClr val="000000"/>
@@ -3839,7 +3839,7 @@
         <p:spPr>
           <a:xfrm>
             <a:off x="685800" y="1143000"/>
-            <a:ext cx="5484240" cy="3083760"/>
+            <a:ext cx="5483880" cy="3083400"/>
           </a:xfrm>
           <a:prstGeom prst="rect">
             <a:avLst/>
@@ -3859,7 +3859,7 @@
         <p:spPr>
           <a:xfrm>
             <a:off x="685800" y="4400640"/>
-            <a:ext cx="5483520" cy="3597480"/>
+            <a:ext cx="5483160" cy="3597120"/>
           </a:xfrm>
           <a:prstGeom prst="rect">
             <a:avLst/>
@@ -3870,7 +3870,7 @@
             <a:noAutofit/>
           </a:bodyPr>
           <a:p>
-            <a:pPr marL="216000" indent="-213840">
+            <a:pPr marL="216000" indent="-213480">
               <a:lnSpc>
                 <a:spcPct val="100000"/>
               </a:lnSpc>
@@ -3896,7 +3896,7 @@
         <p:spPr>
           <a:xfrm>
             <a:off x="3884760" y="8685360"/>
-            <a:ext cx="2968920" cy="455760"/>
+            <a:ext cx="2968560" cy="455400"/>
           </a:xfrm>
           <a:prstGeom prst="rect">
             <a:avLst/>
@@ -3922,7 +3922,7 @@
                 <a:spcPct val="100000"/>
               </a:lnSpc>
             </a:pPr>
-            <a:fld id="{EFBF05A4-36F1-48B8-B468-2A88B7F9C66F}" type="slidenum">
+            <a:fld id="{BA230DB1-4E71-40C4-B85F-2D244C047D53}" type="slidenum">
               <a:rPr b="0" lang="en-ZA" sz="1200" spc="-1" strike="noStrike">
                 <a:solidFill>
                   <a:srgbClr val="000000"/>
@@ -3973,7 +3973,7 @@
         <p:spPr>
           <a:xfrm>
             <a:off x="685800" y="1143000"/>
-            <a:ext cx="5484240" cy="3083760"/>
+            <a:ext cx="5483880" cy="3083400"/>
           </a:xfrm>
           <a:prstGeom prst="rect">
             <a:avLst/>
@@ -3993,7 +3993,7 @@
         <p:spPr>
           <a:xfrm>
             <a:off x="685800" y="4400640"/>
-            <a:ext cx="5483520" cy="3597480"/>
+            <a:ext cx="5483160" cy="3597120"/>
           </a:xfrm>
           <a:prstGeom prst="rect">
             <a:avLst/>
@@ -4004,7 +4004,7 @@
             <a:noAutofit/>
           </a:bodyPr>
           <a:p>
-            <a:pPr marL="216000" indent="-213840">
+            <a:pPr marL="216000" indent="-213480">
               <a:lnSpc>
                 <a:spcPct val="100000"/>
               </a:lnSpc>
@@ -4030,7 +4030,7 @@
         <p:spPr>
           <a:xfrm>
             <a:off x="3884760" y="8685360"/>
-            <a:ext cx="2968920" cy="455760"/>
+            <a:ext cx="2968560" cy="455400"/>
           </a:xfrm>
           <a:prstGeom prst="rect">
             <a:avLst/>
@@ -4056,7 +4056,7 @@
                 <a:spcPct val="100000"/>
               </a:lnSpc>
             </a:pPr>
-            <a:fld id="{EBE4CBBF-3321-423E-9D45-3DCB4FDF57A8}" type="slidenum">
+            <a:fld id="{B5C80205-FF7B-4197-BFA2-FAF755A52A9E}" type="slidenum">
               <a:rPr b="0" lang="en-ZA" sz="1200" spc="-1" strike="noStrike">
                 <a:solidFill>
                   <a:srgbClr val="000000"/>
@@ -4107,7 +4107,7 @@
         <p:spPr>
           <a:xfrm>
             <a:off x="687240" y="1143000"/>
-            <a:ext cx="5477760" cy="3082320"/>
+            <a:ext cx="5477400" cy="3081960"/>
           </a:xfrm>
           <a:prstGeom prst="rect">
             <a:avLst/>
@@ -4127,7 +4127,7 @@
         <p:spPr>
           <a:xfrm>
             <a:off x="685800" y="4400640"/>
-            <a:ext cx="5481360" cy="3595320"/>
+            <a:ext cx="5481000" cy="3594960"/>
           </a:xfrm>
           <a:prstGeom prst="rect">
             <a:avLst/>
@@ -4138,7 +4138,7 @@
             <a:noAutofit/>
           </a:bodyPr>
           <a:p>
-            <a:pPr marL="216000" indent="-211320">
+            <a:pPr marL="216000" indent="-210960">
               <a:lnSpc>
                 <a:spcPct val="100000"/>
               </a:lnSpc>
@@ -4168,7 +4168,7 @@
         <p:spPr>
           <a:xfrm>
             <a:off x="3884760" y="8685360"/>
-            <a:ext cx="2966760" cy="453600"/>
+            <a:ext cx="2966400" cy="453240"/>
           </a:xfrm>
           <a:prstGeom prst="rect">
             <a:avLst/>
@@ -4194,7 +4194,7 @@
                 <a:spcPct val="100000"/>
               </a:lnSpc>
             </a:pPr>
-            <a:fld id="{8AAF5C78-53F5-4949-91BA-45748FA3ABDF}" type="slidenum">
+            <a:fld id="{C951D127-2EE9-4FED-B126-B77E5ABB0880}" type="slidenum">
               <a:rPr b="0" lang="en-ZA" sz="1200" spc="-1" strike="noStrike">
                 <a:solidFill>
                   <a:srgbClr val="000000"/>
@@ -4245,7 +4245,7 @@
         <p:spPr>
           <a:xfrm>
             <a:off x="687240" y="1143000"/>
-            <a:ext cx="5477760" cy="3082320"/>
+            <a:ext cx="5477400" cy="3081960"/>
           </a:xfrm>
           <a:prstGeom prst="rect">
             <a:avLst/>
@@ -4265,7 +4265,7 @@
         <p:spPr>
           <a:xfrm>
             <a:off x="685800" y="4400640"/>
-            <a:ext cx="5481360" cy="3595320"/>
+            <a:ext cx="5481000" cy="3594960"/>
           </a:xfrm>
           <a:prstGeom prst="rect">
             <a:avLst/>
@@ -4276,7 +4276,7 @@
             <a:noAutofit/>
           </a:bodyPr>
           <a:p>
-            <a:pPr marL="216000" indent="-211320">
+            <a:pPr marL="216000" indent="-210960">
               <a:lnSpc>
                 <a:spcPct val="100000"/>
               </a:lnSpc>
@@ -4306,7 +4306,7 @@
         <p:spPr>
           <a:xfrm>
             <a:off x="3884760" y="8685360"/>
-            <a:ext cx="2966760" cy="453600"/>
+            <a:ext cx="2966400" cy="453240"/>
           </a:xfrm>
           <a:prstGeom prst="rect">
             <a:avLst/>
@@ -4332,7 +4332,7 @@
                 <a:spcPct val="100000"/>
               </a:lnSpc>
             </a:pPr>
-            <a:fld id="{CF7C41E5-8FD9-43FB-B289-327FCF55FCC0}" type="slidenum">
+            <a:fld id="{BCFB9ACE-2B3C-4DC3-9CDA-5942ECF8E8AD}" type="slidenum">
               <a:rPr b="0" lang="en-ZA" sz="1200" spc="-1" strike="noStrike">
                 <a:solidFill>
                   <a:srgbClr val="000000"/>
@@ -7618,7 +7618,7 @@
         <p:spPr>
           <a:xfrm>
             <a:off x="322920" y="4875480"/>
-            <a:ext cx="11545200" cy="1759320"/>
+            <a:ext cx="11544840" cy="1758960"/>
           </a:xfrm>
           <a:prstGeom prst="rect">
             <a:avLst/>
@@ -7649,7 +7649,7 @@
         <p:spPr>
           <a:xfrm>
             <a:off x="322920" y="222480"/>
-            <a:ext cx="11545200" cy="1915560"/>
+            <a:ext cx="11544840" cy="1915200"/>
           </a:xfrm>
           <a:prstGeom prst="rect">
             <a:avLst/>
@@ -7700,7 +7700,7 @@
         <p:spPr>
           <a:xfrm>
             <a:off x="2544120" y="4979520"/>
-            <a:ext cx="7102800" cy="1550880"/>
+            <a:ext cx="7102440" cy="1550520"/>
           </a:xfrm>
           <a:prstGeom prst="rect">
             <a:avLst/>
@@ -7835,7 +7835,7 @@
         <p:spPr>
           <a:xfrm>
             <a:off x="3934080" y="1728000"/>
-            <a:ext cx="4344840" cy="2806920"/>
+            <a:ext cx="4344480" cy="2806560"/>
           </a:xfrm>
           <a:prstGeom prst="rect">
             <a:avLst/>
@@ -7844,7 +7844,7 @@
             <a:noFill/>
           </a:ln>
           <a:effectLst>
-            <a:outerShdw algn="tl" blurRad="292100" dir="2700000" dist="138988" rotWithShape="0">
+            <a:outerShdw algn="tl" blurRad="292100" dir="2700000" dist="138479" rotWithShape="0">
               <a:srgbClr val="333333">
                 <a:alpha val="65000"/>
               </a:srgbClr>
@@ -7898,7 +7898,7 @@
         <p:spPr>
           <a:xfrm>
             <a:off x="986400" y="1830600"/>
-            <a:ext cx="3895200" cy="3886560"/>
+            <a:ext cx="3894840" cy="3886200"/>
           </a:xfrm>
           <a:prstGeom prst="rect">
             <a:avLst/>
@@ -8009,7 +8009,7 @@
         <p:spPr>
           <a:xfrm>
             <a:off x="4260600" y="312120"/>
-            <a:ext cx="3669840" cy="697320"/>
+            <a:ext cx="3669480" cy="696960"/>
           </a:xfrm>
           <a:prstGeom prst="rect">
             <a:avLst/>
@@ -8065,7 +8065,7 @@
         <p:spPr>
           <a:xfrm>
             <a:off x="5637240" y="975600"/>
-            <a:ext cx="6242400" cy="5792040"/>
+            <a:ext cx="6242040" cy="5791680"/>
           </a:xfrm>
           <a:prstGeom prst="rect">
             <a:avLst/>
@@ -8121,7 +8121,7 @@
         <p:spPr>
           <a:xfrm>
             <a:off x="237240" y="5001840"/>
-            <a:ext cx="5632920" cy="941040"/>
+            <a:ext cx="5632560" cy="940680"/>
           </a:xfrm>
           <a:prstGeom prst="rect">
             <a:avLst/>
@@ -8147,7 +8147,7 @@
         <p:spPr>
           <a:xfrm>
             <a:off x="601560" y="1879560"/>
-            <a:ext cx="10988280" cy="3927240"/>
+            <a:ext cx="10987920" cy="3926880"/>
           </a:xfrm>
           <a:prstGeom prst="rect">
             <a:avLst/>
@@ -8168,7 +8168,7 @@
             <a:noAutofit/>
           </a:bodyPr>
           <a:p>
-            <a:pPr marL="285840" indent="-282960">
+            <a:pPr marL="285840" indent="-282600">
               <a:lnSpc>
                 <a:spcPct val="100000"/>
               </a:lnSpc>
@@ -8203,7 +8203,7 @@
             </a:endParaRPr>
           </a:p>
           <a:p>
-            <a:pPr marL="285840" indent="-282960">
+            <a:pPr marL="285840" indent="-282600">
               <a:lnSpc>
                 <a:spcPct val="100000"/>
               </a:lnSpc>
@@ -8238,7 +8238,7 @@
             </a:endParaRPr>
           </a:p>
           <a:p>
-            <a:pPr marL="285840" indent="-282960">
+            <a:pPr marL="285840" indent="-282600">
               <a:lnSpc>
                 <a:spcPct val="100000"/>
               </a:lnSpc>
@@ -8333,7 +8333,7 @@
         <p:spPr>
           <a:xfrm>
             <a:off x="5326200" y="4178880"/>
-            <a:ext cx="9779040" cy="3927240"/>
+            <a:ext cx="9778680" cy="3926880"/>
           </a:xfrm>
           <a:prstGeom prst="rect">
             <a:avLst/>
@@ -8394,7 +8394,7 @@
         <p:spPr>
           <a:xfrm>
             <a:off x="4260600" y="312120"/>
-            <a:ext cx="3669840" cy="697320"/>
+            <a:ext cx="3669480" cy="696960"/>
           </a:xfrm>
           <a:prstGeom prst="rect">
             <a:avLst/>
@@ -8482,7 +8482,7 @@
         <p:spPr>
           <a:xfrm>
             <a:off x="506880" y="3669480"/>
-            <a:ext cx="9055440" cy="1940760"/>
+            <a:ext cx="9055080" cy="1940400"/>
           </a:xfrm>
           <a:prstGeom prst="rect">
             <a:avLst/>
@@ -8633,7 +8633,7 @@
         <p:spPr>
           <a:xfrm>
             <a:off x="506880" y="1379880"/>
-            <a:ext cx="11177640" cy="3032280"/>
+            <a:ext cx="11177280" cy="3031920"/>
           </a:xfrm>
           <a:prstGeom prst="rect">
             <a:avLst/>
@@ -8724,7 +8724,7 @@
         <p:spPr>
           <a:xfrm>
             <a:off x="2076480" y="4168440"/>
-            <a:ext cx="8578440" cy="942480"/>
+            <a:ext cx="8578080" cy="942120"/>
           </a:xfrm>
           <a:prstGeom prst="rect">
             <a:avLst/>
@@ -8795,7 +8795,7 @@
         <p:spPr>
           <a:xfrm>
             <a:off x="3048120" y="295920"/>
-            <a:ext cx="6095160" cy="697320"/>
+            <a:ext cx="6094800" cy="696960"/>
           </a:xfrm>
           <a:prstGeom prst="rect">
             <a:avLst/>
@@ -8883,7 +8883,7 @@
         <p:spPr>
           <a:xfrm>
             <a:off x="5368320" y="-1155240"/>
-            <a:ext cx="5686200" cy="5763960"/>
+            <a:ext cx="5685840" cy="5763600"/>
           </a:xfrm>
           <a:prstGeom prst="rect">
             <a:avLst/>
@@ -8944,7 +8944,7 @@
         <p:spPr>
           <a:xfrm>
             <a:off x="3048120" y="295920"/>
-            <a:ext cx="6095160" cy="697320"/>
+            <a:ext cx="6094800" cy="696960"/>
           </a:xfrm>
           <a:prstGeom prst="rect">
             <a:avLst/>
@@ -9000,7 +9000,7 @@
         <p:spPr>
           <a:xfrm>
             <a:off x="1385280" y="1296360"/>
-            <a:ext cx="9702360" cy="5399280"/>
+            <a:ext cx="9702000" cy="5398920"/>
           </a:xfrm>
           <a:prstGeom prst="rect">
             <a:avLst/>
@@ -9056,7 +9056,7 @@
         <p:spPr>
           <a:xfrm>
             <a:off x="360000" y="930240"/>
-            <a:ext cx="5686200" cy="5763960"/>
+            <a:ext cx="5685840" cy="5763600"/>
           </a:xfrm>
           <a:prstGeom prst="rect">
             <a:avLst/>
@@ -9117,7 +9117,7 @@
         <p:spPr>
           <a:xfrm>
             <a:off x="3048120" y="295920"/>
-            <a:ext cx="6095160" cy="697320"/>
+            <a:ext cx="6094800" cy="696960"/>
           </a:xfrm>
           <a:prstGeom prst="rect">
             <a:avLst/>
@@ -9173,7 +9173,7 @@
         <p:spPr>
           <a:xfrm>
             <a:off x="1385280" y="1296720"/>
-            <a:ext cx="9702360" cy="5399280"/>
+            <a:ext cx="9702000" cy="5398920"/>
           </a:xfrm>
           <a:prstGeom prst="rect">
             <a:avLst/>
@@ -9229,7 +9229,7 @@
         <p:spPr>
           <a:xfrm>
             <a:off x="360000" y="930240"/>
-            <a:ext cx="5686200" cy="5763960"/>
+            <a:ext cx="5685840" cy="5763600"/>
           </a:xfrm>
           <a:prstGeom prst="rect">
             <a:avLst/>
@@ -9290,7 +9290,7 @@
         <p:spPr>
           <a:xfrm>
             <a:off x="3048120" y="295920"/>
-            <a:ext cx="6095160" cy="697320"/>
+            <a:ext cx="6094800" cy="696960"/>
           </a:xfrm>
           <a:prstGeom prst="rect">
             <a:avLst/>
@@ -9345,7 +9345,7 @@
         <p:spPr>
           <a:xfrm>
             <a:off x="1385280" y="1296720"/>
-            <a:ext cx="9633960" cy="5326920"/>
+            <a:ext cx="9633600" cy="5326560"/>
           </a:xfrm>
           <a:prstGeom prst="rect">
             <a:avLst/>
@@ -9401,7 +9401,7 @@
         <p:spPr>
           <a:xfrm>
             <a:off x="360000" y="930240"/>
-            <a:ext cx="5686200" cy="5763960"/>
+            <a:ext cx="5685840" cy="5763600"/>
           </a:xfrm>
           <a:prstGeom prst="rect">
             <a:avLst/>
@@ -9462,7 +9462,7 @@
         <p:spPr>
           <a:xfrm>
             <a:off x="3048120" y="295920"/>
-            <a:ext cx="6095160" cy="697320"/>
+            <a:ext cx="6094800" cy="696960"/>
           </a:xfrm>
           <a:prstGeom prst="rect">
             <a:avLst/>
@@ -9517,7 +9517,7 @@
         <p:spPr>
           <a:xfrm>
             <a:off x="1385280" y="1325520"/>
-            <a:ext cx="9633960" cy="5298480"/>
+            <a:ext cx="9633600" cy="5298120"/>
           </a:xfrm>
           <a:prstGeom prst="rect">
             <a:avLst/>
@@ -9573,7 +9573,7 @@
         <p:spPr>
           <a:xfrm>
             <a:off x="360000" y="930240"/>
-            <a:ext cx="5686200" cy="5763960"/>
+            <a:ext cx="5685840" cy="5763600"/>
           </a:xfrm>
           <a:prstGeom prst="rect">
             <a:avLst/>
@@ -9634,7 +9634,7 @@
         <p:spPr>
           <a:xfrm>
             <a:off x="3048120" y="295920"/>
-            <a:ext cx="6095160" cy="697320"/>
+            <a:ext cx="6094800" cy="696960"/>
           </a:xfrm>
           <a:prstGeom prst="rect">
             <a:avLst/>
@@ -9690,7 +9690,7 @@
         <p:spPr>
           <a:xfrm>
             <a:off x="1450440" y="1354320"/>
-            <a:ext cx="9863640" cy="5374800"/>
+            <a:ext cx="9863280" cy="5374440"/>
           </a:xfrm>
           <a:prstGeom prst="rect">
             <a:avLst/>
@@ -9746,7 +9746,7 @@
         <p:spPr>
           <a:xfrm>
             <a:off x="360000" y="930240"/>
-            <a:ext cx="5686200" cy="5763960"/>
+            <a:ext cx="5685840" cy="5763600"/>
           </a:xfrm>
           <a:prstGeom prst="rect">
             <a:avLst/>
@@ -9807,7 +9807,7 @@
         <p:spPr>
           <a:xfrm>
             <a:off x="1169280" y="2693160"/>
-            <a:ext cx="4653360" cy="2237760"/>
+            <a:ext cx="4653000" cy="2237400"/>
           </a:xfrm>
           <a:prstGeom prst="rect">
             <a:avLst/>
@@ -9868,7 +9868,7 @@
         <p:spPr>
           <a:xfrm>
             <a:off x="3048120" y="295920"/>
-            <a:ext cx="6095160" cy="697320"/>
+            <a:ext cx="6094800" cy="696960"/>
           </a:xfrm>
           <a:prstGeom prst="rect">
             <a:avLst/>
@@ -9918,13 +9918,13 @@
         </p:nvPicPr>
         <p:blipFill>
           <a:blip r:embed="rId1"/>
-          <a:srcRect l="32665" t="32066" r="53750" b="19636"/>
+          <a:srcRect l="32661" t="32063" r="53744" b="19633"/>
           <a:stretch/>
         </p:blipFill>
         <p:spPr>
           <a:xfrm>
             <a:off x="7560000" y="864360"/>
-            <a:ext cx="2878920" cy="5759280"/>
+            <a:ext cx="2878560" cy="5758920"/>
           </a:xfrm>
           <a:prstGeom prst="rect">
             <a:avLst/>
@@ -9980,7 +9980,7 @@
         <p:spPr>
           <a:xfrm>
             <a:off x="3115800" y="336960"/>
-            <a:ext cx="5991480" cy="697320"/>
+            <a:ext cx="5991120" cy="696960"/>
           </a:xfrm>
           <a:prstGeom prst="rect">
             <a:avLst/>
@@ -10041,7 +10041,7 @@
         <p:spPr>
           <a:xfrm>
             <a:off x="360000" y="930240"/>
-            <a:ext cx="5686200" cy="5763960"/>
+            <a:ext cx="5685840" cy="5763600"/>
           </a:xfrm>
           <a:prstGeom prst="rect">
             <a:avLst/>
@@ -10102,7 +10102,7 @@
         <p:spPr>
           <a:xfrm>
             <a:off x="1157040" y="1848600"/>
-            <a:ext cx="9779040" cy="3927240"/>
+            <a:ext cx="9778680" cy="3926880"/>
           </a:xfrm>
           <a:prstGeom prst="rect">
             <a:avLst/>
@@ -10123,7 +10123,7 @@
             <a:noAutofit/>
           </a:bodyPr>
           <a:p>
-            <a:pPr marL="285840" indent="-282960">
+            <a:pPr marL="285840" indent="-282600">
               <a:lnSpc>
                 <a:spcPct val="100000"/>
               </a:lnSpc>
@@ -10158,7 +10158,7 @@
             </a:endParaRPr>
           </a:p>
           <a:p>
-            <a:pPr marL="285840" indent="-282960">
+            <a:pPr marL="285840" indent="-282600">
               <a:lnSpc>
                 <a:spcPct val="100000"/>
               </a:lnSpc>
@@ -10193,7 +10193,7 @@
             </a:endParaRPr>
           </a:p>
           <a:p>
-            <a:pPr marL="285840" indent="-282960">
+            <a:pPr marL="285840" indent="-282600">
               <a:lnSpc>
                 <a:spcPct val="100000"/>
               </a:lnSpc>
@@ -10325,7 +10325,7 @@
         <p:spPr>
           <a:xfrm>
             <a:off x="4260600" y="312120"/>
-            <a:ext cx="3669840" cy="697320"/>
+            <a:ext cx="3669480" cy="696960"/>
           </a:xfrm>
           <a:prstGeom prst="rect">
             <a:avLst/>
@@ -10376,7 +10376,7 @@
         <p:spPr>
           <a:xfrm>
             <a:off x="1170360" y="1760400"/>
-            <a:ext cx="4782240" cy="3927240"/>
+            <a:ext cx="4781880" cy="3926880"/>
           </a:xfrm>
           <a:prstGeom prst="rect">
             <a:avLst/>
@@ -10407,7 +10407,7 @@
             </a:endParaRPr>
           </a:p>
           <a:p>
-            <a:pPr marL="285840" indent="-282960">
+            <a:pPr marL="285840" indent="-282600">
               <a:lnSpc>
                 <a:spcPct val="100000"/>
               </a:lnSpc>
@@ -10452,7 +10452,7 @@
             </a:endParaRPr>
           </a:p>
           <a:p>
-            <a:pPr marL="285840" indent="-282960">
+            <a:pPr marL="285840" indent="-282600">
               <a:lnSpc>
                 <a:spcPct val="100000"/>
               </a:lnSpc>
@@ -10497,7 +10497,7 @@
             </a:endParaRPr>
           </a:p>
           <a:p>
-            <a:pPr marL="285840" indent="-282960">
+            <a:pPr marL="285840" indent="-282600">
               <a:lnSpc>
                 <a:spcPct val="100000"/>
               </a:lnSpc>
@@ -10556,7 +10556,7 @@
         <p:spPr>
           <a:xfrm>
             <a:off x="7232760" y="1406880"/>
-            <a:ext cx="3301560" cy="2091240"/>
+            <a:ext cx="3301200" cy="2090880"/>
           </a:xfrm>
           <a:prstGeom prst="rect">
             <a:avLst/>
@@ -10565,7 +10565,7 @@
             <a:noFill/>
           </a:ln>
           <a:effectLst>
-            <a:outerShdw algn="tl" blurRad="292100" dir="2700000" dist="138988" rotWithShape="0">
+            <a:outerShdw algn="tl" blurRad="292100" dir="2700000" dist="138479" rotWithShape="0">
               <a:srgbClr val="333333">
                 <a:alpha val="65000"/>
               </a:srgbClr>
@@ -10581,13 +10581,13 @@
         </p:nvPicPr>
         <p:blipFill>
           <a:blip r:embed="rId2"/>
-          <a:srcRect l="42108" t="39405" r="18906" b="18583"/>
+          <a:srcRect l="42102" t="39398" r="18904" b="18579"/>
           <a:stretch/>
         </p:blipFill>
         <p:spPr>
           <a:xfrm>
             <a:off x="7232760" y="3895560"/>
-            <a:ext cx="3301560" cy="2091240"/>
+            <a:ext cx="3301200" cy="2090880"/>
           </a:xfrm>
           <a:prstGeom prst="rect">
             <a:avLst/>
@@ -10596,7 +10596,7 @@
             <a:noFill/>
           </a:ln>
           <a:effectLst>
-            <a:outerShdw algn="tl" blurRad="292100" dir="2700000" dist="138988" rotWithShape="0">
+            <a:outerShdw algn="tl" blurRad="292100" dir="2700000" dist="138479" rotWithShape="0">
               <a:srgbClr val="333333">
                 <a:alpha val="65000"/>
               </a:srgbClr>
@@ -10650,7 +10650,7 @@
         <p:spPr>
           <a:xfrm>
             <a:off x="529920" y="1788480"/>
-            <a:ext cx="7586640" cy="2830680"/>
+            <a:ext cx="7586280" cy="2830320"/>
           </a:xfrm>
           <a:prstGeom prst="rect">
             <a:avLst/>
@@ -10701,7 +10701,7 @@
         <p:spPr>
           <a:xfrm>
             <a:off x="3115800" y="336960"/>
-            <a:ext cx="5991480" cy="697320"/>
+            <a:ext cx="5991120" cy="696960"/>
           </a:xfrm>
           <a:prstGeom prst="rect">
             <a:avLst/>
@@ -10727,7 +10727,7 @@
         <p:spPr>
           <a:xfrm>
             <a:off x="3115800" y="336960"/>
-            <a:ext cx="5991480" cy="697320"/>
+            <a:ext cx="5991120" cy="696960"/>
           </a:xfrm>
           <a:prstGeom prst="rect">
             <a:avLst/>
@@ -10788,7 +10788,7 @@
         <p:spPr>
           <a:xfrm>
             <a:off x="1206000" y="1788480"/>
-            <a:ext cx="9779040" cy="3927240"/>
+            <a:ext cx="9778680" cy="3926880"/>
           </a:xfrm>
           <a:prstGeom prst="rect">
             <a:avLst/>
@@ -10809,7 +10809,7 @@
             <a:noAutofit/>
           </a:bodyPr>
           <a:p>
-            <a:pPr marL="285840" indent="-282960">
+            <a:pPr marL="285840" indent="-282600">
               <a:lnSpc>
                 <a:spcPct val="100000"/>
               </a:lnSpc>
@@ -10844,7 +10844,7 @@
             </a:endParaRPr>
           </a:p>
           <a:p>
-            <a:pPr marL="285840" indent="-282960">
+            <a:pPr marL="285840" indent="-282600">
               <a:lnSpc>
                 <a:spcPct val="100000"/>
               </a:lnSpc>
@@ -10879,7 +10879,7 @@
             </a:endParaRPr>
           </a:p>
           <a:p>
-            <a:pPr marL="285840" indent="-282960">
+            <a:pPr marL="285840" indent="-282600">
               <a:lnSpc>
                 <a:spcPct val="100000"/>
               </a:lnSpc>
@@ -11011,7 +11011,7 @@
         <p:spPr>
           <a:xfrm>
             <a:off x="529920" y="1788480"/>
-            <a:ext cx="7586640" cy="2830680"/>
+            <a:ext cx="7586280" cy="2830320"/>
           </a:xfrm>
           <a:prstGeom prst="rect">
             <a:avLst/>
@@ -11062,7 +11062,7 @@
         <p:spPr>
           <a:xfrm>
             <a:off x="3115800" y="336960"/>
-            <a:ext cx="5991480" cy="697320"/>
+            <a:ext cx="5991120" cy="696960"/>
           </a:xfrm>
           <a:prstGeom prst="rect">
             <a:avLst/>
@@ -11088,7 +11088,7 @@
         <p:spPr>
           <a:xfrm>
             <a:off x="3115800" y="336960"/>
-            <a:ext cx="5991480" cy="697320"/>
+            <a:ext cx="5991120" cy="696960"/>
           </a:xfrm>
           <a:prstGeom prst="rect">
             <a:avLst/>
@@ -11149,7 +11149,7 @@
         <p:spPr>
           <a:xfrm>
             <a:off x="1004040" y="1788480"/>
-            <a:ext cx="10182960" cy="3927240"/>
+            <a:ext cx="10182600" cy="3926880"/>
           </a:xfrm>
           <a:prstGeom prst="rect">
             <a:avLst/>
@@ -11170,7 +11170,7 @@
             <a:noAutofit/>
           </a:bodyPr>
           <a:p>
-            <a:pPr marL="285840" indent="-282960">
+            <a:pPr marL="285840" indent="-282600">
               <a:lnSpc>
                 <a:spcPct val="100000"/>
               </a:lnSpc>
@@ -11205,7 +11205,7 @@
             </a:endParaRPr>
           </a:p>
           <a:p>
-            <a:pPr marL="285840" indent="-282960">
+            <a:pPr marL="285840" indent="-282600">
               <a:lnSpc>
                 <a:spcPct val="100000"/>
               </a:lnSpc>
@@ -11240,7 +11240,7 @@
             </a:endParaRPr>
           </a:p>
           <a:p>
-            <a:pPr marL="285840" indent="-282960">
+            <a:pPr marL="285840" indent="-282600">
               <a:lnSpc>
                 <a:spcPct val="100000"/>
               </a:lnSpc>
@@ -11372,7 +11372,7 @@
         <p:spPr>
           <a:xfrm>
             <a:off x="529920" y="1788480"/>
-            <a:ext cx="7586640" cy="2830680"/>
+            <a:ext cx="7586280" cy="2830320"/>
           </a:xfrm>
           <a:prstGeom prst="rect">
             <a:avLst/>
@@ -11423,7 +11423,7 @@
         <p:spPr>
           <a:xfrm>
             <a:off x="3115800" y="336960"/>
-            <a:ext cx="5991480" cy="697320"/>
+            <a:ext cx="5991120" cy="696960"/>
           </a:xfrm>
           <a:prstGeom prst="rect">
             <a:avLst/>
@@ -11449,7 +11449,7 @@
         <p:spPr>
           <a:xfrm>
             <a:off x="1206000" y="2072160"/>
-            <a:ext cx="9779040" cy="3300480"/>
+            <a:ext cx="9778680" cy="3300120"/>
           </a:xfrm>
           <a:prstGeom prst="rect">
             <a:avLst/>
@@ -11470,7 +11470,7 @@
             <a:noAutofit/>
           </a:bodyPr>
           <a:p>
-            <a:pPr marL="285840" indent="-282960">
+            <a:pPr marL="285840" indent="-282600">
               <a:lnSpc>
                 <a:spcPct val="100000"/>
               </a:lnSpc>
@@ -11505,7 +11505,7 @@
             </a:endParaRPr>
           </a:p>
           <a:p>
-            <a:pPr marL="285840" indent="-282960">
+            <a:pPr marL="285840" indent="-282600">
               <a:lnSpc>
                 <a:spcPct val="100000"/>
               </a:lnSpc>
@@ -11540,7 +11540,7 @@
             </a:endParaRPr>
           </a:p>
           <a:p>
-            <a:pPr marL="285840" indent="-282960">
+            <a:pPr marL="285840" indent="-282600">
               <a:lnSpc>
                 <a:spcPct val="100000"/>
               </a:lnSpc>
@@ -11635,7 +11635,7 @@
         <p:spPr>
           <a:xfrm>
             <a:off x="3115800" y="336960"/>
-            <a:ext cx="5991480" cy="697320"/>
+            <a:ext cx="5991120" cy="696960"/>
           </a:xfrm>
           <a:prstGeom prst="rect">
             <a:avLst/>
@@ -11733,7 +11733,7 @@
         <p:spPr>
           <a:xfrm>
             <a:off x="529920" y="1788480"/>
-            <a:ext cx="7586640" cy="2830680"/>
+            <a:ext cx="7586280" cy="2830320"/>
           </a:xfrm>
           <a:prstGeom prst="rect">
             <a:avLst/>
@@ -11784,7 +11784,7 @@
         <p:spPr>
           <a:xfrm>
             <a:off x="3115800" y="336960"/>
-            <a:ext cx="5991480" cy="697320"/>
+            <a:ext cx="5991120" cy="696960"/>
           </a:xfrm>
           <a:prstGeom prst="rect">
             <a:avLst/>
@@ -11810,7 +11810,7 @@
         <p:spPr>
           <a:xfrm>
             <a:off x="529560" y="1788480"/>
-            <a:ext cx="11131920" cy="3898080"/>
+            <a:ext cx="11131560" cy="3897720"/>
           </a:xfrm>
           <a:prstGeom prst="rect">
             <a:avLst/>
@@ -11831,7 +11831,7 @@
             <a:noAutofit/>
           </a:bodyPr>
           <a:p>
-            <a:pPr marL="285840" indent="-282960">
+            <a:pPr marL="285840" indent="-282600">
               <a:lnSpc>
                 <a:spcPct val="100000"/>
               </a:lnSpc>
@@ -11866,7 +11866,7 @@
             </a:endParaRPr>
           </a:p>
           <a:p>
-            <a:pPr marL="285840" indent="-282960">
+            <a:pPr marL="285840" indent="-282600">
               <a:lnSpc>
                 <a:spcPct val="100000"/>
               </a:lnSpc>
@@ -11901,7 +11901,7 @@
             </a:endParaRPr>
           </a:p>
           <a:p>
-            <a:pPr marL="285840" indent="-282960">
+            <a:pPr marL="285840" indent="-282600">
               <a:lnSpc>
                 <a:spcPct val="100000"/>
               </a:lnSpc>
@@ -11996,7 +11996,7 @@
         <p:spPr>
           <a:xfrm>
             <a:off x="3115800" y="336960"/>
-            <a:ext cx="5991480" cy="697320"/>
+            <a:ext cx="5991120" cy="696960"/>
           </a:xfrm>
           <a:prstGeom prst="rect">
             <a:avLst/>
@@ -12094,7 +12094,7 @@
         <p:spPr>
           <a:xfrm>
             <a:off x="529920" y="1788480"/>
-            <a:ext cx="7586640" cy="2830680"/>
+            <a:ext cx="7586280" cy="2830320"/>
           </a:xfrm>
           <a:prstGeom prst="rect">
             <a:avLst/>
@@ -12145,7 +12145,7 @@
         <p:spPr>
           <a:xfrm>
             <a:off x="3115800" y="336960"/>
-            <a:ext cx="5991480" cy="697320"/>
+            <a:ext cx="5991120" cy="696960"/>
           </a:xfrm>
           <a:prstGeom prst="rect">
             <a:avLst/>
@@ -12171,7 +12171,7 @@
         <p:spPr>
           <a:xfrm>
             <a:off x="659880" y="1944000"/>
-            <a:ext cx="9779040" cy="3927240"/>
+            <a:ext cx="9778680" cy="3926880"/>
           </a:xfrm>
           <a:prstGeom prst="rect">
             <a:avLst/>
@@ -12262,7 +12262,7 @@
         <p:spPr>
           <a:xfrm>
             <a:off x="3115800" y="336960"/>
-            <a:ext cx="5991480" cy="697320"/>
+            <a:ext cx="5991120" cy="696960"/>
           </a:xfrm>
           <a:prstGeom prst="rect">
             <a:avLst/>
@@ -12313,7 +12313,7 @@
         <p:spPr>
           <a:xfrm>
             <a:off x="1887120" y="478080"/>
-            <a:ext cx="8417160" cy="926280"/>
+            <a:ext cx="8416800" cy="925920"/>
           </a:xfrm>
           <a:prstGeom prst="rect">
             <a:avLst/>
@@ -12408,7 +12408,7 @@
         <p:spPr>
           <a:xfrm>
             <a:off x="3848040" y="2832480"/>
-            <a:ext cx="4494960" cy="3371040"/>
+            <a:ext cx="4494600" cy="3370680"/>
           </a:xfrm>
           <a:prstGeom prst="rect">
             <a:avLst/>
@@ -12464,7 +12464,7 @@
         <p:spPr>
           <a:xfrm>
             <a:off x="831240" y="4354560"/>
-            <a:ext cx="10528560" cy="1812240"/>
+            <a:ext cx="10528200" cy="1811880"/>
           </a:xfrm>
           <a:prstGeom prst="roundRect">
             <a:avLst>
@@ -12500,7 +12500,7 @@
         <p:spPr>
           <a:xfrm>
             <a:off x="831240" y="1394640"/>
-            <a:ext cx="10528560" cy="1294920"/>
+            <a:ext cx="10528200" cy="1294560"/>
           </a:xfrm>
           <a:prstGeom prst="roundRect">
             <a:avLst>
@@ -12533,7 +12533,7 @@
         <p:spPr>
           <a:xfrm>
             <a:off x="1316880" y="1607400"/>
-            <a:ext cx="9557640" cy="1144440"/>
+            <a:ext cx="9557280" cy="1144080"/>
           </a:xfrm>
           <a:prstGeom prst="rect">
             <a:avLst/>
@@ -12614,7 +12614,7 @@
         <p:spPr>
           <a:xfrm>
             <a:off x="831240" y="3309480"/>
-            <a:ext cx="10528560" cy="792000"/>
+            <a:ext cx="10528200" cy="791640"/>
           </a:xfrm>
           <a:prstGeom prst="rect">
             <a:avLst/>
@@ -12685,7 +12685,7 @@
         <p:spPr>
           <a:xfrm>
             <a:off x="1103760" y="4659120"/>
-            <a:ext cx="11170440" cy="468720"/>
+            <a:ext cx="11170080" cy="468360"/>
           </a:xfrm>
           <a:prstGeom prst="rect">
             <a:avLst/>
@@ -12706,15 +12706,10 @@
             <a:noAutofit/>
           </a:bodyPr>
           <a:p>
-            <a:pPr marL="514440" indent="-513720">
-              <a:lnSpc>
-                <a:spcPct val="100000"/>
-              </a:lnSpc>
-              <a:buClr>
-                <a:srgbClr val="000000"/>
-              </a:buClr>
-              <a:buFont typeface="StarSymbol"/>
-              <a:buAutoNum type="romanLcParenR"/>
+            <a:pPr>
+              <a:lnSpc>
+                <a:spcPct val="100000"/>
+              </a:lnSpc>
             </a:pPr>
             <a:r>
               <a:rPr b="0" lang="en-ZA" sz="2000" spc="-1" strike="noStrike">
@@ -12754,7 +12749,7 @@
                 <a:latin typeface="Arial"/>
                 <a:ea typeface="DejaVu Sans"/>
               </a:rPr>
-              <a:t>ii) examine whether there is a difference in the number of signals detected at the various    </a:t>
+              <a:t>examine whether there is a difference in the number of signals detected at the various    </a:t>
             </a:r>
             <a:endParaRPr b="0" lang="en-ZA" sz="2000" spc="-1" strike="noStrike">
               <a:latin typeface="Arial"/>
@@ -12774,16 +12769,6 @@
                 <a:latin typeface="Arial"/>
                 <a:ea typeface="DejaVu Sans"/>
               </a:rPr>
-              <a:t>    </a:t>
-            </a:r>
-            <a:r>
-              <a:rPr b="0" lang="en-ZA" sz="2000" spc="-1" strike="noStrike">
-                <a:solidFill>
-                  <a:srgbClr val="000000"/>
-                </a:solidFill>
-                <a:latin typeface="Arial"/>
-                <a:ea typeface="DejaVu Sans"/>
-              </a:rPr>
               <a:t>distances.</a:t>
             </a:r>
             <a:endParaRPr b="0" lang="en-ZA" sz="2000" spc="-1" strike="noStrike">
@@ -12801,7 +12786,7 @@
         <p:spPr>
           <a:xfrm>
             <a:off x="4260600" y="312120"/>
-            <a:ext cx="3669840" cy="697320"/>
+            <a:ext cx="3669480" cy="696960"/>
           </a:xfrm>
           <a:prstGeom prst="rect">
             <a:avLst/>
@@ -12889,7 +12874,7 @@
         <p:spPr>
           <a:xfrm>
             <a:off x="-10440" y="3287160"/>
-            <a:ext cx="12310560" cy="1270080"/>
+            <a:ext cx="12310200" cy="1269720"/>
           </a:xfrm>
           <a:prstGeom prst="rect">
             <a:avLst/>
@@ -12940,7 +12925,7 @@
         <p:spPr>
           <a:xfrm>
             <a:off x="1704240" y="2130480"/>
-            <a:ext cx="8015400" cy="2693160"/>
+            <a:ext cx="8015040" cy="2692800"/>
           </a:xfrm>
           <a:prstGeom prst="roundRect">
             <a:avLst>
@@ -12976,7 +12961,7 @@
         <p:spPr>
           <a:xfrm>
             <a:off x="2316240" y="2625480"/>
-            <a:ext cx="7043400" cy="1406160"/>
+            <a:ext cx="7043040" cy="1405800"/>
           </a:xfrm>
           <a:prstGeom prst="rect">
             <a:avLst/>
@@ -13047,7 +13032,7 @@
         <p:spPr>
           <a:xfrm>
             <a:off x="792000" y="1800000"/>
-            <a:ext cx="11170440" cy="1230480"/>
+            <a:ext cx="11170080" cy="1230120"/>
           </a:xfrm>
           <a:prstGeom prst="rect">
             <a:avLst/>
@@ -13118,7 +13103,7 @@
         <p:spPr>
           <a:xfrm>
             <a:off x="792000" y="1800000"/>
-            <a:ext cx="11170440" cy="1230480"/>
+            <a:ext cx="11170080" cy="1230120"/>
           </a:xfrm>
           <a:prstGeom prst="rect">
             <a:avLst/>
@@ -13189,7 +13174,7 @@
         <p:spPr>
           <a:xfrm>
             <a:off x="4260600" y="312120"/>
-            <a:ext cx="3669840" cy="697320"/>
+            <a:ext cx="3669480" cy="696960"/>
           </a:xfrm>
           <a:prstGeom prst="rect">
             <a:avLst/>
@@ -13277,7 +13262,7 @@
         <p:spPr>
           <a:xfrm>
             <a:off x="720000" y="1449360"/>
-            <a:ext cx="11470320" cy="3012840"/>
+            <a:ext cx="11469960" cy="3012480"/>
           </a:xfrm>
           <a:prstGeom prst="rect">
             <a:avLst/>
@@ -13338,9 +13323,9 @@
         <p:grpSpPr>
           <a:xfrm>
             <a:off x="2736000" y="1449360"/>
-            <a:ext cx="7275960" cy="4641120"/>
+            <a:ext cx="7275600" cy="4640760"/>
             <a:chOff x="2736000" y="1449360"/>
-            <a:chExt cx="7275960" cy="4641120"/>
+            <a:chExt cx="7275600" cy="4640760"/>
           </a:xfrm>
         </p:grpSpPr>
         <p:sp>
@@ -13352,7 +13337,7 @@
           <p:spPr>
             <a:xfrm>
               <a:off x="2736000" y="1449360"/>
-              <a:ext cx="6325920" cy="4641120"/>
+              <a:ext cx="6325560" cy="4640760"/>
             </a:xfrm>
             <a:prstGeom prst="triangle">
               <a:avLst>
@@ -13395,7 +13380,7 @@
           <p:spPr>
             <a:xfrm>
               <a:off x="5901120" y="1916280"/>
-              <a:ext cx="4110840" cy="1096920"/>
+              <a:ext cx="4110480" cy="1096560"/>
             </a:xfrm>
             <a:prstGeom prst="roundRect">
               <a:avLst>
@@ -13487,7 +13472,7 @@
           <p:spPr>
             <a:xfrm>
               <a:off x="5901120" y="3152880"/>
-              <a:ext cx="4110840" cy="1096920"/>
+              <a:ext cx="4110480" cy="1096560"/>
             </a:xfrm>
             <a:prstGeom prst="roundRect">
               <a:avLst>
@@ -13559,7 +13544,7 @@
           <p:spPr>
             <a:xfrm>
               <a:off x="5901120" y="4389840"/>
-              <a:ext cx="4110840" cy="1096920"/>
+              <a:ext cx="4110480" cy="1096560"/>
             </a:xfrm>
             <a:prstGeom prst="roundRect">
               <a:avLst>
@@ -13632,7 +13617,7 @@
         <p:spPr>
           <a:xfrm>
             <a:off x="4260600" y="312120"/>
-            <a:ext cx="3669840" cy="697320"/>
+            <a:ext cx="3669480" cy="696960"/>
           </a:xfrm>
           <a:prstGeom prst="rect">
             <a:avLst/>
@@ -13725,7 +13710,7 @@
         <p:spPr>
           <a:xfrm>
             <a:off x="552960" y="1923120"/>
-            <a:ext cx="3428640" cy="2355480"/>
+            <a:ext cx="3428280" cy="2355120"/>
           </a:xfrm>
           <a:prstGeom prst="rect">
             <a:avLst/>
@@ -13734,7 +13719,7 @@
             <a:noFill/>
           </a:ln>
           <a:effectLst>
-            <a:outerShdw algn="tl" blurRad="292100" dir="2700000" dist="138988" rotWithShape="0">
+            <a:outerShdw algn="tl" blurRad="292100" dir="2700000" dist="138479" rotWithShape="0">
               <a:srgbClr val="333333">
                 <a:alpha val="65000"/>
               </a:srgbClr>
@@ -13751,7 +13736,7 @@
         <p:spPr>
           <a:xfrm>
             <a:off x="4171320" y="1078920"/>
-            <a:ext cx="4326480" cy="697320"/>
+            <a:ext cx="4326120" cy="696960"/>
           </a:xfrm>
           <a:prstGeom prst="rect">
             <a:avLst/>
@@ -13806,7 +13791,7 @@
         <p:spPr>
           <a:xfrm>
             <a:off x="4367160" y="1933920"/>
-            <a:ext cx="3428640" cy="2355480"/>
+            <a:ext cx="3428280" cy="2355120"/>
           </a:xfrm>
           <a:prstGeom prst="rect">
             <a:avLst/>
@@ -13815,7 +13800,7 @@
             <a:noFill/>
           </a:ln>
           <a:effectLst>
-            <a:outerShdw algn="tl" blurRad="292100" dir="2700000" dist="138988" rotWithShape="0">
+            <a:outerShdw algn="tl" blurRad="292100" dir="2700000" dist="138479" rotWithShape="0">
               <a:srgbClr val="333333">
                 <a:alpha val="65000"/>
               </a:srgbClr>
@@ -13836,7 +13821,7 @@
         <p:spPr>
           <a:xfrm>
             <a:off x="8209800" y="1923120"/>
-            <a:ext cx="3428640" cy="2345040"/>
+            <a:ext cx="3428280" cy="2344680"/>
           </a:xfrm>
           <a:prstGeom prst="rect">
             <a:avLst/>
@@ -13845,7 +13830,7 @@
             <a:noFill/>
           </a:ln>
           <a:effectLst>
-            <a:outerShdw algn="tl" blurRad="292100" dir="2700000" dist="138988" rotWithShape="0">
+            <a:outerShdw algn="tl" blurRad="292100" dir="2700000" dist="138479" rotWithShape="0">
               <a:srgbClr val="333333">
                 <a:alpha val="65000"/>
               </a:srgbClr>
@@ -13862,7 +13847,7 @@
         <p:spPr>
           <a:xfrm>
             <a:off x="4260600" y="312120"/>
-            <a:ext cx="3669840" cy="697320"/>
+            <a:ext cx="3669480" cy="696960"/>
           </a:xfrm>
           <a:prstGeom prst="rect">
             <a:avLst/>
@@ -13913,7 +13898,7 @@
         <p:spPr>
           <a:xfrm>
             <a:off x="3982320" y="4536720"/>
-            <a:ext cx="6651360" cy="1575720"/>
+            <a:ext cx="6651000" cy="1575360"/>
           </a:xfrm>
           <a:prstGeom prst="rect">
             <a:avLst/>
@@ -13944,7 +13929,7 @@
             </a:endParaRPr>
           </a:p>
           <a:p>
-            <a:pPr marL="285840" indent="-282960">
+            <a:pPr marL="285840" indent="-282600">
               <a:lnSpc>
                 <a:spcPct val="100000"/>
               </a:lnSpc>
@@ -13979,7 +13964,7 @@
             </a:endParaRPr>
           </a:p>
           <a:p>
-            <a:pPr marL="216000" indent="-214200">
+            <a:pPr marL="216000" indent="-213840">
               <a:lnSpc>
                 <a:spcPct val="100000"/>
               </a:lnSpc>
@@ -14015,7 +14000,7 @@
             </a:endParaRPr>
           </a:p>
           <a:p>
-            <a:pPr marL="216000" indent="-214200">
+            <a:pPr marL="216000" indent="-213840">
               <a:lnSpc>
                 <a:spcPct val="100000"/>
               </a:lnSpc>
@@ -14088,7 +14073,7 @@
         <p:spPr>
           <a:xfrm>
             <a:off x="837360" y="1392840"/>
-            <a:ext cx="5991480" cy="4945680"/>
+            <a:ext cx="5991120" cy="4945320"/>
           </a:xfrm>
           <a:prstGeom prst="rect">
             <a:avLst/>
@@ -14139,7 +14124,7 @@
             </a:endParaRPr>
           </a:p>
           <a:p>
-            <a:pPr marL="285840" indent="-282960">
+            <a:pPr marL="285840" indent="-282600">
               <a:lnSpc>
                 <a:spcPct val="100000"/>
               </a:lnSpc>
@@ -14174,7 +14159,7 @@
             </a:endParaRPr>
           </a:p>
           <a:p>
-            <a:pPr marL="285840" indent="-282960">
+            <a:pPr marL="285840" indent="-282600">
               <a:lnSpc>
                 <a:spcPct val="100000"/>
               </a:lnSpc>
@@ -14209,7 +14194,7 @@
             </a:endParaRPr>
           </a:p>
           <a:p>
-            <a:pPr marL="285840" indent="-282960">
+            <a:pPr marL="285840" indent="-282600">
               <a:lnSpc>
                 <a:spcPct val="100000"/>
               </a:lnSpc>
@@ -14253,13 +14238,13 @@
         </p:nvPicPr>
         <p:blipFill>
           <a:blip r:embed="rId1"/>
-          <a:srcRect l="6159" t="14464" r="67232" b="64500"/>
+          <a:srcRect l="6157" t="14464" r="67224" b="64490"/>
           <a:stretch/>
         </p:blipFill>
         <p:spPr>
           <a:xfrm>
             <a:off x="7035480" y="3917520"/>
-            <a:ext cx="4318200" cy="2322360"/>
+            <a:ext cx="4317840" cy="2322000"/>
           </a:xfrm>
           <a:prstGeom prst="rect">
             <a:avLst/>
@@ -14277,13 +14262,13 @@
         </p:nvPicPr>
         <p:blipFill>
           <a:blip r:embed="rId2"/>
-          <a:srcRect l="6760" t="13414" r="69004" b="62408"/>
+          <a:srcRect l="6760" t="13414" r="68996" b="62401"/>
           <a:stretch/>
         </p:blipFill>
         <p:spPr>
           <a:xfrm>
             <a:off x="7035840" y="1401480"/>
-            <a:ext cx="4317840" cy="2322360"/>
+            <a:ext cx="4317480" cy="2322000"/>
           </a:xfrm>
           <a:prstGeom prst="rect">
             <a:avLst/>
@@ -14302,7 +14287,7 @@
         <p:spPr>
           <a:xfrm>
             <a:off x="4260600" y="312120"/>
-            <a:ext cx="3669840" cy="697320"/>
+            <a:ext cx="3669480" cy="696960"/>
           </a:xfrm>
           <a:prstGeom prst="rect">
             <a:avLst/>
@@ -14390,7 +14375,7 @@
         <p:spPr>
           <a:xfrm>
             <a:off x="1275840" y="2053440"/>
-            <a:ext cx="9638280" cy="4571640"/>
+            <a:ext cx="9637920" cy="4571280"/>
           </a:xfrm>
           <a:prstGeom prst="rect">
             <a:avLst/>
@@ -14411,7 +14396,7 @@
             <a:noAutofit/>
           </a:bodyPr>
           <a:p>
-            <a:pPr marL="457200" indent="-453600">
+            <a:pPr marL="457200" indent="-453240">
               <a:lnSpc>
                 <a:spcPct val="100000"/>
               </a:lnSpc>
@@ -14446,7 +14431,7 @@
             </a:endParaRPr>
           </a:p>
           <a:p>
-            <a:pPr marL="457200" indent="-453600">
+            <a:pPr marL="457200" indent="-453240">
               <a:lnSpc>
                 <a:spcPct val="100000"/>
               </a:lnSpc>
@@ -14481,7 +14466,7 @@
             </a:endParaRPr>
           </a:p>
           <a:p>
-            <a:pPr marL="457200" indent="-453600">
+            <a:pPr marL="457200" indent="-453240">
               <a:lnSpc>
                 <a:spcPct val="100000"/>
               </a:lnSpc>
@@ -14516,7 +14501,7 @@
             </a:endParaRPr>
           </a:p>
           <a:p>
-            <a:pPr marL="457200" indent="-453600">
+            <a:pPr marL="457200" indent="-453240">
               <a:lnSpc>
                 <a:spcPct val="100000"/>
               </a:lnSpc>
@@ -14611,7 +14596,7 @@
         <p:spPr>
           <a:xfrm>
             <a:off x="3724920" y="1154520"/>
-            <a:ext cx="4739760" cy="753840"/>
+            <a:ext cx="4739400" cy="753480"/>
           </a:xfrm>
           <a:prstGeom prst="rect">
             <a:avLst/>
@@ -14673,7 +14658,7 @@
         <p:spPr>
           <a:xfrm>
             <a:off x="4260600" y="312120"/>
-            <a:ext cx="3669840" cy="697320"/>
+            <a:ext cx="3669480" cy="696960"/>
           </a:xfrm>
           <a:prstGeom prst="rect">
             <a:avLst/>
@@ -14761,7 +14746,7 @@
         <p:spPr>
           <a:xfrm>
             <a:off x="964800" y="1240560"/>
-            <a:ext cx="10396080" cy="2554560"/>
+            <a:ext cx="10395720" cy="2554200"/>
           </a:xfrm>
           <a:prstGeom prst="roundRect">
             <a:avLst>
@@ -14805,7 +14790,7 @@
         <p:spPr>
           <a:xfrm>
             <a:off x="1370880" y="1282320"/>
-            <a:ext cx="9449640" cy="2210400"/>
+            <a:ext cx="9449280" cy="2210040"/>
           </a:xfrm>
           <a:prstGeom prst="rect">
             <a:avLst/>
@@ -14849,7 +14834,7 @@
                 <a:latin typeface="Arial"/>
                 <a:ea typeface="DejaVu Sans"/>
               </a:rPr>
-              <a:t>Analyses were conducted in R software version 3.4.2</a:t>
+              <a:t>Analyses were conducted in R software version 3.6.1</a:t>
             </a:r>
             <a:endParaRPr b="0" lang="en-ZA" sz="2400" spc="-1" strike="noStrike">
               <a:latin typeface="Arial"/>
@@ -14991,7 +14976,7 @@
         <p:spPr>
           <a:xfrm>
             <a:off x="7873200" y="4145400"/>
-            <a:ext cx="2818440" cy="2129400"/>
+            <a:ext cx="2818080" cy="2129040"/>
           </a:xfrm>
           <a:prstGeom prst="rect">
             <a:avLst/>
@@ -15015,7 +15000,7 @@
         <p:spPr>
           <a:xfrm>
             <a:off x="1499760" y="3923280"/>
-            <a:ext cx="2818440" cy="2414160"/>
+            <a:ext cx="2818080" cy="2413800"/>
           </a:xfrm>
           <a:prstGeom prst="rect">
             <a:avLst/>
@@ -15034,7 +15019,7 @@
         <p:spPr>
           <a:xfrm>
             <a:off x="4260600" y="312120"/>
-            <a:ext cx="3669840" cy="697320"/>
+            <a:ext cx="3669480" cy="696960"/>
           </a:xfrm>
           <a:prstGeom prst="rect">
             <a:avLst/>

--- a/Presentation/Amieroh_P_new.pptx
+++ b/Presentation/Amieroh_P_new.pptx
@@ -33,6 +33,7 @@
     <p:sldId id="277" r:id="rId26"/>
     <p:sldId id="278" r:id="rId27"/>
     <p:sldId id="279" r:id="rId28"/>
+    <p:sldId id="280" r:id="rId29"/>
   </p:sldIdLst>
   <p:sldSz cx="12192000" cy="6858000"/>
   <p:notesSz cx="6858000" cy="9144000"/>
@@ -263,7 +264,7 @@
           </a:bodyPr>
           <a:p>
             <a:pPr algn="r"/>
-            <a:fld id="{268CD39D-F0C9-406A-8AA4-A121CE5E64DC}" type="slidenum">
+            <a:fld id="{160EA0AC-800C-4885-9AD4-916944FAC1D3}" type="slidenum">
               <a:rPr b="0" lang="en-ZA" sz="1400" spc="-1" strike="noStrike">
                 <a:latin typeface="Times New Roman"/>
               </a:rPr>
@@ -300,7 +301,7 @@
       </p:grpSpPr>
       <p:sp>
         <p:nvSpPr>
-          <p:cNvPr id="182" name="PlaceHolder 1"/>
+          <p:cNvPr id="186" name="PlaceHolder 1"/>
           <p:cNvSpPr>
             <a:spLocks noGrp="1"/>
           </p:cNvSpPr>
@@ -320,7 +321,7 @@
       </p:sp>
       <p:sp>
         <p:nvSpPr>
-          <p:cNvPr id="183" name="PlaceHolder 2"/>
+          <p:cNvPr id="187" name="PlaceHolder 2"/>
           <p:cNvSpPr>
             <a:spLocks noGrp="1"/>
           </p:cNvSpPr>
@@ -350,7 +351,7 @@
       </p:sp>
       <p:sp>
         <p:nvSpPr>
-          <p:cNvPr id="184" name="CustomShape 3"/>
+          <p:cNvPr id="188" name="CustomShape 3"/>
           <p:cNvSpPr/>
           <p:nvPr/>
         </p:nvSpPr>
@@ -383,7 +384,7 @@
                 <a:spcPct val="100000"/>
               </a:lnSpc>
             </a:pPr>
-            <a:fld id="{378CB8CD-D3DB-48F1-9BFB-7E401B4FF9E0}" type="slidenum">
+            <a:fld id="{11A1358A-6256-4299-BE99-4807C1261265}" type="slidenum">
               <a:rPr b="0" lang="en-ZA" sz="1200" spc="-1" strike="noStrike">
                 <a:solidFill>
                   <a:srgbClr val="000000"/>
@@ -391,7 +392,7 @@
                 <a:latin typeface="+mn-lt"/>
                 <a:ea typeface="+mn-ea"/>
               </a:rPr>
-              <a:t>1</a:t>
+              <a:t>&lt;number&gt;</a:t>
             </a:fld>
             <a:endParaRPr b="0" lang="en-ZA" sz="1200" spc="-1" strike="noStrike">
               <a:latin typeface="Arial"/>
@@ -423,7 +424,7 @@
       </p:grpSpPr>
       <p:sp>
         <p:nvSpPr>
-          <p:cNvPr id="209" name="PlaceHolder 1"/>
+          <p:cNvPr id="213" name="PlaceHolder 1"/>
           <p:cNvSpPr>
             <a:spLocks noGrp="1"/>
           </p:cNvSpPr>
@@ -443,7 +444,7 @@
       </p:sp>
       <p:sp>
         <p:nvSpPr>
-          <p:cNvPr id="210" name="PlaceHolder 2"/>
+          <p:cNvPr id="214" name="PlaceHolder 2"/>
           <p:cNvSpPr>
             <a:spLocks noGrp="1"/>
           </p:cNvSpPr>
@@ -488,7 +489,7 @@
       </p:sp>
       <p:sp>
         <p:nvSpPr>
-          <p:cNvPr id="211" name="CustomShape 3"/>
+          <p:cNvPr id="215" name="CustomShape 3"/>
           <p:cNvSpPr/>
           <p:nvPr/>
         </p:nvSpPr>
@@ -521,7 +522,7 @@
                 <a:spcPct val="100000"/>
               </a:lnSpc>
             </a:pPr>
-            <a:fld id="{A7194B84-4846-431A-BB42-090C41A9B27B}" type="slidenum">
+            <a:fld id="{28B3B904-05DC-475B-B229-5D5E639686C3}" type="slidenum">
               <a:rPr b="0" lang="en-ZA" sz="1200" spc="-1" strike="noStrike">
                 <a:solidFill>
                   <a:srgbClr val="000000"/>
@@ -529,7 +530,7 @@
                 <a:latin typeface="+mn-lt"/>
                 <a:ea typeface="+mn-ea"/>
               </a:rPr>
-              <a:t>1</a:t>
+              <a:t>&lt;number&gt;</a:t>
             </a:fld>
             <a:endParaRPr b="0" lang="en-ZA" sz="1200" spc="-1" strike="noStrike">
               <a:latin typeface="Arial"/>
@@ -561,7 +562,7 @@
       </p:grpSpPr>
       <p:sp>
         <p:nvSpPr>
-          <p:cNvPr id="212" name="PlaceHolder 1"/>
+          <p:cNvPr id="216" name="PlaceHolder 1"/>
           <p:cNvSpPr>
             <a:spLocks noGrp="1"/>
           </p:cNvSpPr>
@@ -581,7 +582,7 @@
       </p:sp>
       <p:sp>
         <p:nvSpPr>
-          <p:cNvPr id="213" name="PlaceHolder 2"/>
+          <p:cNvPr id="217" name="PlaceHolder 2"/>
           <p:cNvSpPr>
             <a:spLocks noGrp="1"/>
           </p:cNvSpPr>
@@ -611,7 +612,7 @@
       </p:sp>
       <p:sp>
         <p:nvSpPr>
-          <p:cNvPr id="214" name="CustomShape 3"/>
+          <p:cNvPr id="218" name="CustomShape 3"/>
           <p:cNvSpPr/>
           <p:nvPr/>
         </p:nvSpPr>
@@ -644,7 +645,7 @@
                 <a:spcPct val="100000"/>
               </a:lnSpc>
             </a:pPr>
-            <a:fld id="{2C948CEF-D7F7-4234-A346-4C759987A6C0}" type="slidenum">
+            <a:fld id="{948DF450-D92B-476E-BEE5-95468D35521D}" type="slidenum">
               <a:rPr b="0" lang="en-ZA" sz="1200" spc="-1" strike="noStrike">
                 <a:solidFill>
                   <a:srgbClr val="000000"/>
@@ -652,7 +653,7 @@
                 <a:latin typeface="Arial"/>
                 <a:ea typeface="+mn-ea"/>
               </a:rPr>
-              <a:t>1</a:t>
+              <a:t>&lt;number&gt;</a:t>
             </a:fld>
             <a:endParaRPr b="0" lang="en-ZA" sz="1200" spc="-1" strike="noStrike">
               <a:latin typeface="Arial"/>
@@ -684,7 +685,7 @@
       </p:grpSpPr>
       <p:sp>
         <p:nvSpPr>
-          <p:cNvPr id="215" name="PlaceHolder 1"/>
+          <p:cNvPr id="219" name="PlaceHolder 1"/>
           <p:cNvSpPr>
             <a:spLocks noGrp="1"/>
           </p:cNvSpPr>
@@ -704,7 +705,7 @@
       </p:sp>
       <p:sp>
         <p:nvSpPr>
-          <p:cNvPr id="216" name="PlaceHolder 2"/>
+          <p:cNvPr id="220" name="PlaceHolder 2"/>
           <p:cNvSpPr>
             <a:spLocks noGrp="1"/>
           </p:cNvSpPr>
@@ -749,7 +750,7 @@
       </p:sp>
       <p:sp>
         <p:nvSpPr>
-          <p:cNvPr id="217" name="CustomShape 3"/>
+          <p:cNvPr id="221" name="CustomShape 3"/>
           <p:cNvSpPr/>
           <p:nvPr/>
         </p:nvSpPr>
@@ -782,7 +783,7 @@
                 <a:spcPct val="100000"/>
               </a:lnSpc>
             </a:pPr>
-            <a:fld id="{38320F6E-28B8-458F-9FB9-74F546D39313}" type="slidenum">
+            <a:fld id="{EF3653A3-BF76-4601-98BF-F9129FAB5773}" type="slidenum">
               <a:rPr b="0" lang="en-ZA" sz="1200" spc="-1" strike="noStrike">
                 <a:solidFill>
                   <a:srgbClr val="000000"/>
@@ -790,7 +791,7 @@
                 <a:latin typeface="+mn-lt"/>
                 <a:ea typeface="+mn-ea"/>
               </a:rPr>
-              <a:t>1</a:t>
+              <a:t>&lt;number&gt;</a:t>
             </a:fld>
             <a:endParaRPr b="0" lang="en-ZA" sz="1200" spc="-1" strike="noStrike">
               <a:latin typeface="Arial"/>
@@ -822,7 +823,7 @@
       </p:grpSpPr>
       <p:sp>
         <p:nvSpPr>
-          <p:cNvPr id="218" name="PlaceHolder 1"/>
+          <p:cNvPr id="222" name="PlaceHolder 1"/>
           <p:cNvSpPr>
             <a:spLocks noGrp="1"/>
           </p:cNvSpPr>
@@ -842,7 +843,7 @@
       </p:sp>
       <p:sp>
         <p:nvSpPr>
-          <p:cNvPr id="219" name="PlaceHolder 2"/>
+          <p:cNvPr id="223" name="PlaceHolder 2"/>
           <p:cNvSpPr>
             <a:spLocks noGrp="1"/>
           </p:cNvSpPr>
@@ -935,7 +936,7 @@
       </p:sp>
       <p:sp>
         <p:nvSpPr>
-          <p:cNvPr id="220" name="CustomShape 3"/>
+          <p:cNvPr id="224" name="CustomShape 3"/>
           <p:cNvSpPr/>
           <p:nvPr/>
         </p:nvSpPr>
@@ -968,7 +969,7 @@
                 <a:spcPct val="100000"/>
               </a:lnSpc>
             </a:pPr>
-            <a:fld id="{3D154605-FDC1-431D-908D-EAE0C2A48E90}" type="slidenum">
+            <a:fld id="{AE70991B-EBDB-4D75-A51B-4AEA862F0A33}" type="slidenum">
               <a:rPr b="0" lang="en-ZA" sz="1200" spc="-1" strike="noStrike">
                 <a:solidFill>
                   <a:srgbClr val="000000"/>
@@ -976,7 +977,7 @@
                 <a:latin typeface="+mn-lt"/>
                 <a:ea typeface="+mn-ea"/>
               </a:rPr>
-              <a:t>1</a:t>
+              <a:t>&lt;number&gt;</a:t>
             </a:fld>
             <a:endParaRPr b="0" lang="en-ZA" sz="1200" spc="-1" strike="noStrike">
               <a:latin typeface="Arial"/>
@@ -1008,7 +1009,7 @@
       </p:grpSpPr>
       <p:sp>
         <p:nvSpPr>
-          <p:cNvPr id="221" name="PlaceHolder 1"/>
+          <p:cNvPr id="225" name="PlaceHolder 1"/>
           <p:cNvSpPr>
             <a:spLocks noGrp="1"/>
           </p:cNvSpPr>
@@ -1028,7 +1029,7 @@
       </p:sp>
       <p:sp>
         <p:nvSpPr>
-          <p:cNvPr id="222" name="PlaceHolder 2"/>
+          <p:cNvPr id="226" name="PlaceHolder 2"/>
           <p:cNvSpPr>
             <a:spLocks noGrp="1"/>
           </p:cNvSpPr>
@@ -1121,7 +1122,7 @@
       </p:sp>
       <p:sp>
         <p:nvSpPr>
-          <p:cNvPr id="223" name="CustomShape 3"/>
+          <p:cNvPr id="227" name="CustomShape 3"/>
           <p:cNvSpPr/>
           <p:nvPr/>
         </p:nvSpPr>
@@ -1154,7 +1155,7 @@
                 <a:spcPct val="100000"/>
               </a:lnSpc>
             </a:pPr>
-            <a:fld id="{BD2C3774-A788-43E0-90E7-4DAC1DBD9F87}" type="slidenum">
+            <a:fld id="{E8004976-56D8-4F6C-86C7-B7BDA95163B8}" type="slidenum">
               <a:rPr b="0" lang="en-ZA" sz="1200" spc="-1" strike="noStrike">
                 <a:solidFill>
                   <a:srgbClr val="000000"/>
@@ -1162,7 +1163,7 @@
                 <a:latin typeface="+mn-lt"/>
                 <a:ea typeface="+mn-ea"/>
               </a:rPr>
-              <a:t>1</a:t>
+              <a:t>&lt;number&gt;</a:t>
             </a:fld>
             <a:endParaRPr b="0" lang="en-ZA" sz="1200" spc="-1" strike="noStrike">
               <a:latin typeface="Arial"/>
@@ -1194,7 +1195,7 @@
       </p:grpSpPr>
       <p:sp>
         <p:nvSpPr>
-          <p:cNvPr id="224" name="PlaceHolder 1"/>
+          <p:cNvPr id="228" name="PlaceHolder 1"/>
           <p:cNvSpPr>
             <a:spLocks noGrp="1"/>
           </p:cNvSpPr>
@@ -1214,7 +1215,7 @@
       </p:sp>
       <p:sp>
         <p:nvSpPr>
-          <p:cNvPr id="225" name="PlaceHolder 2"/>
+          <p:cNvPr id="229" name="PlaceHolder 2"/>
           <p:cNvSpPr>
             <a:spLocks noGrp="1"/>
           </p:cNvSpPr>
@@ -1307,7 +1308,7 @@
       </p:sp>
       <p:sp>
         <p:nvSpPr>
-          <p:cNvPr id="226" name="CustomShape 3"/>
+          <p:cNvPr id="230" name="CustomShape 3"/>
           <p:cNvSpPr/>
           <p:nvPr/>
         </p:nvSpPr>
@@ -1340,7 +1341,7 @@
                 <a:spcPct val="100000"/>
               </a:lnSpc>
             </a:pPr>
-            <a:fld id="{D6246D24-2AC0-4F30-8F07-76D9FB156093}" type="slidenum">
+            <a:fld id="{A3489624-7025-4934-A2E4-CC6FFBB6A7DF}" type="slidenum">
               <a:rPr b="0" lang="en-ZA" sz="1200" spc="-1" strike="noStrike">
                 <a:solidFill>
                   <a:srgbClr val="000000"/>
@@ -1348,7 +1349,7 @@
                 <a:latin typeface="+mn-lt"/>
                 <a:ea typeface="+mn-ea"/>
               </a:rPr>
-              <a:t>1</a:t>
+              <a:t>&lt;number&gt;</a:t>
             </a:fld>
             <a:endParaRPr b="0" lang="en-ZA" sz="1200" spc="-1" strike="noStrike">
               <a:latin typeface="Arial"/>
@@ -1380,7 +1381,7 @@
       </p:grpSpPr>
       <p:sp>
         <p:nvSpPr>
-          <p:cNvPr id="227" name="PlaceHolder 1"/>
+          <p:cNvPr id="231" name="PlaceHolder 1"/>
           <p:cNvSpPr>
             <a:spLocks noGrp="1"/>
           </p:cNvSpPr>
@@ -1400,7 +1401,7 @@
       </p:sp>
       <p:sp>
         <p:nvSpPr>
-          <p:cNvPr id="228" name="PlaceHolder 2"/>
+          <p:cNvPr id="232" name="PlaceHolder 2"/>
           <p:cNvSpPr>
             <a:spLocks noGrp="1"/>
           </p:cNvSpPr>
@@ -1493,7 +1494,7 @@
       </p:sp>
       <p:sp>
         <p:nvSpPr>
-          <p:cNvPr id="229" name="CustomShape 3"/>
+          <p:cNvPr id="233" name="CustomShape 3"/>
           <p:cNvSpPr/>
           <p:nvPr/>
         </p:nvSpPr>
@@ -1526,7 +1527,7 @@
                 <a:spcPct val="100000"/>
               </a:lnSpc>
             </a:pPr>
-            <a:fld id="{2A915948-8D5F-4405-BE05-AA487ED38F23}" type="slidenum">
+            <a:fld id="{5FA689EF-21D9-4F2B-B9DD-7D5B50BB5646}" type="slidenum">
               <a:rPr b="0" lang="en-ZA" sz="1200" spc="-1" strike="noStrike">
                 <a:solidFill>
                   <a:srgbClr val="000000"/>
@@ -1534,7 +1535,7 @@
                 <a:latin typeface="+mn-lt"/>
                 <a:ea typeface="+mn-ea"/>
               </a:rPr>
-              <a:t>1</a:t>
+              <a:t>&lt;number&gt;</a:t>
             </a:fld>
             <a:endParaRPr b="0" lang="en-ZA" sz="1200" spc="-1" strike="noStrike">
               <a:latin typeface="Arial"/>
@@ -1566,7 +1567,7 @@
       </p:grpSpPr>
       <p:sp>
         <p:nvSpPr>
-          <p:cNvPr id="230" name="PlaceHolder 1"/>
+          <p:cNvPr id="234" name="PlaceHolder 1"/>
           <p:cNvSpPr>
             <a:spLocks noGrp="1"/>
           </p:cNvSpPr>
@@ -1586,7 +1587,7 @@
       </p:sp>
       <p:sp>
         <p:nvSpPr>
-          <p:cNvPr id="231" name="PlaceHolder 2"/>
+          <p:cNvPr id="235" name="PlaceHolder 2"/>
           <p:cNvSpPr>
             <a:spLocks noGrp="1"/>
           </p:cNvSpPr>
@@ -1679,7 +1680,7 @@
       </p:sp>
       <p:sp>
         <p:nvSpPr>
-          <p:cNvPr id="232" name="CustomShape 3"/>
+          <p:cNvPr id="236" name="CustomShape 3"/>
           <p:cNvSpPr/>
           <p:nvPr/>
         </p:nvSpPr>
@@ -1712,7 +1713,7 @@
                 <a:spcPct val="100000"/>
               </a:lnSpc>
             </a:pPr>
-            <a:fld id="{66F30646-C429-44C9-96FD-D91384017E7D}" type="slidenum">
+            <a:fld id="{07D8EFB0-33B0-4F3F-8DEE-1CBFF67231CC}" type="slidenum">
               <a:rPr b="0" lang="en-ZA" sz="1200" spc="-1" strike="noStrike">
                 <a:solidFill>
                   <a:srgbClr val="000000"/>
@@ -1720,7 +1721,7 @@
                 <a:latin typeface="+mn-lt"/>
                 <a:ea typeface="+mn-ea"/>
               </a:rPr>
-              <a:t>1</a:t>
+              <a:t>&lt;number&gt;</a:t>
             </a:fld>
             <a:endParaRPr b="0" lang="en-ZA" sz="1200" spc="-1" strike="noStrike">
               <a:latin typeface="Arial"/>
@@ -1752,7 +1753,7 @@
       </p:grpSpPr>
       <p:sp>
         <p:nvSpPr>
-          <p:cNvPr id="233" name="PlaceHolder 1"/>
+          <p:cNvPr id="237" name="PlaceHolder 1"/>
           <p:cNvSpPr>
             <a:spLocks noGrp="1"/>
           </p:cNvSpPr>
@@ -1772,7 +1773,7 @@
       </p:sp>
       <p:sp>
         <p:nvSpPr>
-          <p:cNvPr id="234" name="PlaceHolder 2"/>
+          <p:cNvPr id="238" name="PlaceHolder 2"/>
           <p:cNvSpPr>
             <a:spLocks noGrp="1"/>
           </p:cNvSpPr>
@@ -1865,7 +1866,7 @@
       </p:sp>
       <p:sp>
         <p:nvSpPr>
-          <p:cNvPr id="235" name="CustomShape 3"/>
+          <p:cNvPr id="239" name="CustomShape 3"/>
           <p:cNvSpPr/>
           <p:nvPr/>
         </p:nvSpPr>
@@ -1898,7 +1899,7 @@
                 <a:spcPct val="100000"/>
               </a:lnSpc>
             </a:pPr>
-            <a:fld id="{69E6F930-D787-4807-8BA9-89AC71887DA9}" type="slidenum">
+            <a:fld id="{E50FD284-A0E3-409A-82E1-755F5241D771}" type="slidenum">
               <a:rPr b="0" lang="en-ZA" sz="1200" spc="-1" strike="noStrike">
                 <a:solidFill>
                   <a:srgbClr val="000000"/>
@@ -1906,7 +1907,7 @@
                 <a:latin typeface="+mn-lt"/>
                 <a:ea typeface="+mn-ea"/>
               </a:rPr>
-              <a:t>1</a:t>
+              <a:t>&lt;number&gt;</a:t>
             </a:fld>
             <a:endParaRPr b="0" lang="en-ZA" sz="1200" spc="-1" strike="noStrike">
               <a:latin typeface="Arial"/>
@@ -1938,7 +1939,7 @@
       </p:grpSpPr>
       <p:sp>
         <p:nvSpPr>
-          <p:cNvPr id="236" name="PlaceHolder 1"/>
+          <p:cNvPr id="240" name="PlaceHolder 1"/>
           <p:cNvSpPr>
             <a:spLocks noGrp="1"/>
           </p:cNvSpPr>
@@ -1958,7 +1959,7 @@
       </p:sp>
       <p:sp>
         <p:nvSpPr>
-          <p:cNvPr id="237" name="PlaceHolder 2"/>
+          <p:cNvPr id="241" name="PlaceHolder 2"/>
           <p:cNvSpPr>
             <a:spLocks noGrp="1"/>
           </p:cNvSpPr>
@@ -2051,7 +2052,7 @@
       </p:sp>
       <p:sp>
         <p:nvSpPr>
-          <p:cNvPr id="238" name="CustomShape 3"/>
+          <p:cNvPr id="242" name="CustomShape 3"/>
           <p:cNvSpPr/>
           <p:nvPr/>
         </p:nvSpPr>
@@ -2084,7 +2085,7 @@
                 <a:spcPct val="100000"/>
               </a:lnSpc>
             </a:pPr>
-            <a:fld id="{8DF062BA-FDCB-4C9E-94B6-EFC5C8B222AD}" type="slidenum">
+            <a:fld id="{FF67D891-F575-4EB3-8F2A-F622B2D648E0}" type="slidenum">
               <a:rPr b="0" lang="en-ZA" sz="1200" spc="-1" strike="noStrike">
                 <a:solidFill>
                   <a:srgbClr val="000000"/>
@@ -2092,7 +2093,7 @@
                 <a:latin typeface="+mn-lt"/>
                 <a:ea typeface="+mn-ea"/>
               </a:rPr>
-              <a:t>1</a:t>
+              <a:t>&lt;number&gt;</a:t>
             </a:fld>
             <a:endParaRPr b="0" lang="en-ZA" sz="1200" spc="-1" strike="noStrike">
               <a:latin typeface="Arial"/>
@@ -2124,7 +2125,7 @@
       </p:grpSpPr>
       <p:sp>
         <p:nvSpPr>
-          <p:cNvPr id="185" name="PlaceHolder 1"/>
+          <p:cNvPr id="189" name="PlaceHolder 1"/>
           <p:cNvSpPr>
             <a:spLocks noGrp="1"/>
           </p:cNvSpPr>
@@ -2144,7 +2145,7 @@
       </p:sp>
       <p:sp>
         <p:nvSpPr>
-          <p:cNvPr id="186" name="PlaceHolder 2"/>
+          <p:cNvPr id="190" name="PlaceHolder 2"/>
           <p:cNvSpPr>
             <a:spLocks noGrp="1"/>
           </p:cNvSpPr>
@@ -2174,7 +2175,7 @@
       </p:sp>
       <p:sp>
         <p:nvSpPr>
-          <p:cNvPr id="187" name="CustomShape 3"/>
+          <p:cNvPr id="191" name="CustomShape 3"/>
           <p:cNvSpPr/>
           <p:nvPr/>
         </p:nvSpPr>
@@ -2207,7 +2208,7 @@
                 <a:spcPct val="100000"/>
               </a:lnSpc>
             </a:pPr>
-            <a:fld id="{FF2AA451-2C8B-4F39-A92C-18CC41EB6850}" type="slidenum">
+            <a:fld id="{84B7496D-3D75-4E36-928C-0D1F090B3EED}" type="slidenum">
               <a:rPr b="0" lang="en-ZA" sz="1200" spc="-1" strike="noStrike">
                 <a:solidFill>
                   <a:srgbClr val="000000"/>
@@ -2215,7 +2216,7 @@
                 <a:latin typeface="+mn-lt"/>
                 <a:ea typeface="+mn-ea"/>
               </a:rPr>
-              <a:t>1</a:t>
+              <a:t>&lt;number&gt;</a:t>
             </a:fld>
             <a:endParaRPr b="0" lang="en-ZA" sz="1200" spc="-1" strike="noStrike">
               <a:latin typeface="Arial"/>
@@ -2247,7 +2248,7 @@
       </p:grpSpPr>
       <p:sp>
         <p:nvSpPr>
-          <p:cNvPr id="239" name="PlaceHolder 1"/>
+          <p:cNvPr id="243" name="PlaceHolder 1"/>
           <p:cNvSpPr>
             <a:spLocks noGrp="1"/>
           </p:cNvSpPr>
@@ -2267,7 +2268,7 @@
       </p:sp>
       <p:sp>
         <p:nvSpPr>
-          <p:cNvPr id="240" name="PlaceHolder 2"/>
+          <p:cNvPr id="244" name="PlaceHolder 2"/>
           <p:cNvSpPr>
             <a:spLocks noGrp="1"/>
           </p:cNvSpPr>
@@ -2412,7 +2413,7 @@
       </p:sp>
       <p:sp>
         <p:nvSpPr>
-          <p:cNvPr id="241" name="CustomShape 3"/>
+          <p:cNvPr id="245" name="CustomShape 3"/>
           <p:cNvSpPr/>
           <p:nvPr/>
         </p:nvSpPr>
@@ -2445,7 +2446,7 @@
                 <a:spcPct val="100000"/>
               </a:lnSpc>
             </a:pPr>
-            <a:fld id="{B2FA45DE-29BC-4E4E-8196-C3EA410F7CF7}" type="slidenum">
+            <a:fld id="{5C2DAEA8-FBB7-4D9D-907A-97D5EB968960}" type="slidenum">
               <a:rPr b="0" lang="en-ZA" sz="1200" spc="-1" strike="noStrike">
                 <a:solidFill>
                   <a:srgbClr val="000000"/>
@@ -2453,7 +2454,7 @@
                 <a:latin typeface="+mn-lt"/>
                 <a:ea typeface="+mn-ea"/>
               </a:rPr>
-              <a:t>1</a:t>
+              <a:t>&lt;number&gt;</a:t>
             </a:fld>
             <a:endParaRPr b="0" lang="en-ZA" sz="1200" spc="-1" strike="noStrike">
               <a:latin typeface="Arial"/>
@@ -2485,7 +2486,7 @@
       </p:grpSpPr>
       <p:sp>
         <p:nvSpPr>
-          <p:cNvPr id="242" name="PlaceHolder 1"/>
+          <p:cNvPr id="246" name="PlaceHolder 1"/>
           <p:cNvSpPr>
             <a:spLocks noGrp="1"/>
           </p:cNvSpPr>
@@ -2505,7 +2506,7 @@
       </p:sp>
       <p:sp>
         <p:nvSpPr>
-          <p:cNvPr id="243" name="PlaceHolder 2"/>
+          <p:cNvPr id="247" name="PlaceHolder 2"/>
           <p:cNvSpPr>
             <a:spLocks noGrp="1"/>
           </p:cNvSpPr>
@@ -2650,7 +2651,7 @@
       </p:sp>
       <p:sp>
         <p:nvSpPr>
-          <p:cNvPr id="244" name="CustomShape 3"/>
+          <p:cNvPr id="248" name="CustomShape 3"/>
           <p:cNvSpPr/>
           <p:nvPr/>
         </p:nvSpPr>
@@ -2683,7 +2684,7 @@
                 <a:spcPct val="100000"/>
               </a:lnSpc>
             </a:pPr>
-            <a:fld id="{115E764C-A820-4DDD-AB68-76CA4A204CA0}" type="slidenum">
+            <a:fld id="{3262B3BC-AF5A-4CC5-9EE8-F65D18318808}" type="slidenum">
               <a:rPr b="0" lang="en-ZA" sz="1200" spc="-1" strike="noStrike">
                 <a:solidFill>
                   <a:srgbClr val="000000"/>
@@ -2691,7 +2692,7 @@
                 <a:latin typeface="+mn-lt"/>
                 <a:ea typeface="+mn-ea"/>
               </a:rPr>
-              <a:t>1</a:t>
+              <a:t>&lt;number&gt;</a:t>
             </a:fld>
             <a:endParaRPr b="0" lang="en-ZA" sz="1200" spc="-1" strike="noStrike">
               <a:latin typeface="Arial"/>
@@ -2723,7 +2724,7 @@
       </p:grpSpPr>
       <p:sp>
         <p:nvSpPr>
-          <p:cNvPr id="245" name="PlaceHolder 1"/>
+          <p:cNvPr id="249" name="PlaceHolder 1"/>
           <p:cNvSpPr>
             <a:spLocks noGrp="1"/>
           </p:cNvSpPr>
@@ -2743,7 +2744,7 @@
       </p:sp>
       <p:sp>
         <p:nvSpPr>
-          <p:cNvPr id="246" name="PlaceHolder 2"/>
+          <p:cNvPr id="250" name="PlaceHolder 2"/>
           <p:cNvSpPr>
             <a:spLocks noGrp="1"/>
           </p:cNvSpPr>
@@ -2888,7 +2889,7 @@
       </p:sp>
       <p:sp>
         <p:nvSpPr>
-          <p:cNvPr id="247" name="CustomShape 3"/>
+          <p:cNvPr id="251" name="CustomShape 3"/>
           <p:cNvSpPr/>
           <p:nvPr/>
         </p:nvSpPr>
@@ -2921,7 +2922,7 @@
                 <a:spcPct val="100000"/>
               </a:lnSpc>
             </a:pPr>
-            <a:fld id="{683138AF-02DE-498F-9018-55688A8CEA39}" type="slidenum">
+            <a:fld id="{40922B2E-9609-41D0-BF3E-179AF0476672}" type="slidenum">
               <a:rPr b="0" lang="en-ZA" sz="1200" spc="-1" strike="noStrike">
                 <a:solidFill>
                   <a:srgbClr val="000000"/>
@@ -2929,7 +2930,7 @@
                 <a:latin typeface="+mn-lt"/>
                 <a:ea typeface="+mn-ea"/>
               </a:rPr>
-              <a:t>1</a:t>
+              <a:t>&lt;number&gt;</a:t>
             </a:fld>
             <a:endParaRPr b="0" lang="en-ZA" sz="1200" spc="-1" strike="noStrike">
               <a:latin typeface="Arial"/>
@@ -2961,7 +2962,7 @@
       </p:grpSpPr>
       <p:sp>
         <p:nvSpPr>
-          <p:cNvPr id="248" name="PlaceHolder 1"/>
+          <p:cNvPr id="252" name="PlaceHolder 1"/>
           <p:cNvSpPr>
             <a:spLocks noGrp="1"/>
           </p:cNvSpPr>
@@ -2981,7 +2982,7 @@
       </p:sp>
       <p:sp>
         <p:nvSpPr>
-          <p:cNvPr id="249" name="PlaceHolder 2"/>
+          <p:cNvPr id="253" name="PlaceHolder 2"/>
           <p:cNvSpPr>
             <a:spLocks noGrp="1"/>
           </p:cNvSpPr>
@@ -3126,7 +3127,7 @@
       </p:sp>
       <p:sp>
         <p:nvSpPr>
-          <p:cNvPr id="250" name="CustomShape 3"/>
+          <p:cNvPr id="254" name="CustomShape 3"/>
           <p:cNvSpPr/>
           <p:nvPr/>
         </p:nvSpPr>
@@ -3159,7 +3160,7 @@
                 <a:spcPct val="100000"/>
               </a:lnSpc>
             </a:pPr>
-            <a:fld id="{E7C3E609-2065-483E-97AF-08111DCBC008}" type="slidenum">
+            <a:fld id="{A39F0B4F-10DF-418E-923C-7E37C3E2A168}" type="slidenum">
               <a:rPr b="0" lang="en-ZA" sz="1200" spc="-1" strike="noStrike">
                 <a:solidFill>
                   <a:srgbClr val="000000"/>
@@ -3167,7 +3168,7 @@
                 <a:latin typeface="+mn-lt"/>
                 <a:ea typeface="+mn-ea"/>
               </a:rPr>
-              <a:t>1</a:t>
+              <a:t>&lt;number&gt;</a:t>
             </a:fld>
             <a:endParaRPr b="0" lang="en-ZA" sz="1200" spc="-1" strike="noStrike">
               <a:latin typeface="Arial"/>
@@ -3199,7 +3200,7 @@
       </p:grpSpPr>
       <p:sp>
         <p:nvSpPr>
-          <p:cNvPr id="251" name="PlaceHolder 1"/>
+          <p:cNvPr id="255" name="PlaceHolder 1"/>
           <p:cNvSpPr>
             <a:spLocks noGrp="1"/>
           </p:cNvSpPr>
@@ -3219,7 +3220,7 @@
       </p:sp>
       <p:sp>
         <p:nvSpPr>
-          <p:cNvPr id="252" name="PlaceHolder 2"/>
+          <p:cNvPr id="256" name="PlaceHolder 2"/>
           <p:cNvSpPr>
             <a:spLocks noGrp="1"/>
           </p:cNvSpPr>
@@ -3364,7 +3365,7 @@
       </p:sp>
       <p:sp>
         <p:nvSpPr>
-          <p:cNvPr id="253" name="CustomShape 3"/>
+          <p:cNvPr id="257" name="CustomShape 3"/>
           <p:cNvSpPr/>
           <p:nvPr/>
         </p:nvSpPr>
@@ -3397,7 +3398,245 @@
                 <a:spcPct val="100000"/>
               </a:lnSpc>
             </a:pPr>
-            <a:fld id="{A9C325B5-C60F-4DD9-8217-866C84BA530A}" type="slidenum">
+            <a:fld id="{0D86FD12-1BB7-4A27-A4F3-DF0678A06203}" type="slidenum">
+              <a:rPr b="0" lang="en-ZA" sz="1200" spc="-1" strike="noStrike">
+                <a:solidFill>
+                  <a:srgbClr val="000000"/>
+                </a:solidFill>
+                <a:latin typeface="+mn-lt"/>
+                <a:ea typeface="+mn-ea"/>
+              </a:rPr>
+              <a:t>&lt;number&gt;</a:t>
+            </a:fld>
+            <a:endParaRPr b="0" lang="en-ZA" sz="1200" spc="-1" strike="noStrike">
+              <a:latin typeface="Arial"/>
+            </a:endParaRPr>
+          </a:p>
+        </p:txBody>
+      </p:sp>
+    </p:spTree>
+  </p:cSld>
+</p:notes>
+</file>
+
+<file path=ppt/notesSlides/notesSlide25.xml><?xml version="1.0" encoding="utf-8"?>
+<p:notes xmlns:a="http://schemas.openxmlformats.org/drawingml/2006/main" xmlns:p="http://schemas.openxmlformats.org/presentationml/2006/main" xmlns:r="http://schemas.openxmlformats.org/officeDocument/2006/relationships" xmlns:p14="http://schemas.microsoft.com/office/powerpoint/2010/main" xmlns:p15="http://schemas.microsoft.com/office/powerpoint/2012/main" xmlns:mc="http://schemas.openxmlformats.org/markup-compatibility/2006">
+  <p:cSld>
+    <p:spTree>
+      <p:nvGrpSpPr>
+        <p:cNvPr id="1" name=""/>
+        <p:cNvGrpSpPr/>
+        <p:nvPr/>
+      </p:nvGrpSpPr>
+      <p:grpSpPr>
+        <a:xfrm>
+          <a:off x="0" y="0"/>
+          <a:ext cx="0" cy="0"/>
+          <a:chOff x="0" y="0"/>
+          <a:chExt cx="0" cy="0"/>
+        </a:xfrm>
+      </p:grpSpPr>
+      <p:sp>
+        <p:nvSpPr>
+          <p:cNvPr id="258" name="PlaceHolder 1"/>
+          <p:cNvSpPr>
+            <a:spLocks noGrp="1"/>
+          </p:cNvSpPr>
+          <p:nvPr>
+            <p:ph type="sldImg"/>
+          </p:nvPr>
+        </p:nvSpPr>
+        <p:spPr>
+          <a:xfrm>
+            <a:off x="685800" y="1143000"/>
+            <a:ext cx="5483880" cy="3083400"/>
+          </a:xfrm>
+          <a:prstGeom prst="rect">
+            <a:avLst/>
+          </a:prstGeom>
+        </p:spPr>
+      </p:sp>
+      <p:sp>
+        <p:nvSpPr>
+          <p:cNvPr id="259" name="PlaceHolder 2"/>
+          <p:cNvSpPr>
+            <a:spLocks noGrp="1"/>
+          </p:cNvSpPr>
+          <p:nvPr>
+            <p:ph type="body"/>
+          </p:nvPr>
+        </p:nvSpPr>
+        <p:spPr>
+          <a:xfrm>
+            <a:off x="685800" y="4400640"/>
+            <a:ext cx="5483160" cy="3597120"/>
+          </a:xfrm>
+          <a:prstGeom prst="rect">
+            <a:avLst/>
+          </a:prstGeom>
+        </p:spPr>
+        <p:txBody>
+          <a:bodyPr lIns="0" rIns="0" tIns="0" bIns="0">
+            <a:noAutofit/>
+          </a:bodyPr>
+          <a:p>
+            <a:pPr marL="216000" indent="-213120">
+              <a:lnSpc>
+                <a:spcPct val="100000"/>
+              </a:lnSpc>
+            </a:pPr>
+            <a:r>
+              <a:rPr b="0" lang="en-ZA" sz="2000" spc="-1" strike="noStrike">
+                <a:latin typeface="Arial"/>
+              </a:rPr>
+              <a:t>One year focus year was selected which is the year 2005 and three of the 8 sites were chosen.  These three sites were chosen to show how the temperature varies along each coast.</a:t>
+            </a:r>
+            <a:endParaRPr b="0" lang="en-ZA" sz="2000" spc="-1" strike="noStrike">
+              <a:latin typeface="Arial"/>
+            </a:endParaRPr>
+          </a:p>
+          <a:p>
+            <a:pPr marL="216000" indent="-213120">
+              <a:lnSpc>
+                <a:spcPct val="100000"/>
+              </a:lnSpc>
+            </a:pPr>
+            <a:r>
+              <a:rPr b="0" lang="en-ZA" sz="2000" spc="-1" strike="noStrike">
+                <a:latin typeface="Arial"/>
+              </a:rPr>
+              <a:t>Hout bay –  West coast</a:t>
+            </a:r>
+            <a:endParaRPr b="0" lang="en-ZA" sz="2000" spc="-1" strike="noStrike">
+              <a:latin typeface="Arial"/>
+            </a:endParaRPr>
+          </a:p>
+          <a:p>
+            <a:pPr marL="216000" indent="-213120">
+              <a:lnSpc>
+                <a:spcPct val="100000"/>
+              </a:lnSpc>
+            </a:pPr>
+            <a:r>
+              <a:rPr b="0" lang="en-ZA" sz="2000" spc="-1" strike="noStrike">
+                <a:latin typeface="Arial"/>
+              </a:rPr>
+              <a:t>Ballito –  East coast</a:t>
+            </a:r>
+            <a:endParaRPr b="0" lang="en-ZA" sz="2000" spc="-1" strike="noStrike">
+              <a:latin typeface="Arial"/>
+            </a:endParaRPr>
+          </a:p>
+          <a:p>
+            <a:pPr marL="216000" indent="-213120">
+              <a:lnSpc>
+                <a:spcPct val="100000"/>
+              </a:lnSpc>
+            </a:pPr>
+            <a:r>
+              <a:rPr b="0" lang="en-ZA" sz="2000" spc="-1" strike="noStrike">
+                <a:latin typeface="Arial"/>
+              </a:rPr>
+              <a:t>Mossel bay- south coast</a:t>
+            </a:r>
+            <a:endParaRPr b="0" lang="en-ZA" sz="2000" spc="-1" strike="noStrike">
+              <a:latin typeface="Arial"/>
+            </a:endParaRPr>
+          </a:p>
+          <a:p>
+            <a:pPr marL="216000" indent="-213120">
+              <a:lnSpc>
+                <a:spcPct val="100000"/>
+              </a:lnSpc>
+            </a:pPr>
+            <a:endParaRPr b="0" lang="en-ZA" sz="2000" spc="-1" strike="noStrike">
+              <a:latin typeface="Arial"/>
+            </a:endParaRPr>
+          </a:p>
+          <a:p>
+            <a:pPr marL="216000" indent="-213120">
+              <a:lnSpc>
+                <a:spcPct val="100000"/>
+              </a:lnSpc>
+            </a:pPr>
+            <a:endParaRPr b="0" lang="en-ZA" sz="2000" spc="-1" strike="noStrike">
+              <a:latin typeface="Arial"/>
+            </a:endParaRPr>
+          </a:p>
+          <a:p>
+            <a:pPr marL="216000" indent="-213120">
+              <a:lnSpc>
+                <a:spcPct val="100000"/>
+              </a:lnSpc>
+            </a:pPr>
+            <a:r>
+              <a:rPr b="0" lang="en-ZA" sz="2000" spc="-1" strike="noStrike">
+                <a:latin typeface="Arial"/>
+              </a:rPr>
+              <a:t>Now inorder to test whether various temperature is affected by environmental factors we will be working with wave data, wind data, air sea temperature data</a:t>
+            </a:r>
+            <a:endParaRPr b="0" lang="en-ZA" sz="2000" spc="-1" strike="noStrike">
+              <a:latin typeface="Arial"/>
+            </a:endParaRPr>
+          </a:p>
+          <a:p>
+            <a:pPr marL="216000" indent="-213120">
+              <a:lnSpc>
+                <a:spcPct val="100000"/>
+              </a:lnSpc>
+            </a:pPr>
+            <a:endParaRPr b="0" lang="en-ZA" sz="2000" spc="-1" strike="noStrike">
+              <a:latin typeface="Arial"/>
+            </a:endParaRPr>
+          </a:p>
+          <a:p>
+            <a:pPr marL="216000" indent="-213120">
+              <a:lnSpc>
+                <a:spcPct val="100000"/>
+              </a:lnSpc>
+            </a:pPr>
+            <a:endParaRPr b="0" lang="en-ZA" sz="2000" spc="-1" strike="noStrike">
+              <a:latin typeface="Arial"/>
+            </a:endParaRPr>
+          </a:p>
+        </p:txBody>
+      </p:sp>
+      <p:sp>
+        <p:nvSpPr>
+          <p:cNvPr id="260" name="CustomShape 3"/>
+          <p:cNvSpPr/>
+          <p:nvPr/>
+        </p:nvSpPr>
+        <p:spPr>
+          <a:xfrm>
+            <a:off x="3884760" y="8685360"/>
+            <a:ext cx="2968560" cy="455400"/>
+          </a:xfrm>
+          <a:prstGeom prst="rect">
+            <a:avLst/>
+          </a:prstGeom>
+          <a:noFill/>
+          <a:ln>
+            <a:noFill/>
+          </a:ln>
+        </p:spPr>
+        <p:style>
+          <a:lnRef idx="0"/>
+          <a:fillRef idx="0"/>
+          <a:effectRef idx="0"/>
+          <a:fontRef idx="minor"/>
+        </p:style>
+        <p:txBody>
+          <a:bodyPr lIns="90000" rIns="90000" tIns="45000" bIns="45000" anchor="b">
+            <a:noAutofit/>
+          </a:bodyPr>
+          <a:p>
+            <a:pPr algn="r">
+              <a:lnSpc>
+                <a:spcPct val="100000"/>
+              </a:lnSpc>
+            </a:pPr>
+            <a:fld id="{FD1BD070-6902-4B13-84BA-C5A6100DCE35}" type="slidenum">
               <a:rPr b="0" lang="en-ZA" sz="1200" spc="-1" strike="noStrike">
                 <a:solidFill>
                   <a:srgbClr val="000000"/>
@@ -3437,7 +3676,7 @@
       </p:grpSpPr>
       <p:sp>
         <p:nvSpPr>
-          <p:cNvPr id="188" name="PlaceHolder 1"/>
+          <p:cNvPr id="192" name="PlaceHolder 1"/>
           <p:cNvSpPr>
             <a:spLocks noGrp="1"/>
           </p:cNvSpPr>
@@ -3457,7 +3696,7 @@
       </p:sp>
       <p:sp>
         <p:nvSpPr>
-          <p:cNvPr id="189" name="PlaceHolder 2"/>
+          <p:cNvPr id="193" name="PlaceHolder 2"/>
           <p:cNvSpPr>
             <a:spLocks noGrp="1"/>
           </p:cNvSpPr>
@@ -3498,7 +3737,7 @@
       </p:sp>
       <p:sp>
         <p:nvSpPr>
-          <p:cNvPr id="190" name="CustomShape 3"/>
+          <p:cNvPr id="194" name="CustomShape 3"/>
           <p:cNvSpPr/>
           <p:nvPr/>
         </p:nvSpPr>
@@ -3531,7 +3770,7 @@
                 <a:spcPct val="100000"/>
               </a:lnSpc>
             </a:pPr>
-            <a:fld id="{3BC16485-62DD-47D3-9FA5-CED93B69F3C2}" type="slidenum">
+            <a:fld id="{7DC712C9-8A02-4E43-9DAC-766984E7AC8D}" type="slidenum">
               <a:rPr b="0" lang="en-ZA" sz="1200" spc="-1" strike="noStrike">
                 <a:solidFill>
                   <a:srgbClr val="000000"/>
@@ -3539,7 +3778,7 @@
                 <a:latin typeface="+mn-lt"/>
                 <a:ea typeface="+mn-ea"/>
               </a:rPr>
-              <a:t>1</a:t>
+              <a:t>&lt;number&gt;</a:t>
             </a:fld>
             <a:endParaRPr b="0" lang="en-ZA" sz="1200" spc="-1" strike="noStrike">
               <a:latin typeface="Arial"/>
@@ -3571,7 +3810,7 @@
       </p:grpSpPr>
       <p:sp>
         <p:nvSpPr>
-          <p:cNvPr id="191" name="PlaceHolder 1"/>
+          <p:cNvPr id="195" name="PlaceHolder 1"/>
           <p:cNvSpPr>
             <a:spLocks noGrp="1"/>
           </p:cNvSpPr>
@@ -3591,7 +3830,7 @@
       </p:sp>
       <p:sp>
         <p:nvSpPr>
-          <p:cNvPr id="192" name="PlaceHolder 2"/>
+          <p:cNvPr id="196" name="PlaceHolder 2"/>
           <p:cNvSpPr>
             <a:spLocks noGrp="1"/>
           </p:cNvSpPr>
@@ -3621,7 +3860,7 @@
       </p:sp>
       <p:sp>
         <p:nvSpPr>
-          <p:cNvPr id="193" name="CustomShape 3"/>
+          <p:cNvPr id="197" name="CustomShape 3"/>
           <p:cNvSpPr/>
           <p:nvPr/>
         </p:nvSpPr>
@@ -3654,7 +3893,7 @@
                 <a:spcPct val="100000"/>
               </a:lnSpc>
             </a:pPr>
-            <a:fld id="{45357F03-E85F-46C3-A0D8-7909BF6E88B9}" type="slidenum">
+            <a:fld id="{BAF0D1E5-2868-4B9C-B967-E45337ECBDC7}" type="slidenum">
               <a:rPr b="0" lang="en-ZA" sz="1200" spc="-1" strike="noStrike">
                 <a:solidFill>
                   <a:srgbClr val="000000"/>
@@ -3662,7 +3901,7 @@
                 <a:latin typeface="+mn-lt"/>
                 <a:ea typeface="+mn-ea"/>
               </a:rPr>
-              <a:t>1</a:t>
+              <a:t>&lt;number&gt;</a:t>
             </a:fld>
             <a:endParaRPr b="0" lang="en-ZA" sz="1200" spc="-1" strike="noStrike">
               <a:latin typeface="Arial"/>
@@ -3694,7 +3933,7 @@
       </p:grpSpPr>
       <p:sp>
         <p:nvSpPr>
-          <p:cNvPr id="194" name="PlaceHolder 1"/>
+          <p:cNvPr id="198" name="PlaceHolder 1"/>
           <p:cNvSpPr>
             <a:spLocks noGrp="1"/>
           </p:cNvSpPr>
@@ -3714,7 +3953,7 @@
       </p:sp>
       <p:sp>
         <p:nvSpPr>
-          <p:cNvPr id="195" name="PlaceHolder 2"/>
+          <p:cNvPr id="199" name="PlaceHolder 2"/>
           <p:cNvSpPr>
             <a:spLocks noGrp="1"/>
           </p:cNvSpPr>
@@ -3755,7 +3994,7 @@
       </p:sp>
       <p:sp>
         <p:nvSpPr>
-          <p:cNvPr id="196" name="CustomShape 3"/>
+          <p:cNvPr id="200" name="CustomShape 3"/>
           <p:cNvSpPr/>
           <p:nvPr/>
         </p:nvSpPr>
@@ -3788,7 +4027,7 @@
                 <a:spcPct val="100000"/>
               </a:lnSpc>
             </a:pPr>
-            <a:fld id="{D5C92638-978A-4A5D-AFBB-606314225C84}" type="slidenum">
+            <a:fld id="{10D161FA-220D-4D56-A4A5-88B4CAB4C006}" type="slidenum">
               <a:rPr b="0" lang="en-ZA" sz="1200" spc="-1" strike="noStrike">
                 <a:solidFill>
                   <a:srgbClr val="000000"/>
@@ -3796,7 +4035,7 @@
                 <a:latin typeface="+mn-lt"/>
                 <a:ea typeface="+mn-ea"/>
               </a:rPr>
-              <a:t>1</a:t>
+              <a:t>&lt;number&gt;</a:t>
             </a:fld>
             <a:endParaRPr b="0" lang="en-ZA" sz="1200" spc="-1" strike="noStrike">
               <a:latin typeface="Arial"/>
@@ -3828,7 +4067,7 @@
       </p:grpSpPr>
       <p:sp>
         <p:nvSpPr>
-          <p:cNvPr id="197" name="PlaceHolder 1"/>
+          <p:cNvPr id="201" name="PlaceHolder 1"/>
           <p:cNvSpPr>
             <a:spLocks noGrp="1"/>
           </p:cNvSpPr>
@@ -3848,7 +4087,7 @@
       </p:sp>
       <p:sp>
         <p:nvSpPr>
-          <p:cNvPr id="198" name="PlaceHolder 2"/>
+          <p:cNvPr id="202" name="PlaceHolder 2"/>
           <p:cNvSpPr>
             <a:spLocks noGrp="1"/>
           </p:cNvSpPr>
@@ -3889,7 +4128,7 @@
       </p:sp>
       <p:sp>
         <p:nvSpPr>
-          <p:cNvPr id="199" name="CustomShape 3"/>
+          <p:cNvPr id="203" name="CustomShape 3"/>
           <p:cNvSpPr/>
           <p:nvPr/>
         </p:nvSpPr>
@@ -3922,7 +4161,7 @@
                 <a:spcPct val="100000"/>
               </a:lnSpc>
             </a:pPr>
-            <a:fld id="{BA230DB1-4E71-40C4-B85F-2D244C047D53}" type="slidenum">
+            <a:fld id="{EDFD57F3-2674-4ED8-867C-E4986056A337}" type="slidenum">
               <a:rPr b="0" lang="en-ZA" sz="1200" spc="-1" strike="noStrike">
                 <a:solidFill>
                   <a:srgbClr val="000000"/>
@@ -3930,7 +4169,7 @@
                 <a:latin typeface="+mn-lt"/>
                 <a:ea typeface="+mn-ea"/>
               </a:rPr>
-              <a:t>1</a:t>
+              <a:t>&lt;number&gt;</a:t>
             </a:fld>
             <a:endParaRPr b="0" lang="en-ZA" sz="1200" spc="-1" strike="noStrike">
               <a:latin typeface="Arial"/>
@@ -3962,7 +4201,7 @@
       </p:grpSpPr>
       <p:sp>
         <p:nvSpPr>
-          <p:cNvPr id="200" name="PlaceHolder 1"/>
+          <p:cNvPr id="204" name="PlaceHolder 1"/>
           <p:cNvSpPr>
             <a:spLocks noGrp="1"/>
           </p:cNvSpPr>
@@ -3982,7 +4221,7 @@
       </p:sp>
       <p:sp>
         <p:nvSpPr>
-          <p:cNvPr id="201" name="PlaceHolder 2"/>
+          <p:cNvPr id="205" name="PlaceHolder 2"/>
           <p:cNvSpPr>
             <a:spLocks noGrp="1"/>
           </p:cNvSpPr>
@@ -4023,7 +4262,7 @@
       </p:sp>
       <p:sp>
         <p:nvSpPr>
-          <p:cNvPr id="202" name="CustomShape 3"/>
+          <p:cNvPr id="206" name="CustomShape 3"/>
           <p:cNvSpPr/>
           <p:nvPr/>
         </p:nvSpPr>
@@ -4056,7 +4295,7 @@
                 <a:spcPct val="100000"/>
               </a:lnSpc>
             </a:pPr>
-            <a:fld id="{B5C80205-FF7B-4197-BFA2-FAF755A52A9E}" type="slidenum">
+            <a:fld id="{991D1022-8681-471D-AC9B-BAD0FD453953}" type="slidenum">
               <a:rPr b="0" lang="en-ZA" sz="1200" spc="-1" strike="noStrike">
                 <a:solidFill>
                   <a:srgbClr val="000000"/>
@@ -4064,7 +4303,7 @@
                 <a:latin typeface="+mn-lt"/>
                 <a:ea typeface="+mn-ea"/>
               </a:rPr>
-              <a:t>1</a:t>
+              <a:t>&lt;number&gt;</a:t>
             </a:fld>
             <a:endParaRPr b="0" lang="en-ZA" sz="1200" spc="-1" strike="noStrike">
               <a:latin typeface="Arial"/>
@@ -4096,7 +4335,7 @@
       </p:grpSpPr>
       <p:sp>
         <p:nvSpPr>
-          <p:cNvPr id="203" name="PlaceHolder 1"/>
+          <p:cNvPr id="207" name="PlaceHolder 1"/>
           <p:cNvSpPr>
             <a:spLocks noGrp="1"/>
           </p:cNvSpPr>
@@ -4116,7 +4355,7 @@
       </p:sp>
       <p:sp>
         <p:nvSpPr>
-          <p:cNvPr id="204" name="PlaceHolder 2"/>
+          <p:cNvPr id="208" name="PlaceHolder 2"/>
           <p:cNvSpPr>
             <a:spLocks noGrp="1"/>
           </p:cNvSpPr>
@@ -4161,7 +4400,7 @@
       </p:sp>
       <p:sp>
         <p:nvSpPr>
-          <p:cNvPr id="205" name="CustomShape 3"/>
+          <p:cNvPr id="209" name="CustomShape 3"/>
           <p:cNvSpPr/>
           <p:nvPr/>
         </p:nvSpPr>
@@ -4194,7 +4433,7 @@
                 <a:spcPct val="100000"/>
               </a:lnSpc>
             </a:pPr>
-            <a:fld id="{C951D127-2EE9-4FED-B126-B77E5ABB0880}" type="slidenum">
+            <a:fld id="{7104D01A-7C2F-42DF-B46D-1D9F42ED6496}" type="slidenum">
               <a:rPr b="0" lang="en-ZA" sz="1200" spc="-1" strike="noStrike">
                 <a:solidFill>
                   <a:srgbClr val="000000"/>
@@ -4202,7 +4441,7 @@
                 <a:latin typeface="+mn-lt"/>
                 <a:ea typeface="+mn-ea"/>
               </a:rPr>
-              <a:t>1</a:t>
+              <a:t>&lt;number&gt;</a:t>
             </a:fld>
             <a:endParaRPr b="0" lang="en-ZA" sz="1200" spc="-1" strike="noStrike">
               <a:latin typeface="Arial"/>
@@ -4234,7 +4473,7 @@
       </p:grpSpPr>
       <p:sp>
         <p:nvSpPr>
-          <p:cNvPr id="206" name="PlaceHolder 1"/>
+          <p:cNvPr id="210" name="PlaceHolder 1"/>
           <p:cNvSpPr>
             <a:spLocks noGrp="1"/>
           </p:cNvSpPr>
@@ -4254,7 +4493,7 @@
       </p:sp>
       <p:sp>
         <p:nvSpPr>
-          <p:cNvPr id="207" name="PlaceHolder 2"/>
+          <p:cNvPr id="211" name="PlaceHolder 2"/>
           <p:cNvSpPr>
             <a:spLocks noGrp="1"/>
           </p:cNvSpPr>
@@ -4299,7 +4538,7 @@
       </p:sp>
       <p:sp>
         <p:nvSpPr>
-          <p:cNvPr id="208" name="CustomShape 3"/>
+          <p:cNvPr id="212" name="CustomShape 3"/>
           <p:cNvSpPr/>
           <p:nvPr/>
         </p:nvSpPr>
@@ -4332,7 +4571,7 @@
                 <a:spcPct val="100000"/>
               </a:lnSpc>
             </a:pPr>
-            <a:fld id="{BCFB9ACE-2B3C-4DC3-9CDA-5942ECF8E8AD}" type="slidenum">
+            <a:fld id="{98B84C16-3A1F-4965-AAFE-4D689663CF1D}" type="slidenum">
               <a:rPr b="0" lang="en-ZA" sz="1200" spc="-1" strike="noStrike">
                 <a:solidFill>
                   <a:srgbClr val="000000"/>
@@ -4340,7 +4579,7 @@
                 <a:latin typeface="+mn-lt"/>
                 <a:ea typeface="+mn-ea"/>
               </a:rPr>
-              <a:t>1</a:t>
+              <a:t>&lt;number&gt;</a:t>
             </a:fld>
             <a:endParaRPr b="0" lang="en-ZA" sz="1200" spc="-1" strike="noStrike">
               <a:latin typeface="Arial"/>
@@ -10141,7 +10380,7 @@
                 <a:latin typeface="Arial"/>
                 <a:ea typeface="DejaVu Sans"/>
               </a:rPr>
-              <a:t>Duration of upwelling signals are longer at a greater distance from the coastline</a:t>
+              <a:t>Often the duration of upwelling signals are longer at a greater distance from the coastline</a:t>
             </a:r>
             <a:endParaRPr b="0" lang="en-ZA" sz="2800" spc="-1" strike="noStrike">
               <a:latin typeface="Arial"/>
@@ -11809,8 +12048,8 @@
         </p:nvSpPr>
         <p:spPr>
           <a:xfrm>
-            <a:off x="529560" y="1788480"/>
-            <a:ext cx="11131560" cy="3897720"/>
+            <a:off x="1000800" y="1275120"/>
+            <a:ext cx="10696680" cy="4508280"/>
           </a:xfrm>
           <a:prstGeom prst="rect">
             <a:avLst/>
@@ -11841,6 +12080,21 @@
               <a:buFont typeface="Arial"/>
               <a:buChar char="•"/>
             </a:pPr>
+            <a:endParaRPr b="0" lang="en-ZA" sz="1800" spc="-1" strike="noStrike">
+              <a:latin typeface="Arial"/>
+            </a:endParaRPr>
+          </a:p>
+          <a:p>
+            <a:pPr marL="285840" indent="-282600">
+              <a:lnSpc>
+                <a:spcPct val="100000"/>
+              </a:lnSpc>
+              <a:buClr>
+                <a:srgbClr val="000000"/>
+              </a:buClr>
+              <a:buFont typeface="Arial"/>
+              <a:buChar char="•"/>
+            </a:pPr>
             <a:r>
               <a:rPr b="0" lang="en-ZA" sz="2800" spc="-1" strike="noStrike">
                 <a:solidFill>
@@ -11849,7 +12103,7 @@
                 <a:latin typeface="Arial"/>
                 <a:ea typeface="DejaVu Sans"/>
               </a:rPr>
-              <a:t>Irrespective, satellite acquired SST records are useful to modern marine scientists. </a:t>
+              <a:t>The Benguela, one of four major EBUS</a:t>
             </a:r>
             <a:endParaRPr b="0" lang="en-ZA" sz="2800" spc="-1" strike="noStrike">
               <a:latin typeface="Arial"/>
@@ -11876,6 +12130,16 @@
               <a:buFont typeface="Arial"/>
               <a:buChar char="•"/>
             </a:pPr>
+            <a:r>
+              <a:rPr b="0" i="1" lang="en-ZA" sz="2800" spc="-1" strike="noStrike">
+                <a:solidFill>
+                  <a:srgbClr val="000000"/>
+                </a:solidFill>
+                <a:latin typeface="Arial"/>
+                <a:ea typeface="DejaVu Sans"/>
+              </a:rPr>
+              <a:t>Ecklonia maxima</a:t>
+            </a:r>
             <a:r>
               <a:rPr b="0" lang="en-ZA" sz="2800" spc="-1" strike="noStrike">
                 <a:solidFill>
@@ -11884,18 +12148,18 @@
                 <a:latin typeface="Arial"/>
                 <a:ea typeface="DejaVu Sans"/>
               </a:rPr>
-              <a:t>Analysis showed that offshore SSTs at a distance of 30-50km often do not match the detected signals present in the SACTN dataset </a:t>
-            </a:r>
-            <a:endParaRPr b="0" lang="en-ZA" sz="2800" spc="-1" strike="noStrike">
-              <a:latin typeface="Arial"/>
-            </a:endParaRPr>
-          </a:p>
-          <a:p>
-            <a:pPr>
-              <a:lnSpc>
-                <a:spcPct val="100000"/>
-              </a:lnSpc>
-            </a:pPr>
+              <a:t> and </a:t>
+            </a:r>
+            <a:r>
+              <a:rPr b="0" i="1" lang="en-ZA" sz="2800" spc="-1" strike="noStrike">
+                <a:solidFill>
+                  <a:srgbClr val="000000"/>
+                </a:solidFill>
+                <a:latin typeface="Arial"/>
+                <a:ea typeface="DejaVu Sans"/>
+              </a:rPr>
+              <a:t>Laminaria pallida</a:t>
+            </a:r>
             <a:endParaRPr b="0" lang="en-ZA" sz="2800" spc="-1" strike="noStrike">
               <a:latin typeface="Arial"/>
             </a:endParaRPr>
@@ -11911,15 +12175,110 @@
               <a:buFont typeface="Arial"/>
               <a:buChar char="•"/>
             </a:pPr>
-            <a:r>
-              <a:rPr b="0" lang="en-ZA" sz="2800" spc="-1" strike="noStrike">
+            <a:endParaRPr b="0" lang="en-ZA" sz="2800" spc="-1" strike="noStrike">
+              <a:latin typeface="Arial"/>
+            </a:endParaRPr>
+          </a:p>
+          <a:p>
+            <a:pPr marL="285840" indent="-282600">
+              <a:lnSpc>
+                <a:spcPct val="100000"/>
+              </a:lnSpc>
+              <a:buClr>
+                <a:srgbClr val="000000"/>
+              </a:buClr>
+              <a:buFont typeface="Arial"/>
+              <a:buChar char="•"/>
+            </a:pPr>
+            <a:r>
+              <a:rPr b="0" i="1" lang="en-ZA" sz="2800" spc="-1" strike="noStrike">
                 <a:solidFill>
                   <a:srgbClr val="000000"/>
                 </a:solidFill>
                 <a:latin typeface="Arial"/>
                 <a:ea typeface="DejaVu Sans"/>
               </a:rPr>
-              <a:t>Shows that upwelling detected at a distance further from the coastline does not necessary mean upwelling is occurring nearshore. </a:t>
+              <a:t>Optimal growing environment due to high light intensity, high nutrient concentration and contineous water movement</a:t>
+            </a:r>
+            <a:endParaRPr b="0" lang="en-ZA" sz="2800" spc="-1" strike="noStrike">
+              <a:latin typeface="Arial"/>
+            </a:endParaRPr>
+          </a:p>
+          <a:p>
+            <a:pPr marL="285840" indent="-282600">
+              <a:lnSpc>
+                <a:spcPct val="100000"/>
+              </a:lnSpc>
+              <a:buClr>
+                <a:srgbClr val="000000"/>
+              </a:buClr>
+              <a:buFont typeface="Arial"/>
+              <a:buChar char="•"/>
+            </a:pPr>
+            <a:endParaRPr b="0" lang="en-ZA" sz="2800" spc="-1" strike="noStrike">
+              <a:latin typeface="Arial"/>
+            </a:endParaRPr>
+          </a:p>
+          <a:p>
+            <a:pPr marL="285840" indent="-282600">
+              <a:lnSpc>
+                <a:spcPct val="100000"/>
+              </a:lnSpc>
+              <a:buClr>
+                <a:srgbClr val="000000"/>
+              </a:buClr>
+              <a:buFont typeface="Arial"/>
+              <a:buChar char="•"/>
+            </a:pPr>
+            <a:r>
+              <a:rPr b="0" i="1" lang="en-ZA" sz="2800" spc="-1" strike="noStrike">
+                <a:solidFill>
+                  <a:srgbClr val="000000"/>
+                </a:solidFill>
+                <a:latin typeface="Arial"/>
+                <a:ea typeface="DejaVu Sans"/>
+              </a:rPr>
+              <a:t>Nutrient concentration largely depend on the upwelling cycle</a:t>
+            </a:r>
+            <a:endParaRPr b="0" lang="en-ZA" sz="2800" spc="-1" strike="noStrike">
+              <a:latin typeface="Arial"/>
+            </a:endParaRPr>
+          </a:p>
+          <a:p>
+            <a:pPr marL="285840" indent="-282600">
+              <a:lnSpc>
+                <a:spcPct val="100000"/>
+              </a:lnSpc>
+              <a:buClr>
+                <a:srgbClr val="000000"/>
+              </a:buClr>
+              <a:buFont typeface="Arial"/>
+              <a:buChar char="•"/>
+            </a:pPr>
+            <a:endParaRPr b="0" lang="en-ZA" sz="2800" spc="-1" strike="noStrike">
+              <a:latin typeface="Arial"/>
+            </a:endParaRPr>
+          </a:p>
+          <a:p>
+            <a:pPr marL="285840" indent="-282600">
+              <a:lnSpc>
+                <a:spcPct val="100000"/>
+              </a:lnSpc>
+              <a:buClr>
+                <a:srgbClr val="000000"/>
+              </a:buClr>
+              <a:buFont typeface="Arial"/>
+              <a:buChar char="•"/>
+            </a:pPr>
+            <a:r>
+              <a:rPr b="0" i="1" lang="en-ZA" sz="2800" spc="-1" strike="noStrike">
+                <a:solidFill>
+                  <a:srgbClr val="000000"/>
+                </a:solidFill>
+                <a:latin typeface="Arial"/>
+                <a:ea typeface="DejaVu Sans"/>
+              </a:rPr>
+              <a:t>Coastal upwelling replaces water volume in kelp forests 3-7 times a day</a:t>
             </a:r>
             <a:endParaRPr b="0" lang="en-ZA" sz="2800" spc="-1" strike="noStrike">
               <a:latin typeface="Arial"/>
@@ -12030,7 +12389,7 @@
                 <a:latin typeface="Arial"/>
                 <a:ea typeface="DejaVu Sans"/>
               </a:rPr>
-              <a:t>Conclusion</a:t>
+              <a:t>Kelp and Phytoplankton</a:t>
             </a:r>
             <a:endParaRPr b="0" lang="en-ZA" sz="4000" spc="-1" strike="noStrike">
               <a:latin typeface="Arial"/>
@@ -12170,8 +12529,8 @@
         </p:nvSpPr>
         <p:spPr>
           <a:xfrm>
-            <a:off x="659880" y="1944000"/>
-            <a:ext cx="9778680" cy="3926880"/>
+            <a:off x="529560" y="1788480"/>
+            <a:ext cx="11131560" cy="3897720"/>
           </a:xfrm>
           <a:prstGeom prst="rect">
             <a:avLst/>
@@ -12192,22 +12551,117 @@
             <a:noAutofit/>
           </a:bodyPr>
           <a:p>
+            <a:pPr marL="285840" indent="-282600">
+              <a:lnSpc>
+                <a:spcPct val="100000"/>
+              </a:lnSpc>
+              <a:buClr>
+                <a:srgbClr val="000000"/>
+              </a:buClr>
+              <a:buFont typeface="Arial"/>
+              <a:buChar char="•"/>
+            </a:pPr>
+            <a:r>
+              <a:rPr b="0" lang="en-ZA" sz="2800" spc="-1" strike="noStrike">
+                <a:solidFill>
+                  <a:srgbClr val="000000"/>
+                </a:solidFill>
+                <a:latin typeface="Arial"/>
+                <a:ea typeface="DejaVu Sans"/>
+              </a:rPr>
+              <a:t>Irrespective, satellite acquired SST records are useful to modern marine scientists. </a:t>
+            </a:r>
+            <a:endParaRPr b="0" lang="en-ZA" sz="2800" spc="-1" strike="noStrike">
+              <a:latin typeface="Arial"/>
+            </a:endParaRPr>
+          </a:p>
+          <a:p>
             <a:pPr>
               <a:lnSpc>
                 <a:spcPct val="100000"/>
               </a:lnSpc>
             </a:pPr>
-            <a:endParaRPr b="0" lang="en-ZA" sz="1800" spc="-1" strike="noStrike">
+            <a:endParaRPr b="0" lang="en-ZA" sz="2800" spc="-1" strike="noStrike">
+              <a:latin typeface="Arial"/>
+            </a:endParaRPr>
+          </a:p>
+          <a:p>
+            <a:pPr marL="285840" indent="-282600">
+              <a:lnSpc>
+                <a:spcPct val="100000"/>
+              </a:lnSpc>
+              <a:buClr>
+                <a:srgbClr val="000000"/>
+              </a:buClr>
+              <a:buFont typeface="Arial"/>
+              <a:buChar char="•"/>
+            </a:pPr>
+            <a:r>
+              <a:rPr b="0" lang="en-ZA" sz="2800" spc="-1" strike="noStrike">
+                <a:solidFill>
+                  <a:srgbClr val="000000"/>
+                </a:solidFill>
+                <a:latin typeface="Arial"/>
+                <a:ea typeface="DejaVu Sans"/>
+              </a:rPr>
+              <a:t>Analysis showed that offshore SSTs at a distance of 30-50km often do not match the detected signals present in the SACTN dataset </a:t>
+            </a:r>
+            <a:endParaRPr b="0" lang="en-ZA" sz="2800" spc="-1" strike="noStrike">
               <a:latin typeface="Arial"/>
             </a:endParaRPr>
           </a:p>
           <a:p>
             <a:pPr>
               <a:lnSpc>
+                <a:spcPct val="100000"/>
+              </a:lnSpc>
+            </a:pPr>
+            <a:endParaRPr b="0" lang="en-ZA" sz="2800" spc="-1" strike="noStrike">
+              <a:latin typeface="Arial"/>
+            </a:endParaRPr>
+          </a:p>
+          <a:p>
+            <a:pPr marL="285840" indent="-282600">
+              <a:lnSpc>
+                <a:spcPct val="100000"/>
+              </a:lnSpc>
+              <a:buClr>
+                <a:srgbClr val="000000"/>
+              </a:buClr>
+              <a:buFont typeface="Arial"/>
+              <a:buChar char="•"/>
+            </a:pPr>
+            <a:r>
+              <a:rPr b="0" lang="en-ZA" sz="2800" spc="-1" strike="noStrike">
+                <a:solidFill>
+                  <a:srgbClr val="000000"/>
+                </a:solidFill>
+                <a:latin typeface="Arial"/>
+                <a:ea typeface="DejaVu Sans"/>
+              </a:rPr>
+              <a:t>Shows that upwelling detected at a distance of 10km from the coastline does not necessary mean upwelling is occurring at 50km. </a:t>
+            </a:r>
+            <a:endParaRPr b="0" lang="en-ZA" sz="2800" spc="-1" strike="noStrike">
+              <a:latin typeface="Arial"/>
+            </a:endParaRPr>
+          </a:p>
+          <a:p>
+            <a:pPr>
+              <a:lnSpc>
+                <a:spcPct val="100000"/>
+              </a:lnSpc>
+            </a:pPr>
+            <a:endParaRPr b="0" lang="en-ZA" sz="2800" spc="-1" strike="noStrike">
+              <a:latin typeface="Arial"/>
+            </a:endParaRPr>
+          </a:p>
+          <a:p>
+            <a:pPr>
+              <a:lnSpc>
                 <a:spcPct val="150000"/>
               </a:lnSpc>
             </a:pPr>
-            <a:endParaRPr b="0" lang="en-ZA" sz="1800" spc="-1" strike="noStrike">
+            <a:endParaRPr b="0" lang="en-ZA" sz="2800" spc="-1" strike="noStrike">
               <a:latin typeface="Arial"/>
             </a:endParaRPr>
           </a:p>
@@ -12217,7 +12671,7 @@
                 <a:spcPct val="100000"/>
               </a:lnSpc>
             </a:pPr>
-            <a:endParaRPr b="0" lang="en-ZA" sz="1800" spc="-1" strike="noStrike">
+            <a:endParaRPr b="0" lang="en-ZA" sz="2800" spc="-1" strike="noStrike">
               <a:latin typeface="Arial"/>
             </a:endParaRPr>
           </a:p>
@@ -12227,7 +12681,7 @@
                 <a:spcPct val="100000"/>
               </a:lnSpc>
             </a:pPr>
-            <a:endParaRPr b="0" lang="en-ZA" sz="1800" spc="-1" strike="noStrike">
+            <a:endParaRPr b="0" lang="en-ZA" sz="2800" spc="-1" strike="noStrike">
               <a:latin typeface="Arial"/>
             </a:endParaRPr>
           </a:p>
@@ -12237,7 +12691,7 @@
                 <a:spcPct val="100000"/>
               </a:lnSpc>
             </a:pPr>
-            <a:endParaRPr b="0" lang="en-ZA" sz="1800" spc="-1" strike="noStrike">
+            <a:endParaRPr b="0" lang="en-ZA" sz="2800" spc="-1" strike="noStrike">
               <a:latin typeface="Arial"/>
             </a:endParaRPr>
           </a:p>
@@ -12247,7 +12701,7 @@
                 <a:spcPct val="100000"/>
               </a:lnSpc>
             </a:pPr>
-            <a:endParaRPr b="0" lang="en-ZA" sz="1800" spc="-1" strike="noStrike">
+            <a:endParaRPr b="0" lang="en-ZA" sz="2800" spc="-1" strike="noStrike">
               <a:latin typeface="Arial"/>
             </a:endParaRPr>
           </a:p>
@@ -12288,7 +12742,17 @@
                 <a:spcPct val="100000"/>
               </a:lnSpc>
             </a:pPr>
-            <a:endParaRPr b="0" lang="en-ZA" sz="1800" spc="-1" strike="noStrike">
+            <a:r>
+              <a:rPr b="1" lang="en-ZA" sz="4000" spc="-1" strike="noStrike">
+                <a:solidFill>
+                  <a:srgbClr val="000000"/>
+                </a:solidFill>
+                <a:latin typeface="Arial"/>
+                <a:ea typeface="DejaVu Sans"/>
+              </a:rPr>
+              <a:t>Conclusion</a:t>
+            </a:r>
+            <a:endParaRPr b="0" lang="en-ZA" sz="4000" spc="-1" strike="noStrike">
               <a:latin typeface="Arial"/>
             </a:endParaRPr>
           </a:p>
@@ -12298,22 +12762,59 @@
                 <a:spcPct val="100000"/>
               </a:lnSpc>
             </a:pPr>
-            <a:endParaRPr b="0" lang="en-ZA" sz="1800" spc="-1" strike="noStrike">
-              <a:latin typeface="Arial"/>
-            </a:endParaRPr>
-          </a:p>
-        </p:txBody>
-      </p:sp>
-      <p:sp>
-        <p:nvSpPr>
-          <p:cNvPr id="180" name="CustomShape 5"/>
+            <a:endParaRPr b="0" lang="en-ZA" sz="4000" spc="-1" strike="noStrike">
+              <a:latin typeface="Arial"/>
+            </a:endParaRPr>
+          </a:p>
+        </p:txBody>
+      </p:sp>
+    </p:spTree>
+  </p:cSld>
+  <mc:AlternateContent>
+    <mc:Choice Requires="p14">
+      <p:transition spd="slow" p14:dur="2000"/>
+    </mc:Choice>
+    <mc:Fallback>
+      <p:transition spd="slow"/>
+    </mc:Fallback>
+  </mc:AlternateContent>
+</p:sld>
+</file>
+
+<file path=ppt/slides/slide25.xml><?xml version="1.0" encoding="utf-8"?>
+<p:sld xmlns:a="http://schemas.openxmlformats.org/drawingml/2006/main" xmlns:p="http://schemas.openxmlformats.org/presentationml/2006/main" xmlns:r="http://schemas.openxmlformats.org/officeDocument/2006/relationships" xmlns:p14="http://schemas.microsoft.com/office/powerpoint/2010/main" xmlns:p15="http://schemas.microsoft.com/office/powerpoint/2012/main" xmlns:mc="http://schemas.openxmlformats.org/markup-compatibility/2006">
+  <p:cSld>
+    <p:bg>
+      <p:bgPr>
+        <a:solidFill>
+          <a:srgbClr val="adb9ca"/>
+        </a:solidFill>
+      </p:bgPr>
+    </p:bg>
+    <p:spTree>
+      <p:nvGrpSpPr>
+        <p:cNvPr id="1" name=""/>
+        <p:cNvGrpSpPr/>
+        <p:nvPr/>
+      </p:nvGrpSpPr>
+      <p:grpSpPr>
+        <a:xfrm>
+          <a:off x="0" y="0"/>
+          <a:ext cx="0" cy="0"/>
+          <a:chOff x="0" y="0"/>
+          <a:chExt cx="0" cy="0"/>
+        </a:xfrm>
+      </p:grpSpPr>
+      <p:sp>
+        <p:nvSpPr>
+          <p:cNvPr id="180" name="CustomShape 1"/>
           <p:cNvSpPr/>
           <p:nvPr/>
         </p:nvSpPr>
         <p:spPr>
           <a:xfrm>
-            <a:off x="1887120" y="478080"/>
-            <a:ext cx="8416800" cy="925920"/>
+            <a:off x="529920" y="1788480"/>
+            <a:ext cx="7586280" cy="2830320"/>
           </a:xfrm>
           <a:prstGeom prst="rect">
             <a:avLst/>
@@ -12334,6 +12835,225 @@
             <a:noAutofit/>
           </a:bodyPr>
           <a:p>
+            <a:pPr>
+              <a:lnSpc>
+                <a:spcPct val="100000"/>
+              </a:lnSpc>
+            </a:pPr>
+            <a:endParaRPr b="0" lang="en-ZA" sz="1800" spc="-1" strike="noStrike">
+              <a:latin typeface="Arial"/>
+            </a:endParaRPr>
+          </a:p>
+          <a:p>
+            <a:pPr>
+              <a:lnSpc>
+                <a:spcPct val="100000"/>
+              </a:lnSpc>
+            </a:pPr>
+            <a:endParaRPr b="0" lang="en-ZA" sz="1800" spc="-1" strike="noStrike">
+              <a:latin typeface="Arial"/>
+            </a:endParaRPr>
+          </a:p>
+        </p:txBody>
+      </p:sp>
+      <p:sp>
+        <p:nvSpPr>
+          <p:cNvPr id="181" name="CustomShape 2"/>
+          <p:cNvSpPr/>
+          <p:nvPr/>
+        </p:nvSpPr>
+        <p:spPr>
+          <a:xfrm>
+            <a:off x="3115800" y="336960"/>
+            <a:ext cx="5991120" cy="696960"/>
+          </a:xfrm>
+          <a:prstGeom prst="rect">
+            <a:avLst/>
+          </a:prstGeom>
+          <a:noFill/>
+          <a:ln>
+            <a:noFill/>
+          </a:ln>
+        </p:spPr>
+        <p:style>
+          <a:lnRef idx="0"/>
+          <a:fillRef idx="0"/>
+          <a:effectRef idx="0"/>
+          <a:fontRef idx="minor"/>
+        </p:style>
+      </p:sp>
+      <p:sp>
+        <p:nvSpPr>
+          <p:cNvPr id="182" name="CustomShape 3"/>
+          <p:cNvSpPr/>
+          <p:nvPr/>
+        </p:nvSpPr>
+        <p:spPr>
+          <a:xfrm>
+            <a:off x="659880" y="1944000"/>
+            <a:ext cx="9778680" cy="3926880"/>
+          </a:xfrm>
+          <a:prstGeom prst="rect">
+            <a:avLst/>
+          </a:prstGeom>
+          <a:noFill/>
+          <a:ln>
+            <a:noFill/>
+          </a:ln>
+        </p:spPr>
+        <p:style>
+          <a:lnRef idx="0"/>
+          <a:fillRef idx="0"/>
+          <a:effectRef idx="0"/>
+          <a:fontRef idx="minor"/>
+        </p:style>
+        <p:txBody>
+          <a:bodyPr lIns="90000" rIns="90000" tIns="45000" bIns="45000">
+            <a:noAutofit/>
+          </a:bodyPr>
+          <a:p>
+            <a:pPr>
+              <a:lnSpc>
+                <a:spcPct val="100000"/>
+              </a:lnSpc>
+            </a:pPr>
+            <a:endParaRPr b="0" lang="en-ZA" sz="1800" spc="-1" strike="noStrike">
+              <a:latin typeface="Arial"/>
+            </a:endParaRPr>
+          </a:p>
+          <a:p>
+            <a:pPr>
+              <a:lnSpc>
+                <a:spcPct val="150000"/>
+              </a:lnSpc>
+            </a:pPr>
+            <a:endParaRPr b="0" lang="en-ZA" sz="1800" spc="-1" strike="noStrike">
+              <a:latin typeface="Arial"/>
+            </a:endParaRPr>
+          </a:p>
+          <a:p>
+            <a:pPr>
+              <a:lnSpc>
+                <a:spcPct val="100000"/>
+              </a:lnSpc>
+            </a:pPr>
+            <a:endParaRPr b="0" lang="en-ZA" sz="1800" spc="-1" strike="noStrike">
+              <a:latin typeface="Arial"/>
+            </a:endParaRPr>
+          </a:p>
+          <a:p>
+            <a:pPr>
+              <a:lnSpc>
+                <a:spcPct val="100000"/>
+              </a:lnSpc>
+            </a:pPr>
+            <a:endParaRPr b="0" lang="en-ZA" sz="1800" spc="-1" strike="noStrike">
+              <a:latin typeface="Arial"/>
+            </a:endParaRPr>
+          </a:p>
+          <a:p>
+            <a:pPr>
+              <a:lnSpc>
+                <a:spcPct val="100000"/>
+              </a:lnSpc>
+            </a:pPr>
+            <a:endParaRPr b="0" lang="en-ZA" sz="1800" spc="-1" strike="noStrike">
+              <a:latin typeface="Arial"/>
+            </a:endParaRPr>
+          </a:p>
+          <a:p>
+            <a:pPr>
+              <a:lnSpc>
+                <a:spcPct val="100000"/>
+              </a:lnSpc>
+            </a:pPr>
+            <a:endParaRPr b="0" lang="en-ZA" sz="1800" spc="-1" strike="noStrike">
+              <a:latin typeface="Arial"/>
+            </a:endParaRPr>
+          </a:p>
+        </p:txBody>
+      </p:sp>
+      <p:sp>
+        <p:nvSpPr>
+          <p:cNvPr id="183" name="CustomShape 4"/>
+          <p:cNvSpPr/>
+          <p:nvPr/>
+        </p:nvSpPr>
+        <p:spPr>
+          <a:xfrm>
+            <a:off x="3115800" y="336960"/>
+            <a:ext cx="5991120" cy="696960"/>
+          </a:xfrm>
+          <a:prstGeom prst="rect">
+            <a:avLst/>
+          </a:prstGeom>
+          <a:noFill/>
+          <a:ln>
+            <a:noFill/>
+          </a:ln>
+        </p:spPr>
+        <p:style>
+          <a:lnRef idx="0"/>
+          <a:fillRef idx="0"/>
+          <a:effectRef idx="0"/>
+          <a:fontRef idx="minor"/>
+        </p:style>
+        <p:txBody>
+          <a:bodyPr lIns="90000" rIns="90000" tIns="45000" bIns="45000">
+            <a:noAutofit/>
+          </a:bodyPr>
+          <a:p>
+            <a:pPr algn="ctr">
+              <a:lnSpc>
+                <a:spcPct val="100000"/>
+              </a:lnSpc>
+            </a:pPr>
+            <a:endParaRPr b="0" lang="en-ZA" sz="1800" spc="-1" strike="noStrike">
+              <a:latin typeface="Arial"/>
+            </a:endParaRPr>
+          </a:p>
+          <a:p>
+            <a:pPr algn="ctr">
+              <a:lnSpc>
+                <a:spcPct val="100000"/>
+              </a:lnSpc>
+            </a:pPr>
+            <a:endParaRPr b="0" lang="en-ZA" sz="1800" spc="-1" strike="noStrike">
+              <a:latin typeface="Arial"/>
+            </a:endParaRPr>
+          </a:p>
+        </p:txBody>
+      </p:sp>
+      <p:sp>
+        <p:nvSpPr>
+          <p:cNvPr id="184" name="CustomShape 5"/>
+          <p:cNvSpPr/>
+          <p:nvPr/>
+        </p:nvSpPr>
+        <p:spPr>
+          <a:xfrm>
+            <a:off x="1887120" y="478080"/>
+            <a:ext cx="8416800" cy="925920"/>
+          </a:xfrm>
+          <a:prstGeom prst="rect">
+            <a:avLst/>
+          </a:prstGeom>
+          <a:noFill/>
+          <a:ln>
+            <a:noFill/>
+          </a:ln>
+        </p:spPr>
+        <p:style>
+          <a:lnRef idx="0"/>
+          <a:fillRef idx="0"/>
+          <a:effectRef idx="0"/>
+          <a:fontRef idx="minor"/>
+        </p:style>
+        <p:txBody>
+          <a:bodyPr lIns="90000" rIns="90000" tIns="45000" bIns="45000">
+            <a:noAutofit/>
+          </a:bodyPr>
+          <a:p>
             <a:pPr algn="ctr">
               <a:lnSpc>
                 <a:spcPct val="100000"/>
@@ -12397,7 +13117,7 @@
       </p:sp>
       <p:pic>
         <p:nvPicPr>
-          <p:cNvPr id="181" name="Picture 180" descr=""/>
+          <p:cNvPr id="185" name="Picture 180" descr=""/>
           <p:cNvPicPr/>
           <p:nvPr/>
         </p:nvPicPr>
@@ -12719,7 +13439,7 @@
                 <a:latin typeface="Arial"/>
                 <a:ea typeface="DejaVu Sans"/>
               </a:rPr>
-              <a:t>classify upwelling signals</a:t>
+              <a:t>Classify upwelling signals</a:t>
             </a:r>
             <a:endParaRPr b="0" lang="en-ZA" sz="2000" spc="-1" strike="noStrike">
               <a:latin typeface="Arial"/>
@@ -12749,7 +13469,7 @@
                 <a:latin typeface="Arial"/>
                 <a:ea typeface="DejaVu Sans"/>
               </a:rPr>
-              <a:t>examine whether there is a difference in the number of signals detected at the various    </a:t>
+              <a:t>Examine whether there is a difference in the number of signals detected at the various    </a:t>
             </a:r>
             <a:endParaRPr b="0" lang="en-ZA" sz="2000" spc="-1" strike="noStrike">
               <a:latin typeface="Arial"/>
@@ -12924,8 +13644,8 @@
         </p:nvSpPr>
         <p:spPr>
           <a:xfrm>
-            <a:off x="1704240" y="2130480"/>
-            <a:ext cx="8015040" cy="2692800"/>
+            <a:off x="1728000" y="2130480"/>
+            <a:ext cx="7991280" cy="2261520"/>
           </a:xfrm>
           <a:prstGeom prst="roundRect">
             <a:avLst>
@@ -13947,7 +14667,7 @@
                 <a:latin typeface="Arial"/>
                 <a:ea typeface="DejaVu Sans"/>
               </a:rPr>
-              <a:t>Dataset comprised of 129 sites</a:t>
+              <a:t>Dataset collected at 129 sites</a:t>
             </a:r>
             <a:endParaRPr b="0" lang="en-ZA" sz="2000" spc="-1" strike="noStrike">
               <a:latin typeface="Arial"/>
@@ -13983,7 +14703,7 @@
                 <a:latin typeface="Arial"/>
                 <a:ea typeface="DejaVu Sans"/>
               </a:rPr>
-              <a:t>Daily measurements: 1972 – 2017</a:t>
+              <a:t>Daily measurements: 1972 – present</a:t>
             </a:r>
             <a:endParaRPr b="0" lang="en-ZA" sz="2000" spc="-1" strike="noStrike">
               <a:latin typeface="Arial"/>

--- a/Presentation/Amieroh_P_new.pptx
+++ b/Presentation/Amieroh_P_new.pptx
@@ -264,7 +264,7 @@
           </a:bodyPr>
           <a:p>
             <a:pPr algn="r"/>
-            <a:fld id="{160EA0AC-800C-4885-9AD4-916944FAC1D3}" type="slidenum">
+            <a:fld id="{FDB9DCA5-99C2-4776-8755-16EBE92610F6}" type="slidenum">
               <a:rPr b="0" lang="en-ZA" sz="1400" spc="-1" strike="noStrike">
                 <a:latin typeface="Times New Roman"/>
               </a:rPr>
@@ -312,7 +312,7 @@
         <p:spPr>
           <a:xfrm>
             <a:off x="685800" y="1143000"/>
-            <a:ext cx="5483880" cy="3083400"/>
+            <a:ext cx="5483520" cy="3083040"/>
           </a:xfrm>
           <a:prstGeom prst="rect">
             <a:avLst/>
@@ -332,7 +332,7 @@
         <p:spPr>
           <a:xfrm>
             <a:off x="685800" y="4400640"/>
-            <a:ext cx="5483160" cy="3597120"/>
+            <a:ext cx="5482800" cy="3596760"/>
           </a:xfrm>
           <a:prstGeom prst="rect">
             <a:avLst/>
@@ -358,7 +358,7 @@
         <p:spPr>
           <a:xfrm>
             <a:off x="3884760" y="8685360"/>
-            <a:ext cx="2968560" cy="455400"/>
+            <a:ext cx="2968200" cy="455040"/>
           </a:xfrm>
           <a:prstGeom prst="rect">
             <a:avLst/>
@@ -384,7 +384,7 @@
                 <a:spcPct val="100000"/>
               </a:lnSpc>
             </a:pPr>
-            <a:fld id="{11A1358A-6256-4299-BE99-4807C1261265}" type="slidenum">
+            <a:fld id="{013EFCD6-8549-4D12-AE63-C6671F7AB5D5}" type="slidenum">
               <a:rPr b="0" lang="en-ZA" sz="1200" spc="-1" strike="noStrike">
                 <a:solidFill>
                   <a:srgbClr val="000000"/>
@@ -392,7 +392,7 @@
                 <a:latin typeface="+mn-lt"/>
                 <a:ea typeface="+mn-ea"/>
               </a:rPr>
-              <a:t>&lt;number&gt;</a:t>
+              <a:t>1</a:t>
             </a:fld>
             <a:endParaRPr b="0" lang="en-ZA" sz="1200" spc="-1" strike="noStrike">
               <a:latin typeface="Arial"/>
@@ -435,7 +435,7 @@
         <p:spPr>
           <a:xfrm>
             <a:off x="687240" y="1143000"/>
-            <a:ext cx="5478840" cy="3081960"/>
+            <a:ext cx="5478480" cy="3081600"/>
           </a:xfrm>
           <a:prstGeom prst="rect">
             <a:avLst/>
@@ -455,7 +455,7 @@
         <p:spPr>
           <a:xfrm>
             <a:off x="685800" y="4400640"/>
-            <a:ext cx="5481360" cy="3595320"/>
+            <a:ext cx="5481000" cy="3594960"/>
           </a:xfrm>
           <a:prstGeom prst="rect">
             <a:avLst/>
@@ -466,7 +466,7 @@
             <a:noAutofit/>
           </a:bodyPr>
           <a:p>
-            <a:pPr marL="216000" indent="-211320">
+            <a:pPr marL="216000" indent="-210960">
               <a:lnSpc>
                 <a:spcPct val="100000"/>
               </a:lnSpc>
@@ -496,7 +496,7 @@
         <p:spPr>
           <a:xfrm>
             <a:off x="3884760" y="8685360"/>
-            <a:ext cx="2966760" cy="453600"/>
+            <a:ext cx="2966400" cy="453240"/>
           </a:xfrm>
           <a:prstGeom prst="rect">
             <a:avLst/>
@@ -522,7 +522,7 @@
                 <a:spcPct val="100000"/>
               </a:lnSpc>
             </a:pPr>
-            <a:fld id="{28B3B904-05DC-475B-B229-5D5E639686C3}" type="slidenum">
+            <a:fld id="{A926ECC8-374F-4D7B-8B3B-0A4A6764A1EE}" type="slidenum">
               <a:rPr b="0" lang="en-ZA" sz="1200" spc="-1" strike="noStrike">
                 <a:solidFill>
                   <a:srgbClr val="000000"/>
@@ -530,7 +530,7 @@
                 <a:latin typeface="+mn-lt"/>
                 <a:ea typeface="+mn-ea"/>
               </a:rPr>
-              <a:t>&lt;number&gt;</a:t>
+              <a:t>1</a:t>
             </a:fld>
             <a:endParaRPr b="0" lang="en-ZA" sz="1200" spc="-1" strike="noStrike">
               <a:latin typeface="Arial"/>
@@ -573,7 +573,7 @@
         <p:spPr>
           <a:xfrm>
             <a:off x="685800" y="1143000"/>
-            <a:ext cx="5483880" cy="3083400"/>
+            <a:ext cx="5483520" cy="3083040"/>
           </a:xfrm>
           <a:prstGeom prst="rect">
             <a:avLst/>
@@ -593,7 +593,7 @@
         <p:spPr>
           <a:xfrm>
             <a:off x="685800" y="4400640"/>
-            <a:ext cx="5483160" cy="3597120"/>
+            <a:ext cx="5482800" cy="3596760"/>
           </a:xfrm>
           <a:prstGeom prst="rect">
             <a:avLst/>
@@ -619,7 +619,7 @@
         <p:spPr>
           <a:xfrm>
             <a:off x="3884760" y="8685360"/>
-            <a:ext cx="2968560" cy="455400"/>
+            <a:ext cx="2968200" cy="455040"/>
           </a:xfrm>
           <a:prstGeom prst="rect">
             <a:avLst/>
@@ -645,7 +645,7 @@
                 <a:spcPct val="100000"/>
               </a:lnSpc>
             </a:pPr>
-            <a:fld id="{948DF450-D92B-476E-BEE5-95468D35521D}" type="slidenum">
+            <a:fld id="{16DB35A5-1171-44C3-9264-5864571D2152}" type="slidenum">
               <a:rPr b="0" lang="en-ZA" sz="1200" spc="-1" strike="noStrike">
                 <a:solidFill>
                   <a:srgbClr val="000000"/>
@@ -653,7 +653,7 @@
                 <a:latin typeface="Arial"/>
                 <a:ea typeface="+mn-ea"/>
               </a:rPr>
-              <a:t>&lt;number&gt;</a:t>
+              <a:t>1</a:t>
             </a:fld>
             <a:endParaRPr b="0" lang="en-ZA" sz="1200" spc="-1" strike="noStrike">
               <a:latin typeface="Arial"/>
@@ -696,7 +696,7 @@
         <p:spPr>
           <a:xfrm>
             <a:off x="685800" y="1143000"/>
-            <a:ext cx="5483880" cy="3083400"/>
+            <a:ext cx="5483520" cy="3083040"/>
           </a:xfrm>
           <a:prstGeom prst="rect">
             <a:avLst/>
@@ -716,7 +716,7 @@
         <p:spPr>
           <a:xfrm>
             <a:off x="685800" y="4400640"/>
-            <a:ext cx="5483160" cy="3597120"/>
+            <a:ext cx="5482800" cy="3596760"/>
           </a:xfrm>
           <a:prstGeom prst="rect">
             <a:avLst/>
@@ -727,7 +727,7 @@
             <a:noAutofit/>
           </a:bodyPr>
           <a:p>
-            <a:pPr marL="216000" indent="-213120">
+            <a:pPr marL="216000" indent="-212760">
               <a:lnSpc>
                 <a:spcPct val="100000"/>
               </a:lnSpc>
@@ -757,7 +757,7 @@
         <p:spPr>
           <a:xfrm>
             <a:off x="3884760" y="8685360"/>
-            <a:ext cx="2968560" cy="455400"/>
+            <a:ext cx="2968200" cy="455040"/>
           </a:xfrm>
           <a:prstGeom prst="rect">
             <a:avLst/>
@@ -783,7 +783,7 @@
                 <a:spcPct val="100000"/>
               </a:lnSpc>
             </a:pPr>
-            <a:fld id="{EF3653A3-BF76-4601-98BF-F9129FAB5773}" type="slidenum">
+            <a:fld id="{1D244072-9AB8-44F4-BBDB-8FF9658FC5C1}" type="slidenum">
               <a:rPr b="0" lang="en-ZA" sz="1200" spc="-1" strike="noStrike">
                 <a:solidFill>
                   <a:srgbClr val="000000"/>
@@ -791,7 +791,7 @@
                 <a:latin typeface="+mn-lt"/>
                 <a:ea typeface="+mn-ea"/>
               </a:rPr>
-              <a:t>&lt;number&gt;</a:t>
+              <a:t>1</a:t>
             </a:fld>
             <a:endParaRPr b="0" lang="en-ZA" sz="1200" spc="-1" strike="noStrike">
               <a:latin typeface="Arial"/>
@@ -834,7 +834,7 @@
         <p:spPr>
           <a:xfrm>
             <a:off x="685800" y="1143000"/>
-            <a:ext cx="5483880" cy="3083400"/>
+            <a:ext cx="5483520" cy="3083040"/>
           </a:xfrm>
           <a:prstGeom prst="rect">
             <a:avLst/>
@@ -854,7 +854,7 @@
         <p:spPr>
           <a:xfrm>
             <a:off x="685800" y="4400640"/>
-            <a:ext cx="5483160" cy="3597120"/>
+            <a:ext cx="5482800" cy="3596760"/>
           </a:xfrm>
           <a:prstGeom prst="rect">
             <a:avLst/>
@@ -865,7 +865,7 @@
             <a:noAutofit/>
           </a:bodyPr>
           <a:p>
-            <a:pPr marL="216000" indent="-213120">
+            <a:pPr marL="216000" indent="-212760">
               <a:lnSpc>
                 <a:spcPct val="100000"/>
               </a:lnSpc>
@@ -881,7 +881,7 @@
             </a:endParaRPr>
           </a:p>
           <a:p>
-            <a:pPr marL="216000" indent="-213120">
+            <a:pPr marL="216000" indent="-212760">
               <a:lnSpc>
                 <a:spcPct val="100000"/>
               </a:lnSpc>
@@ -897,7 +897,7 @@
             </a:endParaRPr>
           </a:p>
           <a:p>
-            <a:pPr marL="216000" indent="-213120">
+            <a:pPr marL="216000" indent="-212760">
               <a:lnSpc>
                 <a:spcPct val="100000"/>
               </a:lnSpc>
@@ -913,7 +913,7 @@
             </a:endParaRPr>
           </a:p>
           <a:p>
-            <a:pPr marL="216000" indent="-213120">
+            <a:pPr marL="216000" indent="-212760">
               <a:lnSpc>
                 <a:spcPct val="100000"/>
               </a:lnSpc>
@@ -923,7 +923,7 @@
             </a:endParaRPr>
           </a:p>
           <a:p>
-            <a:pPr marL="216000" indent="-213120">
+            <a:pPr marL="216000" indent="-212760">
               <a:lnSpc>
                 <a:spcPct val="100000"/>
               </a:lnSpc>
@@ -943,7 +943,7 @@
         <p:spPr>
           <a:xfrm>
             <a:off x="3884760" y="8685360"/>
-            <a:ext cx="2968560" cy="455400"/>
+            <a:ext cx="2968200" cy="455040"/>
           </a:xfrm>
           <a:prstGeom prst="rect">
             <a:avLst/>
@@ -969,7 +969,7 @@
                 <a:spcPct val="100000"/>
               </a:lnSpc>
             </a:pPr>
-            <a:fld id="{AE70991B-EBDB-4D75-A51B-4AEA862F0A33}" type="slidenum">
+            <a:fld id="{F8C82EA3-B143-4BB5-A7E9-8D44AC3A3EC8}" type="slidenum">
               <a:rPr b="0" lang="en-ZA" sz="1200" spc="-1" strike="noStrike">
                 <a:solidFill>
                   <a:srgbClr val="000000"/>
@@ -977,7 +977,7 @@
                 <a:latin typeface="+mn-lt"/>
                 <a:ea typeface="+mn-ea"/>
               </a:rPr>
-              <a:t>&lt;number&gt;</a:t>
+              <a:t>1</a:t>
             </a:fld>
             <a:endParaRPr b="0" lang="en-ZA" sz="1200" spc="-1" strike="noStrike">
               <a:latin typeface="Arial"/>
@@ -1020,7 +1020,7 @@
         <p:spPr>
           <a:xfrm>
             <a:off x="685800" y="1143000"/>
-            <a:ext cx="5483880" cy="3083400"/>
+            <a:ext cx="5483520" cy="3083040"/>
           </a:xfrm>
           <a:prstGeom prst="rect">
             <a:avLst/>
@@ -1040,7 +1040,7 @@
         <p:spPr>
           <a:xfrm>
             <a:off x="685800" y="4400640"/>
-            <a:ext cx="5483160" cy="3597120"/>
+            <a:ext cx="5482800" cy="3596760"/>
           </a:xfrm>
           <a:prstGeom prst="rect">
             <a:avLst/>
@@ -1051,7 +1051,7 @@
             <a:noAutofit/>
           </a:bodyPr>
           <a:p>
-            <a:pPr marL="216000" indent="-213120">
+            <a:pPr marL="216000" indent="-212760">
               <a:lnSpc>
                 <a:spcPct val="100000"/>
               </a:lnSpc>
@@ -1067,7 +1067,7 @@
             </a:endParaRPr>
           </a:p>
           <a:p>
-            <a:pPr marL="216000" indent="-213120">
+            <a:pPr marL="216000" indent="-212760">
               <a:lnSpc>
                 <a:spcPct val="100000"/>
               </a:lnSpc>
@@ -1083,7 +1083,7 @@
             </a:endParaRPr>
           </a:p>
           <a:p>
-            <a:pPr marL="216000" indent="-213120">
+            <a:pPr marL="216000" indent="-212760">
               <a:lnSpc>
                 <a:spcPct val="100000"/>
               </a:lnSpc>
@@ -1099,7 +1099,7 @@
             </a:endParaRPr>
           </a:p>
           <a:p>
-            <a:pPr marL="216000" indent="-213120">
+            <a:pPr marL="216000" indent="-212760">
               <a:lnSpc>
                 <a:spcPct val="100000"/>
               </a:lnSpc>
@@ -1109,7 +1109,7 @@
             </a:endParaRPr>
           </a:p>
           <a:p>
-            <a:pPr marL="216000" indent="-213120">
+            <a:pPr marL="216000" indent="-212760">
               <a:lnSpc>
                 <a:spcPct val="100000"/>
               </a:lnSpc>
@@ -1129,7 +1129,7 @@
         <p:spPr>
           <a:xfrm>
             <a:off x="3884760" y="8685360"/>
-            <a:ext cx="2968560" cy="455400"/>
+            <a:ext cx="2968200" cy="455040"/>
           </a:xfrm>
           <a:prstGeom prst="rect">
             <a:avLst/>
@@ -1155,7 +1155,7 @@
                 <a:spcPct val="100000"/>
               </a:lnSpc>
             </a:pPr>
-            <a:fld id="{E8004976-56D8-4F6C-86C7-B7BDA95163B8}" type="slidenum">
+            <a:fld id="{0E659836-1303-4168-BAF8-9E57877A3530}" type="slidenum">
               <a:rPr b="0" lang="en-ZA" sz="1200" spc="-1" strike="noStrike">
                 <a:solidFill>
                   <a:srgbClr val="000000"/>
@@ -1163,7 +1163,7 @@
                 <a:latin typeface="+mn-lt"/>
                 <a:ea typeface="+mn-ea"/>
               </a:rPr>
-              <a:t>&lt;number&gt;</a:t>
+              <a:t>1</a:t>
             </a:fld>
             <a:endParaRPr b="0" lang="en-ZA" sz="1200" spc="-1" strike="noStrike">
               <a:latin typeface="Arial"/>
@@ -1206,7 +1206,7 @@
         <p:spPr>
           <a:xfrm>
             <a:off x="685800" y="1143000"/>
-            <a:ext cx="5483880" cy="3083400"/>
+            <a:ext cx="5483520" cy="3083040"/>
           </a:xfrm>
           <a:prstGeom prst="rect">
             <a:avLst/>
@@ -1226,7 +1226,7 @@
         <p:spPr>
           <a:xfrm>
             <a:off x="685800" y="4400640"/>
-            <a:ext cx="5483160" cy="3597120"/>
+            <a:ext cx="5482800" cy="3596760"/>
           </a:xfrm>
           <a:prstGeom prst="rect">
             <a:avLst/>
@@ -1237,7 +1237,7 @@
             <a:noAutofit/>
           </a:bodyPr>
           <a:p>
-            <a:pPr marL="216000" indent="-213120">
+            <a:pPr marL="216000" indent="-212760">
               <a:lnSpc>
                 <a:spcPct val="100000"/>
               </a:lnSpc>
@@ -1253,7 +1253,7 @@
             </a:endParaRPr>
           </a:p>
           <a:p>
-            <a:pPr marL="216000" indent="-213120">
+            <a:pPr marL="216000" indent="-212760">
               <a:lnSpc>
                 <a:spcPct val="100000"/>
               </a:lnSpc>
@@ -1269,7 +1269,7 @@
             </a:endParaRPr>
           </a:p>
           <a:p>
-            <a:pPr marL="216000" indent="-213120">
+            <a:pPr marL="216000" indent="-212760">
               <a:lnSpc>
                 <a:spcPct val="100000"/>
               </a:lnSpc>
@@ -1285,7 +1285,7 @@
             </a:endParaRPr>
           </a:p>
           <a:p>
-            <a:pPr marL="216000" indent="-213120">
+            <a:pPr marL="216000" indent="-212760">
               <a:lnSpc>
                 <a:spcPct val="100000"/>
               </a:lnSpc>
@@ -1295,7 +1295,7 @@
             </a:endParaRPr>
           </a:p>
           <a:p>
-            <a:pPr marL="216000" indent="-213120">
+            <a:pPr marL="216000" indent="-212760">
               <a:lnSpc>
                 <a:spcPct val="100000"/>
               </a:lnSpc>
@@ -1315,7 +1315,7 @@
         <p:spPr>
           <a:xfrm>
             <a:off x="3884760" y="8685360"/>
-            <a:ext cx="2968560" cy="455400"/>
+            <a:ext cx="2968200" cy="455040"/>
           </a:xfrm>
           <a:prstGeom prst="rect">
             <a:avLst/>
@@ -1341,7 +1341,7 @@
                 <a:spcPct val="100000"/>
               </a:lnSpc>
             </a:pPr>
-            <a:fld id="{A3489624-7025-4934-A2E4-CC6FFBB6A7DF}" type="slidenum">
+            <a:fld id="{EA79D32C-7EA3-4B82-8108-71AC9F406BC5}" type="slidenum">
               <a:rPr b="0" lang="en-ZA" sz="1200" spc="-1" strike="noStrike">
                 <a:solidFill>
                   <a:srgbClr val="000000"/>
@@ -1349,7 +1349,7 @@
                 <a:latin typeface="+mn-lt"/>
                 <a:ea typeface="+mn-ea"/>
               </a:rPr>
-              <a:t>&lt;number&gt;</a:t>
+              <a:t>1</a:t>
             </a:fld>
             <a:endParaRPr b="0" lang="en-ZA" sz="1200" spc="-1" strike="noStrike">
               <a:latin typeface="Arial"/>
@@ -1392,7 +1392,7 @@
         <p:spPr>
           <a:xfrm>
             <a:off x="685800" y="1143000"/>
-            <a:ext cx="5483880" cy="3083400"/>
+            <a:ext cx="5483520" cy="3083040"/>
           </a:xfrm>
           <a:prstGeom prst="rect">
             <a:avLst/>
@@ -1412,7 +1412,7 @@
         <p:spPr>
           <a:xfrm>
             <a:off x="685800" y="4400640"/>
-            <a:ext cx="5483160" cy="3597120"/>
+            <a:ext cx="5482800" cy="3596760"/>
           </a:xfrm>
           <a:prstGeom prst="rect">
             <a:avLst/>
@@ -1423,7 +1423,7 @@
             <a:noAutofit/>
           </a:bodyPr>
           <a:p>
-            <a:pPr marL="216000" indent="-213120">
+            <a:pPr marL="216000" indent="-212760">
               <a:lnSpc>
                 <a:spcPct val="100000"/>
               </a:lnSpc>
@@ -1439,7 +1439,7 @@
             </a:endParaRPr>
           </a:p>
           <a:p>
-            <a:pPr marL="216000" indent="-213120">
+            <a:pPr marL="216000" indent="-212760">
               <a:lnSpc>
                 <a:spcPct val="100000"/>
               </a:lnSpc>
@@ -1455,7 +1455,7 @@
             </a:endParaRPr>
           </a:p>
           <a:p>
-            <a:pPr marL="216000" indent="-213120">
+            <a:pPr marL="216000" indent="-212760">
               <a:lnSpc>
                 <a:spcPct val="100000"/>
               </a:lnSpc>
@@ -1471,7 +1471,7 @@
             </a:endParaRPr>
           </a:p>
           <a:p>
-            <a:pPr marL="216000" indent="-213120">
+            <a:pPr marL="216000" indent="-212760">
               <a:lnSpc>
                 <a:spcPct val="100000"/>
               </a:lnSpc>
@@ -1481,7 +1481,7 @@
             </a:endParaRPr>
           </a:p>
           <a:p>
-            <a:pPr marL="216000" indent="-213120">
+            <a:pPr marL="216000" indent="-212760">
               <a:lnSpc>
                 <a:spcPct val="100000"/>
               </a:lnSpc>
@@ -1501,7 +1501,7 @@
         <p:spPr>
           <a:xfrm>
             <a:off x="3884760" y="8685360"/>
-            <a:ext cx="2968560" cy="455400"/>
+            <a:ext cx="2968200" cy="455040"/>
           </a:xfrm>
           <a:prstGeom prst="rect">
             <a:avLst/>
@@ -1527,7 +1527,7 @@
                 <a:spcPct val="100000"/>
               </a:lnSpc>
             </a:pPr>
-            <a:fld id="{5FA689EF-21D9-4F2B-B9DD-7D5B50BB5646}" type="slidenum">
+            <a:fld id="{9BFD673E-2DEA-4D24-8182-B825B645E6D8}" type="slidenum">
               <a:rPr b="0" lang="en-ZA" sz="1200" spc="-1" strike="noStrike">
                 <a:solidFill>
                   <a:srgbClr val="000000"/>
@@ -1535,7 +1535,7 @@
                 <a:latin typeface="+mn-lt"/>
                 <a:ea typeface="+mn-ea"/>
               </a:rPr>
-              <a:t>&lt;number&gt;</a:t>
+              <a:t>1</a:t>
             </a:fld>
             <a:endParaRPr b="0" lang="en-ZA" sz="1200" spc="-1" strike="noStrike">
               <a:latin typeface="Arial"/>
@@ -1578,7 +1578,7 @@
         <p:spPr>
           <a:xfrm>
             <a:off x="685800" y="1143000"/>
-            <a:ext cx="5483880" cy="3083400"/>
+            <a:ext cx="5483520" cy="3083040"/>
           </a:xfrm>
           <a:prstGeom prst="rect">
             <a:avLst/>
@@ -1598,7 +1598,7 @@
         <p:spPr>
           <a:xfrm>
             <a:off x="685800" y="4400640"/>
-            <a:ext cx="5483160" cy="3597120"/>
+            <a:ext cx="5482800" cy="3596760"/>
           </a:xfrm>
           <a:prstGeom prst="rect">
             <a:avLst/>
@@ -1609,7 +1609,7 @@
             <a:noAutofit/>
           </a:bodyPr>
           <a:p>
-            <a:pPr marL="216000" indent="-213120">
+            <a:pPr marL="216000" indent="-212760">
               <a:lnSpc>
                 <a:spcPct val="100000"/>
               </a:lnSpc>
@@ -1625,7 +1625,7 @@
             </a:endParaRPr>
           </a:p>
           <a:p>
-            <a:pPr marL="216000" indent="-213120">
+            <a:pPr marL="216000" indent="-212760">
               <a:lnSpc>
                 <a:spcPct val="100000"/>
               </a:lnSpc>
@@ -1641,7 +1641,7 @@
             </a:endParaRPr>
           </a:p>
           <a:p>
-            <a:pPr marL="216000" indent="-213120">
+            <a:pPr marL="216000" indent="-212760">
               <a:lnSpc>
                 <a:spcPct val="100000"/>
               </a:lnSpc>
@@ -1657,7 +1657,7 @@
             </a:endParaRPr>
           </a:p>
           <a:p>
-            <a:pPr marL="216000" indent="-213120">
+            <a:pPr marL="216000" indent="-212760">
               <a:lnSpc>
                 <a:spcPct val="100000"/>
               </a:lnSpc>
@@ -1667,7 +1667,7 @@
             </a:endParaRPr>
           </a:p>
           <a:p>
-            <a:pPr marL="216000" indent="-213120">
+            <a:pPr marL="216000" indent="-212760">
               <a:lnSpc>
                 <a:spcPct val="100000"/>
               </a:lnSpc>
@@ -1687,7 +1687,7 @@
         <p:spPr>
           <a:xfrm>
             <a:off x="3884760" y="8685360"/>
-            <a:ext cx="2968560" cy="455400"/>
+            <a:ext cx="2968200" cy="455040"/>
           </a:xfrm>
           <a:prstGeom prst="rect">
             <a:avLst/>
@@ -1713,7 +1713,7 @@
                 <a:spcPct val="100000"/>
               </a:lnSpc>
             </a:pPr>
-            <a:fld id="{07D8EFB0-33B0-4F3F-8DEE-1CBFF67231CC}" type="slidenum">
+            <a:fld id="{4556A14B-767A-4604-98A2-B9178E0ED24D}" type="slidenum">
               <a:rPr b="0" lang="en-ZA" sz="1200" spc="-1" strike="noStrike">
                 <a:solidFill>
                   <a:srgbClr val="000000"/>
@@ -1721,7 +1721,7 @@
                 <a:latin typeface="+mn-lt"/>
                 <a:ea typeface="+mn-ea"/>
               </a:rPr>
-              <a:t>&lt;number&gt;</a:t>
+              <a:t>1</a:t>
             </a:fld>
             <a:endParaRPr b="0" lang="en-ZA" sz="1200" spc="-1" strike="noStrike">
               <a:latin typeface="Arial"/>
@@ -1764,7 +1764,7 @@
         <p:spPr>
           <a:xfrm>
             <a:off x="685800" y="1143000"/>
-            <a:ext cx="5483880" cy="3083400"/>
+            <a:ext cx="5483520" cy="3083040"/>
           </a:xfrm>
           <a:prstGeom prst="rect">
             <a:avLst/>
@@ -1784,7 +1784,7 @@
         <p:spPr>
           <a:xfrm>
             <a:off x="685800" y="4400640"/>
-            <a:ext cx="5483160" cy="3597120"/>
+            <a:ext cx="5482800" cy="3596760"/>
           </a:xfrm>
           <a:prstGeom prst="rect">
             <a:avLst/>
@@ -1795,7 +1795,7 @@
             <a:noAutofit/>
           </a:bodyPr>
           <a:p>
-            <a:pPr marL="216000" indent="-213120">
+            <a:pPr marL="216000" indent="-212760">
               <a:lnSpc>
                 <a:spcPct val="100000"/>
               </a:lnSpc>
@@ -1811,7 +1811,7 @@
             </a:endParaRPr>
           </a:p>
           <a:p>
-            <a:pPr marL="216000" indent="-213120">
+            <a:pPr marL="216000" indent="-212760">
               <a:lnSpc>
                 <a:spcPct val="100000"/>
               </a:lnSpc>
@@ -1827,7 +1827,7 @@
             </a:endParaRPr>
           </a:p>
           <a:p>
-            <a:pPr marL="216000" indent="-213120">
+            <a:pPr marL="216000" indent="-212760">
               <a:lnSpc>
                 <a:spcPct val="100000"/>
               </a:lnSpc>
@@ -1843,7 +1843,7 @@
             </a:endParaRPr>
           </a:p>
           <a:p>
-            <a:pPr marL="216000" indent="-213120">
+            <a:pPr marL="216000" indent="-212760">
               <a:lnSpc>
                 <a:spcPct val="100000"/>
               </a:lnSpc>
@@ -1853,7 +1853,7 @@
             </a:endParaRPr>
           </a:p>
           <a:p>
-            <a:pPr marL="216000" indent="-213120">
+            <a:pPr marL="216000" indent="-212760">
               <a:lnSpc>
                 <a:spcPct val="100000"/>
               </a:lnSpc>
@@ -1873,7 +1873,7 @@
         <p:spPr>
           <a:xfrm>
             <a:off x="3884760" y="8685360"/>
-            <a:ext cx="2968560" cy="455400"/>
+            <a:ext cx="2968200" cy="455040"/>
           </a:xfrm>
           <a:prstGeom prst="rect">
             <a:avLst/>
@@ -1899,7 +1899,7 @@
                 <a:spcPct val="100000"/>
               </a:lnSpc>
             </a:pPr>
-            <a:fld id="{E50FD284-A0E3-409A-82E1-755F5241D771}" type="slidenum">
+            <a:fld id="{E360AD21-A108-4B90-98F8-767B94B2503B}" type="slidenum">
               <a:rPr b="0" lang="en-ZA" sz="1200" spc="-1" strike="noStrike">
                 <a:solidFill>
                   <a:srgbClr val="000000"/>
@@ -1907,7 +1907,7 @@
                 <a:latin typeface="+mn-lt"/>
                 <a:ea typeface="+mn-ea"/>
               </a:rPr>
-              <a:t>&lt;number&gt;</a:t>
+              <a:t>1</a:t>
             </a:fld>
             <a:endParaRPr b="0" lang="en-ZA" sz="1200" spc="-1" strike="noStrike">
               <a:latin typeface="Arial"/>
@@ -1950,7 +1950,7 @@
         <p:spPr>
           <a:xfrm>
             <a:off x="685800" y="1143000"/>
-            <a:ext cx="5483880" cy="3083400"/>
+            <a:ext cx="5483520" cy="3083040"/>
           </a:xfrm>
           <a:prstGeom prst="rect">
             <a:avLst/>
@@ -1970,7 +1970,7 @@
         <p:spPr>
           <a:xfrm>
             <a:off x="685800" y="4400640"/>
-            <a:ext cx="5483160" cy="3597120"/>
+            <a:ext cx="5482800" cy="3596760"/>
           </a:xfrm>
           <a:prstGeom prst="rect">
             <a:avLst/>
@@ -1981,7 +1981,7 @@
             <a:noAutofit/>
           </a:bodyPr>
           <a:p>
-            <a:pPr marL="216000" indent="-213120">
+            <a:pPr marL="216000" indent="-212760">
               <a:lnSpc>
                 <a:spcPct val="100000"/>
               </a:lnSpc>
@@ -1997,7 +1997,7 @@
             </a:endParaRPr>
           </a:p>
           <a:p>
-            <a:pPr marL="216000" indent="-213120">
+            <a:pPr marL="216000" indent="-212760">
               <a:lnSpc>
                 <a:spcPct val="100000"/>
               </a:lnSpc>
@@ -2013,7 +2013,7 @@
             </a:endParaRPr>
           </a:p>
           <a:p>
-            <a:pPr marL="216000" indent="-213120">
+            <a:pPr marL="216000" indent="-212760">
               <a:lnSpc>
                 <a:spcPct val="100000"/>
               </a:lnSpc>
@@ -2029,7 +2029,7 @@
             </a:endParaRPr>
           </a:p>
           <a:p>
-            <a:pPr marL="216000" indent="-213120">
+            <a:pPr marL="216000" indent="-212760">
               <a:lnSpc>
                 <a:spcPct val="100000"/>
               </a:lnSpc>
@@ -2039,7 +2039,7 @@
             </a:endParaRPr>
           </a:p>
           <a:p>
-            <a:pPr marL="216000" indent="-213120">
+            <a:pPr marL="216000" indent="-212760">
               <a:lnSpc>
                 <a:spcPct val="100000"/>
               </a:lnSpc>
@@ -2059,7 +2059,7 @@
         <p:spPr>
           <a:xfrm>
             <a:off x="3884760" y="8685360"/>
-            <a:ext cx="2968560" cy="455400"/>
+            <a:ext cx="2968200" cy="455040"/>
           </a:xfrm>
           <a:prstGeom prst="rect">
             <a:avLst/>
@@ -2085,7 +2085,7 @@
                 <a:spcPct val="100000"/>
               </a:lnSpc>
             </a:pPr>
-            <a:fld id="{FF67D891-F575-4EB3-8F2A-F622B2D648E0}" type="slidenum">
+            <a:fld id="{D7B8E76E-7033-48A8-A72A-0939E1F35D22}" type="slidenum">
               <a:rPr b="0" lang="en-ZA" sz="1200" spc="-1" strike="noStrike">
                 <a:solidFill>
                   <a:srgbClr val="000000"/>
@@ -2093,7 +2093,7 @@
                 <a:latin typeface="+mn-lt"/>
                 <a:ea typeface="+mn-ea"/>
               </a:rPr>
-              <a:t>&lt;number&gt;</a:t>
+              <a:t>1</a:t>
             </a:fld>
             <a:endParaRPr b="0" lang="en-ZA" sz="1200" spc="-1" strike="noStrike">
               <a:latin typeface="Arial"/>
@@ -2136,7 +2136,7 @@
         <p:spPr>
           <a:xfrm>
             <a:off x="685800" y="1143000"/>
-            <a:ext cx="5483880" cy="3083400"/>
+            <a:ext cx="5483520" cy="3083040"/>
           </a:xfrm>
           <a:prstGeom prst="rect">
             <a:avLst/>
@@ -2156,7 +2156,7 @@
         <p:spPr>
           <a:xfrm>
             <a:off x="685800" y="4400640"/>
-            <a:ext cx="5483160" cy="3597120"/>
+            <a:ext cx="5482800" cy="3596760"/>
           </a:xfrm>
           <a:prstGeom prst="rect">
             <a:avLst/>
@@ -2182,7 +2182,7 @@
         <p:spPr>
           <a:xfrm>
             <a:off x="3884760" y="8685360"/>
-            <a:ext cx="2968560" cy="455400"/>
+            <a:ext cx="2968200" cy="455040"/>
           </a:xfrm>
           <a:prstGeom prst="rect">
             <a:avLst/>
@@ -2208,7 +2208,7 @@
                 <a:spcPct val="100000"/>
               </a:lnSpc>
             </a:pPr>
-            <a:fld id="{84B7496D-3D75-4E36-928C-0D1F090B3EED}" type="slidenum">
+            <a:fld id="{05B01F95-2643-4586-9B81-01FC9D41F333}" type="slidenum">
               <a:rPr b="0" lang="en-ZA" sz="1200" spc="-1" strike="noStrike">
                 <a:solidFill>
                   <a:srgbClr val="000000"/>
@@ -2216,7 +2216,7 @@
                 <a:latin typeface="+mn-lt"/>
                 <a:ea typeface="+mn-ea"/>
               </a:rPr>
-              <a:t>&lt;number&gt;</a:t>
+              <a:t>1</a:t>
             </a:fld>
             <a:endParaRPr b="0" lang="en-ZA" sz="1200" spc="-1" strike="noStrike">
               <a:latin typeface="Arial"/>
@@ -2259,7 +2259,7 @@
         <p:spPr>
           <a:xfrm>
             <a:off x="685800" y="1143000"/>
-            <a:ext cx="5483880" cy="3083400"/>
+            <a:ext cx="5483520" cy="3083040"/>
           </a:xfrm>
           <a:prstGeom prst="rect">
             <a:avLst/>
@@ -2279,7 +2279,7 @@
         <p:spPr>
           <a:xfrm>
             <a:off x="685800" y="4400640"/>
-            <a:ext cx="5483160" cy="3597120"/>
+            <a:ext cx="5482800" cy="3596760"/>
           </a:xfrm>
           <a:prstGeom prst="rect">
             <a:avLst/>
@@ -2290,7 +2290,7 @@
             <a:noAutofit/>
           </a:bodyPr>
           <a:p>
-            <a:pPr marL="216000" indent="-213120">
+            <a:pPr marL="216000" indent="-212760">
               <a:lnSpc>
                 <a:spcPct val="100000"/>
               </a:lnSpc>
@@ -2306,7 +2306,7 @@
             </a:endParaRPr>
           </a:p>
           <a:p>
-            <a:pPr marL="216000" indent="-213120">
+            <a:pPr marL="216000" indent="-212760">
               <a:lnSpc>
                 <a:spcPct val="100000"/>
               </a:lnSpc>
@@ -2322,7 +2322,7 @@
             </a:endParaRPr>
           </a:p>
           <a:p>
-            <a:pPr marL="216000" indent="-213120">
+            <a:pPr marL="216000" indent="-212760">
               <a:lnSpc>
                 <a:spcPct val="100000"/>
               </a:lnSpc>
@@ -2338,7 +2338,7 @@
             </a:endParaRPr>
           </a:p>
           <a:p>
-            <a:pPr marL="216000" indent="-213120">
+            <a:pPr marL="216000" indent="-212760">
               <a:lnSpc>
                 <a:spcPct val="100000"/>
               </a:lnSpc>
@@ -2354,7 +2354,7 @@
             </a:endParaRPr>
           </a:p>
           <a:p>
-            <a:pPr marL="216000" indent="-213120">
+            <a:pPr marL="216000" indent="-212760">
               <a:lnSpc>
                 <a:spcPct val="100000"/>
               </a:lnSpc>
@@ -2364,7 +2364,7 @@
             </a:endParaRPr>
           </a:p>
           <a:p>
-            <a:pPr marL="216000" indent="-213120">
+            <a:pPr marL="216000" indent="-212760">
               <a:lnSpc>
                 <a:spcPct val="100000"/>
               </a:lnSpc>
@@ -2374,7 +2374,7 @@
             </a:endParaRPr>
           </a:p>
           <a:p>
-            <a:pPr marL="216000" indent="-213120">
+            <a:pPr marL="216000" indent="-212760">
               <a:lnSpc>
                 <a:spcPct val="100000"/>
               </a:lnSpc>
@@ -2390,7 +2390,7 @@
             </a:endParaRPr>
           </a:p>
           <a:p>
-            <a:pPr marL="216000" indent="-213120">
+            <a:pPr marL="216000" indent="-212760">
               <a:lnSpc>
                 <a:spcPct val="100000"/>
               </a:lnSpc>
@@ -2400,7 +2400,7 @@
             </a:endParaRPr>
           </a:p>
           <a:p>
-            <a:pPr marL="216000" indent="-213120">
+            <a:pPr marL="216000" indent="-212760">
               <a:lnSpc>
                 <a:spcPct val="100000"/>
               </a:lnSpc>
@@ -2420,7 +2420,7 @@
         <p:spPr>
           <a:xfrm>
             <a:off x="3884760" y="8685360"/>
-            <a:ext cx="2968560" cy="455400"/>
+            <a:ext cx="2968200" cy="455040"/>
           </a:xfrm>
           <a:prstGeom prst="rect">
             <a:avLst/>
@@ -2446,7 +2446,7 @@
                 <a:spcPct val="100000"/>
               </a:lnSpc>
             </a:pPr>
-            <a:fld id="{5C2DAEA8-FBB7-4D9D-907A-97D5EB968960}" type="slidenum">
+            <a:fld id="{B5E083D3-05CB-4DA7-A7FD-96D18A1498BE}" type="slidenum">
               <a:rPr b="0" lang="en-ZA" sz="1200" spc="-1" strike="noStrike">
                 <a:solidFill>
                   <a:srgbClr val="000000"/>
@@ -2454,7 +2454,7 @@
                 <a:latin typeface="+mn-lt"/>
                 <a:ea typeface="+mn-ea"/>
               </a:rPr>
-              <a:t>&lt;number&gt;</a:t>
+              <a:t>1</a:t>
             </a:fld>
             <a:endParaRPr b="0" lang="en-ZA" sz="1200" spc="-1" strike="noStrike">
               <a:latin typeface="Arial"/>
@@ -2497,7 +2497,7 @@
         <p:spPr>
           <a:xfrm>
             <a:off x="685800" y="1143000"/>
-            <a:ext cx="5483880" cy="3083400"/>
+            <a:ext cx="5483520" cy="3083040"/>
           </a:xfrm>
           <a:prstGeom prst="rect">
             <a:avLst/>
@@ -2517,7 +2517,7 @@
         <p:spPr>
           <a:xfrm>
             <a:off x="685800" y="4400640"/>
-            <a:ext cx="5483160" cy="3597120"/>
+            <a:ext cx="5482800" cy="3596760"/>
           </a:xfrm>
           <a:prstGeom prst="rect">
             <a:avLst/>
@@ -2528,7 +2528,7 @@
             <a:noAutofit/>
           </a:bodyPr>
           <a:p>
-            <a:pPr marL="216000" indent="-213120">
+            <a:pPr marL="216000" indent="-212760">
               <a:lnSpc>
                 <a:spcPct val="100000"/>
               </a:lnSpc>
@@ -2544,7 +2544,7 @@
             </a:endParaRPr>
           </a:p>
           <a:p>
-            <a:pPr marL="216000" indent="-213120">
+            <a:pPr marL="216000" indent="-212760">
               <a:lnSpc>
                 <a:spcPct val="100000"/>
               </a:lnSpc>
@@ -2560,7 +2560,7 @@
             </a:endParaRPr>
           </a:p>
           <a:p>
-            <a:pPr marL="216000" indent="-213120">
+            <a:pPr marL="216000" indent="-212760">
               <a:lnSpc>
                 <a:spcPct val="100000"/>
               </a:lnSpc>
@@ -2576,7 +2576,7 @@
             </a:endParaRPr>
           </a:p>
           <a:p>
-            <a:pPr marL="216000" indent="-213120">
+            <a:pPr marL="216000" indent="-212760">
               <a:lnSpc>
                 <a:spcPct val="100000"/>
               </a:lnSpc>
@@ -2592,7 +2592,7 @@
             </a:endParaRPr>
           </a:p>
           <a:p>
-            <a:pPr marL="216000" indent="-213120">
+            <a:pPr marL="216000" indent="-212760">
               <a:lnSpc>
                 <a:spcPct val="100000"/>
               </a:lnSpc>
@@ -2602,7 +2602,7 @@
             </a:endParaRPr>
           </a:p>
           <a:p>
-            <a:pPr marL="216000" indent="-213120">
+            <a:pPr marL="216000" indent="-212760">
               <a:lnSpc>
                 <a:spcPct val="100000"/>
               </a:lnSpc>
@@ -2612,7 +2612,7 @@
             </a:endParaRPr>
           </a:p>
           <a:p>
-            <a:pPr marL="216000" indent="-213120">
+            <a:pPr marL="216000" indent="-212760">
               <a:lnSpc>
                 <a:spcPct val="100000"/>
               </a:lnSpc>
@@ -2628,7 +2628,7 @@
             </a:endParaRPr>
           </a:p>
           <a:p>
-            <a:pPr marL="216000" indent="-213120">
+            <a:pPr marL="216000" indent="-212760">
               <a:lnSpc>
                 <a:spcPct val="100000"/>
               </a:lnSpc>
@@ -2638,7 +2638,7 @@
             </a:endParaRPr>
           </a:p>
           <a:p>
-            <a:pPr marL="216000" indent="-213120">
+            <a:pPr marL="216000" indent="-212760">
               <a:lnSpc>
                 <a:spcPct val="100000"/>
               </a:lnSpc>
@@ -2658,7 +2658,7 @@
         <p:spPr>
           <a:xfrm>
             <a:off x="3884760" y="8685360"/>
-            <a:ext cx="2968560" cy="455400"/>
+            <a:ext cx="2968200" cy="455040"/>
           </a:xfrm>
           <a:prstGeom prst="rect">
             <a:avLst/>
@@ -2684,7 +2684,7 @@
                 <a:spcPct val="100000"/>
               </a:lnSpc>
             </a:pPr>
-            <a:fld id="{3262B3BC-AF5A-4CC5-9EE8-F65D18318808}" type="slidenum">
+            <a:fld id="{5C67924D-B2ED-4032-B9C0-7B610D661940}" type="slidenum">
               <a:rPr b="0" lang="en-ZA" sz="1200" spc="-1" strike="noStrike">
                 <a:solidFill>
                   <a:srgbClr val="000000"/>
@@ -2692,7 +2692,7 @@
                 <a:latin typeface="+mn-lt"/>
                 <a:ea typeface="+mn-ea"/>
               </a:rPr>
-              <a:t>&lt;number&gt;</a:t>
+              <a:t>1</a:t>
             </a:fld>
             <a:endParaRPr b="0" lang="en-ZA" sz="1200" spc="-1" strike="noStrike">
               <a:latin typeface="Arial"/>
@@ -2735,7 +2735,7 @@
         <p:spPr>
           <a:xfrm>
             <a:off x="685800" y="1143000"/>
-            <a:ext cx="5483880" cy="3083400"/>
+            <a:ext cx="5483520" cy="3083040"/>
           </a:xfrm>
           <a:prstGeom prst="rect">
             <a:avLst/>
@@ -2755,7 +2755,7 @@
         <p:spPr>
           <a:xfrm>
             <a:off x="685800" y="4400640"/>
-            <a:ext cx="5483160" cy="3597120"/>
+            <a:ext cx="5482800" cy="3596760"/>
           </a:xfrm>
           <a:prstGeom prst="rect">
             <a:avLst/>
@@ -2766,7 +2766,7 @@
             <a:noAutofit/>
           </a:bodyPr>
           <a:p>
-            <a:pPr marL="216000" indent="-213120">
+            <a:pPr marL="216000" indent="-212760">
               <a:lnSpc>
                 <a:spcPct val="100000"/>
               </a:lnSpc>
@@ -2782,7 +2782,7 @@
             </a:endParaRPr>
           </a:p>
           <a:p>
-            <a:pPr marL="216000" indent="-213120">
+            <a:pPr marL="216000" indent="-212760">
               <a:lnSpc>
                 <a:spcPct val="100000"/>
               </a:lnSpc>
@@ -2798,7 +2798,7 @@
             </a:endParaRPr>
           </a:p>
           <a:p>
-            <a:pPr marL="216000" indent="-213120">
+            <a:pPr marL="216000" indent="-212760">
               <a:lnSpc>
                 <a:spcPct val="100000"/>
               </a:lnSpc>
@@ -2814,7 +2814,7 @@
             </a:endParaRPr>
           </a:p>
           <a:p>
-            <a:pPr marL="216000" indent="-213120">
+            <a:pPr marL="216000" indent="-212760">
               <a:lnSpc>
                 <a:spcPct val="100000"/>
               </a:lnSpc>
@@ -2830,7 +2830,7 @@
             </a:endParaRPr>
           </a:p>
           <a:p>
-            <a:pPr marL="216000" indent="-213120">
+            <a:pPr marL="216000" indent="-212760">
               <a:lnSpc>
                 <a:spcPct val="100000"/>
               </a:lnSpc>
@@ -2840,7 +2840,7 @@
             </a:endParaRPr>
           </a:p>
           <a:p>
-            <a:pPr marL="216000" indent="-213120">
+            <a:pPr marL="216000" indent="-212760">
               <a:lnSpc>
                 <a:spcPct val="100000"/>
               </a:lnSpc>
@@ -2850,7 +2850,7 @@
             </a:endParaRPr>
           </a:p>
           <a:p>
-            <a:pPr marL="216000" indent="-213120">
+            <a:pPr marL="216000" indent="-212760">
               <a:lnSpc>
                 <a:spcPct val="100000"/>
               </a:lnSpc>
@@ -2866,7 +2866,7 @@
             </a:endParaRPr>
           </a:p>
           <a:p>
-            <a:pPr marL="216000" indent="-213120">
+            <a:pPr marL="216000" indent="-212760">
               <a:lnSpc>
                 <a:spcPct val="100000"/>
               </a:lnSpc>
@@ -2876,7 +2876,7 @@
             </a:endParaRPr>
           </a:p>
           <a:p>
-            <a:pPr marL="216000" indent="-213120">
+            <a:pPr marL="216000" indent="-212760">
               <a:lnSpc>
                 <a:spcPct val="100000"/>
               </a:lnSpc>
@@ -2896,7 +2896,7 @@
         <p:spPr>
           <a:xfrm>
             <a:off x="3884760" y="8685360"/>
-            <a:ext cx="2968560" cy="455400"/>
+            <a:ext cx="2968200" cy="455040"/>
           </a:xfrm>
           <a:prstGeom prst="rect">
             <a:avLst/>
@@ -2922,7 +2922,7 @@
                 <a:spcPct val="100000"/>
               </a:lnSpc>
             </a:pPr>
-            <a:fld id="{40922B2E-9609-41D0-BF3E-179AF0476672}" type="slidenum">
+            <a:fld id="{A0667F6D-B385-4436-817A-52CB3F19EA26}" type="slidenum">
               <a:rPr b="0" lang="en-ZA" sz="1200" spc="-1" strike="noStrike">
                 <a:solidFill>
                   <a:srgbClr val="000000"/>
@@ -2973,7 +2973,7 @@
         <p:spPr>
           <a:xfrm>
             <a:off x="685800" y="1143000"/>
-            <a:ext cx="5483880" cy="3083400"/>
+            <a:ext cx="5483520" cy="3083040"/>
           </a:xfrm>
           <a:prstGeom prst="rect">
             <a:avLst/>
@@ -2993,7 +2993,7 @@
         <p:spPr>
           <a:xfrm>
             <a:off x="685800" y="4400640"/>
-            <a:ext cx="5483160" cy="3597120"/>
+            <a:ext cx="5482800" cy="3596760"/>
           </a:xfrm>
           <a:prstGeom prst="rect">
             <a:avLst/>
@@ -3004,7 +3004,7 @@
             <a:noAutofit/>
           </a:bodyPr>
           <a:p>
-            <a:pPr marL="216000" indent="-213120">
+            <a:pPr marL="216000" indent="-212760">
               <a:lnSpc>
                 <a:spcPct val="100000"/>
               </a:lnSpc>
@@ -3020,7 +3020,7 @@
             </a:endParaRPr>
           </a:p>
           <a:p>
-            <a:pPr marL="216000" indent="-213120">
+            <a:pPr marL="216000" indent="-212760">
               <a:lnSpc>
                 <a:spcPct val="100000"/>
               </a:lnSpc>
@@ -3036,7 +3036,7 @@
             </a:endParaRPr>
           </a:p>
           <a:p>
-            <a:pPr marL="216000" indent="-213120">
+            <a:pPr marL="216000" indent="-212760">
               <a:lnSpc>
                 <a:spcPct val="100000"/>
               </a:lnSpc>
@@ -3052,7 +3052,7 @@
             </a:endParaRPr>
           </a:p>
           <a:p>
-            <a:pPr marL="216000" indent="-213120">
+            <a:pPr marL="216000" indent="-212760">
               <a:lnSpc>
                 <a:spcPct val="100000"/>
               </a:lnSpc>
@@ -3068,7 +3068,7 @@
             </a:endParaRPr>
           </a:p>
           <a:p>
-            <a:pPr marL="216000" indent="-213120">
+            <a:pPr marL="216000" indent="-212760">
               <a:lnSpc>
                 <a:spcPct val="100000"/>
               </a:lnSpc>
@@ -3078,7 +3078,7 @@
             </a:endParaRPr>
           </a:p>
           <a:p>
-            <a:pPr marL="216000" indent="-213120">
+            <a:pPr marL="216000" indent="-212760">
               <a:lnSpc>
                 <a:spcPct val="100000"/>
               </a:lnSpc>
@@ -3088,7 +3088,7 @@
             </a:endParaRPr>
           </a:p>
           <a:p>
-            <a:pPr marL="216000" indent="-213120">
+            <a:pPr marL="216000" indent="-212760">
               <a:lnSpc>
                 <a:spcPct val="100000"/>
               </a:lnSpc>
@@ -3104,7 +3104,7 @@
             </a:endParaRPr>
           </a:p>
           <a:p>
-            <a:pPr marL="216000" indent="-213120">
+            <a:pPr marL="216000" indent="-212760">
               <a:lnSpc>
                 <a:spcPct val="100000"/>
               </a:lnSpc>
@@ -3114,7 +3114,7 @@
             </a:endParaRPr>
           </a:p>
           <a:p>
-            <a:pPr marL="216000" indent="-213120">
+            <a:pPr marL="216000" indent="-212760">
               <a:lnSpc>
                 <a:spcPct val="100000"/>
               </a:lnSpc>
@@ -3134,7 +3134,7 @@
         <p:spPr>
           <a:xfrm>
             <a:off x="3884760" y="8685360"/>
-            <a:ext cx="2968560" cy="455400"/>
+            <a:ext cx="2968200" cy="455040"/>
           </a:xfrm>
           <a:prstGeom prst="rect">
             <a:avLst/>
@@ -3160,7 +3160,7 @@
                 <a:spcPct val="100000"/>
               </a:lnSpc>
             </a:pPr>
-            <a:fld id="{A39F0B4F-10DF-418E-923C-7E37C3E2A168}" type="slidenum">
+            <a:fld id="{BADB2402-56EE-433B-ABFC-E8A79C43044A}" type="slidenum">
               <a:rPr b="0" lang="en-ZA" sz="1200" spc="-1" strike="noStrike">
                 <a:solidFill>
                   <a:srgbClr val="000000"/>
@@ -3211,7 +3211,7 @@
         <p:spPr>
           <a:xfrm>
             <a:off x="685800" y="1143000"/>
-            <a:ext cx="5483880" cy="3083400"/>
+            <a:ext cx="5483520" cy="3083040"/>
           </a:xfrm>
           <a:prstGeom prst="rect">
             <a:avLst/>
@@ -3231,7 +3231,7 @@
         <p:spPr>
           <a:xfrm>
             <a:off x="685800" y="4400640"/>
-            <a:ext cx="5483160" cy="3597120"/>
+            <a:ext cx="5482800" cy="3596760"/>
           </a:xfrm>
           <a:prstGeom prst="rect">
             <a:avLst/>
@@ -3242,7 +3242,7 @@
             <a:noAutofit/>
           </a:bodyPr>
           <a:p>
-            <a:pPr marL="216000" indent="-213120">
+            <a:pPr marL="216000" indent="-212760">
               <a:lnSpc>
                 <a:spcPct val="100000"/>
               </a:lnSpc>
@@ -3258,7 +3258,7 @@
             </a:endParaRPr>
           </a:p>
           <a:p>
-            <a:pPr marL="216000" indent="-213120">
+            <a:pPr marL="216000" indent="-212760">
               <a:lnSpc>
                 <a:spcPct val="100000"/>
               </a:lnSpc>
@@ -3274,7 +3274,7 @@
             </a:endParaRPr>
           </a:p>
           <a:p>
-            <a:pPr marL="216000" indent="-213120">
+            <a:pPr marL="216000" indent="-212760">
               <a:lnSpc>
                 <a:spcPct val="100000"/>
               </a:lnSpc>
@@ -3290,7 +3290,7 @@
             </a:endParaRPr>
           </a:p>
           <a:p>
-            <a:pPr marL="216000" indent="-213120">
+            <a:pPr marL="216000" indent="-212760">
               <a:lnSpc>
                 <a:spcPct val="100000"/>
               </a:lnSpc>
@@ -3306,7 +3306,7 @@
             </a:endParaRPr>
           </a:p>
           <a:p>
-            <a:pPr marL="216000" indent="-213120">
+            <a:pPr marL="216000" indent="-212760">
               <a:lnSpc>
                 <a:spcPct val="100000"/>
               </a:lnSpc>
@@ -3316,7 +3316,7 @@
             </a:endParaRPr>
           </a:p>
           <a:p>
-            <a:pPr marL="216000" indent="-213120">
+            <a:pPr marL="216000" indent="-212760">
               <a:lnSpc>
                 <a:spcPct val="100000"/>
               </a:lnSpc>
@@ -3326,7 +3326,7 @@
             </a:endParaRPr>
           </a:p>
           <a:p>
-            <a:pPr marL="216000" indent="-213120">
+            <a:pPr marL="216000" indent="-212760">
               <a:lnSpc>
                 <a:spcPct val="100000"/>
               </a:lnSpc>
@@ -3342,7 +3342,7 @@
             </a:endParaRPr>
           </a:p>
           <a:p>
-            <a:pPr marL="216000" indent="-213120">
+            <a:pPr marL="216000" indent="-212760">
               <a:lnSpc>
                 <a:spcPct val="100000"/>
               </a:lnSpc>
@@ -3352,7 +3352,7 @@
             </a:endParaRPr>
           </a:p>
           <a:p>
-            <a:pPr marL="216000" indent="-213120">
+            <a:pPr marL="216000" indent="-212760">
               <a:lnSpc>
                 <a:spcPct val="100000"/>
               </a:lnSpc>
@@ -3372,7 +3372,7 @@
         <p:spPr>
           <a:xfrm>
             <a:off x="3884760" y="8685360"/>
-            <a:ext cx="2968560" cy="455400"/>
+            <a:ext cx="2968200" cy="455040"/>
           </a:xfrm>
           <a:prstGeom prst="rect">
             <a:avLst/>
@@ -3398,7 +3398,7 @@
                 <a:spcPct val="100000"/>
               </a:lnSpc>
             </a:pPr>
-            <a:fld id="{0D86FD12-1BB7-4A27-A4F3-DF0678A06203}" type="slidenum">
+            <a:fld id="{925302E9-22ED-4E79-BCE5-F1B2A3006D6B}" type="slidenum">
               <a:rPr b="0" lang="en-ZA" sz="1200" spc="-1" strike="noStrike">
                 <a:solidFill>
                   <a:srgbClr val="000000"/>
@@ -3449,7 +3449,7 @@
         <p:spPr>
           <a:xfrm>
             <a:off x="685800" y="1143000"/>
-            <a:ext cx="5483880" cy="3083400"/>
+            <a:ext cx="5483520" cy="3083040"/>
           </a:xfrm>
           <a:prstGeom prst="rect">
             <a:avLst/>
@@ -3469,7 +3469,7 @@
         <p:spPr>
           <a:xfrm>
             <a:off x="685800" y="4400640"/>
-            <a:ext cx="5483160" cy="3597120"/>
+            <a:ext cx="5482800" cy="3596760"/>
           </a:xfrm>
           <a:prstGeom prst="rect">
             <a:avLst/>
@@ -3480,7 +3480,7 @@
             <a:noAutofit/>
           </a:bodyPr>
           <a:p>
-            <a:pPr marL="216000" indent="-213120">
+            <a:pPr marL="216000" indent="-212760">
               <a:lnSpc>
                 <a:spcPct val="100000"/>
               </a:lnSpc>
@@ -3496,7 +3496,7 @@
             </a:endParaRPr>
           </a:p>
           <a:p>
-            <a:pPr marL="216000" indent="-213120">
+            <a:pPr marL="216000" indent="-212760">
               <a:lnSpc>
                 <a:spcPct val="100000"/>
               </a:lnSpc>
@@ -3512,7 +3512,7 @@
             </a:endParaRPr>
           </a:p>
           <a:p>
-            <a:pPr marL="216000" indent="-213120">
+            <a:pPr marL="216000" indent="-212760">
               <a:lnSpc>
                 <a:spcPct val="100000"/>
               </a:lnSpc>
@@ -3528,7 +3528,7 @@
             </a:endParaRPr>
           </a:p>
           <a:p>
-            <a:pPr marL="216000" indent="-213120">
+            <a:pPr marL="216000" indent="-212760">
               <a:lnSpc>
                 <a:spcPct val="100000"/>
               </a:lnSpc>
@@ -3544,7 +3544,7 @@
             </a:endParaRPr>
           </a:p>
           <a:p>
-            <a:pPr marL="216000" indent="-213120">
+            <a:pPr marL="216000" indent="-212760">
               <a:lnSpc>
                 <a:spcPct val="100000"/>
               </a:lnSpc>
@@ -3554,7 +3554,7 @@
             </a:endParaRPr>
           </a:p>
           <a:p>
-            <a:pPr marL="216000" indent="-213120">
+            <a:pPr marL="216000" indent="-212760">
               <a:lnSpc>
                 <a:spcPct val="100000"/>
               </a:lnSpc>
@@ -3564,7 +3564,7 @@
             </a:endParaRPr>
           </a:p>
           <a:p>
-            <a:pPr marL="216000" indent="-213120">
+            <a:pPr marL="216000" indent="-212760">
               <a:lnSpc>
                 <a:spcPct val="100000"/>
               </a:lnSpc>
@@ -3580,7 +3580,7 @@
             </a:endParaRPr>
           </a:p>
           <a:p>
-            <a:pPr marL="216000" indent="-213120">
+            <a:pPr marL="216000" indent="-212760">
               <a:lnSpc>
                 <a:spcPct val="100000"/>
               </a:lnSpc>
@@ -3590,7 +3590,7 @@
             </a:endParaRPr>
           </a:p>
           <a:p>
-            <a:pPr marL="216000" indent="-213120">
+            <a:pPr marL="216000" indent="-212760">
               <a:lnSpc>
                 <a:spcPct val="100000"/>
               </a:lnSpc>
@@ -3610,7 +3610,7 @@
         <p:spPr>
           <a:xfrm>
             <a:off x="3884760" y="8685360"/>
-            <a:ext cx="2968560" cy="455400"/>
+            <a:ext cx="2968200" cy="455040"/>
           </a:xfrm>
           <a:prstGeom prst="rect">
             <a:avLst/>
@@ -3636,7 +3636,7 @@
                 <a:spcPct val="100000"/>
               </a:lnSpc>
             </a:pPr>
-            <a:fld id="{FD1BD070-6902-4B13-84BA-C5A6100DCE35}" type="slidenum">
+            <a:fld id="{69CBD22F-565F-4DB3-95EE-D6AF41B563A9}" type="slidenum">
               <a:rPr b="0" lang="en-ZA" sz="1200" spc="-1" strike="noStrike">
                 <a:solidFill>
                   <a:srgbClr val="000000"/>
@@ -3687,7 +3687,7 @@
         <p:spPr>
           <a:xfrm>
             <a:off x="685800" y="1143000"/>
-            <a:ext cx="5483880" cy="3083400"/>
+            <a:ext cx="5483520" cy="3083040"/>
           </a:xfrm>
           <a:prstGeom prst="rect">
             <a:avLst/>
@@ -3707,7 +3707,7 @@
         <p:spPr>
           <a:xfrm>
             <a:off x="685800" y="4400640"/>
-            <a:ext cx="5483160" cy="3597120"/>
+            <a:ext cx="5482800" cy="3596760"/>
           </a:xfrm>
           <a:prstGeom prst="rect">
             <a:avLst/>
@@ -3718,7 +3718,7 @@
             <a:noAutofit/>
           </a:bodyPr>
           <a:p>
-            <a:pPr marL="216000" indent="-213480">
+            <a:pPr marL="216000" indent="-213120">
               <a:lnSpc>
                 <a:spcPct val="100000"/>
               </a:lnSpc>
@@ -3744,7 +3744,7 @@
         <p:spPr>
           <a:xfrm>
             <a:off x="3884760" y="8685360"/>
-            <a:ext cx="2968560" cy="455400"/>
+            <a:ext cx="2968200" cy="455040"/>
           </a:xfrm>
           <a:prstGeom prst="rect">
             <a:avLst/>
@@ -3770,7 +3770,7 @@
                 <a:spcPct val="100000"/>
               </a:lnSpc>
             </a:pPr>
-            <a:fld id="{7DC712C9-8A02-4E43-9DAC-766984E7AC8D}" type="slidenum">
+            <a:fld id="{733C94A2-C3B0-4CBD-9A7C-1D95F049DEC7}" type="slidenum">
               <a:rPr b="0" lang="en-ZA" sz="1200" spc="-1" strike="noStrike">
                 <a:solidFill>
                   <a:srgbClr val="000000"/>
@@ -3778,7 +3778,7 @@
                 <a:latin typeface="+mn-lt"/>
                 <a:ea typeface="+mn-ea"/>
               </a:rPr>
-              <a:t>&lt;number&gt;</a:t>
+              <a:t>1</a:t>
             </a:fld>
             <a:endParaRPr b="0" lang="en-ZA" sz="1200" spc="-1" strike="noStrike">
               <a:latin typeface="Arial"/>
@@ -3821,7 +3821,7 @@
         <p:spPr>
           <a:xfrm>
             <a:off x="685800" y="1143000"/>
-            <a:ext cx="5483880" cy="3083400"/>
+            <a:ext cx="5483520" cy="3083040"/>
           </a:xfrm>
           <a:prstGeom prst="rect">
             <a:avLst/>
@@ -3841,7 +3841,7 @@
         <p:spPr>
           <a:xfrm>
             <a:off x="685800" y="4400640"/>
-            <a:ext cx="5483160" cy="3597120"/>
+            <a:ext cx="5482800" cy="3596760"/>
           </a:xfrm>
           <a:prstGeom prst="rect">
             <a:avLst/>
@@ -3867,7 +3867,7 @@
         <p:spPr>
           <a:xfrm>
             <a:off x="3884760" y="8685360"/>
-            <a:ext cx="2968560" cy="455400"/>
+            <a:ext cx="2968200" cy="455040"/>
           </a:xfrm>
           <a:prstGeom prst="rect">
             <a:avLst/>
@@ -3893,7 +3893,7 @@
                 <a:spcPct val="100000"/>
               </a:lnSpc>
             </a:pPr>
-            <a:fld id="{BAF0D1E5-2868-4B9C-B967-E45337ECBDC7}" type="slidenum">
+            <a:fld id="{D6FF6BD3-BCD1-43DB-868B-34629BA495F2}" type="slidenum">
               <a:rPr b="0" lang="en-ZA" sz="1200" spc="-1" strike="noStrike">
                 <a:solidFill>
                   <a:srgbClr val="000000"/>
@@ -3901,7 +3901,7 @@
                 <a:latin typeface="+mn-lt"/>
                 <a:ea typeface="+mn-ea"/>
               </a:rPr>
-              <a:t>&lt;number&gt;</a:t>
+              <a:t>1</a:t>
             </a:fld>
             <a:endParaRPr b="0" lang="en-ZA" sz="1200" spc="-1" strike="noStrike">
               <a:latin typeface="Arial"/>
@@ -3944,7 +3944,7 @@
         <p:spPr>
           <a:xfrm>
             <a:off x="685800" y="1143000"/>
-            <a:ext cx="5483880" cy="3083400"/>
+            <a:ext cx="5483520" cy="3083040"/>
           </a:xfrm>
           <a:prstGeom prst="rect">
             <a:avLst/>
@@ -3964,7 +3964,7 @@
         <p:spPr>
           <a:xfrm>
             <a:off x="685800" y="4400640"/>
-            <a:ext cx="5483160" cy="3597120"/>
+            <a:ext cx="5482800" cy="3596760"/>
           </a:xfrm>
           <a:prstGeom prst="rect">
             <a:avLst/>
@@ -3975,7 +3975,7 @@
             <a:noAutofit/>
           </a:bodyPr>
           <a:p>
-            <a:pPr marL="216000" indent="-213480">
+            <a:pPr marL="216000" indent="-213120">
               <a:lnSpc>
                 <a:spcPct val="100000"/>
               </a:lnSpc>
@@ -4001,7 +4001,7 @@
         <p:spPr>
           <a:xfrm>
             <a:off x="3884760" y="8685360"/>
-            <a:ext cx="2968560" cy="455400"/>
+            <a:ext cx="2968200" cy="455040"/>
           </a:xfrm>
           <a:prstGeom prst="rect">
             <a:avLst/>
@@ -4027,7 +4027,7 @@
                 <a:spcPct val="100000"/>
               </a:lnSpc>
             </a:pPr>
-            <a:fld id="{10D161FA-220D-4D56-A4A5-88B4CAB4C006}" type="slidenum">
+            <a:fld id="{BCFBA116-AC4B-4CF0-8530-E09A692889F2}" type="slidenum">
               <a:rPr b="0" lang="en-ZA" sz="1200" spc="-1" strike="noStrike">
                 <a:solidFill>
                   <a:srgbClr val="000000"/>
@@ -4035,7 +4035,7 @@
                 <a:latin typeface="+mn-lt"/>
                 <a:ea typeface="+mn-ea"/>
               </a:rPr>
-              <a:t>&lt;number&gt;</a:t>
+              <a:t>1</a:t>
             </a:fld>
             <a:endParaRPr b="0" lang="en-ZA" sz="1200" spc="-1" strike="noStrike">
               <a:latin typeface="Arial"/>
@@ -4078,7 +4078,7 @@
         <p:spPr>
           <a:xfrm>
             <a:off x="685800" y="1143000"/>
-            <a:ext cx="5483880" cy="3083400"/>
+            <a:ext cx="5483520" cy="3083040"/>
           </a:xfrm>
           <a:prstGeom prst="rect">
             <a:avLst/>
@@ -4098,7 +4098,7 @@
         <p:spPr>
           <a:xfrm>
             <a:off x="685800" y="4400640"/>
-            <a:ext cx="5483160" cy="3597120"/>
+            <a:ext cx="5482800" cy="3596760"/>
           </a:xfrm>
           <a:prstGeom prst="rect">
             <a:avLst/>
@@ -4109,7 +4109,7 @@
             <a:noAutofit/>
           </a:bodyPr>
           <a:p>
-            <a:pPr marL="216000" indent="-213480">
+            <a:pPr marL="216000" indent="-213120">
               <a:lnSpc>
                 <a:spcPct val="100000"/>
               </a:lnSpc>
@@ -4135,7 +4135,7 @@
         <p:spPr>
           <a:xfrm>
             <a:off x="3884760" y="8685360"/>
-            <a:ext cx="2968560" cy="455400"/>
+            <a:ext cx="2968200" cy="455040"/>
           </a:xfrm>
           <a:prstGeom prst="rect">
             <a:avLst/>
@@ -4161,7 +4161,7 @@
                 <a:spcPct val="100000"/>
               </a:lnSpc>
             </a:pPr>
-            <a:fld id="{EDFD57F3-2674-4ED8-867C-E4986056A337}" type="slidenum">
+            <a:fld id="{28D5FCCB-1270-42DD-B397-34AB641E9F8D}" type="slidenum">
               <a:rPr b="0" lang="en-ZA" sz="1200" spc="-1" strike="noStrike">
                 <a:solidFill>
                   <a:srgbClr val="000000"/>
@@ -4169,7 +4169,7 @@
                 <a:latin typeface="+mn-lt"/>
                 <a:ea typeface="+mn-ea"/>
               </a:rPr>
-              <a:t>&lt;number&gt;</a:t>
+              <a:t>1</a:t>
             </a:fld>
             <a:endParaRPr b="0" lang="en-ZA" sz="1200" spc="-1" strike="noStrike">
               <a:latin typeface="Arial"/>
@@ -4212,7 +4212,7 @@
         <p:spPr>
           <a:xfrm>
             <a:off x="685800" y="1143000"/>
-            <a:ext cx="5483880" cy="3083400"/>
+            <a:ext cx="5483520" cy="3083040"/>
           </a:xfrm>
           <a:prstGeom prst="rect">
             <a:avLst/>
@@ -4232,7 +4232,7 @@
         <p:spPr>
           <a:xfrm>
             <a:off x="685800" y="4400640"/>
-            <a:ext cx="5483160" cy="3597120"/>
+            <a:ext cx="5482800" cy="3596760"/>
           </a:xfrm>
           <a:prstGeom prst="rect">
             <a:avLst/>
@@ -4243,7 +4243,7 @@
             <a:noAutofit/>
           </a:bodyPr>
           <a:p>
-            <a:pPr marL="216000" indent="-213480">
+            <a:pPr marL="216000" indent="-213120">
               <a:lnSpc>
                 <a:spcPct val="100000"/>
               </a:lnSpc>
@@ -4269,7 +4269,7 @@
         <p:spPr>
           <a:xfrm>
             <a:off x="3884760" y="8685360"/>
-            <a:ext cx="2968560" cy="455400"/>
+            <a:ext cx="2968200" cy="455040"/>
           </a:xfrm>
           <a:prstGeom prst="rect">
             <a:avLst/>
@@ -4295,7 +4295,7 @@
                 <a:spcPct val="100000"/>
               </a:lnSpc>
             </a:pPr>
-            <a:fld id="{991D1022-8681-471D-AC9B-BAD0FD453953}" type="slidenum">
+            <a:fld id="{914C95DE-AFA2-4B81-ABDB-AA6CDEC8A111}" type="slidenum">
               <a:rPr b="0" lang="en-ZA" sz="1200" spc="-1" strike="noStrike">
                 <a:solidFill>
                   <a:srgbClr val="000000"/>
@@ -4303,7 +4303,7 @@
                 <a:latin typeface="+mn-lt"/>
                 <a:ea typeface="+mn-ea"/>
               </a:rPr>
-              <a:t>&lt;number&gt;</a:t>
+              <a:t>1</a:t>
             </a:fld>
             <a:endParaRPr b="0" lang="en-ZA" sz="1200" spc="-1" strike="noStrike">
               <a:latin typeface="Arial"/>
@@ -4346,7 +4346,7 @@
         <p:spPr>
           <a:xfrm>
             <a:off x="687240" y="1143000"/>
-            <a:ext cx="5477400" cy="3081960"/>
+            <a:ext cx="5477040" cy="3081600"/>
           </a:xfrm>
           <a:prstGeom prst="rect">
             <a:avLst/>
@@ -4366,7 +4366,7 @@
         <p:spPr>
           <a:xfrm>
             <a:off x="685800" y="4400640"/>
-            <a:ext cx="5481000" cy="3594960"/>
+            <a:ext cx="5480640" cy="3594600"/>
           </a:xfrm>
           <a:prstGeom prst="rect">
             <a:avLst/>
@@ -4377,7 +4377,7 @@
             <a:noAutofit/>
           </a:bodyPr>
           <a:p>
-            <a:pPr marL="216000" indent="-210960">
+            <a:pPr marL="216000" indent="-210600">
               <a:lnSpc>
                 <a:spcPct val="100000"/>
               </a:lnSpc>
@@ -4407,7 +4407,7 @@
         <p:spPr>
           <a:xfrm>
             <a:off x="3884760" y="8685360"/>
-            <a:ext cx="2966400" cy="453240"/>
+            <a:ext cx="2966040" cy="452880"/>
           </a:xfrm>
           <a:prstGeom prst="rect">
             <a:avLst/>
@@ -4433,7 +4433,7 @@
                 <a:spcPct val="100000"/>
               </a:lnSpc>
             </a:pPr>
-            <a:fld id="{7104D01A-7C2F-42DF-B46D-1D9F42ED6496}" type="slidenum">
+            <a:fld id="{AE3C34C3-F791-446D-ACF5-E7F313143444}" type="slidenum">
               <a:rPr b="0" lang="en-ZA" sz="1200" spc="-1" strike="noStrike">
                 <a:solidFill>
                   <a:srgbClr val="000000"/>
@@ -4441,7 +4441,7 @@
                 <a:latin typeface="+mn-lt"/>
                 <a:ea typeface="+mn-ea"/>
               </a:rPr>
-              <a:t>&lt;number&gt;</a:t>
+              <a:t>1</a:t>
             </a:fld>
             <a:endParaRPr b="0" lang="en-ZA" sz="1200" spc="-1" strike="noStrike">
               <a:latin typeface="Arial"/>
@@ -4484,7 +4484,7 @@
         <p:spPr>
           <a:xfrm>
             <a:off x="687240" y="1143000"/>
-            <a:ext cx="5477400" cy="3081960"/>
+            <a:ext cx="5477040" cy="3081600"/>
           </a:xfrm>
           <a:prstGeom prst="rect">
             <a:avLst/>
@@ -4504,7 +4504,7 @@
         <p:spPr>
           <a:xfrm>
             <a:off x="685800" y="4400640"/>
-            <a:ext cx="5481000" cy="3594960"/>
+            <a:ext cx="5480640" cy="3594600"/>
           </a:xfrm>
           <a:prstGeom prst="rect">
             <a:avLst/>
@@ -4515,7 +4515,7 @@
             <a:noAutofit/>
           </a:bodyPr>
           <a:p>
-            <a:pPr marL="216000" indent="-210960">
+            <a:pPr marL="216000" indent="-210600">
               <a:lnSpc>
                 <a:spcPct val="100000"/>
               </a:lnSpc>
@@ -4545,7 +4545,7 @@
         <p:spPr>
           <a:xfrm>
             <a:off x="3884760" y="8685360"/>
-            <a:ext cx="2966400" cy="453240"/>
+            <a:ext cx="2966040" cy="452880"/>
           </a:xfrm>
           <a:prstGeom prst="rect">
             <a:avLst/>
@@ -4571,7 +4571,7 @@
                 <a:spcPct val="100000"/>
               </a:lnSpc>
             </a:pPr>
-            <a:fld id="{98B84C16-3A1F-4965-AAFE-4D689663CF1D}" type="slidenum">
+            <a:fld id="{53E0460B-C7AC-44E1-BBDC-F0854859E09F}" type="slidenum">
               <a:rPr b="0" lang="en-ZA" sz="1200" spc="-1" strike="noStrike">
                 <a:solidFill>
                   <a:srgbClr val="000000"/>
@@ -4579,7 +4579,7 @@
                 <a:latin typeface="+mn-lt"/>
                 <a:ea typeface="+mn-ea"/>
               </a:rPr>
-              <a:t>&lt;number&gt;</a:t>
+              <a:t>1</a:t>
             </a:fld>
             <a:endParaRPr b="0" lang="en-ZA" sz="1200" spc="-1" strike="noStrike">
               <a:latin typeface="Arial"/>
@@ -7857,7 +7857,7 @@
         <p:spPr>
           <a:xfrm>
             <a:off x="322920" y="4875480"/>
-            <a:ext cx="11544840" cy="1758960"/>
+            <a:ext cx="11544480" cy="1758600"/>
           </a:xfrm>
           <a:prstGeom prst="rect">
             <a:avLst/>
@@ -7888,7 +7888,7 @@
         <p:spPr>
           <a:xfrm>
             <a:off x="322920" y="222480"/>
-            <a:ext cx="11544840" cy="1915200"/>
+            <a:ext cx="11544480" cy="1914840"/>
           </a:xfrm>
           <a:prstGeom prst="rect">
             <a:avLst/>
@@ -7939,7 +7939,7 @@
         <p:spPr>
           <a:xfrm>
             <a:off x="2544120" y="4979520"/>
-            <a:ext cx="7102440" cy="1550520"/>
+            <a:ext cx="7102080" cy="1550160"/>
           </a:xfrm>
           <a:prstGeom prst="rect">
             <a:avLst/>
@@ -8074,7 +8074,7 @@
         <p:spPr>
           <a:xfrm>
             <a:off x="3934080" y="1728000"/>
-            <a:ext cx="4344480" cy="2806560"/>
+            <a:ext cx="4344120" cy="2806200"/>
           </a:xfrm>
           <a:prstGeom prst="rect">
             <a:avLst/>
@@ -8137,7 +8137,7 @@
         <p:spPr>
           <a:xfrm>
             <a:off x="986400" y="1830600"/>
-            <a:ext cx="3894840" cy="3886200"/>
+            <a:ext cx="3894480" cy="3885840"/>
           </a:xfrm>
           <a:prstGeom prst="rect">
             <a:avLst/>
@@ -8248,7 +8248,7 @@
         <p:spPr>
           <a:xfrm>
             <a:off x="4260600" y="312120"/>
-            <a:ext cx="3669480" cy="696960"/>
+            <a:ext cx="3669120" cy="696600"/>
           </a:xfrm>
           <a:prstGeom prst="rect">
             <a:avLst/>
@@ -8304,7 +8304,7 @@
         <p:spPr>
           <a:xfrm>
             <a:off x="5637240" y="975600"/>
-            <a:ext cx="6242040" cy="5791680"/>
+            <a:ext cx="6241680" cy="5791320"/>
           </a:xfrm>
           <a:prstGeom prst="rect">
             <a:avLst/>
@@ -8360,7 +8360,7 @@
         <p:spPr>
           <a:xfrm>
             <a:off x="237240" y="5001840"/>
-            <a:ext cx="5632560" cy="940680"/>
+            <a:ext cx="5632200" cy="940320"/>
           </a:xfrm>
           <a:prstGeom prst="rect">
             <a:avLst/>
@@ -8386,7 +8386,7 @@
         <p:spPr>
           <a:xfrm>
             <a:off x="601560" y="1879560"/>
-            <a:ext cx="10987920" cy="3926880"/>
+            <a:ext cx="10987560" cy="3926520"/>
           </a:xfrm>
           <a:prstGeom prst="rect">
             <a:avLst/>
@@ -8407,7 +8407,7 @@
             <a:noAutofit/>
           </a:bodyPr>
           <a:p>
-            <a:pPr marL="285840" indent="-282600">
+            <a:pPr marL="285840" indent="-282240">
               <a:lnSpc>
                 <a:spcPct val="100000"/>
               </a:lnSpc>
@@ -8442,7 +8442,7 @@
             </a:endParaRPr>
           </a:p>
           <a:p>
-            <a:pPr marL="285840" indent="-282600">
+            <a:pPr marL="285840" indent="-282240">
               <a:lnSpc>
                 <a:spcPct val="100000"/>
               </a:lnSpc>
@@ -8477,7 +8477,7 @@
             </a:endParaRPr>
           </a:p>
           <a:p>
-            <a:pPr marL="285840" indent="-282600">
+            <a:pPr marL="285840" indent="-282240">
               <a:lnSpc>
                 <a:spcPct val="100000"/>
               </a:lnSpc>
@@ -8572,7 +8572,7 @@
         <p:spPr>
           <a:xfrm>
             <a:off x="5326200" y="4178880"/>
-            <a:ext cx="9778680" cy="3926880"/>
+            <a:ext cx="9778320" cy="3926520"/>
           </a:xfrm>
           <a:prstGeom prst="rect">
             <a:avLst/>
@@ -8633,7 +8633,7 @@
         <p:spPr>
           <a:xfrm>
             <a:off x="4260600" y="312120"/>
-            <a:ext cx="3669480" cy="696960"/>
+            <a:ext cx="3669120" cy="696600"/>
           </a:xfrm>
           <a:prstGeom prst="rect">
             <a:avLst/>
@@ -8721,7 +8721,7 @@
         <p:spPr>
           <a:xfrm>
             <a:off x="506880" y="3669480"/>
-            <a:ext cx="9055080" cy="1940400"/>
+            <a:ext cx="9054720" cy="1940040"/>
           </a:xfrm>
           <a:prstGeom prst="rect">
             <a:avLst/>
@@ -8872,7 +8872,7 @@
         <p:spPr>
           <a:xfrm>
             <a:off x="506880" y="1379880"/>
-            <a:ext cx="11177280" cy="3031920"/>
+            <a:ext cx="11176920" cy="3031560"/>
           </a:xfrm>
           <a:prstGeom prst="rect">
             <a:avLst/>
@@ -8963,7 +8963,7 @@
         <p:spPr>
           <a:xfrm>
             <a:off x="2076480" y="4168440"/>
-            <a:ext cx="8578080" cy="942120"/>
+            <a:ext cx="8577720" cy="941760"/>
           </a:xfrm>
           <a:prstGeom prst="rect">
             <a:avLst/>
@@ -9034,7 +9034,7 @@
         <p:spPr>
           <a:xfrm>
             <a:off x="3048120" y="295920"/>
-            <a:ext cx="6094800" cy="696960"/>
+            <a:ext cx="6094440" cy="696600"/>
           </a:xfrm>
           <a:prstGeom prst="rect">
             <a:avLst/>
@@ -9122,7 +9122,7 @@
         <p:spPr>
           <a:xfrm>
             <a:off x="5368320" y="-1155240"/>
-            <a:ext cx="5685840" cy="5763600"/>
+            <a:ext cx="5685480" cy="5763240"/>
           </a:xfrm>
           <a:prstGeom prst="rect">
             <a:avLst/>
@@ -9183,7 +9183,7 @@
         <p:spPr>
           <a:xfrm>
             <a:off x="3048120" y="295920"/>
-            <a:ext cx="6094800" cy="696960"/>
+            <a:ext cx="6094440" cy="696600"/>
           </a:xfrm>
           <a:prstGeom prst="rect">
             <a:avLst/>
@@ -9239,7 +9239,7 @@
         <p:spPr>
           <a:xfrm>
             <a:off x="1385280" y="1296360"/>
-            <a:ext cx="9702000" cy="5398920"/>
+            <a:ext cx="9701640" cy="5398560"/>
           </a:xfrm>
           <a:prstGeom prst="rect">
             <a:avLst/>
@@ -9295,7 +9295,7 @@
         <p:spPr>
           <a:xfrm>
             <a:off x="360000" y="930240"/>
-            <a:ext cx="5685840" cy="5763600"/>
+            <a:ext cx="5685480" cy="5763240"/>
           </a:xfrm>
           <a:prstGeom prst="rect">
             <a:avLst/>
@@ -9356,7 +9356,7 @@
         <p:spPr>
           <a:xfrm>
             <a:off x="3048120" y="295920"/>
-            <a:ext cx="6094800" cy="696960"/>
+            <a:ext cx="6094440" cy="696600"/>
           </a:xfrm>
           <a:prstGeom prst="rect">
             <a:avLst/>
@@ -9412,7 +9412,7 @@
         <p:spPr>
           <a:xfrm>
             <a:off x="1385280" y="1296720"/>
-            <a:ext cx="9702000" cy="5398920"/>
+            <a:ext cx="9701640" cy="5398560"/>
           </a:xfrm>
           <a:prstGeom prst="rect">
             <a:avLst/>
@@ -9468,7 +9468,7 @@
         <p:spPr>
           <a:xfrm>
             <a:off x="360000" y="930240"/>
-            <a:ext cx="5685840" cy="5763600"/>
+            <a:ext cx="5685480" cy="5763240"/>
           </a:xfrm>
           <a:prstGeom prst="rect">
             <a:avLst/>
@@ -9529,7 +9529,7 @@
         <p:spPr>
           <a:xfrm>
             <a:off x="3048120" y="295920"/>
-            <a:ext cx="6094800" cy="696960"/>
+            <a:ext cx="6094440" cy="696600"/>
           </a:xfrm>
           <a:prstGeom prst="rect">
             <a:avLst/>
@@ -9584,7 +9584,7 @@
         <p:spPr>
           <a:xfrm>
             <a:off x="1385280" y="1296720"/>
-            <a:ext cx="9633600" cy="5326560"/>
+            <a:ext cx="9633240" cy="5326200"/>
           </a:xfrm>
           <a:prstGeom prst="rect">
             <a:avLst/>
@@ -9640,7 +9640,7 @@
         <p:spPr>
           <a:xfrm>
             <a:off x="360000" y="930240"/>
-            <a:ext cx="5685840" cy="5763600"/>
+            <a:ext cx="5685480" cy="5763240"/>
           </a:xfrm>
           <a:prstGeom prst="rect">
             <a:avLst/>
@@ -9701,7 +9701,7 @@
         <p:spPr>
           <a:xfrm>
             <a:off x="3048120" y="295920"/>
-            <a:ext cx="6094800" cy="696960"/>
+            <a:ext cx="6094440" cy="696600"/>
           </a:xfrm>
           <a:prstGeom prst="rect">
             <a:avLst/>
@@ -9756,7 +9756,7 @@
         <p:spPr>
           <a:xfrm>
             <a:off x="1385280" y="1325520"/>
-            <a:ext cx="9633600" cy="5298120"/>
+            <a:ext cx="9633240" cy="5297760"/>
           </a:xfrm>
           <a:prstGeom prst="rect">
             <a:avLst/>
@@ -9812,7 +9812,7 @@
         <p:spPr>
           <a:xfrm>
             <a:off x="360000" y="930240"/>
-            <a:ext cx="5685840" cy="5763600"/>
+            <a:ext cx="5685480" cy="5763240"/>
           </a:xfrm>
           <a:prstGeom prst="rect">
             <a:avLst/>
@@ -9873,7 +9873,7 @@
         <p:spPr>
           <a:xfrm>
             <a:off x="3048120" y="295920"/>
-            <a:ext cx="6094800" cy="696960"/>
+            <a:ext cx="6094440" cy="696600"/>
           </a:xfrm>
           <a:prstGeom prst="rect">
             <a:avLst/>
@@ -9929,7 +9929,7 @@
         <p:spPr>
           <a:xfrm>
             <a:off x="1450440" y="1354320"/>
-            <a:ext cx="9863280" cy="5374440"/>
+            <a:ext cx="9862920" cy="5374080"/>
           </a:xfrm>
           <a:prstGeom prst="rect">
             <a:avLst/>
@@ -9985,7 +9985,7 @@
         <p:spPr>
           <a:xfrm>
             <a:off x="360000" y="930240"/>
-            <a:ext cx="5685840" cy="5763600"/>
+            <a:ext cx="5685480" cy="5763240"/>
           </a:xfrm>
           <a:prstGeom prst="rect">
             <a:avLst/>
@@ -10046,7 +10046,7 @@
         <p:spPr>
           <a:xfrm>
             <a:off x="1169280" y="2693160"/>
-            <a:ext cx="4653000" cy="2237400"/>
+            <a:ext cx="4652640" cy="2237040"/>
           </a:xfrm>
           <a:prstGeom prst="rect">
             <a:avLst/>
@@ -10107,7 +10107,7 @@
         <p:spPr>
           <a:xfrm>
             <a:off x="3048120" y="295920"/>
-            <a:ext cx="6094800" cy="696960"/>
+            <a:ext cx="6094440" cy="696600"/>
           </a:xfrm>
           <a:prstGeom prst="rect">
             <a:avLst/>
@@ -10157,13 +10157,13 @@
         </p:nvPicPr>
         <p:blipFill>
           <a:blip r:embed="rId1"/>
-          <a:srcRect l="32661" t="32063" r="53744" b="19633"/>
+          <a:srcRect l="32657" t="32059" r="53738" b="19629"/>
           <a:stretch/>
         </p:blipFill>
         <p:spPr>
           <a:xfrm>
             <a:off x="7560000" y="864360"/>
-            <a:ext cx="2878560" cy="5758920"/>
+            <a:ext cx="2878200" cy="5758560"/>
           </a:xfrm>
           <a:prstGeom prst="rect">
             <a:avLst/>
@@ -10219,7 +10219,7 @@
         <p:spPr>
           <a:xfrm>
             <a:off x="3115800" y="336960"/>
-            <a:ext cx="5991120" cy="696960"/>
+            <a:ext cx="5990760" cy="696600"/>
           </a:xfrm>
           <a:prstGeom prst="rect">
             <a:avLst/>
@@ -10280,7 +10280,7 @@
         <p:spPr>
           <a:xfrm>
             <a:off x="360000" y="930240"/>
-            <a:ext cx="5685840" cy="5763600"/>
+            <a:ext cx="5685480" cy="5763240"/>
           </a:xfrm>
           <a:prstGeom prst="rect">
             <a:avLst/>
@@ -10341,7 +10341,7 @@
         <p:spPr>
           <a:xfrm>
             <a:off x="1157040" y="1848600"/>
-            <a:ext cx="9778680" cy="3926880"/>
+            <a:ext cx="9778320" cy="3926520"/>
           </a:xfrm>
           <a:prstGeom prst="rect">
             <a:avLst/>
@@ -10362,7 +10362,7 @@
             <a:noAutofit/>
           </a:bodyPr>
           <a:p>
-            <a:pPr marL="285840" indent="-282600">
+            <a:pPr marL="285840" indent="-282240">
               <a:lnSpc>
                 <a:spcPct val="100000"/>
               </a:lnSpc>
@@ -10397,7 +10397,7 @@
             </a:endParaRPr>
           </a:p>
           <a:p>
-            <a:pPr marL="285840" indent="-282600">
+            <a:pPr marL="285840" indent="-282240">
               <a:lnSpc>
                 <a:spcPct val="100000"/>
               </a:lnSpc>
@@ -10432,7 +10432,7 @@
             </a:endParaRPr>
           </a:p>
           <a:p>
-            <a:pPr marL="285840" indent="-282600">
+            <a:pPr marL="285840" indent="-282240">
               <a:lnSpc>
                 <a:spcPct val="100000"/>
               </a:lnSpc>
@@ -10564,7 +10564,7 @@
         <p:spPr>
           <a:xfrm>
             <a:off x="4260600" y="312120"/>
-            <a:ext cx="3669480" cy="696960"/>
+            <a:ext cx="3669120" cy="696600"/>
           </a:xfrm>
           <a:prstGeom prst="rect">
             <a:avLst/>
@@ -10615,7 +10615,7 @@
         <p:spPr>
           <a:xfrm>
             <a:off x="1170360" y="1760400"/>
-            <a:ext cx="4781880" cy="3926880"/>
+            <a:ext cx="4781520" cy="3926520"/>
           </a:xfrm>
           <a:prstGeom prst="rect">
             <a:avLst/>
@@ -10646,7 +10646,7 @@
             </a:endParaRPr>
           </a:p>
           <a:p>
-            <a:pPr marL="285840" indent="-282600">
+            <a:pPr marL="285840" indent="-282240">
               <a:lnSpc>
                 <a:spcPct val="100000"/>
               </a:lnSpc>
@@ -10691,7 +10691,7 @@
             </a:endParaRPr>
           </a:p>
           <a:p>
-            <a:pPr marL="285840" indent="-282600">
+            <a:pPr marL="285840" indent="-282240">
               <a:lnSpc>
                 <a:spcPct val="100000"/>
               </a:lnSpc>
@@ -10709,7 +10709,7 @@
                 <a:latin typeface="Arial"/>
                 <a:ea typeface="DejaVu Sans"/>
               </a:rPr>
-              <a:t>High resolution data</a:t>
+              <a:t>Techniques to improve high resolution data</a:t>
             </a:r>
             <a:endParaRPr b="0" lang="en-ZA" sz="2800" spc="-1" strike="noStrike">
               <a:latin typeface="Arial"/>
@@ -10736,7 +10736,7 @@
             </a:endParaRPr>
           </a:p>
           <a:p>
-            <a:pPr marL="285840" indent="-282600">
+            <a:pPr marL="285840" indent="-282240">
               <a:lnSpc>
                 <a:spcPct val="100000"/>
               </a:lnSpc>
@@ -10795,7 +10795,7 @@
         <p:spPr>
           <a:xfrm>
             <a:off x="7232760" y="1406880"/>
-            <a:ext cx="3301200" cy="2090880"/>
+            <a:ext cx="3300840" cy="2090520"/>
           </a:xfrm>
           <a:prstGeom prst="rect">
             <a:avLst/>
@@ -10820,13 +10820,13 @@
         </p:nvPicPr>
         <p:blipFill>
           <a:blip r:embed="rId2"/>
-          <a:srcRect l="42102" t="39398" r="18904" b="18579"/>
+          <a:srcRect l="42096" t="39391" r="18902" b="18576"/>
           <a:stretch/>
         </p:blipFill>
         <p:spPr>
           <a:xfrm>
             <a:off x="7232760" y="3895560"/>
-            <a:ext cx="3301200" cy="2090880"/>
+            <a:ext cx="3300840" cy="2090520"/>
           </a:xfrm>
           <a:prstGeom prst="rect">
             <a:avLst/>
@@ -10889,7 +10889,7 @@
         <p:spPr>
           <a:xfrm>
             <a:off x="529920" y="1788480"/>
-            <a:ext cx="7586280" cy="2830320"/>
+            <a:ext cx="7585920" cy="2829960"/>
           </a:xfrm>
           <a:prstGeom prst="rect">
             <a:avLst/>
@@ -10940,7 +10940,7 @@
         <p:spPr>
           <a:xfrm>
             <a:off x="3115800" y="336960"/>
-            <a:ext cx="5991120" cy="696960"/>
+            <a:ext cx="5990760" cy="696600"/>
           </a:xfrm>
           <a:prstGeom prst="rect">
             <a:avLst/>
@@ -10966,7 +10966,7 @@
         <p:spPr>
           <a:xfrm>
             <a:off x="3115800" y="336960"/>
-            <a:ext cx="5991120" cy="696960"/>
+            <a:ext cx="5990760" cy="696600"/>
           </a:xfrm>
           <a:prstGeom prst="rect">
             <a:avLst/>
@@ -11027,7 +11027,7 @@
         <p:spPr>
           <a:xfrm>
             <a:off x="1206000" y="1788480"/>
-            <a:ext cx="9778680" cy="3926880"/>
+            <a:ext cx="9778320" cy="3926520"/>
           </a:xfrm>
           <a:prstGeom prst="rect">
             <a:avLst/>
@@ -11048,7 +11048,7 @@
             <a:noAutofit/>
           </a:bodyPr>
           <a:p>
-            <a:pPr marL="285840" indent="-282600">
+            <a:pPr marL="285840" indent="-282240">
               <a:lnSpc>
                 <a:spcPct val="100000"/>
               </a:lnSpc>
@@ -11083,7 +11083,7 @@
             </a:endParaRPr>
           </a:p>
           <a:p>
-            <a:pPr marL="285840" indent="-282600">
+            <a:pPr marL="285840" indent="-282240">
               <a:lnSpc>
                 <a:spcPct val="100000"/>
               </a:lnSpc>
@@ -11118,7 +11118,7 @@
             </a:endParaRPr>
           </a:p>
           <a:p>
-            <a:pPr marL="285840" indent="-282600">
+            <a:pPr marL="285840" indent="-282240">
               <a:lnSpc>
                 <a:spcPct val="100000"/>
               </a:lnSpc>
@@ -11250,7 +11250,7 @@
         <p:spPr>
           <a:xfrm>
             <a:off x="529920" y="1788480"/>
-            <a:ext cx="7586280" cy="2830320"/>
+            <a:ext cx="7585920" cy="2829960"/>
           </a:xfrm>
           <a:prstGeom prst="rect">
             <a:avLst/>
@@ -11301,7 +11301,7 @@
         <p:spPr>
           <a:xfrm>
             <a:off x="3115800" y="336960"/>
-            <a:ext cx="5991120" cy="696960"/>
+            <a:ext cx="5990760" cy="696600"/>
           </a:xfrm>
           <a:prstGeom prst="rect">
             <a:avLst/>
@@ -11327,7 +11327,7 @@
         <p:spPr>
           <a:xfrm>
             <a:off x="3115800" y="336960"/>
-            <a:ext cx="5991120" cy="696960"/>
+            <a:ext cx="5990760" cy="696600"/>
           </a:xfrm>
           <a:prstGeom prst="rect">
             <a:avLst/>
@@ -11388,7 +11388,7 @@
         <p:spPr>
           <a:xfrm>
             <a:off x="1004040" y="1788480"/>
-            <a:ext cx="10182600" cy="3926880"/>
+            <a:ext cx="10182240" cy="3926520"/>
           </a:xfrm>
           <a:prstGeom prst="rect">
             <a:avLst/>
@@ -11409,7 +11409,7 @@
             <a:noAutofit/>
           </a:bodyPr>
           <a:p>
-            <a:pPr marL="285840" indent="-282600">
+            <a:pPr marL="285840" indent="-282240">
               <a:lnSpc>
                 <a:spcPct val="100000"/>
               </a:lnSpc>
@@ -11444,7 +11444,7 @@
             </a:endParaRPr>
           </a:p>
           <a:p>
-            <a:pPr marL="285840" indent="-282600">
+            <a:pPr marL="285840" indent="-282240">
               <a:lnSpc>
                 <a:spcPct val="100000"/>
               </a:lnSpc>
@@ -11479,7 +11479,7 @@
             </a:endParaRPr>
           </a:p>
           <a:p>
-            <a:pPr marL="285840" indent="-282600">
+            <a:pPr marL="285840" indent="-282240">
               <a:lnSpc>
                 <a:spcPct val="100000"/>
               </a:lnSpc>
@@ -11611,7 +11611,7 @@
         <p:spPr>
           <a:xfrm>
             <a:off x="529920" y="1788480"/>
-            <a:ext cx="7586280" cy="2830320"/>
+            <a:ext cx="7585920" cy="2829960"/>
           </a:xfrm>
           <a:prstGeom prst="rect">
             <a:avLst/>
@@ -11662,7 +11662,7 @@
         <p:spPr>
           <a:xfrm>
             <a:off x="3115800" y="336960"/>
-            <a:ext cx="5991120" cy="696960"/>
+            <a:ext cx="5990760" cy="696600"/>
           </a:xfrm>
           <a:prstGeom prst="rect">
             <a:avLst/>
@@ -11688,7 +11688,7 @@
         <p:spPr>
           <a:xfrm>
             <a:off x="1206000" y="2072160"/>
-            <a:ext cx="9778680" cy="3300120"/>
+            <a:ext cx="9778320" cy="3299760"/>
           </a:xfrm>
           <a:prstGeom prst="rect">
             <a:avLst/>
@@ -11709,7 +11709,7 @@
             <a:noAutofit/>
           </a:bodyPr>
           <a:p>
-            <a:pPr marL="285840" indent="-282600">
+            <a:pPr marL="285840" indent="-282240">
               <a:lnSpc>
                 <a:spcPct val="100000"/>
               </a:lnSpc>
@@ -11744,7 +11744,7 @@
             </a:endParaRPr>
           </a:p>
           <a:p>
-            <a:pPr marL="285840" indent="-282600">
+            <a:pPr marL="285840" indent="-282240">
               <a:lnSpc>
                 <a:spcPct val="100000"/>
               </a:lnSpc>
@@ -11779,7 +11779,7 @@
             </a:endParaRPr>
           </a:p>
           <a:p>
-            <a:pPr marL="285840" indent="-282600">
+            <a:pPr marL="285840" indent="-282240">
               <a:lnSpc>
                 <a:spcPct val="100000"/>
               </a:lnSpc>
@@ -11874,7 +11874,7 @@
         <p:spPr>
           <a:xfrm>
             <a:off x="3115800" y="336960"/>
-            <a:ext cx="5991120" cy="696960"/>
+            <a:ext cx="5990760" cy="696600"/>
           </a:xfrm>
           <a:prstGeom prst="rect">
             <a:avLst/>
@@ -11972,7 +11972,7 @@
         <p:spPr>
           <a:xfrm>
             <a:off x="529920" y="1788480"/>
-            <a:ext cx="7586280" cy="2830320"/>
+            <a:ext cx="7585920" cy="2829960"/>
           </a:xfrm>
           <a:prstGeom prst="rect">
             <a:avLst/>
@@ -12023,7 +12023,7 @@
         <p:spPr>
           <a:xfrm>
             <a:off x="3115800" y="336960"/>
-            <a:ext cx="5991120" cy="696960"/>
+            <a:ext cx="5990760" cy="696600"/>
           </a:xfrm>
           <a:prstGeom prst="rect">
             <a:avLst/>
@@ -12049,7 +12049,7 @@
         <p:spPr>
           <a:xfrm>
             <a:off x="1000800" y="1275120"/>
-            <a:ext cx="10696680" cy="4508280"/>
+            <a:ext cx="10696320" cy="4507920"/>
           </a:xfrm>
           <a:prstGeom prst="rect">
             <a:avLst/>
@@ -12070,22 +12070,17 @@
             <a:noAutofit/>
           </a:bodyPr>
           <a:p>
-            <a:pPr marL="285840" indent="-282600">
-              <a:lnSpc>
-                <a:spcPct val="100000"/>
-              </a:lnSpc>
-              <a:buClr>
-                <a:srgbClr val="000000"/>
-              </a:buClr>
-              <a:buFont typeface="Arial"/>
-              <a:buChar char="•"/>
+            <a:pPr>
+              <a:lnSpc>
+                <a:spcPct val="100000"/>
+              </a:lnSpc>
             </a:pPr>
             <a:endParaRPr b="0" lang="en-ZA" sz="1800" spc="-1" strike="noStrike">
               <a:latin typeface="Arial"/>
             </a:endParaRPr>
           </a:p>
           <a:p>
-            <a:pPr marL="285840" indent="-282600">
+            <a:pPr marL="285840" indent="-282240">
               <a:lnSpc>
                 <a:spcPct val="100000"/>
               </a:lnSpc>
@@ -12120,7 +12115,7 @@
             </a:endParaRPr>
           </a:p>
           <a:p>
-            <a:pPr marL="285840" indent="-282600">
+            <a:pPr marL="285840" indent="-282240">
               <a:lnSpc>
                 <a:spcPct val="100000"/>
               </a:lnSpc>
@@ -12165,22 +12160,17 @@
             </a:endParaRPr>
           </a:p>
           <a:p>
-            <a:pPr marL="285840" indent="-282600">
-              <a:lnSpc>
-                <a:spcPct val="100000"/>
-              </a:lnSpc>
-              <a:buClr>
-                <a:srgbClr val="000000"/>
-              </a:buClr>
-              <a:buFont typeface="Arial"/>
-              <a:buChar char="•"/>
+            <a:pPr>
+              <a:lnSpc>
+                <a:spcPct val="100000"/>
+              </a:lnSpc>
             </a:pPr>
             <a:endParaRPr b="0" lang="en-ZA" sz="2800" spc="-1" strike="noStrike">
               <a:latin typeface="Arial"/>
             </a:endParaRPr>
           </a:p>
           <a:p>
-            <a:pPr marL="285840" indent="-282600">
+            <a:pPr marL="285840" indent="-282240">
               <a:lnSpc>
                 <a:spcPct val="100000"/>
               </a:lnSpc>
@@ -12205,22 +12195,17 @@
             </a:endParaRPr>
           </a:p>
           <a:p>
-            <a:pPr marL="285840" indent="-282600">
-              <a:lnSpc>
-                <a:spcPct val="100000"/>
-              </a:lnSpc>
-              <a:buClr>
-                <a:srgbClr val="000000"/>
-              </a:buClr>
-              <a:buFont typeface="Arial"/>
-              <a:buChar char="•"/>
+            <a:pPr>
+              <a:lnSpc>
+                <a:spcPct val="100000"/>
+              </a:lnSpc>
             </a:pPr>
             <a:endParaRPr b="0" lang="en-ZA" sz="2800" spc="-1" strike="noStrike">
               <a:latin typeface="Arial"/>
             </a:endParaRPr>
           </a:p>
           <a:p>
-            <a:pPr marL="285840" indent="-282600">
+            <a:pPr marL="285840" indent="-282240">
               <a:lnSpc>
                 <a:spcPct val="100000"/>
               </a:lnSpc>
@@ -12245,22 +12230,17 @@
             </a:endParaRPr>
           </a:p>
           <a:p>
-            <a:pPr marL="285840" indent="-282600">
-              <a:lnSpc>
-                <a:spcPct val="100000"/>
-              </a:lnSpc>
-              <a:buClr>
-                <a:srgbClr val="000000"/>
-              </a:buClr>
-              <a:buFont typeface="Arial"/>
-              <a:buChar char="•"/>
+            <a:pPr>
+              <a:lnSpc>
+                <a:spcPct val="100000"/>
+              </a:lnSpc>
             </a:pPr>
             <a:endParaRPr b="0" lang="en-ZA" sz="2800" spc="-1" strike="noStrike">
               <a:latin typeface="Arial"/>
             </a:endParaRPr>
           </a:p>
           <a:p>
-            <a:pPr marL="285840" indent="-282600">
+            <a:pPr marL="285840" indent="-282240">
               <a:lnSpc>
                 <a:spcPct val="100000"/>
               </a:lnSpc>
@@ -12355,7 +12335,7 @@
         <p:spPr>
           <a:xfrm>
             <a:off x="3115800" y="336960"/>
-            <a:ext cx="5991120" cy="696960"/>
+            <a:ext cx="5990760" cy="696600"/>
           </a:xfrm>
           <a:prstGeom prst="rect">
             <a:avLst/>
@@ -12453,7 +12433,7 @@
         <p:spPr>
           <a:xfrm>
             <a:off x="529920" y="1788480"/>
-            <a:ext cx="7586280" cy="2830320"/>
+            <a:ext cx="7585920" cy="2829960"/>
           </a:xfrm>
           <a:prstGeom prst="rect">
             <a:avLst/>
@@ -12504,7 +12484,7 @@
         <p:spPr>
           <a:xfrm>
             <a:off x="3115800" y="336960"/>
-            <a:ext cx="5991120" cy="696960"/>
+            <a:ext cx="5990760" cy="696600"/>
           </a:xfrm>
           <a:prstGeom prst="rect">
             <a:avLst/>
@@ -12530,7 +12510,7 @@
         <p:spPr>
           <a:xfrm>
             <a:off x="529560" y="1788480"/>
-            <a:ext cx="11131560" cy="3897720"/>
+            <a:ext cx="11131200" cy="3897360"/>
           </a:xfrm>
           <a:prstGeom prst="rect">
             <a:avLst/>
@@ -12551,7 +12531,7 @@
             <a:noAutofit/>
           </a:bodyPr>
           <a:p>
-            <a:pPr marL="285840" indent="-282600">
+            <a:pPr marL="285840" indent="-282240">
               <a:lnSpc>
                 <a:spcPct val="100000"/>
               </a:lnSpc>
@@ -12586,7 +12566,7 @@
             </a:endParaRPr>
           </a:p>
           <a:p>
-            <a:pPr marL="285840" indent="-282600">
+            <a:pPr marL="285840" indent="-282240">
               <a:lnSpc>
                 <a:spcPct val="100000"/>
               </a:lnSpc>
@@ -12621,7 +12601,7 @@
             </a:endParaRPr>
           </a:p>
           <a:p>
-            <a:pPr marL="285840" indent="-282600">
+            <a:pPr marL="285840" indent="-282240">
               <a:lnSpc>
                 <a:spcPct val="100000"/>
               </a:lnSpc>
@@ -12716,7 +12696,7 @@
         <p:spPr>
           <a:xfrm>
             <a:off x="3115800" y="336960"/>
-            <a:ext cx="5991120" cy="696960"/>
+            <a:ext cx="5990760" cy="696600"/>
           </a:xfrm>
           <a:prstGeom prst="rect">
             <a:avLst/>
@@ -12814,7 +12794,7 @@
         <p:spPr>
           <a:xfrm>
             <a:off x="529920" y="1788480"/>
-            <a:ext cx="7586280" cy="2830320"/>
+            <a:ext cx="7585920" cy="2829960"/>
           </a:xfrm>
           <a:prstGeom prst="rect">
             <a:avLst/>
@@ -12865,7 +12845,7 @@
         <p:spPr>
           <a:xfrm>
             <a:off x="3115800" y="336960"/>
-            <a:ext cx="5991120" cy="696960"/>
+            <a:ext cx="5990760" cy="696600"/>
           </a:xfrm>
           <a:prstGeom prst="rect">
             <a:avLst/>
@@ -12891,7 +12871,7 @@
         <p:spPr>
           <a:xfrm>
             <a:off x="659880" y="1944000"/>
-            <a:ext cx="9778680" cy="3926880"/>
+            <a:ext cx="9778320" cy="3926520"/>
           </a:xfrm>
           <a:prstGeom prst="rect">
             <a:avLst/>
@@ -12982,7 +12962,7 @@
         <p:spPr>
           <a:xfrm>
             <a:off x="3115800" y="336960"/>
-            <a:ext cx="5991120" cy="696960"/>
+            <a:ext cx="5990760" cy="696600"/>
           </a:xfrm>
           <a:prstGeom prst="rect">
             <a:avLst/>
@@ -13033,7 +13013,7 @@
         <p:spPr>
           <a:xfrm>
             <a:off x="1887120" y="478080"/>
-            <a:ext cx="8416800" cy="925920"/>
+            <a:ext cx="8416440" cy="925560"/>
           </a:xfrm>
           <a:prstGeom prst="rect">
             <a:avLst/>
@@ -13128,7 +13108,7 @@
         <p:spPr>
           <a:xfrm>
             <a:off x="3848040" y="2832480"/>
-            <a:ext cx="4494600" cy="3370680"/>
+            <a:ext cx="4494240" cy="3370320"/>
           </a:xfrm>
           <a:prstGeom prst="rect">
             <a:avLst/>
@@ -13184,7 +13164,7 @@
         <p:spPr>
           <a:xfrm>
             <a:off x="831240" y="4354560"/>
-            <a:ext cx="10528200" cy="1811880"/>
+            <a:ext cx="10527840" cy="1811520"/>
           </a:xfrm>
           <a:prstGeom prst="roundRect">
             <a:avLst>
@@ -13220,7 +13200,7 @@
         <p:spPr>
           <a:xfrm>
             <a:off x="831240" y="1394640"/>
-            <a:ext cx="10528200" cy="1294560"/>
+            <a:ext cx="10527840" cy="1294200"/>
           </a:xfrm>
           <a:prstGeom prst="roundRect">
             <a:avLst>
@@ -13253,7 +13233,7 @@
         <p:spPr>
           <a:xfrm>
             <a:off x="1316880" y="1607400"/>
-            <a:ext cx="9557280" cy="1144080"/>
+            <a:ext cx="9556920" cy="1143720"/>
           </a:xfrm>
           <a:prstGeom prst="rect">
             <a:avLst/>
@@ -13334,7 +13314,7 @@
         <p:spPr>
           <a:xfrm>
             <a:off x="831240" y="3309480"/>
-            <a:ext cx="10528200" cy="791640"/>
+            <a:ext cx="10527840" cy="791280"/>
           </a:xfrm>
           <a:prstGeom prst="rect">
             <a:avLst/>
@@ -13405,7 +13385,7 @@
         <p:spPr>
           <a:xfrm>
             <a:off x="1103760" y="4659120"/>
-            <a:ext cx="11170080" cy="468360"/>
+            <a:ext cx="11169720" cy="468000"/>
           </a:xfrm>
           <a:prstGeom prst="rect">
             <a:avLst/>
@@ -13506,7 +13486,7 @@
         <p:spPr>
           <a:xfrm>
             <a:off x="4260600" y="312120"/>
-            <a:ext cx="3669480" cy="696960"/>
+            <a:ext cx="3669120" cy="696600"/>
           </a:xfrm>
           <a:prstGeom prst="rect">
             <a:avLst/>
@@ -13594,7 +13574,7 @@
         <p:spPr>
           <a:xfrm>
             <a:off x="-10440" y="3287160"/>
-            <a:ext cx="12310200" cy="1269720"/>
+            <a:ext cx="12309840" cy="1269360"/>
           </a:xfrm>
           <a:prstGeom prst="rect">
             <a:avLst/>
@@ -13645,7 +13625,7 @@
         <p:spPr>
           <a:xfrm>
             <a:off x="1728000" y="2130480"/>
-            <a:ext cx="7991280" cy="2261520"/>
+            <a:ext cx="7990920" cy="2261160"/>
           </a:xfrm>
           <a:prstGeom prst="roundRect">
             <a:avLst>
@@ -13681,7 +13661,7 @@
         <p:spPr>
           <a:xfrm>
             <a:off x="2316240" y="2625480"/>
-            <a:ext cx="7043040" cy="1405800"/>
+            <a:ext cx="7042680" cy="1405440"/>
           </a:xfrm>
           <a:prstGeom prst="rect">
             <a:avLst/>
@@ -13752,7 +13732,7 @@
         <p:spPr>
           <a:xfrm>
             <a:off x="792000" y="1800000"/>
-            <a:ext cx="11170080" cy="1230120"/>
+            <a:ext cx="11169720" cy="1229760"/>
           </a:xfrm>
           <a:prstGeom prst="rect">
             <a:avLst/>
@@ -13823,7 +13803,7 @@
         <p:spPr>
           <a:xfrm>
             <a:off x="792000" y="1800000"/>
-            <a:ext cx="11170080" cy="1230120"/>
+            <a:ext cx="11169720" cy="1229760"/>
           </a:xfrm>
           <a:prstGeom prst="rect">
             <a:avLst/>
@@ -13894,7 +13874,7 @@
         <p:spPr>
           <a:xfrm>
             <a:off x="4260600" y="312120"/>
-            <a:ext cx="3669480" cy="696960"/>
+            <a:ext cx="3669120" cy="696600"/>
           </a:xfrm>
           <a:prstGeom prst="rect">
             <a:avLst/>
@@ -13982,7 +13962,7 @@
         <p:spPr>
           <a:xfrm>
             <a:off x="720000" y="1449360"/>
-            <a:ext cx="11469960" cy="3012480"/>
+            <a:ext cx="11469600" cy="3012120"/>
           </a:xfrm>
           <a:prstGeom prst="rect">
             <a:avLst/>
@@ -14043,9 +14023,9 @@
         <p:grpSpPr>
           <a:xfrm>
             <a:off x="2736000" y="1449360"/>
-            <a:ext cx="7275600" cy="4640760"/>
+            <a:ext cx="7275240" cy="4640400"/>
             <a:chOff x="2736000" y="1449360"/>
-            <a:chExt cx="7275600" cy="4640760"/>
+            <a:chExt cx="7275240" cy="4640400"/>
           </a:xfrm>
         </p:grpSpPr>
         <p:sp>
@@ -14057,7 +14037,7 @@
           <p:spPr>
             <a:xfrm>
               <a:off x="2736000" y="1449360"/>
-              <a:ext cx="6325560" cy="4640760"/>
+              <a:ext cx="6325200" cy="4640400"/>
             </a:xfrm>
             <a:prstGeom prst="triangle">
               <a:avLst>
@@ -14100,7 +14080,7 @@
           <p:spPr>
             <a:xfrm>
               <a:off x="5901120" y="1916280"/>
-              <a:ext cx="4110480" cy="1096560"/>
+              <a:ext cx="4110120" cy="1096200"/>
             </a:xfrm>
             <a:prstGeom prst="roundRect">
               <a:avLst>
@@ -14192,7 +14172,7 @@
           <p:spPr>
             <a:xfrm>
               <a:off x="5901120" y="3152880"/>
-              <a:ext cx="4110480" cy="1096560"/>
+              <a:ext cx="4110120" cy="1096200"/>
             </a:xfrm>
             <a:prstGeom prst="roundRect">
               <a:avLst>
@@ -14264,7 +14244,7 @@
           <p:spPr>
             <a:xfrm>
               <a:off x="5901120" y="4389840"/>
-              <a:ext cx="4110480" cy="1096560"/>
+              <a:ext cx="4110120" cy="1096200"/>
             </a:xfrm>
             <a:prstGeom prst="roundRect">
               <a:avLst>
@@ -14337,7 +14317,7 @@
         <p:spPr>
           <a:xfrm>
             <a:off x="4260600" y="312120"/>
-            <a:ext cx="3669480" cy="696960"/>
+            <a:ext cx="3669120" cy="696600"/>
           </a:xfrm>
           <a:prstGeom prst="rect">
             <a:avLst/>
@@ -14430,7 +14410,7 @@
         <p:spPr>
           <a:xfrm>
             <a:off x="552960" y="1923120"/>
-            <a:ext cx="3428280" cy="2355120"/>
+            <a:ext cx="3427920" cy="2354760"/>
           </a:xfrm>
           <a:prstGeom prst="rect">
             <a:avLst/>
@@ -14456,7 +14436,7 @@
         <p:spPr>
           <a:xfrm>
             <a:off x="4171320" y="1078920"/>
-            <a:ext cx="4326120" cy="696960"/>
+            <a:ext cx="4325760" cy="696600"/>
           </a:xfrm>
           <a:prstGeom prst="rect">
             <a:avLst/>
@@ -14511,7 +14491,7 @@
         <p:spPr>
           <a:xfrm>
             <a:off x="4367160" y="1933920"/>
-            <a:ext cx="3428280" cy="2355120"/>
+            <a:ext cx="3427920" cy="2354760"/>
           </a:xfrm>
           <a:prstGeom prst="rect">
             <a:avLst/>
@@ -14541,7 +14521,7 @@
         <p:spPr>
           <a:xfrm>
             <a:off x="8209800" y="1923120"/>
-            <a:ext cx="3428280" cy="2344680"/>
+            <a:ext cx="3427920" cy="2344320"/>
           </a:xfrm>
           <a:prstGeom prst="rect">
             <a:avLst/>
@@ -14567,7 +14547,7 @@
         <p:spPr>
           <a:xfrm>
             <a:off x="4260600" y="312120"/>
-            <a:ext cx="3669480" cy="696960"/>
+            <a:ext cx="3669120" cy="696600"/>
           </a:xfrm>
           <a:prstGeom prst="rect">
             <a:avLst/>
@@ -14618,7 +14598,7 @@
         <p:spPr>
           <a:xfrm>
             <a:off x="3982320" y="4536720"/>
-            <a:ext cx="6651000" cy="1575360"/>
+            <a:ext cx="6650640" cy="1575000"/>
           </a:xfrm>
           <a:prstGeom prst="rect">
             <a:avLst/>
@@ -14649,7 +14629,7 @@
             </a:endParaRPr>
           </a:p>
           <a:p>
-            <a:pPr marL="285840" indent="-282600">
+            <a:pPr marL="285840" indent="-282240">
               <a:lnSpc>
                 <a:spcPct val="100000"/>
               </a:lnSpc>
@@ -14684,7 +14664,7 @@
             </a:endParaRPr>
           </a:p>
           <a:p>
-            <a:pPr marL="216000" indent="-213840">
+            <a:pPr marL="216000" indent="-213480">
               <a:lnSpc>
                 <a:spcPct val="100000"/>
               </a:lnSpc>
@@ -14720,7 +14700,7 @@
             </a:endParaRPr>
           </a:p>
           <a:p>
-            <a:pPr marL="216000" indent="-213840">
+            <a:pPr marL="216000" indent="-213480">
               <a:lnSpc>
                 <a:spcPct val="100000"/>
               </a:lnSpc>
@@ -14793,7 +14773,7 @@
         <p:spPr>
           <a:xfrm>
             <a:off x="837360" y="1392840"/>
-            <a:ext cx="5991120" cy="4945320"/>
+            <a:ext cx="5990760" cy="4944960"/>
           </a:xfrm>
           <a:prstGeom prst="rect">
             <a:avLst/>
@@ -14844,7 +14824,7 @@
             </a:endParaRPr>
           </a:p>
           <a:p>
-            <a:pPr marL="285840" indent="-282600">
+            <a:pPr marL="285840" indent="-282240">
               <a:lnSpc>
                 <a:spcPct val="100000"/>
               </a:lnSpc>
@@ -14879,7 +14859,7 @@
             </a:endParaRPr>
           </a:p>
           <a:p>
-            <a:pPr marL="285840" indent="-282600">
+            <a:pPr marL="285840" indent="-282240">
               <a:lnSpc>
                 <a:spcPct val="100000"/>
               </a:lnSpc>
@@ -14914,7 +14894,7 @@
             </a:endParaRPr>
           </a:p>
           <a:p>
-            <a:pPr marL="285840" indent="-282600">
+            <a:pPr marL="285840" indent="-282240">
               <a:lnSpc>
                 <a:spcPct val="100000"/>
               </a:lnSpc>
@@ -14958,13 +14938,13 @@
         </p:nvPicPr>
         <p:blipFill>
           <a:blip r:embed="rId1"/>
-          <a:srcRect l="6157" t="14464" r="67224" b="64490"/>
+          <a:srcRect l="6156" t="14464" r="67217" b="64479"/>
           <a:stretch/>
         </p:blipFill>
         <p:spPr>
           <a:xfrm>
             <a:off x="7035480" y="3917520"/>
-            <a:ext cx="4317840" cy="2322000"/>
+            <a:ext cx="4317480" cy="2321640"/>
           </a:xfrm>
           <a:prstGeom prst="rect">
             <a:avLst/>
@@ -14982,13 +14962,13 @@
         </p:nvPicPr>
         <p:blipFill>
           <a:blip r:embed="rId2"/>
-          <a:srcRect l="6760" t="13414" r="68996" b="62401"/>
+          <a:srcRect l="6760" t="13414" r="68988" b="62394"/>
           <a:stretch/>
         </p:blipFill>
         <p:spPr>
           <a:xfrm>
             <a:off x="7035840" y="1401480"/>
-            <a:ext cx="4317480" cy="2322000"/>
+            <a:ext cx="4317120" cy="2321640"/>
           </a:xfrm>
           <a:prstGeom prst="rect">
             <a:avLst/>
@@ -15007,7 +14987,7 @@
         <p:spPr>
           <a:xfrm>
             <a:off x="4260600" y="312120"/>
-            <a:ext cx="3669480" cy="696960"/>
+            <a:ext cx="3669120" cy="696600"/>
           </a:xfrm>
           <a:prstGeom prst="rect">
             <a:avLst/>
@@ -15095,7 +15075,7 @@
         <p:spPr>
           <a:xfrm>
             <a:off x="1275840" y="2053440"/>
-            <a:ext cx="9637920" cy="4571280"/>
+            <a:ext cx="9637560" cy="4570920"/>
           </a:xfrm>
           <a:prstGeom prst="rect">
             <a:avLst/>
@@ -15116,7 +15096,7 @@
             <a:noAutofit/>
           </a:bodyPr>
           <a:p>
-            <a:pPr marL="457200" indent="-453240">
+            <a:pPr marL="457200" indent="-452880">
               <a:lnSpc>
                 <a:spcPct val="100000"/>
               </a:lnSpc>
@@ -15151,7 +15131,7 @@
             </a:endParaRPr>
           </a:p>
           <a:p>
-            <a:pPr marL="457200" indent="-453240">
+            <a:pPr marL="457200" indent="-452880">
               <a:lnSpc>
                 <a:spcPct val="100000"/>
               </a:lnSpc>
@@ -15186,7 +15166,7 @@
             </a:endParaRPr>
           </a:p>
           <a:p>
-            <a:pPr marL="457200" indent="-453240">
+            <a:pPr marL="457200" indent="-452880">
               <a:lnSpc>
                 <a:spcPct val="100000"/>
               </a:lnSpc>
@@ -15221,7 +15201,7 @@
             </a:endParaRPr>
           </a:p>
           <a:p>
-            <a:pPr marL="457200" indent="-453240">
+            <a:pPr marL="457200" indent="-452880">
               <a:lnSpc>
                 <a:spcPct val="100000"/>
               </a:lnSpc>
@@ -15316,7 +15296,7 @@
         <p:spPr>
           <a:xfrm>
             <a:off x="3724920" y="1154520"/>
-            <a:ext cx="4739400" cy="753480"/>
+            <a:ext cx="4739040" cy="753120"/>
           </a:xfrm>
           <a:prstGeom prst="rect">
             <a:avLst/>
@@ -15378,7 +15358,7 @@
         <p:spPr>
           <a:xfrm>
             <a:off x="4260600" y="312120"/>
-            <a:ext cx="3669480" cy="696960"/>
+            <a:ext cx="3669120" cy="696600"/>
           </a:xfrm>
           <a:prstGeom prst="rect">
             <a:avLst/>
@@ -15466,7 +15446,7 @@
         <p:spPr>
           <a:xfrm>
             <a:off x="964800" y="1240560"/>
-            <a:ext cx="10395720" cy="2554200"/>
+            <a:ext cx="10395360" cy="2553840"/>
           </a:xfrm>
           <a:prstGeom prst="roundRect">
             <a:avLst>
@@ -15510,7 +15490,7 @@
         <p:spPr>
           <a:xfrm>
             <a:off x="1370880" y="1282320"/>
-            <a:ext cx="9449280" cy="2210040"/>
+            <a:ext cx="9448920" cy="2209680"/>
           </a:xfrm>
           <a:prstGeom prst="rect">
             <a:avLst/>
@@ -15696,7 +15676,7 @@
         <p:spPr>
           <a:xfrm>
             <a:off x="7873200" y="4145400"/>
-            <a:ext cx="2818080" cy="2129040"/>
+            <a:ext cx="2817720" cy="2128680"/>
           </a:xfrm>
           <a:prstGeom prst="rect">
             <a:avLst/>
@@ -15720,7 +15700,7 @@
         <p:spPr>
           <a:xfrm>
             <a:off x="1499760" y="3923280"/>
-            <a:ext cx="2818080" cy="2413800"/>
+            <a:ext cx="2817720" cy="2413440"/>
           </a:xfrm>
           <a:prstGeom prst="rect">
             <a:avLst/>
@@ -15739,7 +15719,7 @@
         <p:spPr>
           <a:xfrm>
             <a:off x="4260600" y="312120"/>
-            <a:ext cx="3669480" cy="696960"/>
+            <a:ext cx="3669120" cy="696600"/>
           </a:xfrm>
           <a:prstGeom prst="rect">
             <a:avLst/>
